--- a/DNS Finger Printing.pptx
+++ b/DNS Finger Printing.pptx
@@ -120,6 +120,11 @@
       </a:defRPr>
     </a:lvl9pPr>
   </p:defaultTextStyle>
+  <p:extLst>
+    <p:ext uri="{EFAFB233-063F-42B5-8137-9DF3F51BA10A}">
+      <p15:sldGuideLst xmlns:p15="http://schemas.microsoft.com/office/powerpoint/2012/main"/>
+    </p:ext>
+  </p:extLst>
 </p:presentation>
 </file>
 
@@ -270,7 +275,7 @@
           <a:p>
             <a:fld id="{B43D0B0F-FBE8-4583-B422-784021D88E34}" type="datetimeFigureOut">
               <a:rPr lang="he-IL" smtClean="0"/>
-              <a:t>י'/אלול/תשפ"ב</a:t>
+              <a:t>י"א/אלול/תשפ"ב</a:t>
             </a:fld>
             <a:endParaRPr lang="he-IL"/>
           </a:p>
@@ -468,7 +473,7 @@
           <a:p>
             <a:fld id="{B43D0B0F-FBE8-4583-B422-784021D88E34}" type="datetimeFigureOut">
               <a:rPr lang="he-IL" smtClean="0"/>
-              <a:t>י'/אלול/תשפ"ב</a:t>
+              <a:t>י"א/אלול/תשפ"ב</a:t>
             </a:fld>
             <a:endParaRPr lang="he-IL"/>
           </a:p>
@@ -676,7 +681,7 @@
           <a:p>
             <a:fld id="{B43D0B0F-FBE8-4583-B422-784021D88E34}" type="datetimeFigureOut">
               <a:rPr lang="he-IL" smtClean="0"/>
-              <a:t>י'/אלול/תשפ"ב</a:t>
+              <a:t>י"א/אלול/תשפ"ב</a:t>
             </a:fld>
             <a:endParaRPr lang="he-IL"/>
           </a:p>
@@ -874,7 +879,7 @@
           <a:p>
             <a:fld id="{B43D0B0F-FBE8-4583-B422-784021D88E34}" type="datetimeFigureOut">
               <a:rPr lang="he-IL" smtClean="0"/>
-              <a:t>י'/אלול/תשפ"ב</a:t>
+              <a:t>י"א/אלול/תשפ"ב</a:t>
             </a:fld>
             <a:endParaRPr lang="he-IL"/>
           </a:p>
@@ -1149,7 +1154,7 @@
           <a:p>
             <a:fld id="{B43D0B0F-FBE8-4583-B422-784021D88E34}" type="datetimeFigureOut">
               <a:rPr lang="he-IL" smtClean="0"/>
-              <a:t>י'/אלול/תשפ"ב</a:t>
+              <a:t>י"א/אלול/תשפ"ב</a:t>
             </a:fld>
             <a:endParaRPr lang="he-IL"/>
           </a:p>
@@ -1414,7 +1419,7 @@
           <a:p>
             <a:fld id="{B43D0B0F-FBE8-4583-B422-784021D88E34}" type="datetimeFigureOut">
               <a:rPr lang="he-IL" smtClean="0"/>
-              <a:t>י'/אלול/תשפ"ב</a:t>
+              <a:t>י"א/אלול/תשפ"ב</a:t>
             </a:fld>
             <a:endParaRPr lang="he-IL"/>
           </a:p>
@@ -1826,7 +1831,7 @@
           <a:p>
             <a:fld id="{B43D0B0F-FBE8-4583-B422-784021D88E34}" type="datetimeFigureOut">
               <a:rPr lang="he-IL" smtClean="0"/>
-              <a:t>י'/אלול/תשפ"ב</a:t>
+              <a:t>י"א/אלול/תשפ"ב</a:t>
             </a:fld>
             <a:endParaRPr lang="he-IL"/>
           </a:p>
@@ -1967,7 +1972,7 @@
           <a:p>
             <a:fld id="{B43D0B0F-FBE8-4583-B422-784021D88E34}" type="datetimeFigureOut">
               <a:rPr lang="he-IL" smtClean="0"/>
-              <a:t>י'/אלול/תשפ"ב</a:t>
+              <a:t>י"א/אלול/תשפ"ב</a:t>
             </a:fld>
             <a:endParaRPr lang="he-IL"/>
           </a:p>
@@ -2080,7 +2085,7 @@
           <a:p>
             <a:fld id="{B43D0B0F-FBE8-4583-B422-784021D88E34}" type="datetimeFigureOut">
               <a:rPr lang="he-IL" smtClean="0"/>
-              <a:t>י'/אלול/תשפ"ב</a:t>
+              <a:t>י"א/אלול/תשפ"ב</a:t>
             </a:fld>
             <a:endParaRPr lang="he-IL"/>
           </a:p>
@@ -2391,7 +2396,7 @@
           <a:p>
             <a:fld id="{B43D0B0F-FBE8-4583-B422-784021D88E34}" type="datetimeFigureOut">
               <a:rPr lang="he-IL" smtClean="0"/>
-              <a:t>י'/אלול/תשפ"ב</a:t>
+              <a:t>י"א/אלול/תשפ"ב</a:t>
             </a:fld>
             <a:endParaRPr lang="he-IL"/>
           </a:p>
@@ -2679,7 +2684,7 @@
           <a:p>
             <a:fld id="{B43D0B0F-FBE8-4583-B422-784021D88E34}" type="datetimeFigureOut">
               <a:rPr lang="he-IL" smtClean="0"/>
-              <a:t>י'/אלול/תשפ"ב</a:t>
+              <a:t>י"א/אלול/תשפ"ב</a:t>
             </a:fld>
             <a:endParaRPr lang="he-IL"/>
           </a:p>
@@ -2920,7 +2925,7 @@
           <a:p>
             <a:fld id="{B43D0B0F-FBE8-4583-B422-784021D88E34}" type="datetimeFigureOut">
               <a:rPr lang="he-IL" smtClean="0"/>
-              <a:t>י'/אלול/תשפ"ב</a:t>
+              <a:t>י"א/אלול/תשפ"ב</a:t>
             </a:fld>
             <a:endParaRPr lang="he-IL"/>
           </a:p>

--- a/DNS Finger Printing.pptx
+++ b/DNS Finger Printing.pptx
@@ -5790,7 +5790,7 @@
                 <a:latin typeface="Arial" panose="020B0604020202020204" pitchFamily="34" charset="0"/>
                 <a:ea typeface="Arial" panose="020B0604020202020204" pitchFamily="34" charset="0"/>
               </a:rPr>
-              <a:t> לשמות דומיין באופן זמני, למשך זמן שהוגדר מראש (לרוב על ידי בעל הדומיין – מוגדר מראש בעת הפעלת השרת). לאחר הזמן הזה הכתובת בעבור שם הדומיין </a:t>
+              <a:t> לשמות דומיין באופן זמני, למשך זמן שהוגדר מראש (לרוב על ידי בעל הדומיין – מוגדר מראש בעת הפעלת השרת). </a:t>
             </a:r>
           </a:p>
           <a:p>
@@ -5954,7 +5954,23 @@
                 <a:latin typeface="Arial" panose="020B0604020202020204" pitchFamily="34" charset="0"/>
                 <a:ea typeface="Arial" panose="020B0604020202020204" pitchFamily="34" charset="0"/>
               </a:rPr>
-              <a:t>).</a:t>
+              <a:t>), כלומר בתום הזמן הזה, הרשומה תמחק מן </a:t>
+            </a:r>
+            <a:r>
+              <a:rPr lang="he-IL" sz="1800" dirty="0" err="1">
+                <a:effectLst/>
+                <a:latin typeface="Arial" panose="020B0604020202020204" pitchFamily="34" charset="0"/>
+                <a:ea typeface="Arial" panose="020B0604020202020204" pitchFamily="34" charset="0"/>
+              </a:rPr>
+              <a:t>זכרון</a:t>
+            </a:r>
+            <a:r>
+              <a:rPr lang="he-IL" sz="1800" dirty="0">
+                <a:effectLst/>
+                <a:latin typeface="Arial" panose="020B0604020202020204" pitchFamily="34" charset="0"/>
+                <a:ea typeface="Arial" panose="020B0604020202020204" pitchFamily="34" charset="0"/>
+              </a:rPr>
+              <a:t> המטמון.</a:t>
             </a:r>
           </a:p>
           <a:p>

--- a/DNS Finger Printing.pptx
+++ b/DNS Finger Printing.pptx
@@ -8,20 +8,28 @@
     <p:sldId id="256" r:id="rId2"/>
     <p:sldId id="257" r:id="rId3"/>
     <p:sldId id="272" r:id="rId4"/>
-    <p:sldId id="258" r:id="rId5"/>
-    <p:sldId id="259" r:id="rId6"/>
-    <p:sldId id="262" r:id="rId7"/>
-    <p:sldId id="260" r:id="rId8"/>
-    <p:sldId id="261" r:id="rId9"/>
-    <p:sldId id="263" r:id="rId10"/>
-    <p:sldId id="264" r:id="rId11"/>
-    <p:sldId id="265" r:id="rId12"/>
-    <p:sldId id="266" r:id="rId13"/>
-    <p:sldId id="267" r:id="rId14"/>
-    <p:sldId id="268" r:id="rId15"/>
-    <p:sldId id="269" r:id="rId16"/>
-    <p:sldId id="270" r:id="rId17"/>
-    <p:sldId id="271" r:id="rId18"/>
+    <p:sldId id="276" r:id="rId5"/>
+    <p:sldId id="258" r:id="rId6"/>
+    <p:sldId id="259" r:id="rId7"/>
+    <p:sldId id="262" r:id="rId8"/>
+    <p:sldId id="260" r:id="rId9"/>
+    <p:sldId id="261" r:id="rId10"/>
+    <p:sldId id="263" r:id="rId11"/>
+    <p:sldId id="264" r:id="rId12"/>
+    <p:sldId id="265" r:id="rId13"/>
+    <p:sldId id="266" r:id="rId14"/>
+    <p:sldId id="273" r:id="rId15"/>
+    <p:sldId id="274" r:id="rId16"/>
+    <p:sldId id="267" r:id="rId17"/>
+    <p:sldId id="268" r:id="rId18"/>
+    <p:sldId id="269" r:id="rId19"/>
+    <p:sldId id="275" r:id="rId20"/>
+    <p:sldId id="270" r:id="rId21"/>
+    <p:sldId id="271" r:id="rId22"/>
+    <p:sldId id="277" r:id="rId23"/>
+    <p:sldId id="278" r:id="rId24"/>
+    <p:sldId id="279" r:id="rId25"/>
+    <p:sldId id="280" r:id="rId26"/>
   </p:sldIdLst>
   <p:sldSz cx="12192000" cy="6858000"/>
   <p:notesSz cx="6858000" cy="9144000"/>
@@ -128,6 +136,4586 @@
 </p:presentation>
 </file>
 
+<file path=ppt/diagrams/colors1.xml><?xml version="1.0" encoding="utf-8"?>
+<dgm:colorsDef xmlns:dgm="http://schemas.openxmlformats.org/drawingml/2006/diagram" xmlns:a="http://schemas.openxmlformats.org/drawingml/2006/main" uniqueId="urn:microsoft.com/office/officeart/2005/8/colors/colorful4">
+  <dgm:title val=""/>
+  <dgm:desc val=""/>
+  <dgm:catLst>
+    <dgm:cat type="colorful" pri="10400"/>
+  </dgm:catLst>
+  <dgm:styleLbl name="node0">
+    <dgm:fillClrLst meth="repeat">
+      <a:schemeClr val="accent3"/>
+    </dgm:fillClrLst>
+    <dgm:linClrLst meth="repeat">
+      <a:schemeClr val="lt1"/>
+    </dgm:linClrLst>
+    <dgm:effectClrLst/>
+    <dgm:txLinClrLst/>
+    <dgm:txFillClrLst/>
+    <dgm:txEffectClrLst/>
+  </dgm:styleLbl>
+  <dgm:styleLbl name="node1">
+    <dgm:fillClrLst>
+      <a:schemeClr val="accent4"/>
+      <a:schemeClr val="accent5"/>
+    </dgm:fillClrLst>
+    <dgm:linClrLst meth="repeat">
+      <a:schemeClr val="lt1"/>
+    </dgm:linClrLst>
+    <dgm:effectClrLst/>
+    <dgm:txLinClrLst/>
+    <dgm:txFillClrLst/>
+    <dgm:txEffectClrLst/>
+  </dgm:styleLbl>
+  <dgm:styleLbl name="alignNode1">
+    <dgm:fillClrLst>
+      <a:schemeClr val="accent4"/>
+      <a:schemeClr val="accent5"/>
+    </dgm:fillClrLst>
+    <dgm:linClrLst>
+      <a:schemeClr val="accent4"/>
+      <a:schemeClr val="accent5"/>
+    </dgm:linClrLst>
+    <dgm:effectClrLst/>
+    <dgm:txLinClrLst/>
+    <dgm:txFillClrLst/>
+    <dgm:txEffectClrLst/>
+  </dgm:styleLbl>
+  <dgm:styleLbl name="lnNode1">
+    <dgm:fillClrLst>
+      <a:schemeClr val="accent4"/>
+      <a:schemeClr val="accent5"/>
+    </dgm:fillClrLst>
+    <dgm:linClrLst meth="repeat">
+      <a:schemeClr val="lt1"/>
+    </dgm:linClrLst>
+    <dgm:effectClrLst/>
+    <dgm:txLinClrLst/>
+    <dgm:txFillClrLst/>
+    <dgm:txEffectClrLst/>
+  </dgm:styleLbl>
+  <dgm:styleLbl name="vennNode1">
+    <dgm:fillClrLst>
+      <a:schemeClr val="accent4">
+        <a:alpha val="50000"/>
+      </a:schemeClr>
+      <a:schemeClr val="accent5">
+        <a:alpha val="50000"/>
+      </a:schemeClr>
+    </dgm:fillClrLst>
+    <dgm:linClrLst meth="repeat">
+      <a:schemeClr val="lt1"/>
+    </dgm:linClrLst>
+    <dgm:effectClrLst/>
+    <dgm:txLinClrLst/>
+    <dgm:txFillClrLst/>
+    <dgm:txEffectClrLst/>
+  </dgm:styleLbl>
+  <dgm:styleLbl name="node2">
+    <dgm:fillClrLst>
+      <a:schemeClr val="accent5"/>
+    </dgm:fillClrLst>
+    <dgm:linClrLst meth="repeat">
+      <a:schemeClr val="lt1"/>
+    </dgm:linClrLst>
+    <dgm:effectClrLst/>
+    <dgm:txLinClrLst/>
+    <dgm:txFillClrLst/>
+    <dgm:txEffectClrLst/>
+  </dgm:styleLbl>
+  <dgm:styleLbl name="node3">
+    <dgm:fillClrLst>
+      <a:schemeClr val="accent6"/>
+    </dgm:fillClrLst>
+    <dgm:linClrLst meth="repeat">
+      <a:schemeClr val="lt1"/>
+    </dgm:linClrLst>
+    <dgm:effectClrLst/>
+    <dgm:txLinClrLst/>
+    <dgm:txFillClrLst/>
+    <dgm:txEffectClrLst/>
+  </dgm:styleLbl>
+  <dgm:styleLbl name="node4">
+    <dgm:fillClrLst>
+      <a:schemeClr val="accent1"/>
+    </dgm:fillClrLst>
+    <dgm:linClrLst meth="repeat">
+      <a:schemeClr val="lt1"/>
+    </dgm:linClrLst>
+    <dgm:effectClrLst/>
+    <dgm:txLinClrLst/>
+    <dgm:txFillClrLst/>
+    <dgm:txEffectClrLst/>
+  </dgm:styleLbl>
+  <dgm:styleLbl name="fgImgPlace1">
+    <dgm:fillClrLst>
+      <a:schemeClr val="accent4">
+        <a:tint val="50000"/>
+      </a:schemeClr>
+      <a:schemeClr val="accent5">
+        <a:tint val="50000"/>
+      </a:schemeClr>
+    </dgm:fillClrLst>
+    <dgm:linClrLst meth="repeat">
+      <a:schemeClr val="lt1"/>
+    </dgm:linClrLst>
+    <dgm:effectClrLst/>
+    <dgm:txLinClrLst/>
+    <dgm:txFillClrLst meth="repeat">
+      <a:schemeClr val="lt1"/>
+    </dgm:txFillClrLst>
+    <dgm:txEffectClrLst/>
+  </dgm:styleLbl>
+  <dgm:styleLbl name="alignImgPlace1">
+    <dgm:fillClrLst>
+      <a:schemeClr val="accent4">
+        <a:tint val="50000"/>
+      </a:schemeClr>
+      <a:schemeClr val="accent5">
+        <a:tint val="20000"/>
+      </a:schemeClr>
+    </dgm:fillClrLst>
+    <dgm:linClrLst meth="repeat">
+      <a:schemeClr val="lt1"/>
+    </dgm:linClrLst>
+    <dgm:effectClrLst/>
+    <dgm:txLinClrLst/>
+    <dgm:txFillClrLst meth="repeat">
+      <a:schemeClr val="lt1"/>
+    </dgm:txFillClrLst>
+    <dgm:txEffectClrLst/>
+  </dgm:styleLbl>
+  <dgm:styleLbl name="bgImgPlace1">
+    <dgm:fillClrLst>
+      <a:schemeClr val="accent4">
+        <a:tint val="50000"/>
+      </a:schemeClr>
+      <a:schemeClr val="accent5">
+        <a:tint val="20000"/>
+      </a:schemeClr>
+    </dgm:fillClrLst>
+    <dgm:linClrLst meth="repeat">
+      <a:schemeClr val="lt1"/>
+    </dgm:linClrLst>
+    <dgm:effectClrLst/>
+    <dgm:txLinClrLst/>
+    <dgm:txFillClrLst meth="repeat">
+      <a:schemeClr val="lt1"/>
+    </dgm:txFillClrLst>
+    <dgm:txEffectClrLst/>
+  </dgm:styleLbl>
+  <dgm:styleLbl name="sibTrans2D1">
+    <dgm:fillClrLst>
+      <a:schemeClr val="accent4"/>
+      <a:schemeClr val="accent5"/>
+    </dgm:fillClrLst>
+    <dgm:linClrLst meth="repeat">
+      <a:schemeClr val="lt1"/>
+    </dgm:linClrLst>
+    <dgm:effectClrLst/>
+    <dgm:txLinClrLst/>
+    <dgm:txFillClrLst/>
+    <dgm:txEffectClrLst/>
+  </dgm:styleLbl>
+  <dgm:styleLbl name="fgSibTrans2D1">
+    <dgm:fillClrLst>
+      <a:schemeClr val="accent4"/>
+      <a:schemeClr val="accent5"/>
+    </dgm:fillClrLst>
+    <dgm:linClrLst meth="repeat">
+      <a:schemeClr val="lt1"/>
+    </dgm:linClrLst>
+    <dgm:effectClrLst/>
+    <dgm:txLinClrLst/>
+    <dgm:txFillClrLst meth="repeat">
+      <a:schemeClr val="lt1"/>
+    </dgm:txFillClrLst>
+    <dgm:txEffectClrLst/>
+  </dgm:styleLbl>
+  <dgm:styleLbl name="bgSibTrans2D1">
+    <dgm:fillClrLst>
+      <a:schemeClr val="accent4"/>
+      <a:schemeClr val="accent5"/>
+    </dgm:fillClrLst>
+    <dgm:linClrLst meth="repeat">
+      <a:schemeClr val="lt1"/>
+    </dgm:linClrLst>
+    <dgm:effectClrLst/>
+    <dgm:txLinClrLst/>
+    <dgm:txFillClrLst meth="repeat">
+      <a:schemeClr val="lt1"/>
+    </dgm:txFillClrLst>
+    <dgm:txEffectClrLst/>
+  </dgm:styleLbl>
+  <dgm:styleLbl name="sibTrans1D1">
+    <dgm:fillClrLst/>
+    <dgm:linClrLst>
+      <a:schemeClr val="accent4"/>
+      <a:schemeClr val="accent5"/>
+    </dgm:linClrLst>
+    <dgm:effectClrLst/>
+    <dgm:txLinClrLst/>
+    <dgm:txFillClrLst meth="repeat">
+      <a:schemeClr val="tx1"/>
+    </dgm:txFillClrLst>
+    <dgm:txEffectClrLst/>
+  </dgm:styleLbl>
+  <dgm:styleLbl name="callout">
+    <dgm:fillClrLst meth="repeat">
+      <a:schemeClr val="accent4"/>
+    </dgm:fillClrLst>
+    <dgm:linClrLst meth="repeat">
+      <a:schemeClr val="accent4">
+        <a:tint val="50000"/>
+      </a:schemeClr>
+    </dgm:linClrLst>
+    <dgm:effectClrLst/>
+    <dgm:txLinClrLst/>
+    <dgm:txFillClrLst meth="repeat">
+      <a:schemeClr val="tx1"/>
+    </dgm:txFillClrLst>
+    <dgm:txEffectClrLst/>
+  </dgm:styleLbl>
+  <dgm:styleLbl name="asst0">
+    <dgm:fillClrLst meth="repeat">
+      <a:schemeClr val="accent4"/>
+    </dgm:fillClrLst>
+    <dgm:linClrLst meth="repeat">
+      <a:schemeClr val="lt1">
+        <a:shade val="80000"/>
+      </a:schemeClr>
+    </dgm:linClrLst>
+    <dgm:effectClrLst/>
+    <dgm:txLinClrLst/>
+    <dgm:txFillClrLst/>
+    <dgm:txEffectClrLst/>
+  </dgm:styleLbl>
+  <dgm:styleLbl name="asst1">
+    <dgm:fillClrLst meth="repeat">
+      <a:schemeClr val="accent5"/>
+    </dgm:fillClrLst>
+    <dgm:linClrLst meth="repeat">
+      <a:schemeClr val="lt1">
+        <a:shade val="80000"/>
+      </a:schemeClr>
+    </dgm:linClrLst>
+    <dgm:effectClrLst/>
+    <dgm:txLinClrLst/>
+    <dgm:txFillClrLst/>
+    <dgm:txEffectClrLst/>
+  </dgm:styleLbl>
+  <dgm:styleLbl name="asst2">
+    <dgm:fillClrLst>
+      <a:schemeClr val="accent6"/>
+    </dgm:fillClrLst>
+    <dgm:linClrLst meth="repeat">
+      <a:schemeClr val="lt1"/>
+    </dgm:linClrLst>
+    <dgm:effectClrLst/>
+    <dgm:txLinClrLst/>
+    <dgm:txFillClrLst/>
+    <dgm:txEffectClrLst/>
+  </dgm:styleLbl>
+  <dgm:styleLbl name="asst3">
+    <dgm:fillClrLst>
+      <a:schemeClr val="accent1"/>
+    </dgm:fillClrLst>
+    <dgm:linClrLst meth="repeat">
+      <a:schemeClr val="lt1"/>
+    </dgm:linClrLst>
+    <dgm:effectClrLst/>
+    <dgm:txLinClrLst/>
+    <dgm:txFillClrLst/>
+    <dgm:txEffectClrLst/>
+  </dgm:styleLbl>
+  <dgm:styleLbl name="asst4">
+    <dgm:fillClrLst>
+      <a:schemeClr val="accent2"/>
+    </dgm:fillClrLst>
+    <dgm:linClrLst meth="repeat">
+      <a:schemeClr val="lt1"/>
+    </dgm:linClrLst>
+    <dgm:effectClrLst/>
+    <dgm:txLinClrLst/>
+    <dgm:txFillClrLst/>
+    <dgm:txEffectClrLst/>
+  </dgm:styleLbl>
+  <dgm:styleLbl name="parChTrans2D1">
+    <dgm:fillClrLst meth="repeat">
+      <a:schemeClr val="accent4"/>
+    </dgm:fillClrLst>
+    <dgm:linClrLst meth="repeat">
+      <a:schemeClr val="lt1"/>
+    </dgm:linClrLst>
+    <dgm:effectClrLst/>
+    <dgm:txLinClrLst/>
+    <dgm:txFillClrLst meth="repeat">
+      <a:schemeClr val="lt1"/>
+    </dgm:txFillClrLst>
+    <dgm:txEffectClrLst/>
+  </dgm:styleLbl>
+  <dgm:styleLbl name="parChTrans2D2">
+    <dgm:fillClrLst meth="repeat">
+      <a:schemeClr val="accent5"/>
+    </dgm:fillClrLst>
+    <dgm:linClrLst meth="repeat">
+      <a:schemeClr val="lt1"/>
+    </dgm:linClrLst>
+    <dgm:effectClrLst/>
+    <dgm:txLinClrLst/>
+    <dgm:txFillClrLst/>
+    <dgm:txEffectClrLst/>
+  </dgm:styleLbl>
+  <dgm:styleLbl name="parChTrans2D3">
+    <dgm:fillClrLst meth="repeat">
+      <a:schemeClr val="accent5"/>
+    </dgm:fillClrLst>
+    <dgm:linClrLst meth="repeat">
+      <a:schemeClr val="lt1"/>
+    </dgm:linClrLst>
+    <dgm:effectClrLst/>
+    <dgm:txLinClrLst/>
+    <dgm:txFillClrLst/>
+    <dgm:txEffectClrLst/>
+  </dgm:styleLbl>
+  <dgm:styleLbl name="parChTrans2D4">
+    <dgm:fillClrLst meth="repeat">
+      <a:schemeClr val="accent6"/>
+    </dgm:fillClrLst>
+    <dgm:linClrLst meth="repeat">
+      <a:schemeClr val="lt1"/>
+    </dgm:linClrLst>
+    <dgm:effectClrLst/>
+    <dgm:txLinClrLst/>
+    <dgm:txFillClrLst meth="repeat">
+      <a:schemeClr val="lt1"/>
+    </dgm:txFillClrLst>
+    <dgm:txEffectClrLst/>
+  </dgm:styleLbl>
+  <dgm:styleLbl name="parChTrans1D1">
+    <dgm:fillClrLst meth="repeat">
+      <a:schemeClr val="accent4"/>
+    </dgm:fillClrLst>
+    <dgm:linClrLst meth="repeat">
+      <a:schemeClr val="accent4"/>
+    </dgm:linClrLst>
+    <dgm:effectClrLst/>
+    <dgm:txLinClrLst/>
+    <dgm:txFillClrLst meth="repeat">
+      <a:schemeClr val="tx1"/>
+    </dgm:txFillClrLst>
+    <dgm:txEffectClrLst/>
+  </dgm:styleLbl>
+  <dgm:styleLbl name="parChTrans1D2">
+    <dgm:fillClrLst meth="repeat">
+      <a:schemeClr val="accent4">
+        <a:tint val="90000"/>
+      </a:schemeClr>
+    </dgm:fillClrLst>
+    <dgm:linClrLst meth="repeat">
+      <a:schemeClr val="accent5"/>
+    </dgm:linClrLst>
+    <dgm:effectClrLst/>
+    <dgm:txLinClrLst/>
+    <dgm:txFillClrLst meth="repeat">
+      <a:schemeClr val="tx1"/>
+    </dgm:txFillClrLst>
+    <dgm:txEffectClrLst/>
+  </dgm:styleLbl>
+  <dgm:styleLbl name="parChTrans1D3">
+    <dgm:fillClrLst meth="repeat">
+      <a:schemeClr val="accent4">
+        <a:tint val="70000"/>
+      </a:schemeClr>
+    </dgm:fillClrLst>
+    <dgm:linClrLst meth="repeat">
+      <a:schemeClr val="accent6"/>
+    </dgm:linClrLst>
+    <dgm:effectClrLst/>
+    <dgm:txLinClrLst/>
+    <dgm:txFillClrLst meth="repeat">
+      <a:schemeClr val="tx1"/>
+    </dgm:txFillClrLst>
+    <dgm:txEffectClrLst/>
+  </dgm:styleLbl>
+  <dgm:styleLbl name="parChTrans1D4">
+    <dgm:fillClrLst meth="repeat">
+      <a:schemeClr val="accent4">
+        <a:tint val="50000"/>
+      </a:schemeClr>
+    </dgm:fillClrLst>
+    <dgm:linClrLst meth="repeat">
+      <a:schemeClr val="accent1"/>
+    </dgm:linClrLst>
+    <dgm:effectClrLst/>
+    <dgm:txLinClrLst/>
+    <dgm:txFillClrLst meth="repeat">
+      <a:schemeClr val="tx1"/>
+    </dgm:txFillClrLst>
+    <dgm:txEffectClrLst/>
+  </dgm:styleLbl>
+  <dgm:styleLbl name="fgAcc1">
+    <dgm:fillClrLst meth="repeat">
+      <a:schemeClr val="lt1">
+        <a:alpha val="90000"/>
+      </a:schemeClr>
+    </dgm:fillClrLst>
+    <dgm:linClrLst>
+      <a:schemeClr val="accent4"/>
+      <a:schemeClr val="accent5"/>
+    </dgm:linClrLst>
+    <dgm:effectClrLst/>
+    <dgm:txLinClrLst/>
+    <dgm:txFillClrLst meth="repeat">
+      <a:schemeClr val="dk1"/>
+    </dgm:txFillClrLst>
+    <dgm:txEffectClrLst/>
+  </dgm:styleLbl>
+  <dgm:styleLbl name="conFgAcc1">
+    <dgm:fillClrLst meth="repeat">
+      <a:schemeClr val="lt1">
+        <a:alpha val="90000"/>
+      </a:schemeClr>
+    </dgm:fillClrLst>
+    <dgm:linClrLst>
+      <a:schemeClr val="accent4"/>
+      <a:schemeClr val="accent5"/>
+    </dgm:linClrLst>
+    <dgm:effectClrLst/>
+    <dgm:txLinClrLst/>
+    <dgm:txFillClrLst meth="repeat">
+      <a:schemeClr val="dk1"/>
+    </dgm:txFillClrLst>
+    <dgm:txEffectClrLst/>
+  </dgm:styleLbl>
+  <dgm:styleLbl name="alignAcc1">
+    <dgm:fillClrLst meth="repeat">
+      <a:schemeClr val="lt1">
+        <a:alpha val="90000"/>
+      </a:schemeClr>
+    </dgm:fillClrLst>
+    <dgm:linClrLst>
+      <a:schemeClr val="accent4"/>
+      <a:schemeClr val="accent5"/>
+    </dgm:linClrLst>
+    <dgm:effectClrLst/>
+    <dgm:txLinClrLst/>
+    <dgm:txFillClrLst meth="repeat">
+      <a:schemeClr val="dk1"/>
+    </dgm:txFillClrLst>
+    <dgm:txEffectClrLst/>
+  </dgm:styleLbl>
+  <dgm:styleLbl name="trAlignAcc1">
+    <dgm:fillClrLst meth="repeat">
+      <a:schemeClr val="lt1">
+        <a:alpha val="40000"/>
+      </a:schemeClr>
+    </dgm:fillClrLst>
+    <dgm:linClrLst meth="repeat">
+      <a:schemeClr val="accent4"/>
+    </dgm:linClrLst>
+    <dgm:effectClrLst/>
+    <dgm:txLinClrLst/>
+    <dgm:txFillClrLst meth="repeat">
+      <a:schemeClr val="dk1"/>
+    </dgm:txFillClrLst>
+    <dgm:txEffectClrLst/>
+  </dgm:styleLbl>
+  <dgm:styleLbl name="bgAcc1">
+    <dgm:fillClrLst meth="repeat">
+      <a:schemeClr val="lt1">
+        <a:alpha val="90000"/>
+      </a:schemeClr>
+    </dgm:fillClrLst>
+    <dgm:linClrLst>
+      <a:schemeClr val="accent4"/>
+      <a:schemeClr val="accent5"/>
+    </dgm:linClrLst>
+    <dgm:effectClrLst/>
+    <dgm:txLinClrLst/>
+    <dgm:txFillClrLst meth="repeat">
+      <a:schemeClr val="dk1"/>
+    </dgm:txFillClrLst>
+    <dgm:txEffectClrLst/>
+  </dgm:styleLbl>
+  <dgm:styleLbl name="solidFgAcc1">
+    <dgm:fillClrLst meth="repeat">
+      <a:schemeClr val="lt1"/>
+    </dgm:fillClrLst>
+    <dgm:linClrLst>
+      <a:schemeClr val="accent4"/>
+      <a:schemeClr val="accent5"/>
+    </dgm:linClrLst>
+    <dgm:effectClrLst/>
+    <dgm:txLinClrLst/>
+    <dgm:txFillClrLst meth="repeat">
+      <a:schemeClr val="dk1"/>
+    </dgm:txFillClrLst>
+    <dgm:txEffectClrLst/>
+  </dgm:styleLbl>
+  <dgm:styleLbl name="solidAlignAcc1">
+    <dgm:fillClrLst meth="repeat">
+      <a:schemeClr val="lt1"/>
+    </dgm:fillClrLst>
+    <dgm:linClrLst>
+      <a:schemeClr val="accent4"/>
+      <a:schemeClr val="accent5"/>
+    </dgm:linClrLst>
+    <dgm:effectClrLst/>
+    <dgm:txLinClrLst/>
+    <dgm:txFillClrLst meth="repeat">
+      <a:schemeClr val="dk1"/>
+    </dgm:txFillClrLst>
+    <dgm:txEffectClrLst/>
+  </dgm:styleLbl>
+  <dgm:styleLbl name="solidBgAcc1">
+    <dgm:fillClrLst meth="repeat">
+      <a:schemeClr val="lt1"/>
+    </dgm:fillClrLst>
+    <dgm:linClrLst>
+      <a:schemeClr val="accent4"/>
+      <a:schemeClr val="accent5"/>
+    </dgm:linClrLst>
+    <dgm:effectClrLst/>
+    <dgm:txLinClrLst/>
+    <dgm:txFillClrLst meth="repeat">
+      <a:schemeClr val="dk1"/>
+    </dgm:txFillClrLst>
+    <dgm:txEffectClrLst/>
+  </dgm:styleLbl>
+  <dgm:styleLbl name="fgAccFollowNode1">
+    <dgm:fillClrLst>
+      <a:schemeClr val="accent4">
+        <a:tint val="40000"/>
+        <a:alpha val="90000"/>
+      </a:schemeClr>
+      <a:schemeClr val="accent5">
+        <a:tint val="40000"/>
+        <a:alpha val="90000"/>
+      </a:schemeClr>
+    </dgm:fillClrLst>
+    <dgm:linClrLst>
+      <a:schemeClr val="accent4">
+        <a:tint val="40000"/>
+        <a:alpha val="90000"/>
+      </a:schemeClr>
+      <a:schemeClr val="accent5">
+        <a:tint val="40000"/>
+        <a:alpha val="90000"/>
+      </a:schemeClr>
+    </dgm:linClrLst>
+    <dgm:effectClrLst/>
+    <dgm:txLinClrLst/>
+    <dgm:txFillClrLst meth="repeat">
+      <a:schemeClr val="dk1"/>
+    </dgm:txFillClrLst>
+    <dgm:txEffectClrLst/>
+  </dgm:styleLbl>
+  <dgm:styleLbl name="alignAccFollowNode1">
+    <dgm:fillClrLst>
+      <a:schemeClr val="accent4">
+        <a:tint val="40000"/>
+        <a:alpha val="90000"/>
+      </a:schemeClr>
+      <a:schemeClr val="accent5">
+        <a:tint val="40000"/>
+        <a:alpha val="90000"/>
+      </a:schemeClr>
+    </dgm:fillClrLst>
+    <dgm:linClrLst>
+      <a:schemeClr val="accent4">
+        <a:tint val="40000"/>
+        <a:alpha val="90000"/>
+      </a:schemeClr>
+      <a:schemeClr val="accent5">
+        <a:tint val="40000"/>
+        <a:alpha val="90000"/>
+      </a:schemeClr>
+    </dgm:linClrLst>
+    <dgm:effectClrLst/>
+    <dgm:txLinClrLst/>
+    <dgm:txFillClrLst meth="repeat">
+      <a:schemeClr val="dk1"/>
+    </dgm:txFillClrLst>
+    <dgm:txEffectClrLst/>
+  </dgm:styleLbl>
+  <dgm:styleLbl name="bgAccFollowNode1">
+    <dgm:fillClrLst>
+      <a:schemeClr val="accent4">
+        <a:tint val="40000"/>
+        <a:alpha val="90000"/>
+      </a:schemeClr>
+      <a:schemeClr val="accent5">
+        <a:tint val="40000"/>
+        <a:alpha val="90000"/>
+      </a:schemeClr>
+    </dgm:fillClrLst>
+    <dgm:linClrLst>
+      <a:schemeClr val="accent4">
+        <a:tint val="40000"/>
+        <a:alpha val="90000"/>
+      </a:schemeClr>
+      <a:schemeClr val="accent5">
+        <a:tint val="40000"/>
+        <a:alpha val="90000"/>
+      </a:schemeClr>
+    </dgm:linClrLst>
+    <dgm:effectClrLst/>
+    <dgm:txLinClrLst/>
+    <dgm:txFillClrLst meth="repeat">
+      <a:schemeClr val="dk1"/>
+    </dgm:txFillClrLst>
+    <dgm:txEffectClrLst/>
+  </dgm:styleLbl>
+  <dgm:styleLbl name="fgAcc0">
+    <dgm:fillClrLst meth="repeat">
+      <a:schemeClr val="lt1">
+        <a:alpha val="90000"/>
+      </a:schemeClr>
+    </dgm:fillClrLst>
+    <dgm:linClrLst>
+      <a:schemeClr val="accent3"/>
+    </dgm:linClrLst>
+    <dgm:effectClrLst/>
+    <dgm:txLinClrLst/>
+    <dgm:txFillClrLst meth="repeat">
+      <a:schemeClr val="dk1"/>
+    </dgm:txFillClrLst>
+    <dgm:txEffectClrLst/>
+  </dgm:styleLbl>
+  <dgm:styleLbl name="fgAcc2">
+    <dgm:fillClrLst meth="repeat">
+      <a:schemeClr val="lt1">
+        <a:alpha val="90000"/>
+      </a:schemeClr>
+    </dgm:fillClrLst>
+    <dgm:linClrLst>
+      <a:schemeClr val="accent5"/>
+    </dgm:linClrLst>
+    <dgm:effectClrLst/>
+    <dgm:txLinClrLst/>
+    <dgm:txFillClrLst meth="repeat">
+      <a:schemeClr val="dk1"/>
+    </dgm:txFillClrLst>
+    <dgm:txEffectClrLst/>
+  </dgm:styleLbl>
+  <dgm:styleLbl name="fgAcc3">
+    <dgm:fillClrLst meth="repeat">
+      <a:schemeClr val="lt1">
+        <a:alpha val="90000"/>
+      </a:schemeClr>
+    </dgm:fillClrLst>
+    <dgm:linClrLst>
+      <a:schemeClr val="accent6"/>
+    </dgm:linClrLst>
+    <dgm:effectClrLst/>
+    <dgm:txLinClrLst/>
+    <dgm:txFillClrLst meth="repeat">
+      <a:schemeClr val="dk1"/>
+    </dgm:txFillClrLst>
+    <dgm:txEffectClrLst/>
+  </dgm:styleLbl>
+  <dgm:styleLbl name="fgAcc4">
+    <dgm:fillClrLst meth="repeat">
+      <a:schemeClr val="lt1">
+        <a:alpha val="90000"/>
+      </a:schemeClr>
+    </dgm:fillClrLst>
+    <dgm:linClrLst>
+      <a:schemeClr val="accent1"/>
+    </dgm:linClrLst>
+    <dgm:effectClrLst/>
+    <dgm:txLinClrLst/>
+    <dgm:txFillClrLst meth="repeat">
+      <a:schemeClr val="dk1"/>
+    </dgm:txFillClrLst>
+    <dgm:txEffectClrLst/>
+  </dgm:styleLbl>
+  <dgm:styleLbl name="bgShp">
+    <dgm:fillClrLst meth="repeat">
+      <a:schemeClr val="accent4">
+        <a:tint val="40000"/>
+      </a:schemeClr>
+    </dgm:fillClrLst>
+    <dgm:linClrLst meth="repeat">
+      <a:schemeClr val="dk1"/>
+    </dgm:linClrLst>
+    <dgm:effectClrLst/>
+    <dgm:txLinClrLst/>
+    <dgm:txFillClrLst meth="repeat">
+      <a:schemeClr val="dk1"/>
+    </dgm:txFillClrLst>
+    <dgm:txEffectClrLst/>
+  </dgm:styleLbl>
+  <dgm:styleLbl name="dkBgShp">
+    <dgm:fillClrLst meth="repeat">
+      <a:schemeClr val="accent4">
+        <a:shade val="90000"/>
+      </a:schemeClr>
+    </dgm:fillClrLst>
+    <dgm:linClrLst meth="repeat">
+      <a:schemeClr val="dk1"/>
+    </dgm:linClrLst>
+    <dgm:effectClrLst/>
+    <dgm:txLinClrLst/>
+    <dgm:txFillClrLst meth="repeat">
+      <a:schemeClr val="lt1"/>
+    </dgm:txFillClrLst>
+    <dgm:txEffectClrLst/>
+  </dgm:styleLbl>
+  <dgm:styleLbl name="trBgShp">
+    <dgm:fillClrLst meth="repeat">
+      <a:schemeClr val="accent4">
+        <a:tint val="50000"/>
+        <a:alpha val="40000"/>
+      </a:schemeClr>
+    </dgm:fillClrLst>
+    <dgm:linClrLst meth="repeat">
+      <a:schemeClr val="accent4"/>
+    </dgm:linClrLst>
+    <dgm:effectClrLst/>
+    <dgm:txLinClrLst/>
+    <dgm:txFillClrLst meth="repeat">
+      <a:schemeClr val="lt1"/>
+    </dgm:txFillClrLst>
+    <dgm:txEffectClrLst/>
+  </dgm:styleLbl>
+  <dgm:styleLbl name="fgShp">
+    <dgm:fillClrLst meth="repeat">
+      <a:schemeClr val="accent4">
+        <a:tint val="40000"/>
+      </a:schemeClr>
+    </dgm:fillClrLst>
+    <dgm:linClrLst meth="repeat">
+      <a:schemeClr val="lt1"/>
+    </dgm:linClrLst>
+    <dgm:effectClrLst/>
+    <dgm:txLinClrLst/>
+    <dgm:txFillClrLst meth="repeat">
+      <a:schemeClr val="dk1"/>
+    </dgm:txFillClrLst>
+    <dgm:txEffectClrLst/>
+  </dgm:styleLbl>
+  <dgm:styleLbl name="revTx">
+    <dgm:fillClrLst meth="repeat">
+      <a:schemeClr val="lt1">
+        <a:alpha val="0"/>
+      </a:schemeClr>
+    </dgm:fillClrLst>
+    <dgm:linClrLst meth="repeat">
+      <a:schemeClr val="dk1">
+        <a:alpha val="0"/>
+      </a:schemeClr>
+    </dgm:linClrLst>
+    <dgm:effectClrLst/>
+    <dgm:txLinClrLst/>
+    <dgm:txFillClrLst meth="repeat">
+      <a:schemeClr val="tx1"/>
+    </dgm:txFillClrLst>
+    <dgm:txEffectClrLst/>
+  </dgm:styleLbl>
+</dgm:colorsDef>
+</file>
+
+<file path=ppt/diagrams/data1.xml><?xml version="1.0" encoding="utf-8"?>
+<dgm:dataModel xmlns:dgm="http://schemas.openxmlformats.org/drawingml/2006/diagram" xmlns:a="http://schemas.openxmlformats.org/drawingml/2006/main">
+  <dgm:ptLst>
+    <dgm:pt modelId="{ABE2FEA0-852C-4C5F-9A38-2666E44B1668}" type="doc">
+      <dgm:prSet loTypeId="urn:microsoft.com/office/officeart/2005/8/layout/chevron2" loCatId="process" qsTypeId="urn:microsoft.com/office/officeart/2005/8/quickstyle/simple1" qsCatId="simple" csTypeId="urn:microsoft.com/office/officeart/2005/8/colors/colorful4" csCatId="colorful" phldr="1"/>
+      <dgm:spPr/>
+      <dgm:t>
+        <a:bodyPr/>
+        <a:lstStyle/>
+        <a:p>
+          <a:pPr rtl="1"/>
+          <a:endParaRPr lang="he-IL"/>
+        </a:p>
+      </dgm:t>
+    </dgm:pt>
+    <dgm:pt modelId="{5042DEB3-6F9B-4FD1-A737-DD137A04ED6D}">
+      <dgm:prSet phldrT="[טקסט]"/>
+      <dgm:spPr/>
+      <dgm:t>
+        <a:bodyPr/>
+        <a:lstStyle/>
+        <a:p>
+          <a:pPr rtl="1"/>
+          <a:r>
+            <a:rPr lang="he-IL" dirty="0"/>
+            <a:t>בניית מסלול תעבורה בעת הפניה לקישור</a:t>
+          </a:r>
+        </a:p>
+      </dgm:t>
+    </dgm:pt>
+    <dgm:pt modelId="{F045FF7A-DB95-461F-B5FC-3879121054F0}" type="parTrans" cxnId="{A11EBBAF-1873-4197-B9A7-86BDD856AE0B}">
+      <dgm:prSet/>
+      <dgm:spPr/>
+      <dgm:t>
+        <a:bodyPr/>
+        <a:lstStyle/>
+        <a:p>
+          <a:pPr rtl="1"/>
+          <a:endParaRPr lang="he-IL"/>
+        </a:p>
+      </dgm:t>
+    </dgm:pt>
+    <dgm:pt modelId="{AF0B0B3E-BB73-431C-A97C-705CD8F6AD0A}" type="sibTrans" cxnId="{A11EBBAF-1873-4197-B9A7-86BDD856AE0B}">
+      <dgm:prSet/>
+      <dgm:spPr/>
+      <dgm:t>
+        <a:bodyPr/>
+        <a:lstStyle/>
+        <a:p>
+          <a:pPr rtl="1"/>
+          <a:endParaRPr lang="he-IL"/>
+        </a:p>
+      </dgm:t>
+    </dgm:pt>
+    <dgm:pt modelId="{03500ECA-DC21-4185-BF2B-1E349F71DA65}">
+      <dgm:prSet phldrT="[טקסט]"/>
+      <dgm:spPr/>
+      <dgm:t>
+        <a:bodyPr/>
+        <a:lstStyle/>
+        <a:p>
+          <a:pPr rtl="1"/>
+          <a:endParaRPr lang="he-IL" dirty="0"/>
+        </a:p>
+      </dgm:t>
+    </dgm:pt>
+    <dgm:pt modelId="{7F463074-4B8D-4F76-9067-BB3B603D2339}" type="parTrans" cxnId="{7E583ADA-2227-400E-9A0E-C18839EFE3D9}">
+      <dgm:prSet/>
+      <dgm:spPr/>
+      <dgm:t>
+        <a:bodyPr/>
+        <a:lstStyle/>
+        <a:p>
+          <a:pPr rtl="1"/>
+          <a:endParaRPr lang="he-IL"/>
+        </a:p>
+      </dgm:t>
+    </dgm:pt>
+    <dgm:pt modelId="{C93A199F-DADE-48C9-9016-5281A9B8A4FF}" type="sibTrans" cxnId="{7E583ADA-2227-400E-9A0E-C18839EFE3D9}">
+      <dgm:prSet/>
+      <dgm:spPr/>
+      <dgm:t>
+        <a:bodyPr/>
+        <a:lstStyle/>
+        <a:p>
+          <a:pPr rtl="1"/>
+          <a:endParaRPr lang="he-IL"/>
+        </a:p>
+      </dgm:t>
+    </dgm:pt>
+    <dgm:pt modelId="{9FF5A8B9-233E-4F50-9B57-E6FD95C38CA3}">
+      <dgm:prSet phldrT="[טקסט]"/>
+      <dgm:spPr/>
+      <dgm:t>
+        <a:bodyPr/>
+        <a:lstStyle/>
+        <a:p>
+          <a:pPr rtl="1"/>
+          <a:r>
+            <a:rPr lang="he-IL" dirty="0"/>
+            <a:t>שימוש ברשימת השרתים של </a:t>
+          </a:r>
+          <a:r>
+            <a:rPr lang="en-US" dirty="0"/>
+            <a:t>NSO</a:t>
+          </a:r>
+          <a:r>
+            <a:rPr lang="he-IL" dirty="0"/>
+            <a:t> המוכרים ל-</a:t>
+          </a:r>
+          <a:r>
+            <a:rPr lang="en-US" dirty="0"/>
+            <a:t>TCL</a:t>
+          </a:r>
+          <a:r>
+            <a:rPr lang="he-IL" dirty="0"/>
+            <a:t> לבניית טביעת אצבע</a:t>
+          </a:r>
+        </a:p>
+      </dgm:t>
+    </dgm:pt>
+    <dgm:pt modelId="{154825B9-C34E-4DDB-ADB4-871B351BF70A}" type="parTrans" cxnId="{6629FF9D-5958-4343-8750-C4AE674AF488}">
+      <dgm:prSet/>
+      <dgm:spPr/>
+      <dgm:t>
+        <a:bodyPr/>
+        <a:lstStyle/>
+        <a:p>
+          <a:pPr rtl="1"/>
+          <a:endParaRPr lang="he-IL"/>
+        </a:p>
+      </dgm:t>
+    </dgm:pt>
+    <dgm:pt modelId="{7ABE7131-588C-4BA7-8274-AD83C26EBDBC}" type="sibTrans" cxnId="{6629FF9D-5958-4343-8750-C4AE674AF488}">
+      <dgm:prSet/>
+      <dgm:spPr/>
+      <dgm:t>
+        <a:bodyPr/>
+        <a:lstStyle/>
+        <a:p>
+          <a:pPr rtl="1"/>
+          <a:endParaRPr lang="he-IL"/>
+        </a:p>
+      </dgm:t>
+    </dgm:pt>
+    <dgm:pt modelId="{50CD0CA2-5C7E-49C3-9CF0-2F8A57625DFC}">
+      <dgm:prSet phldrT="[טקסט]"/>
+      <dgm:spPr/>
+      <dgm:t>
+        <a:bodyPr/>
+        <a:lstStyle/>
+        <a:p>
+          <a:pPr rtl="1"/>
+          <a:endParaRPr lang="he-IL" dirty="0"/>
+        </a:p>
+      </dgm:t>
+    </dgm:pt>
+    <dgm:pt modelId="{9050C44C-F24A-402D-AD24-DD30DF692746}" type="parTrans" cxnId="{0636AAE7-1196-4F18-A074-3C47A617FA23}">
+      <dgm:prSet/>
+      <dgm:spPr/>
+      <dgm:t>
+        <a:bodyPr/>
+        <a:lstStyle/>
+        <a:p>
+          <a:pPr rtl="1"/>
+          <a:endParaRPr lang="he-IL"/>
+        </a:p>
+      </dgm:t>
+    </dgm:pt>
+    <dgm:pt modelId="{13594A7D-88F0-4032-A826-FF3C875EC632}" type="sibTrans" cxnId="{0636AAE7-1196-4F18-A074-3C47A617FA23}">
+      <dgm:prSet/>
+      <dgm:spPr/>
+      <dgm:t>
+        <a:bodyPr/>
+        <a:lstStyle/>
+        <a:p>
+          <a:pPr rtl="1"/>
+          <a:endParaRPr lang="he-IL"/>
+        </a:p>
+      </dgm:t>
+    </dgm:pt>
+    <dgm:pt modelId="{8DECC58B-E7A5-4100-ABC3-9954E744132A}">
+      <dgm:prSet phldrT="[טקסט]"/>
+      <dgm:spPr/>
+      <dgm:t>
+        <a:bodyPr/>
+        <a:lstStyle/>
+        <a:p>
+          <a:pPr rtl="1"/>
+          <a:endParaRPr lang="he-IL" dirty="0"/>
+        </a:p>
+      </dgm:t>
+    </dgm:pt>
+    <dgm:pt modelId="{C4B7068B-15F9-41C9-ABC9-6A2BFF49BCD5}" type="parTrans" cxnId="{B6B3F3B8-2142-477E-A83A-63D4A2784733}">
+      <dgm:prSet/>
+      <dgm:spPr/>
+      <dgm:t>
+        <a:bodyPr/>
+        <a:lstStyle/>
+        <a:p>
+          <a:pPr rtl="1"/>
+          <a:endParaRPr lang="he-IL"/>
+        </a:p>
+      </dgm:t>
+    </dgm:pt>
+    <dgm:pt modelId="{FA0C80A3-E4BB-4795-81C7-493CDE8C8CE7}" type="sibTrans" cxnId="{B6B3F3B8-2142-477E-A83A-63D4A2784733}">
+      <dgm:prSet/>
+      <dgm:spPr/>
+      <dgm:t>
+        <a:bodyPr/>
+        <a:lstStyle/>
+        <a:p>
+          <a:pPr rtl="1"/>
+          <a:endParaRPr lang="he-IL"/>
+        </a:p>
+      </dgm:t>
+    </dgm:pt>
+    <dgm:pt modelId="{9EEF192E-5B4D-4756-A02A-0F16C2FE49A6}">
+      <dgm:prSet phldrT="[טקסט]"/>
+      <dgm:spPr/>
+      <dgm:t>
+        <a:bodyPr/>
+        <a:lstStyle/>
+        <a:p>
+          <a:pPr rtl="1"/>
+          <a:r>
+            <a:rPr lang="he-IL" dirty="0"/>
+            <a:t>זיהוי שתי טביעות אצבע נוספות בקונפיגורציה של שרתים</a:t>
+          </a:r>
+        </a:p>
+      </dgm:t>
+    </dgm:pt>
+    <dgm:pt modelId="{2289140E-F17A-4ECF-ADDD-11C47E26A255}" type="parTrans" cxnId="{25EE652D-2E45-4DD4-9DED-61533F91F6B3}">
+      <dgm:prSet/>
+      <dgm:spPr/>
+      <dgm:t>
+        <a:bodyPr/>
+        <a:lstStyle/>
+        <a:p>
+          <a:pPr rtl="1"/>
+          <a:endParaRPr lang="he-IL"/>
+        </a:p>
+      </dgm:t>
+    </dgm:pt>
+    <dgm:pt modelId="{93D1F49A-ACE4-47DE-9F27-BCDBAAF0E7EE}" type="sibTrans" cxnId="{25EE652D-2E45-4DD4-9DED-61533F91F6B3}">
+      <dgm:prSet/>
+      <dgm:spPr/>
+      <dgm:t>
+        <a:bodyPr/>
+        <a:lstStyle/>
+        <a:p>
+          <a:pPr rtl="1"/>
+          <a:endParaRPr lang="he-IL"/>
+        </a:p>
+      </dgm:t>
+    </dgm:pt>
+    <dgm:pt modelId="{10509776-3BCA-4610-AD87-DAF7B4E21156}">
+      <dgm:prSet/>
+      <dgm:spPr/>
+      <dgm:t>
+        <a:bodyPr/>
+        <a:lstStyle/>
+        <a:p>
+          <a:pPr rtl="1"/>
+          <a:endParaRPr lang="he-IL" dirty="0"/>
+        </a:p>
+      </dgm:t>
+    </dgm:pt>
+    <dgm:pt modelId="{5D19E8FE-DD71-4158-94FA-7A2C2DCA470C}" type="parTrans" cxnId="{0B841163-55BC-42FA-B19F-554F2327E248}">
+      <dgm:prSet/>
+      <dgm:spPr/>
+      <dgm:t>
+        <a:bodyPr/>
+        <a:lstStyle/>
+        <a:p>
+          <a:pPr rtl="1"/>
+          <a:endParaRPr lang="he-IL"/>
+        </a:p>
+      </dgm:t>
+    </dgm:pt>
+    <dgm:pt modelId="{74140A1C-3E0B-446D-9175-53550F3E6DFD}" type="sibTrans" cxnId="{0B841163-55BC-42FA-B19F-554F2327E248}">
+      <dgm:prSet/>
+      <dgm:spPr/>
+      <dgm:t>
+        <a:bodyPr/>
+        <a:lstStyle/>
+        <a:p>
+          <a:pPr rtl="1"/>
+          <a:endParaRPr lang="he-IL"/>
+        </a:p>
+      </dgm:t>
+    </dgm:pt>
+    <dgm:pt modelId="{AC3C0839-9DF8-4160-97A1-A2B09F5302B7}">
+      <dgm:prSet/>
+      <dgm:spPr/>
+      <dgm:t>
+        <a:bodyPr/>
+        <a:lstStyle/>
+        <a:p>
+          <a:pPr rtl="1"/>
+          <a:r>
+            <a:rPr lang="he-IL" dirty="0"/>
+            <a:t>שימוש </a:t>
+          </a:r>
+          <a:r>
+            <a:rPr lang="he-IL" dirty="0" err="1"/>
+            <a:t>בזחלנים</a:t>
+          </a:r>
+          <a:r>
+            <a:rPr lang="he-IL" dirty="0"/>
+            <a:t> ומניפולציות על </a:t>
+          </a:r>
+          <a:r>
+            <a:rPr lang="en-US" dirty="0"/>
+            <a:t>HTTP</a:t>
+          </a:r>
+          <a:r>
+            <a:rPr lang="he-IL" dirty="0"/>
+            <a:t> באנרים, להפקת מידע.</a:t>
+          </a:r>
+        </a:p>
+      </dgm:t>
+    </dgm:pt>
+    <dgm:pt modelId="{CFE0706E-EF0B-4495-9827-95BB43CB438D}" type="parTrans" cxnId="{346E6677-FD5D-4D24-85BD-F3F2C0CF3881}">
+      <dgm:prSet/>
+      <dgm:spPr/>
+      <dgm:t>
+        <a:bodyPr/>
+        <a:lstStyle/>
+        <a:p>
+          <a:pPr rtl="1"/>
+          <a:endParaRPr lang="he-IL"/>
+        </a:p>
+      </dgm:t>
+    </dgm:pt>
+    <dgm:pt modelId="{A4776E53-CABD-4330-9358-809992DBD1BF}" type="sibTrans" cxnId="{346E6677-FD5D-4D24-85BD-F3F2C0CF3881}">
+      <dgm:prSet/>
+      <dgm:spPr/>
+      <dgm:t>
+        <a:bodyPr/>
+        <a:lstStyle/>
+        <a:p>
+          <a:pPr rtl="1"/>
+          <a:endParaRPr lang="he-IL"/>
+        </a:p>
+      </dgm:t>
+    </dgm:pt>
+    <dgm:pt modelId="{B7737CB1-9787-442B-9016-83C32EDF36CB}">
+      <dgm:prSet/>
+      <dgm:spPr/>
+      <dgm:t>
+        <a:bodyPr/>
+        <a:lstStyle/>
+        <a:p>
+          <a:pPr rtl="1"/>
+          <a:r>
+            <a:rPr lang="he-IL" dirty="0"/>
+            <a:t>זיהוי טביעת אצבע ראשונה בהנהלות בפרוטוקול </a:t>
+          </a:r>
+          <a:r>
+            <a:rPr lang="en-US" dirty="0"/>
+            <a:t>TLS</a:t>
+          </a:r>
+          <a:endParaRPr lang="he-IL" dirty="0"/>
+        </a:p>
+      </dgm:t>
+    </dgm:pt>
+    <dgm:pt modelId="{58341D68-6DD3-441D-81E3-A093EF5EEFB4}" type="parTrans" cxnId="{C1858BFF-FA89-4269-8041-BA8A8CC128FE}">
+      <dgm:prSet/>
+      <dgm:spPr/>
+      <dgm:t>
+        <a:bodyPr/>
+        <a:lstStyle/>
+        <a:p>
+          <a:pPr rtl="1"/>
+          <a:endParaRPr lang="he-IL"/>
+        </a:p>
+      </dgm:t>
+    </dgm:pt>
+    <dgm:pt modelId="{D45205D9-A28A-41AB-BC5B-9DF633514D97}" type="sibTrans" cxnId="{C1858BFF-FA89-4269-8041-BA8A8CC128FE}">
+      <dgm:prSet/>
+      <dgm:spPr/>
+      <dgm:t>
+        <a:bodyPr/>
+        <a:lstStyle/>
+        <a:p>
+          <a:pPr rtl="1"/>
+          <a:endParaRPr lang="he-IL"/>
+        </a:p>
+      </dgm:t>
+    </dgm:pt>
+    <dgm:pt modelId="{B0688DB9-7066-429B-86A5-46E280F8CA61}">
+      <dgm:prSet/>
+      <dgm:spPr/>
+      <dgm:t>
+        <a:bodyPr/>
+        <a:lstStyle/>
+        <a:p>
+          <a:pPr rtl="1"/>
+          <a:endParaRPr lang="he-IL" dirty="0"/>
+        </a:p>
+      </dgm:t>
+    </dgm:pt>
+    <dgm:pt modelId="{1DE3D2A0-A492-4A91-998F-9A37C546FE55}" type="parTrans" cxnId="{BE5B115A-C7E4-4EF9-A31E-1A4B458EE414}">
+      <dgm:prSet/>
+      <dgm:spPr/>
+      <dgm:t>
+        <a:bodyPr/>
+        <a:lstStyle/>
+        <a:p>
+          <a:pPr rtl="1"/>
+          <a:endParaRPr lang="he-IL"/>
+        </a:p>
+      </dgm:t>
+    </dgm:pt>
+    <dgm:pt modelId="{2B4300AA-91B6-4C30-9B76-B6C5A431DDC9}" type="sibTrans" cxnId="{BE5B115A-C7E4-4EF9-A31E-1A4B458EE414}">
+      <dgm:prSet/>
+      <dgm:spPr/>
+      <dgm:t>
+        <a:bodyPr/>
+        <a:lstStyle/>
+        <a:p>
+          <a:pPr rtl="1"/>
+          <a:endParaRPr lang="he-IL"/>
+        </a:p>
+      </dgm:t>
+    </dgm:pt>
+    <dgm:pt modelId="{9C5B74D3-26C3-4F10-BE6B-14E63D7D65E1}">
+      <dgm:prSet/>
+      <dgm:spPr/>
+      <dgm:t>
+        <a:bodyPr/>
+        <a:lstStyle/>
+        <a:p>
+          <a:pPr rtl="1"/>
+          <a:r>
+            <a:rPr lang="he-IL" dirty="0"/>
+            <a:t>הרחבת רשימת השרתים של </a:t>
+          </a:r>
+          <a:r>
+            <a:rPr lang="en-US" dirty="0"/>
+            <a:t>NSO</a:t>
+          </a:r>
+          <a:r>
+            <a:rPr lang="he-IL" dirty="0"/>
+            <a:t> על ידי סריקה אקטיבית לפי טביעות האצבע</a:t>
+          </a:r>
+        </a:p>
+      </dgm:t>
+    </dgm:pt>
+    <dgm:pt modelId="{AF4553D1-1449-4379-B821-F3AF964F73C1}" type="parTrans" cxnId="{A7455AB8-5BBB-4B80-9803-4037AFA855AE}">
+      <dgm:prSet/>
+      <dgm:spPr/>
+      <dgm:t>
+        <a:bodyPr/>
+        <a:lstStyle/>
+        <a:p>
+          <a:pPr rtl="1"/>
+          <a:endParaRPr lang="he-IL"/>
+        </a:p>
+      </dgm:t>
+    </dgm:pt>
+    <dgm:pt modelId="{32231CFB-F4D7-4303-8C79-049EFCF653F2}" type="sibTrans" cxnId="{A7455AB8-5BBB-4B80-9803-4037AFA855AE}">
+      <dgm:prSet/>
+      <dgm:spPr/>
+      <dgm:t>
+        <a:bodyPr/>
+        <a:lstStyle/>
+        <a:p>
+          <a:pPr rtl="1"/>
+          <a:endParaRPr lang="he-IL"/>
+        </a:p>
+      </dgm:t>
+    </dgm:pt>
+    <dgm:pt modelId="{AE0F80E5-A429-4EA2-89BD-8BEEC87F6C39}">
+      <dgm:prSet/>
+      <dgm:spPr/>
+      <dgm:t>
+        <a:bodyPr/>
+        <a:lstStyle/>
+        <a:p>
+          <a:pPr rtl="1"/>
+          <a:endParaRPr lang="he-IL"/>
+        </a:p>
+      </dgm:t>
+    </dgm:pt>
+    <dgm:pt modelId="{A068BD84-118E-4B0E-82AF-E2979B6BE29B}" type="parTrans" cxnId="{E97D20EB-DA4D-4986-9A7C-6AAF322919EA}">
+      <dgm:prSet/>
+      <dgm:spPr/>
+      <dgm:t>
+        <a:bodyPr/>
+        <a:lstStyle/>
+        <a:p>
+          <a:pPr rtl="1"/>
+          <a:endParaRPr lang="he-IL"/>
+        </a:p>
+      </dgm:t>
+    </dgm:pt>
+    <dgm:pt modelId="{8774234C-B5E8-484B-A63A-20E632E59CA9}" type="sibTrans" cxnId="{E97D20EB-DA4D-4986-9A7C-6AAF322919EA}">
+      <dgm:prSet/>
+      <dgm:spPr/>
+      <dgm:t>
+        <a:bodyPr/>
+        <a:lstStyle/>
+        <a:p>
+          <a:pPr rtl="1"/>
+          <a:endParaRPr lang="he-IL"/>
+        </a:p>
+      </dgm:t>
+    </dgm:pt>
+    <dgm:pt modelId="{466DE934-BD51-4D8A-97AA-146BCC9D6607}">
+      <dgm:prSet/>
+      <dgm:spPr/>
+      <dgm:t>
+        <a:bodyPr/>
+        <a:lstStyle/>
+        <a:p>
+          <a:pPr rtl="1"/>
+          <a:r>
+            <a:rPr lang="he-IL" dirty="0"/>
+            <a:t>שימוש ב-</a:t>
+          </a:r>
+          <a:r>
+            <a:rPr lang="en-US" dirty="0"/>
+            <a:t>DNS Cache Probing</a:t>
+          </a:r>
+          <a:r>
+            <a:rPr lang="he-IL" dirty="0"/>
+            <a:t> ב-45 מדינות בעולם</a:t>
+          </a:r>
+        </a:p>
+      </dgm:t>
+    </dgm:pt>
+    <dgm:pt modelId="{D5F6BDBF-A7C1-4D6F-AF91-4AFD03D6F93C}" type="parTrans" cxnId="{6E399CF3-327A-4FEF-93A8-C380413D7498}">
+      <dgm:prSet/>
+      <dgm:spPr/>
+      <dgm:t>
+        <a:bodyPr/>
+        <a:lstStyle/>
+        <a:p>
+          <a:pPr rtl="1"/>
+          <a:endParaRPr lang="he-IL"/>
+        </a:p>
+      </dgm:t>
+    </dgm:pt>
+    <dgm:pt modelId="{FEBCE78A-3A53-4AEE-BF2D-780ECEB3FEEA}" type="sibTrans" cxnId="{6E399CF3-327A-4FEF-93A8-C380413D7498}">
+      <dgm:prSet/>
+      <dgm:spPr/>
+      <dgm:t>
+        <a:bodyPr/>
+        <a:lstStyle/>
+        <a:p>
+          <a:pPr rtl="1"/>
+          <a:endParaRPr lang="he-IL"/>
+        </a:p>
+      </dgm:t>
+    </dgm:pt>
+    <dgm:pt modelId="{65BBD842-7FAB-4615-8C22-E0FF15109A8A}">
+      <dgm:prSet/>
+      <dgm:spPr/>
+      <dgm:t>
+        <a:bodyPr/>
+        <a:lstStyle/>
+        <a:p>
+          <a:pPr rtl="1"/>
+          <a:r>
+            <a:rPr lang="he-IL" dirty="0"/>
+            <a:t>איתור הפעילות של </a:t>
+          </a:r>
+          <a:r>
+            <a:rPr lang="he-IL" dirty="0" err="1"/>
+            <a:t>פגסוס</a:t>
+          </a:r>
+          <a:r>
+            <a:rPr lang="he-IL" dirty="0"/>
+            <a:t>, המפעיל והמטרה הנפגעת</a:t>
+          </a:r>
+        </a:p>
+      </dgm:t>
+    </dgm:pt>
+    <dgm:pt modelId="{7BC5CEC3-E970-4943-9A13-866E8625EC99}" type="parTrans" cxnId="{51703F3C-8D40-4C56-8737-63C898D87139}">
+      <dgm:prSet/>
+      <dgm:spPr/>
+      <dgm:t>
+        <a:bodyPr/>
+        <a:lstStyle/>
+        <a:p>
+          <a:pPr rtl="1"/>
+          <a:endParaRPr lang="he-IL"/>
+        </a:p>
+      </dgm:t>
+    </dgm:pt>
+    <dgm:pt modelId="{DF646B2C-C43E-44BA-8C52-3E59FE06E81E}" type="sibTrans" cxnId="{51703F3C-8D40-4C56-8737-63C898D87139}">
+      <dgm:prSet/>
+      <dgm:spPr/>
+      <dgm:t>
+        <a:bodyPr/>
+        <a:lstStyle/>
+        <a:p>
+          <a:pPr rtl="1"/>
+          <a:endParaRPr lang="he-IL"/>
+        </a:p>
+      </dgm:t>
+    </dgm:pt>
+    <dgm:pt modelId="{3F292CC0-BB5B-4FEE-A096-7E7AFE70C929}">
+      <dgm:prSet/>
+      <dgm:spPr/>
+      <dgm:t>
+        <a:bodyPr/>
+        <a:lstStyle/>
+        <a:p>
+          <a:pPr rtl="1"/>
+          <a:endParaRPr lang="he-IL" dirty="0"/>
+        </a:p>
+      </dgm:t>
+    </dgm:pt>
+    <dgm:pt modelId="{D608ED36-C528-43B2-8FCB-CE871AB52C59}" type="parTrans" cxnId="{3098DC78-1D0F-4A90-B3D3-D215F98B9714}">
+      <dgm:prSet/>
+      <dgm:spPr/>
+      <dgm:t>
+        <a:bodyPr/>
+        <a:lstStyle/>
+        <a:p>
+          <a:pPr rtl="1"/>
+          <a:endParaRPr lang="he-IL"/>
+        </a:p>
+      </dgm:t>
+    </dgm:pt>
+    <dgm:pt modelId="{E0E7970F-FEA7-4F03-9F9A-61EAF0022025}" type="sibTrans" cxnId="{3098DC78-1D0F-4A90-B3D3-D215F98B9714}">
+      <dgm:prSet/>
+      <dgm:spPr/>
+      <dgm:t>
+        <a:bodyPr/>
+        <a:lstStyle/>
+        <a:p>
+          <a:pPr rtl="1"/>
+          <a:endParaRPr lang="he-IL"/>
+        </a:p>
+      </dgm:t>
+    </dgm:pt>
+    <dgm:pt modelId="{D63A54A1-5F22-4203-AEC0-2C18D0C7B4BD}">
+      <dgm:prSet/>
+      <dgm:spPr/>
+      <dgm:t>
+        <a:bodyPr/>
+        <a:lstStyle/>
+        <a:p>
+          <a:pPr rtl="1"/>
+          <a:r>
+            <a:rPr lang="he-IL" dirty="0"/>
+            <a:t>פרסום תוצאות לציבור</a:t>
+          </a:r>
+        </a:p>
+      </dgm:t>
+    </dgm:pt>
+    <dgm:pt modelId="{5399FF6D-35C6-493E-8CDA-CD0351D48227}" type="parTrans" cxnId="{DC19D93D-4982-4042-BBBB-741DF6EF63E9}">
+      <dgm:prSet/>
+      <dgm:spPr/>
+      <dgm:t>
+        <a:bodyPr/>
+        <a:lstStyle/>
+        <a:p>
+          <a:pPr rtl="1"/>
+          <a:endParaRPr lang="he-IL"/>
+        </a:p>
+      </dgm:t>
+    </dgm:pt>
+    <dgm:pt modelId="{1AAB3517-99E6-4F02-8EFA-CC5EDF9789B0}" type="sibTrans" cxnId="{DC19D93D-4982-4042-BBBB-741DF6EF63E9}">
+      <dgm:prSet/>
+      <dgm:spPr/>
+      <dgm:t>
+        <a:bodyPr/>
+        <a:lstStyle/>
+        <a:p>
+          <a:pPr rtl="1"/>
+          <a:endParaRPr lang="he-IL"/>
+        </a:p>
+      </dgm:t>
+    </dgm:pt>
+    <dgm:pt modelId="{A9E3AF03-179A-4E14-8860-6EF50CDFD467}">
+      <dgm:prSet/>
+      <dgm:spPr/>
+      <dgm:t>
+        <a:bodyPr/>
+        <a:lstStyle/>
+        <a:p>
+          <a:pPr rtl="1"/>
+          <a:endParaRPr lang="he-IL" dirty="0"/>
+        </a:p>
+      </dgm:t>
+    </dgm:pt>
+    <dgm:pt modelId="{B9C42771-8388-49DA-B2E2-E384654AE08B}" type="parTrans" cxnId="{074CD5F6-C9DB-4640-B518-2D3E40873AC2}">
+      <dgm:prSet/>
+      <dgm:spPr/>
+      <dgm:t>
+        <a:bodyPr/>
+        <a:lstStyle/>
+        <a:p>
+          <a:pPr rtl="1"/>
+          <a:endParaRPr lang="he-IL"/>
+        </a:p>
+      </dgm:t>
+    </dgm:pt>
+    <dgm:pt modelId="{B8C69474-FE3D-4DC0-BD1E-01926E2351B5}" type="sibTrans" cxnId="{074CD5F6-C9DB-4640-B518-2D3E40873AC2}">
+      <dgm:prSet/>
+      <dgm:spPr/>
+      <dgm:t>
+        <a:bodyPr/>
+        <a:lstStyle/>
+        <a:p>
+          <a:pPr rtl="1"/>
+          <a:endParaRPr lang="he-IL"/>
+        </a:p>
+      </dgm:t>
+    </dgm:pt>
+    <dgm:pt modelId="{D6DA60A1-F86B-414F-A50F-E2E41CF618CB}">
+      <dgm:prSet phldrT="[טקסט]"/>
+      <dgm:spPr/>
+      <dgm:t>
+        <a:bodyPr/>
+        <a:lstStyle/>
+        <a:p>
+          <a:pPr rtl="1"/>
+          <a:endParaRPr lang="he-IL" dirty="0"/>
+        </a:p>
+      </dgm:t>
+    </dgm:pt>
+    <dgm:pt modelId="{0D4F0745-2A65-4DCA-804C-EA2A33A7A706}" type="parTrans" cxnId="{085A5F93-8715-41DC-8A5C-4C7D43E5C570}">
+      <dgm:prSet/>
+      <dgm:spPr/>
+      <dgm:t>
+        <a:bodyPr/>
+        <a:lstStyle/>
+        <a:p>
+          <a:pPr rtl="1"/>
+          <a:endParaRPr lang="he-IL"/>
+        </a:p>
+      </dgm:t>
+    </dgm:pt>
+    <dgm:pt modelId="{CB627EA4-723B-4134-A0A1-8F8EC2F18EEB}" type="sibTrans" cxnId="{085A5F93-8715-41DC-8A5C-4C7D43E5C570}">
+      <dgm:prSet/>
+      <dgm:spPr/>
+      <dgm:t>
+        <a:bodyPr/>
+        <a:lstStyle/>
+        <a:p>
+          <a:pPr rtl="1"/>
+          <a:endParaRPr lang="he-IL"/>
+        </a:p>
+      </dgm:t>
+    </dgm:pt>
+    <dgm:pt modelId="{81EBEC1F-7355-4149-B248-213644BD8EE9}" type="pres">
+      <dgm:prSet presAssocID="{ABE2FEA0-852C-4C5F-9A38-2666E44B1668}" presName="linearFlow" presStyleCnt="0">
+        <dgm:presLayoutVars>
+          <dgm:dir val="rev"/>
+          <dgm:animLvl val="lvl"/>
+          <dgm:resizeHandles val="exact"/>
+        </dgm:presLayoutVars>
+      </dgm:prSet>
+      <dgm:spPr/>
+    </dgm:pt>
+    <dgm:pt modelId="{317344BA-99FE-4F1E-B221-806E89405C69}" type="pres">
+      <dgm:prSet presAssocID="{D6DA60A1-F86B-414F-A50F-E2E41CF618CB}" presName="composite" presStyleCnt="0"/>
+      <dgm:spPr/>
+    </dgm:pt>
+    <dgm:pt modelId="{A4A2BA0B-6569-4B12-8E45-1E00759F7652}" type="pres">
+      <dgm:prSet presAssocID="{D6DA60A1-F86B-414F-A50F-E2E41CF618CB}" presName="parentText" presStyleLbl="alignNode1" presStyleIdx="0" presStyleCnt="9">
+        <dgm:presLayoutVars>
+          <dgm:chMax val="1"/>
+          <dgm:bulletEnabled val="1"/>
+        </dgm:presLayoutVars>
+      </dgm:prSet>
+      <dgm:spPr/>
+    </dgm:pt>
+    <dgm:pt modelId="{F799F7B4-4C17-4D0F-BA89-27673B52F0A3}" type="pres">
+      <dgm:prSet presAssocID="{D6DA60A1-F86B-414F-A50F-E2E41CF618CB}" presName="descendantText" presStyleLbl="alignAcc1" presStyleIdx="0" presStyleCnt="9">
+        <dgm:presLayoutVars>
+          <dgm:bulletEnabled val="1"/>
+        </dgm:presLayoutVars>
+      </dgm:prSet>
+      <dgm:spPr/>
+    </dgm:pt>
+    <dgm:pt modelId="{7326B37F-CED7-4A7F-BB0A-412AC0B620AB}" type="pres">
+      <dgm:prSet presAssocID="{CB627EA4-723B-4134-A0A1-8F8EC2F18EEB}" presName="sp" presStyleCnt="0"/>
+      <dgm:spPr/>
+    </dgm:pt>
+    <dgm:pt modelId="{E2369C3F-B623-4088-AFFF-99EE377DAEFA}" type="pres">
+      <dgm:prSet presAssocID="{10509776-3BCA-4610-AD87-DAF7B4E21156}" presName="composite" presStyleCnt="0"/>
+      <dgm:spPr/>
+    </dgm:pt>
+    <dgm:pt modelId="{BCBAC806-61AB-45A0-9A80-9AB2003255EF}" type="pres">
+      <dgm:prSet presAssocID="{10509776-3BCA-4610-AD87-DAF7B4E21156}" presName="parentText" presStyleLbl="alignNode1" presStyleIdx="1" presStyleCnt="9">
+        <dgm:presLayoutVars>
+          <dgm:chMax val="1"/>
+          <dgm:bulletEnabled val="1"/>
+        </dgm:presLayoutVars>
+      </dgm:prSet>
+      <dgm:spPr/>
+    </dgm:pt>
+    <dgm:pt modelId="{5CA509B2-10D4-4E4B-8CB3-CABEE86EFDA4}" type="pres">
+      <dgm:prSet presAssocID="{10509776-3BCA-4610-AD87-DAF7B4E21156}" presName="descendantText" presStyleLbl="alignAcc1" presStyleIdx="1" presStyleCnt="9">
+        <dgm:presLayoutVars>
+          <dgm:bulletEnabled val="1"/>
+        </dgm:presLayoutVars>
+      </dgm:prSet>
+      <dgm:spPr/>
+    </dgm:pt>
+    <dgm:pt modelId="{9991C2A8-40BB-449A-A962-A541C2FAEE4F}" type="pres">
+      <dgm:prSet presAssocID="{74140A1C-3E0B-446D-9175-53550F3E6DFD}" presName="sp" presStyleCnt="0"/>
+      <dgm:spPr/>
+    </dgm:pt>
+    <dgm:pt modelId="{9BCB1336-01E4-4AE9-BA2C-583F0D8FE905}" type="pres">
+      <dgm:prSet presAssocID="{03500ECA-DC21-4185-BF2B-1E349F71DA65}" presName="composite" presStyleCnt="0"/>
+      <dgm:spPr/>
+    </dgm:pt>
+    <dgm:pt modelId="{26B59A6C-1BEB-49B3-AE71-918D8832037E}" type="pres">
+      <dgm:prSet presAssocID="{03500ECA-DC21-4185-BF2B-1E349F71DA65}" presName="parentText" presStyleLbl="alignNode1" presStyleIdx="2" presStyleCnt="9">
+        <dgm:presLayoutVars>
+          <dgm:chMax val="1"/>
+          <dgm:bulletEnabled val="1"/>
+        </dgm:presLayoutVars>
+      </dgm:prSet>
+      <dgm:spPr/>
+    </dgm:pt>
+    <dgm:pt modelId="{8F8EA162-C678-45A8-A818-007672859359}" type="pres">
+      <dgm:prSet presAssocID="{03500ECA-DC21-4185-BF2B-1E349F71DA65}" presName="descendantText" presStyleLbl="alignAcc1" presStyleIdx="2" presStyleCnt="9">
+        <dgm:presLayoutVars>
+          <dgm:bulletEnabled val="1"/>
+        </dgm:presLayoutVars>
+      </dgm:prSet>
+      <dgm:spPr/>
+    </dgm:pt>
+    <dgm:pt modelId="{E9080BCF-9978-490F-B6B7-666ECEF912F1}" type="pres">
+      <dgm:prSet presAssocID="{C93A199F-DADE-48C9-9016-5281A9B8A4FF}" presName="sp" presStyleCnt="0"/>
+      <dgm:spPr/>
+    </dgm:pt>
+    <dgm:pt modelId="{97F5C590-5729-49D0-89AC-288DAE4B96D8}" type="pres">
+      <dgm:prSet presAssocID="{50CD0CA2-5C7E-49C3-9CF0-2F8A57625DFC}" presName="composite" presStyleCnt="0"/>
+      <dgm:spPr/>
+    </dgm:pt>
+    <dgm:pt modelId="{E208BEFD-C5C4-4ED4-82C5-985ADEFF713B}" type="pres">
+      <dgm:prSet presAssocID="{50CD0CA2-5C7E-49C3-9CF0-2F8A57625DFC}" presName="parentText" presStyleLbl="alignNode1" presStyleIdx="3" presStyleCnt="9">
+        <dgm:presLayoutVars>
+          <dgm:chMax val="1"/>
+          <dgm:bulletEnabled val="1"/>
+        </dgm:presLayoutVars>
+      </dgm:prSet>
+      <dgm:spPr/>
+    </dgm:pt>
+    <dgm:pt modelId="{11F407BF-5BF0-454C-A25C-D5E9C112BEDA}" type="pres">
+      <dgm:prSet presAssocID="{50CD0CA2-5C7E-49C3-9CF0-2F8A57625DFC}" presName="descendantText" presStyleLbl="alignAcc1" presStyleIdx="3" presStyleCnt="9">
+        <dgm:presLayoutVars>
+          <dgm:bulletEnabled val="1"/>
+        </dgm:presLayoutVars>
+      </dgm:prSet>
+      <dgm:spPr/>
+    </dgm:pt>
+    <dgm:pt modelId="{BB27E8E0-9F96-4DEA-9E6B-8A2728FE53B8}" type="pres">
+      <dgm:prSet presAssocID="{13594A7D-88F0-4032-A826-FF3C875EC632}" presName="sp" presStyleCnt="0"/>
+      <dgm:spPr/>
+    </dgm:pt>
+    <dgm:pt modelId="{C095880C-8174-4DD9-9BE1-46BB2C66EC70}" type="pres">
+      <dgm:prSet presAssocID="{8DECC58B-E7A5-4100-ABC3-9954E744132A}" presName="composite" presStyleCnt="0"/>
+      <dgm:spPr/>
+    </dgm:pt>
+    <dgm:pt modelId="{B2F45672-E8A7-42F1-BAD1-6B125E3A77E1}" type="pres">
+      <dgm:prSet presAssocID="{8DECC58B-E7A5-4100-ABC3-9954E744132A}" presName="parentText" presStyleLbl="alignNode1" presStyleIdx="4" presStyleCnt="9">
+        <dgm:presLayoutVars>
+          <dgm:chMax val="1"/>
+          <dgm:bulletEnabled val="1"/>
+        </dgm:presLayoutVars>
+      </dgm:prSet>
+      <dgm:spPr/>
+    </dgm:pt>
+    <dgm:pt modelId="{58A5B5F9-B409-4963-9972-2EBAC6488EC8}" type="pres">
+      <dgm:prSet presAssocID="{8DECC58B-E7A5-4100-ABC3-9954E744132A}" presName="descendantText" presStyleLbl="alignAcc1" presStyleIdx="4" presStyleCnt="9">
+        <dgm:presLayoutVars>
+          <dgm:bulletEnabled val="1"/>
+        </dgm:presLayoutVars>
+      </dgm:prSet>
+      <dgm:spPr/>
+    </dgm:pt>
+    <dgm:pt modelId="{377CA37A-DB39-443C-AD9C-42AEC620F54E}" type="pres">
+      <dgm:prSet presAssocID="{FA0C80A3-E4BB-4795-81C7-493CDE8C8CE7}" presName="sp" presStyleCnt="0"/>
+      <dgm:spPr/>
+    </dgm:pt>
+    <dgm:pt modelId="{BF379CD5-D3A1-4E2F-9E0F-3BC8270224C4}" type="pres">
+      <dgm:prSet presAssocID="{B0688DB9-7066-429B-86A5-46E280F8CA61}" presName="composite" presStyleCnt="0"/>
+      <dgm:spPr/>
+    </dgm:pt>
+    <dgm:pt modelId="{D4823C65-B000-42BA-A887-97E11955696C}" type="pres">
+      <dgm:prSet presAssocID="{B0688DB9-7066-429B-86A5-46E280F8CA61}" presName="parentText" presStyleLbl="alignNode1" presStyleIdx="5" presStyleCnt="9">
+        <dgm:presLayoutVars>
+          <dgm:chMax val="1"/>
+          <dgm:bulletEnabled val="1"/>
+        </dgm:presLayoutVars>
+      </dgm:prSet>
+      <dgm:spPr/>
+    </dgm:pt>
+    <dgm:pt modelId="{FF3AE5A4-C46A-4AA0-9299-3D29C7804EBA}" type="pres">
+      <dgm:prSet presAssocID="{B0688DB9-7066-429B-86A5-46E280F8CA61}" presName="descendantText" presStyleLbl="alignAcc1" presStyleIdx="5" presStyleCnt="9">
+        <dgm:presLayoutVars>
+          <dgm:bulletEnabled val="1"/>
+        </dgm:presLayoutVars>
+      </dgm:prSet>
+      <dgm:spPr/>
+    </dgm:pt>
+    <dgm:pt modelId="{FD0D7FE0-E857-4DB6-87A3-098385C8C61C}" type="pres">
+      <dgm:prSet presAssocID="{2B4300AA-91B6-4C30-9B76-B6C5A431DDC9}" presName="sp" presStyleCnt="0"/>
+      <dgm:spPr/>
+    </dgm:pt>
+    <dgm:pt modelId="{4C9199F6-22E9-4A02-9135-241E125ECE8E}" type="pres">
+      <dgm:prSet presAssocID="{AE0F80E5-A429-4EA2-89BD-8BEEC87F6C39}" presName="composite" presStyleCnt="0"/>
+      <dgm:spPr/>
+    </dgm:pt>
+    <dgm:pt modelId="{793BDDD2-9331-4F68-9B8C-48F722549DDE}" type="pres">
+      <dgm:prSet presAssocID="{AE0F80E5-A429-4EA2-89BD-8BEEC87F6C39}" presName="parentText" presStyleLbl="alignNode1" presStyleIdx="6" presStyleCnt="9">
+        <dgm:presLayoutVars>
+          <dgm:chMax val="1"/>
+          <dgm:bulletEnabled val="1"/>
+        </dgm:presLayoutVars>
+      </dgm:prSet>
+      <dgm:spPr/>
+    </dgm:pt>
+    <dgm:pt modelId="{33E269BB-6547-4386-A24D-F1BF1B6A9795}" type="pres">
+      <dgm:prSet presAssocID="{AE0F80E5-A429-4EA2-89BD-8BEEC87F6C39}" presName="descendantText" presStyleLbl="alignAcc1" presStyleIdx="6" presStyleCnt="9">
+        <dgm:presLayoutVars>
+          <dgm:bulletEnabled val="1"/>
+        </dgm:presLayoutVars>
+      </dgm:prSet>
+      <dgm:spPr/>
+    </dgm:pt>
+    <dgm:pt modelId="{CDE68E6E-8C0B-4622-B252-08F97E0E280E}" type="pres">
+      <dgm:prSet presAssocID="{8774234C-B5E8-484B-A63A-20E632E59CA9}" presName="sp" presStyleCnt="0"/>
+      <dgm:spPr/>
+    </dgm:pt>
+    <dgm:pt modelId="{58B0CCCB-B679-4EBD-AE4B-99ECF457E7CB}" type="pres">
+      <dgm:prSet presAssocID="{3F292CC0-BB5B-4FEE-A096-7E7AFE70C929}" presName="composite" presStyleCnt="0"/>
+      <dgm:spPr/>
+    </dgm:pt>
+    <dgm:pt modelId="{E5D5264E-4D86-4949-9852-2C99F25B3362}" type="pres">
+      <dgm:prSet presAssocID="{3F292CC0-BB5B-4FEE-A096-7E7AFE70C929}" presName="parentText" presStyleLbl="alignNode1" presStyleIdx="7" presStyleCnt="9">
+        <dgm:presLayoutVars>
+          <dgm:chMax val="1"/>
+          <dgm:bulletEnabled val="1"/>
+        </dgm:presLayoutVars>
+      </dgm:prSet>
+      <dgm:spPr/>
+    </dgm:pt>
+    <dgm:pt modelId="{1B5DD45D-A437-4F10-8E54-AB64180D2B73}" type="pres">
+      <dgm:prSet presAssocID="{3F292CC0-BB5B-4FEE-A096-7E7AFE70C929}" presName="descendantText" presStyleLbl="alignAcc1" presStyleIdx="7" presStyleCnt="9">
+        <dgm:presLayoutVars>
+          <dgm:bulletEnabled val="1"/>
+        </dgm:presLayoutVars>
+      </dgm:prSet>
+      <dgm:spPr/>
+    </dgm:pt>
+    <dgm:pt modelId="{FF6FACCF-425C-4AAB-9BA7-2444AFB6921B}" type="pres">
+      <dgm:prSet presAssocID="{E0E7970F-FEA7-4F03-9F9A-61EAF0022025}" presName="sp" presStyleCnt="0"/>
+      <dgm:spPr/>
+    </dgm:pt>
+    <dgm:pt modelId="{EAC3C79A-0B39-4FCB-860E-1CC1A9DC9858}" type="pres">
+      <dgm:prSet presAssocID="{A9E3AF03-179A-4E14-8860-6EF50CDFD467}" presName="composite" presStyleCnt="0"/>
+      <dgm:spPr/>
+    </dgm:pt>
+    <dgm:pt modelId="{1EB68F78-CA8F-40C9-BFB6-57AB608793EA}" type="pres">
+      <dgm:prSet presAssocID="{A9E3AF03-179A-4E14-8860-6EF50CDFD467}" presName="parentText" presStyleLbl="alignNode1" presStyleIdx="8" presStyleCnt="9">
+        <dgm:presLayoutVars>
+          <dgm:chMax val="1"/>
+          <dgm:bulletEnabled val="1"/>
+        </dgm:presLayoutVars>
+      </dgm:prSet>
+      <dgm:spPr/>
+    </dgm:pt>
+    <dgm:pt modelId="{C7EEC187-717B-4463-B2E1-F8FA3E03E01B}" type="pres">
+      <dgm:prSet presAssocID="{A9E3AF03-179A-4E14-8860-6EF50CDFD467}" presName="descendantText" presStyleLbl="alignAcc1" presStyleIdx="8" presStyleCnt="9">
+        <dgm:presLayoutVars>
+          <dgm:bulletEnabled val="1"/>
+        </dgm:presLayoutVars>
+      </dgm:prSet>
+      <dgm:spPr/>
+    </dgm:pt>
+  </dgm:ptLst>
+  <dgm:cxnLst>
+    <dgm:cxn modelId="{A513D405-EFB3-44C9-BB40-1F8DE138D613}" type="presOf" srcId="{10509776-3BCA-4610-AD87-DAF7B4E21156}" destId="{BCBAC806-61AB-45A0-9A80-9AB2003255EF}" srcOrd="0" destOrd="0" presId="urn:microsoft.com/office/officeart/2005/8/layout/chevron2"/>
+    <dgm:cxn modelId="{86827A26-567B-4471-AA65-48C6419F0985}" type="presOf" srcId="{5042DEB3-6F9B-4FD1-A737-DD137A04ED6D}" destId="{F799F7B4-4C17-4D0F-BA89-27673B52F0A3}" srcOrd="0" destOrd="0" presId="urn:microsoft.com/office/officeart/2005/8/layout/chevron2"/>
+    <dgm:cxn modelId="{25EE652D-2E45-4DD4-9DED-61533F91F6B3}" srcId="{8DECC58B-E7A5-4100-ABC3-9954E744132A}" destId="{9EEF192E-5B4D-4756-A02A-0F16C2FE49A6}" srcOrd="0" destOrd="0" parTransId="{2289140E-F17A-4ECF-ADDD-11C47E26A255}" sibTransId="{93D1F49A-ACE4-47DE-9F27-BCDBAAF0E7EE}"/>
+    <dgm:cxn modelId="{51703F3C-8D40-4C56-8737-63C898D87139}" srcId="{3F292CC0-BB5B-4FEE-A096-7E7AFE70C929}" destId="{65BBD842-7FAB-4615-8C22-E0FF15109A8A}" srcOrd="0" destOrd="0" parTransId="{7BC5CEC3-E970-4943-9A13-866E8625EC99}" sibTransId="{DF646B2C-C43E-44BA-8C52-3E59FE06E81E}"/>
+    <dgm:cxn modelId="{6B30B53C-FCD4-45CF-BAD9-7152C486C4D5}" type="presOf" srcId="{AE0F80E5-A429-4EA2-89BD-8BEEC87F6C39}" destId="{793BDDD2-9331-4F68-9B8C-48F722549DDE}" srcOrd="0" destOrd="0" presId="urn:microsoft.com/office/officeart/2005/8/layout/chevron2"/>
+    <dgm:cxn modelId="{DC19D93D-4982-4042-BBBB-741DF6EF63E9}" srcId="{A9E3AF03-179A-4E14-8860-6EF50CDFD467}" destId="{D63A54A1-5F22-4203-AEC0-2C18D0C7B4BD}" srcOrd="0" destOrd="0" parTransId="{5399FF6D-35C6-493E-8CDA-CD0351D48227}" sibTransId="{1AAB3517-99E6-4F02-8EFA-CC5EDF9789B0}"/>
+    <dgm:cxn modelId="{0B841163-55BC-42FA-B19F-554F2327E248}" srcId="{ABE2FEA0-852C-4C5F-9A38-2666E44B1668}" destId="{10509776-3BCA-4610-AD87-DAF7B4E21156}" srcOrd="1" destOrd="0" parTransId="{5D19E8FE-DD71-4158-94FA-7A2C2DCA470C}" sibTransId="{74140A1C-3E0B-446D-9175-53550F3E6DFD}"/>
+    <dgm:cxn modelId="{D3844E64-B804-4347-B8FC-6541C502D3F0}" type="presOf" srcId="{A9E3AF03-179A-4E14-8860-6EF50CDFD467}" destId="{1EB68F78-CA8F-40C9-BFB6-57AB608793EA}" srcOrd="0" destOrd="0" presId="urn:microsoft.com/office/officeart/2005/8/layout/chevron2"/>
+    <dgm:cxn modelId="{276B686A-C14C-4023-A796-73934FD00593}" type="presOf" srcId="{B7737CB1-9787-442B-9016-83C32EDF36CB}" destId="{11F407BF-5BF0-454C-A25C-D5E9C112BEDA}" srcOrd="0" destOrd="0" presId="urn:microsoft.com/office/officeart/2005/8/layout/chevron2"/>
+    <dgm:cxn modelId="{F49AC16F-0A72-41A4-9DC5-5C57C2BEB710}" type="presOf" srcId="{ABE2FEA0-852C-4C5F-9A38-2666E44B1668}" destId="{81EBEC1F-7355-4149-B248-213644BD8EE9}" srcOrd="0" destOrd="0" presId="urn:microsoft.com/office/officeart/2005/8/layout/chevron2"/>
+    <dgm:cxn modelId="{05C66C76-F89D-47CA-B477-F17B03981A3D}" type="presOf" srcId="{466DE934-BD51-4D8A-97AA-146BCC9D6607}" destId="{33E269BB-6547-4386-A24D-F1BF1B6A9795}" srcOrd="0" destOrd="0" presId="urn:microsoft.com/office/officeart/2005/8/layout/chevron2"/>
+    <dgm:cxn modelId="{346E6677-FD5D-4D24-85BD-F3F2C0CF3881}" srcId="{10509776-3BCA-4610-AD87-DAF7B4E21156}" destId="{AC3C0839-9DF8-4160-97A1-A2B09F5302B7}" srcOrd="0" destOrd="0" parTransId="{CFE0706E-EF0B-4495-9827-95BB43CB438D}" sibTransId="{A4776E53-CABD-4330-9358-809992DBD1BF}"/>
+    <dgm:cxn modelId="{4FDC9257-26D6-4C7F-A65A-691D1F61BE76}" type="presOf" srcId="{03500ECA-DC21-4185-BF2B-1E349F71DA65}" destId="{26B59A6C-1BEB-49B3-AE71-918D8832037E}" srcOrd="0" destOrd="0" presId="urn:microsoft.com/office/officeart/2005/8/layout/chevron2"/>
+    <dgm:cxn modelId="{07980278-BE5D-4B6C-A434-1F75DBB66C68}" type="presOf" srcId="{65BBD842-7FAB-4615-8C22-E0FF15109A8A}" destId="{1B5DD45D-A437-4F10-8E54-AB64180D2B73}" srcOrd="0" destOrd="0" presId="urn:microsoft.com/office/officeart/2005/8/layout/chevron2"/>
+    <dgm:cxn modelId="{3098DC78-1D0F-4A90-B3D3-D215F98B9714}" srcId="{ABE2FEA0-852C-4C5F-9A38-2666E44B1668}" destId="{3F292CC0-BB5B-4FEE-A096-7E7AFE70C929}" srcOrd="7" destOrd="0" parTransId="{D608ED36-C528-43B2-8FCB-CE871AB52C59}" sibTransId="{E0E7970F-FEA7-4F03-9F9A-61EAF0022025}"/>
+    <dgm:cxn modelId="{BE5B115A-C7E4-4EF9-A31E-1A4B458EE414}" srcId="{ABE2FEA0-852C-4C5F-9A38-2666E44B1668}" destId="{B0688DB9-7066-429B-86A5-46E280F8CA61}" srcOrd="5" destOrd="0" parTransId="{1DE3D2A0-A492-4A91-998F-9A37C546FE55}" sibTransId="{2B4300AA-91B6-4C30-9B76-B6C5A431DDC9}"/>
+    <dgm:cxn modelId="{845EE05A-2380-4DC9-AB55-46BE093D1973}" type="presOf" srcId="{B0688DB9-7066-429B-86A5-46E280F8CA61}" destId="{D4823C65-B000-42BA-A887-97E11955696C}" srcOrd="0" destOrd="0" presId="urn:microsoft.com/office/officeart/2005/8/layout/chevron2"/>
+    <dgm:cxn modelId="{9A8F3C86-F05F-4E5B-BAC8-8F3966B3D4E3}" type="presOf" srcId="{9C5B74D3-26C3-4F10-BE6B-14E63D7D65E1}" destId="{FF3AE5A4-C46A-4AA0-9299-3D29C7804EBA}" srcOrd="0" destOrd="0" presId="urn:microsoft.com/office/officeart/2005/8/layout/chevron2"/>
+    <dgm:cxn modelId="{085A5F93-8715-41DC-8A5C-4C7D43E5C570}" srcId="{ABE2FEA0-852C-4C5F-9A38-2666E44B1668}" destId="{D6DA60A1-F86B-414F-A50F-E2E41CF618CB}" srcOrd="0" destOrd="0" parTransId="{0D4F0745-2A65-4DCA-804C-EA2A33A7A706}" sibTransId="{CB627EA4-723B-4134-A0A1-8F8EC2F18EEB}"/>
+    <dgm:cxn modelId="{6629FF9D-5958-4343-8750-C4AE674AF488}" srcId="{03500ECA-DC21-4185-BF2B-1E349F71DA65}" destId="{9FF5A8B9-233E-4F50-9B57-E6FD95C38CA3}" srcOrd="0" destOrd="0" parTransId="{154825B9-C34E-4DDB-ADB4-871B351BF70A}" sibTransId="{7ABE7131-588C-4BA7-8274-AD83C26EBDBC}"/>
+    <dgm:cxn modelId="{46258E9F-4EA9-4746-90F4-D73B5922D57B}" type="presOf" srcId="{3F292CC0-BB5B-4FEE-A096-7E7AFE70C929}" destId="{E5D5264E-4D86-4949-9852-2C99F25B3362}" srcOrd="0" destOrd="0" presId="urn:microsoft.com/office/officeart/2005/8/layout/chevron2"/>
+    <dgm:cxn modelId="{A11EBBAF-1873-4197-B9A7-86BDD856AE0B}" srcId="{D6DA60A1-F86B-414F-A50F-E2E41CF618CB}" destId="{5042DEB3-6F9B-4FD1-A737-DD137A04ED6D}" srcOrd="0" destOrd="0" parTransId="{F045FF7A-DB95-461F-B5FC-3879121054F0}" sibTransId="{AF0B0B3E-BB73-431C-A97C-705CD8F6AD0A}"/>
+    <dgm:cxn modelId="{A7455AB8-5BBB-4B80-9803-4037AFA855AE}" srcId="{B0688DB9-7066-429B-86A5-46E280F8CA61}" destId="{9C5B74D3-26C3-4F10-BE6B-14E63D7D65E1}" srcOrd="0" destOrd="0" parTransId="{AF4553D1-1449-4379-B821-F3AF964F73C1}" sibTransId="{32231CFB-F4D7-4303-8C79-049EFCF653F2}"/>
+    <dgm:cxn modelId="{B6B3F3B8-2142-477E-A83A-63D4A2784733}" srcId="{ABE2FEA0-852C-4C5F-9A38-2666E44B1668}" destId="{8DECC58B-E7A5-4100-ABC3-9954E744132A}" srcOrd="4" destOrd="0" parTransId="{C4B7068B-15F9-41C9-ABC9-6A2BFF49BCD5}" sibTransId="{FA0C80A3-E4BB-4795-81C7-493CDE8C8CE7}"/>
+    <dgm:cxn modelId="{619A06BC-4B98-4D5B-9A71-70EB7A532485}" type="presOf" srcId="{D6DA60A1-F86B-414F-A50F-E2E41CF618CB}" destId="{A4A2BA0B-6569-4B12-8E45-1E00759F7652}" srcOrd="0" destOrd="0" presId="urn:microsoft.com/office/officeart/2005/8/layout/chevron2"/>
+    <dgm:cxn modelId="{87FF98C2-53DC-4BCB-967A-9E5C211A58BF}" type="presOf" srcId="{AC3C0839-9DF8-4160-97A1-A2B09F5302B7}" destId="{5CA509B2-10D4-4E4B-8CB3-CABEE86EFDA4}" srcOrd="0" destOrd="0" presId="urn:microsoft.com/office/officeart/2005/8/layout/chevron2"/>
+    <dgm:cxn modelId="{F29948CE-3A64-4A74-9412-F051B90EFD2C}" type="presOf" srcId="{9EEF192E-5B4D-4756-A02A-0F16C2FE49A6}" destId="{58A5B5F9-B409-4963-9972-2EBAC6488EC8}" srcOrd="0" destOrd="0" presId="urn:microsoft.com/office/officeart/2005/8/layout/chevron2"/>
+    <dgm:cxn modelId="{47E5A0CF-1993-4DB9-8C3D-B4C2F8FE7FBD}" type="presOf" srcId="{50CD0CA2-5C7E-49C3-9CF0-2F8A57625DFC}" destId="{E208BEFD-C5C4-4ED4-82C5-985ADEFF713B}" srcOrd="0" destOrd="0" presId="urn:microsoft.com/office/officeart/2005/8/layout/chevron2"/>
+    <dgm:cxn modelId="{7E583ADA-2227-400E-9A0E-C18839EFE3D9}" srcId="{ABE2FEA0-852C-4C5F-9A38-2666E44B1668}" destId="{03500ECA-DC21-4185-BF2B-1E349F71DA65}" srcOrd="2" destOrd="0" parTransId="{7F463074-4B8D-4F76-9067-BB3B603D2339}" sibTransId="{C93A199F-DADE-48C9-9016-5281A9B8A4FF}"/>
+    <dgm:cxn modelId="{CC3FB7DA-E2FC-4C2A-B607-DB5C202C068C}" type="presOf" srcId="{8DECC58B-E7A5-4100-ABC3-9954E744132A}" destId="{B2F45672-E8A7-42F1-BAD1-6B125E3A77E1}" srcOrd="0" destOrd="0" presId="urn:microsoft.com/office/officeart/2005/8/layout/chevron2"/>
+    <dgm:cxn modelId="{06BB16E0-ABF1-4D51-9C88-E0678EAAA974}" type="presOf" srcId="{9FF5A8B9-233E-4F50-9B57-E6FD95C38CA3}" destId="{8F8EA162-C678-45A8-A818-007672859359}" srcOrd="0" destOrd="0" presId="urn:microsoft.com/office/officeart/2005/8/layout/chevron2"/>
+    <dgm:cxn modelId="{0636AAE7-1196-4F18-A074-3C47A617FA23}" srcId="{ABE2FEA0-852C-4C5F-9A38-2666E44B1668}" destId="{50CD0CA2-5C7E-49C3-9CF0-2F8A57625DFC}" srcOrd="3" destOrd="0" parTransId="{9050C44C-F24A-402D-AD24-DD30DF692746}" sibTransId="{13594A7D-88F0-4032-A826-FF3C875EC632}"/>
+    <dgm:cxn modelId="{E97D20EB-DA4D-4986-9A7C-6AAF322919EA}" srcId="{ABE2FEA0-852C-4C5F-9A38-2666E44B1668}" destId="{AE0F80E5-A429-4EA2-89BD-8BEEC87F6C39}" srcOrd="6" destOrd="0" parTransId="{A068BD84-118E-4B0E-82AF-E2979B6BE29B}" sibTransId="{8774234C-B5E8-484B-A63A-20E632E59CA9}"/>
+    <dgm:cxn modelId="{6E399CF3-327A-4FEF-93A8-C380413D7498}" srcId="{AE0F80E5-A429-4EA2-89BD-8BEEC87F6C39}" destId="{466DE934-BD51-4D8A-97AA-146BCC9D6607}" srcOrd="0" destOrd="0" parTransId="{D5F6BDBF-A7C1-4D6F-AF91-4AFD03D6F93C}" sibTransId="{FEBCE78A-3A53-4AEE-BF2D-780ECEB3FEEA}"/>
+    <dgm:cxn modelId="{074CD5F6-C9DB-4640-B518-2D3E40873AC2}" srcId="{ABE2FEA0-852C-4C5F-9A38-2666E44B1668}" destId="{A9E3AF03-179A-4E14-8860-6EF50CDFD467}" srcOrd="8" destOrd="0" parTransId="{B9C42771-8388-49DA-B2E2-E384654AE08B}" sibTransId="{B8C69474-FE3D-4DC0-BD1E-01926E2351B5}"/>
+    <dgm:cxn modelId="{55B4B3FE-CB6A-412C-9A0D-E0E0DC53F7AE}" type="presOf" srcId="{D63A54A1-5F22-4203-AEC0-2C18D0C7B4BD}" destId="{C7EEC187-717B-4463-B2E1-F8FA3E03E01B}" srcOrd="0" destOrd="0" presId="urn:microsoft.com/office/officeart/2005/8/layout/chevron2"/>
+    <dgm:cxn modelId="{C1858BFF-FA89-4269-8041-BA8A8CC128FE}" srcId="{50CD0CA2-5C7E-49C3-9CF0-2F8A57625DFC}" destId="{B7737CB1-9787-442B-9016-83C32EDF36CB}" srcOrd="0" destOrd="0" parTransId="{58341D68-6DD3-441D-81E3-A093EF5EEFB4}" sibTransId="{D45205D9-A28A-41AB-BC5B-9DF633514D97}"/>
+    <dgm:cxn modelId="{E2302DF2-8462-4FAE-AF8D-0D6B6FCEB8A9}" type="presParOf" srcId="{81EBEC1F-7355-4149-B248-213644BD8EE9}" destId="{317344BA-99FE-4F1E-B221-806E89405C69}" srcOrd="0" destOrd="0" presId="urn:microsoft.com/office/officeart/2005/8/layout/chevron2"/>
+    <dgm:cxn modelId="{F93ECFE9-BC9D-4C4E-BDCB-165DDAB99ACA}" type="presParOf" srcId="{317344BA-99FE-4F1E-B221-806E89405C69}" destId="{A4A2BA0B-6569-4B12-8E45-1E00759F7652}" srcOrd="0" destOrd="0" presId="urn:microsoft.com/office/officeart/2005/8/layout/chevron2"/>
+    <dgm:cxn modelId="{C7DD6EA9-F9AB-4640-ADFD-2EC47E1CE40B}" type="presParOf" srcId="{317344BA-99FE-4F1E-B221-806E89405C69}" destId="{F799F7B4-4C17-4D0F-BA89-27673B52F0A3}" srcOrd="1" destOrd="0" presId="urn:microsoft.com/office/officeart/2005/8/layout/chevron2"/>
+    <dgm:cxn modelId="{C20876C3-E9AB-47D7-A53F-7E41257D278B}" type="presParOf" srcId="{81EBEC1F-7355-4149-B248-213644BD8EE9}" destId="{7326B37F-CED7-4A7F-BB0A-412AC0B620AB}" srcOrd="1" destOrd="0" presId="urn:microsoft.com/office/officeart/2005/8/layout/chevron2"/>
+    <dgm:cxn modelId="{D3C14044-FC4C-4454-8B37-FAC6DBA2A946}" type="presParOf" srcId="{81EBEC1F-7355-4149-B248-213644BD8EE9}" destId="{E2369C3F-B623-4088-AFFF-99EE377DAEFA}" srcOrd="2" destOrd="0" presId="urn:microsoft.com/office/officeart/2005/8/layout/chevron2"/>
+    <dgm:cxn modelId="{7D533F52-BA2A-4001-A3C7-9F0F6C21554E}" type="presParOf" srcId="{E2369C3F-B623-4088-AFFF-99EE377DAEFA}" destId="{BCBAC806-61AB-45A0-9A80-9AB2003255EF}" srcOrd="0" destOrd="0" presId="urn:microsoft.com/office/officeart/2005/8/layout/chevron2"/>
+    <dgm:cxn modelId="{D1FFF792-7888-4491-AE80-EA4F6DAC159E}" type="presParOf" srcId="{E2369C3F-B623-4088-AFFF-99EE377DAEFA}" destId="{5CA509B2-10D4-4E4B-8CB3-CABEE86EFDA4}" srcOrd="1" destOrd="0" presId="urn:microsoft.com/office/officeart/2005/8/layout/chevron2"/>
+    <dgm:cxn modelId="{41481865-E7B6-450E-8569-6FBAB959D0EB}" type="presParOf" srcId="{81EBEC1F-7355-4149-B248-213644BD8EE9}" destId="{9991C2A8-40BB-449A-A962-A541C2FAEE4F}" srcOrd="3" destOrd="0" presId="urn:microsoft.com/office/officeart/2005/8/layout/chevron2"/>
+    <dgm:cxn modelId="{042B8CF7-98F1-424F-A8C4-D07E3F3C7CFA}" type="presParOf" srcId="{81EBEC1F-7355-4149-B248-213644BD8EE9}" destId="{9BCB1336-01E4-4AE9-BA2C-583F0D8FE905}" srcOrd="4" destOrd="0" presId="urn:microsoft.com/office/officeart/2005/8/layout/chevron2"/>
+    <dgm:cxn modelId="{95E5C266-9F9D-44F8-AA78-DDAAB65D18F5}" type="presParOf" srcId="{9BCB1336-01E4-4AE9-BA2C-583F0D8FE905}" destId="{26B59A6C-1BEB-49B3-AE71-918D8832037E}" srcOrd="0" destOrd="0" presId="urn:microsoft.com/office/officeart/2005/8/layout/chevron2"/>
+    <dgm:cxn modelId="{2BDE283E-2E6F-456C-9B56-740F2A8310C3}" type="presParOf" srcId="{9BCB1336-01E4-4AE9-BA2C-583F0D8FE905}" destId="{8F8EA162-C678-45A8-A818-007672859359}" srcOrd="1" destOrd="0" presId="urn:microsoft.com/office/officeart/2005/8/layout/chevron2"/>
+    <dgm:cxn modelId="{AF656AA9-5FAD-4E48-A50E-433DC09214F3}" type="presParOf" srcId="{81EBEC1F-7355-4149-B248-213644BD8EE9}" destId="{E9080BCF-9978-490F-B6B7-666ECEF912F1}" srcOrd="5" destOrd="0" presId="urn:microsoft.com/office/officeart/2005/8/layout/chevron2"/>
+    <dgm:cxn modelId="{F152A4C6-761D-488B-99B2-0BFD2E6F10AF}" type="presParOf" srcId="{81EBEC1F-7355-4149-B248-213644BD8EE9}" destId="{97F5C590-5729-49D0-89AC-288DAE4B96D8}" srcOrd="6" destOrd="0" presId="urn:microsoft.com/office/officeart/2005/8/layout/chevron2"/>
+    <dgm:cxn modelId="{F88FED93-94B0-4D90-AC03-38740AC4DA51}" type="presParOf" srcId="{97F5C590-5729-49D0-89AC-288DAE4B96D8}" destId="{E208BEFD-C5C4-4ED4-82C5-985ADEFF713B}" srcOrd="0" destOrd="0" presId="urn:microsoft.com/office/officeart/2005/8/layout/chevron2"/>
+    <dgm:cxn modelId="{9CF51798-6DC7-4ACF-87D4-78F9DA5BE80F}" type="presParOf" srcId="{97F5C590-5729-49D0-89AC-288DAE4B96D8}" destId="{11F407BF-5BF0-454C-A25C-D5E9C112BEDA}" srcOrd="1" destOrd="0" presId="urn:microsoft.com/office/officeart/2005/8/layout/chevron2"/>
+    <dgm:cxn modelId="{020C7AF5-7493-4128-8C1D-4E9BBDC5746B}" type="presParOf" srcId="{81EBEC1F-7355-4149-B248-213644BD8EE9}" destId="{BB27E8E0-9F96-4DEA-9E6B-8A2728FE53B8}" srcOrd="7" destOrd="0" presId="urn:microsoft.com/office/officeart/2005/8/layout/chevron2"/>
+    <dgm:cxn modelId="{F7399940-B623-418E-8921-A2EF91B034C7}" type="presParOf" srcId="{81EBEC1F-7355-4149-B248-213644BD8EE9}" destId="{C095880C-8174-4DD9-9BE1-46BB2C66EC70}" srcOrd="8" destOrd="0" presId="urn:microsoft.com/office/officeart/2005/8/layout/chevron2"/>
+    <dgm:cxn modelId="{960C4E1F-CADD-49A8-9DBE-CF3C17F83A4A}" type="presParOf" srcId="{C095880C-8174-4DD9-9BE1-46BB2C66EC70}" destId="{B2F45672-E8A7-42F1-BAD1-6B125E3A77E1}" srcOrd="0" destOrd="0" presId="urn:microsoft.com/office/officeart/2005/8/layout/chevron2"/>
+    <dgm:cxn modelId="{205C0C13-470A-401A-992B-AB70CBA4F269}" type="presParOf" srcId="{C095880C-8174-4DD9-9BE1-46BB2C66EC70}" destId="{58A5B5F9-B409-4963-9972-2EBAC6488EC8}" srcOrd="1" destOrd="0" presId="urn:microsoft.com/office/officeart/2005/8/layout/chevron2"/>
+    <dgm:cxn modelId="{E4DDE4C4-135E-47F4-91CF-1EE79DB56C38}" type="presParOf" srcId="{81EBEC1F-7355-4149-B248-213644BD8EE9}" destId="{377CA37A-DB39-443C-AD9C-42AEC620F54E}" srcOrd="9" destOrd="0" presId="urn:microsoft.com/office/officeart/2005/8/layout/chevron2"/>
+    <dgm:cxn modelId="{1C34933F-1BAD-432A-BB2C-E835BD64D4D9}" type="presParOf" srcId="{81EBEC1F-7355-4149-B248-213644BD8EE9}" destId="{BF379CD5-D3A1-4E2F-9E0F-3BC8270224C4}" srcOrd="10" destOrd="0" presId="urn:microsoft.com/office/officeart/2005/8/layout/chevron2"/>
+    <dgm:cxn modelId="{D294D3AB-85DC-465E-B811-FC5D4B37078B}" type="presParOf" srcId="{BF379CD5-D3A1-4E2F-9E0F-3BC8270224C4}" destId="{D4823C65-B000-42BA-A887-97E11955696C}" srcOrd="0" destOrd="0" presId="urn:microsoft.com/office/officeart/2005/8/layout/chevron2"/>
+    <dgm:cxn modelId="{C30B24FF-629E-44DF-AD6A-A0CC32286AB5}" type="presParOf" srcId="{BF379CD5-D3A1-4E2F-9E0F-3BC8270224C4}" destId="{FF3AE5A4-C46A-4AA0-9299-3D29C7804EBA}" srcOrd="1" destOrd="0" presId="urn:microsoft.com/office/officeart/2005/8/layout/chevron2"/>
+    <dgm:cxn modelId="{2FA5B926-391D-47CF-B0EF-2D287EE02895}" type="presParOf" srcId="{81EBEC1F-7355-4149-B248-213644BD8EE9}" destId="{FD0D7FE0-E857-4DB6-87A3-098385C8C61C}" srcOrd="11" destOrd="0" presId="urn:microsoft.com/office/officeart/2005/8/layout/chevron2"/>
+    <dgm:cxn modelId="{E2160BA5-9A74-4248-ABD9-911F5E93616C}" type="presParOf" srcId="{81EBEC1F-7355-4149-B248-213644BD8EE9}" destId="{4C9199F6-22E9-4A02-9135-241E125ECE8E}" srcOrd="12" destOrd="0" presId="urn:microsoft.com/office/officeart/2005/8/layout/chevron2"/>
+    <dgm:cxn modelId="{3F9B3EC8-E248-4457-ABBD-9CB2F77DC097}" type="presParOf" srcId="{4C9199F6-22E9-4A02-9135-241E125ECE8E}" destId="{793BDDD2-9331-4F68-9B8C-48F722549DDE}" srcOrd="0" destOrd="0" presId="urn:microsoft.com/office/officeart/2005/8/layout/chevron2"/>
+    <dgm:cxn modelId="{D99344FB-FDBD-4498-A593-683C3A3DC691}" type="presParOf" srcId="{4C9199F6-22E9-4A02-9135-241E125ECE8E}" destId="{33E269BB-6547-4386-A24D-F1BF1B6A9795}" srcOrd="1" destOrd="0" presId="urn:microsoft.com/office/officeart/2005/8/layout/chevron2"/>
+    <dgm:cxn modelId="{A37D36D5-FE5B-431F-BD4D-0071A25F27D5}" type="presParOf" srcId="{81EBEC1F-7355-4149-B248-213644BD8EE9}" destId="{CDE68E6E-8C0B-4622-B252-08F97E0E280E}" srcOrd="13" destOrd="0" presId="urn:microsoft.com/office/officeart/2005/8/layout/chevron2"/>
+    <dgm:cxn modelId="{3C0FD6A9-D14E-4295-8910-D4D154A3F090}" type="presParOf" srcId="{81EBEC1F-7355-4149-B248-213644BD8EE9}" destId="{58B0CCCB-B679-4EBD-AE4B-99ECF457E7CB}" srcOrd="14" destOrd="0" presId="urn:microsoft.com/office/officeart/2005/8/layout/chevron2"/>
+    <dgm:cxn modelId="{38AB3CCF-C0F6-46C7-8BA1-4E9676FF7C74}" type="presParOf" srcId="{58B0CCCB-B679-4EBD-AE4B-99ECF457E7CB}" destId="{E5D5264E-4D86-4949-9852-2C99F25B3362}" srcOrd="0" destOrd="0" presId="urn:microsoft.com/office/officeart/2005/8/layout/chevron2"/>
+    <dgm:cxn modelId="{B3082211-BD28-4030-9253-C82A955BB14D}" type="presParOf" srcId="{58B0CCCB-B679-4EBD-AE4B-99ECF457E7CB}" destId="{1B5DD45D-A437-4F10-8E54-AB64180D2B73}" srcOrd="1" destOrd="0" presId="urn:microsoft.com/office/officeart/2005/8/layout/chevron2"/>
+    <dgm:cxn modelId="{528426EE-3C4E-4B16-BE81-10D3A8623022}" type="presParOf" srcId="{81EBEC1F-7355-4149-B248-213644BD8EE9}" destId="{FF6FACCF-425C-4AAB-9BA7-2444AFB6921B}" srcOrd="15" destOrd="0" presId="urn:microsoft.com/office/officeart/2005/8/layout/chevron2"/>
+    <dgm:cxn modelId="{970085AB-6691-4275-80ED-316B1980E98C}" type="presParOf" srcId="{81EBEC1F-7355-4149-B248-213644BD8EE9}" destId="{EAC3C79A-0B39-4FCB-860E-1CC1A9DC9858}" srcOrd="16" destOrd="0" presId="urn:microsoft.com/office/officeart/2005/8/layout/chevron2"/>
+    <dgm:cxn modelId="{A952BAAE-085B-40A5-9D5A-29C130E35D73}" type="presParOf" srcId="{EAC3C79A-0B39-4FCB-860E-1CC1A9DC9858}" destId="{1EB68F78-CA8F-40C9-BFB6-57AB608793EA}" srcOrd="0" destOrd="0" presId="urn:microsoft.com/office/officeart/2005/8/layout/chevron2"/>
+    <dgm:cxn modelId="{2AFD32AF-9B47-4437-8E2B-DEA6DD13D137}" type="presParOf" srcId="{EAC3C79A-0B39-4FCB-860E-1CC1A9DC9858}" destId="{C7EEC187-717B-4463-B2E1-F8FA3E03E01B}" srcOrd="1" destOrd="0" presId="urn:microsoft.com/office/officeart/2005/8/layout/chevron2"/>
+  </dgm:cxnLst>
+  <dgm:bg/>
+  <dgm:whole/>
+  <dgm:extLst>
+    <a:ext uri="http://schemas.microsoft.com/office/drawing/2008/diagram">
+      <dsp:dataModelExt xmlns:dsp="http://schemas.microsoft.com/office/drawing/2008/diagram" relId="rId6" minVer="http://schemas.openxmlformats.org/drawingml/2006/diagram"/>
+    </a:ext>
+  </dgm:extLst>
+</dgm:dataModel>
+</file>
+
+<file path=ppt/diagrams/drawing1.xml><?xml version="1.0" encoding="utf-8"?>
+<dsp:drawing xmlns:dgm="http://schemas.openxmlformats.org/drawingml/2006/diagram" xmlns:dsp="http://schemas.microsoft.com/office/drawing/2008/diagram" xmlns:a="http://schemas.openxmlformats.org/drawingml/2006/main">
+  <dsp:spTree>
+    <dsp:nvGrpSpPr>
+      <dsp:cNvPr id="0" name=""/>
+      <dsp:cNvGrpSpPr/>
+    </dsp:nvGrpSpPr>
+    <dsp:grpSpPr/>
+    <dsp:sp modelId="{A4A2BA0B-6569-4B12-8E45-1E00759F7652}">
+      <dsp:nvSpPr>
+        <dsp:cNvPr id="0" name=""/>
+        <dsp:cNvSpPr/>
+      </dsp:nvSpPr>
+      <dsp:spPr>
+        <a:xfrm rot="5400000">
+          <a:off x="10054173" y="81567"/>
+          <a:ext cx="542854" cy="379998"/>
+        </a:xfrm>
+        <a:prstGeom prst="chevron">
+          <a:avLst/>
+        </a:prstGeom>
+        <a:solidFill>
+          <a:schemeClr val="accent4">
+            <a:hueOff val="0"/>
+            <a:satOff val="0"/>
+            <a:lumOff val="0"/>
+            <a:alphaOff val="0"/>
+          </a:schemeClr>
+        </a:solidFill>
+        <a:ln w="12700" cap="flat" cmpd="sng" algn="ctr">
+          <a:solidFill>
+            <a:schemeClr val="accent4">
+              <a:hueOff val="0"/>
+              <a:satOff val="0"/>
+              <a:lumOff val="0"/>
+              <a:alphaOff val="0"/>
+            </a:schemeClr>
+          </a:solidFill>
+          <a:prstDash val="solid"/>
+          <a:miter lim="800000"/>
+        </a:ln>
+        <a:effectLst/>
+      </dsp:spPr>
+      <dsp:style>
+        <a:lnRef idx="2">
+          <a:scrgbClr r="0" g="0" b="0"/>
+        </a:lnRef>
+        <a:fillRef idx="1">
+          <a:scrgbClr r="0" g="0" b="0"/>
+        </a:fillRef>
+        <a:effectRef idx="0">
+          <a:scrgbClr r="0" g="0" b="0"/>
+        </a:effectRef>
+        <a:fontRef idx="minor">
+          <a:schemeClr val="lt1"/>
+        </a:fontRef>
+      </dsp:style>
+      <dsp:txBody>
+        <a:bodyPr spcFirstLastPara="0" vert="horz" wrap="square" lIns="6985" tIns="6985" rIns="6985" bIns="6985" numCol="1" spcCol="1270" anchor="ctr" anchorCtr="0">
+          <a:noAutofit/>
+        </a:bodyPr>
+        <a:lstStyle/>
+        <a:p>
+          <a:pPr marL="0" lvl="0" indent="0" algn="ctr" defTabSz="488950" rtl="1">
+            <a:lnSpc>
+              <a:spcPct val="90000"/>
+            </a:lnSpc>
+            <a:spcBef>
+              <a:spcPct val="0"/>
+            </a:spcBef>
+            <a:spcAft>
+              <a:spcPct val="35000"/>
+            </a:spcAft>
+            <a:buNone/>
+          </a:pPr>
+          <a:endParaRPr lang="he-IL" sz="1100" kern="1200" dirty="0"/>
+        </a:p>
+      </dsp:txBody>
+      <dsp:txXfrm rot="-5400000">
+        <a:off x="10135601" y="190138"/>
+        <a:ext cx="379998" cy="162856"/>
+      </dsp:txXfrm>
+    </dsp:sp>
+    <dsp:sp modelId="{F799F7B4-4C17-4D0F-BA89-27673B52F0A3}">
+      <dsp:nvSpPr>
+        <dsp:cNvPr id="0" name=""/>
+        <dsp:cNvSpPr/>
+      </dsp:nvSpPr>
+      <dsp:spPr>
+        <a:xfrm rot="16200000">
+          <a:off x="4891372" y="-4891234"/>
+          <a:ext cx="352855" cy="10135601"/>
+        </a:xfrm>
+        <a:prstGeom prst="round2SameRect">
+          <a:avLst/>
+        </a:prstGeom>
+        <a:solidFill>
+          <a:schemeClr val="lt1">
+            <a:alpha val="90000"/>
+            <a:hueOff val="0"/>
+            <a:satOff val="0"/>
+            <a:lumOff val="0"/>
+            <a:alphaOff val="0"/>
+          </a:schemeClr>
+        </a:solidFill>
+        <a:ln w="12700" cap="flat" cmpd="sng" algn="ctr">
+          <a:solidFill>
+            <a:schemeClr val="accent4">
+              <a:hueOff val="0"/>
+              <a:satOff val="0"/>
+              <a:lumOff val="0"/>
+              <a:alphaOff val="0"/>
+            </a:schemeClr>
+          </a:solidFill>
+          <a:prstDash val="solid"/>
+          <a:miter lim="800000"/>
+        </a:ln>
+        <a:effectLst/>
+      </dsp:spPr>
+      <dsp:style>
+        <a:lnRef idx="2">
+          <a:scrgbClr r="0" g="0" b="0"/>
+        </a:lnRef>
+        <a:fillRef idx="1">
+          <a:scrgbClr r="0" g="0" b="0"/>
+        </a:fillRef>
+        <a:effectRef idx="0">
+          <a:scrgbClr r="0" g="0" b="0"/>
+        </a:effectRef>
+        <a:fontRef idx="minor"/>
+      </dsp:style>
+      <dsp:txBody>
+        <a:bodyPr spcFirstLastPara="0" vert="horz" wrap="square" lIns="12700" tIns="12700" rIns="142240" bIns="12700" numCol="1" spcCol="1270" anchor="ctr" anchorCtr="0">
+          <a:noAutofit/>
+        </a:bodyPr>
+        <a:lstStyle/>
+        <a:p>
+          <a:pPr marL="228600" lvl="1" indent="-228600" algn="r" defTabSz="889000" rtl="1">
+            <a:lnSpc>
+              <a:spcPct val="90000"/>
+            </a:lnSpc>
+            <a:spcBef>
+              <a:spcPct val="0"/>
+            </a:spcBef>
+            <a:spcAft>
+              <a:spcPct val="15000"/>
+            </a:spcAft>
+            <a:buChar char="•"/>
+          </a:pPr>
+          <a:r>
+            <a:rPr lang="he-IL" sz="2000" kern="1200" dirty="0"/>
+            <a:t>בניית מסלול תעבורה בעת הפניה לקישור</a:t>
+          </a:r>
+        </a:p>
+      </dsp:txBody>
+      <dsp:txXfrm rot="5400000">
+        <a:off x="17225" y="17363"/>
+        <a:ext cx="10118376" cy="318405"/>
+      </dsp:txXfrm>
+    </dsp:sp>
+    <dsp:sp modelId="{BCBAC806-61AB-45A0-9A80-9AB2003255EF}">
+      <dsp:nvSpPr>
+        <dsp:cNvPr id="0" name=""/>
+        <dsp:cNvSpPr/>
+      </dsp:nvSpPr>
+      <dsp:spPr>
+        <a:xfrm rot="5400000">
+          <a:off x="10054173" y="557592"/>
+          <a:ext cx="542854" cy="379998"/>
+        </a:xfrm>
+        <a:prstGeom prst="chevron">
+          <a:avLst/>
+        </a:prstGeom>
+        <a:solidFill>
+          <a:schemeClr val="accent4">
+            <a:hueOff val="1225111"/>
+            <a:satOff val="-5097"/>
+            <a:lumOff val="1201"/>
+            <a:alphaOff val="0"/>
+          </a:schemeClr>
+        </a:solidFill>
+        <a:ln w="12700" cap="flat" cmpd="sng" algn="ctr">
+          <a:solidFill>
+            <a:schemeClr val="accent4">
+              <a:hueOff val="1225111"/>
+              <a:satOff val="-5097"/>
+              <a:lumOff val="1201"/>
+              <a:alphaOff val="0"/>
+            </a:schemeClr>
+          </a:solidFill>
+          <a:prstDash val="solid"/>
+          <a:miter lim="800000"/>
+        </a:ln>
+        <a:effectLst/>
+      </dsp:spPr>
+      <dsp:style>
+        <a:lnRef idx="2">
+          <a:scrgbClr r="0" g="0" b="0"/>
+        </a:lnRef>
+        <a:fillRef idx="1">
+          <a:scrgbClr r="0" g="0" b="0"/>
+        </a:fillRef>
+        <a:effectRef idx="0">
+          <a:scrgbClr r="0" g="0" b="0"/>
+        </a:effectRef>
+        <a:fontRef idx="minor">
+          <a:schemeClr val="lt1"/>
+        </a:fontRef>
+      </dsp:style>
+      <dsp:txBody>
+        <a:bodyPr spcFirstLastPara="0" vert="horz" wrap="square" lIns="6985" tIns="6985" rIns="6985" bIns="6985" numCol="1" spcCol="1270" anchor="ctr" anchorCtr="0">
+          <a:noAutofit/>
+        </a:bodyPr>
+        <a:lstStyle/>
+        <a:p>
+          <a:pPr marL="0" lvl="0" indent="0" algn="ctr" defTabSz="488950" rtl="1">
+            <a:lnSpc>
+              <a:spcPct val="90000"/>
+            </a:lnSpc>
+            <a:spcBef>
+              <a:spcPct val="0"/>
+            </a:spcBef>
+            <a:spcAft>
+              <a:spcPct val="35000"/>
+            </a:spcAft>
+            <a:buNone/>
+          </a:pPr>
+          <a:endParaRPr lang="he-IL" sz="1100" kern="1200" dirty="0"/>
+        </a:p>
+      </dsp:txBody>
+      <dsp:txXfrm rot="-5400000">
+        <a:off x="10135601" y="666163"/>
+        <a:ext cx="379998" cy="162856"/>
+      </dsp:txXfrm>
+    </dsp:sp>
+    <dsp:sp modelId="{5CA509B2-10D4-4E4B-8CB3-CABEE86EFDA4}">
+      <dsp:nvSpPr>
+        <dsp:cNvPr id="0" name=""/>
+        <dsp:cNvSpPr/>
+      </dsp:nvSpPr>
+      <dsp:spPr>
+        <a:xfrm rot="16200000">
+          <a:off x="4891372" y="-4415208"/>
+          <a:ext cx="352855" cy="10135601"/>
+        </a:xfrm>
+        <a:prstGeom prst="round2SameRect">
+          <a:avLst/>
+        </a:prstGeom>
+        <a:solidFill>
+          <a:schemeClr val="lt1">
+            <a:alpha val="90000"/>
+            <a:hueOff val="0"/>
+            <a:satOff val="0"/>
+            <a:lumOff val="0"/>
+            <a:alphaOff val="0"/>
+          </a:schemeClr>
+        </a:solidFill>
+        <a:ln w="12700" cap="flat" cmpd="sng" algn="ctr">
+          <a:solidFill>
+            <a:schemeClr val="accent4">
+              <a:hueOff val="1225111"/>
+              <a:satOff val="-5097"/>
+              <a:lumOff val="1201"/>
+              <a:alphaOff val="0"/>
+            </a:schemeClr>
+          </a:solidFill>
+          <a:prstDash val="solid"/>
+          <a:miter lim="800000"/>
+        </a:ln>
+        <a:effectLst/>
+      </dsp:spPr>
+      <dsp:style>
+        <a:lnRef idx="2">
+          <a:scrgbClr r="0" g="0" b="0"/>
+        </a:lnRef>
+        <a:fillRef idx="1">
+          <a:scrgbClr r="0" g="0" b="0"/>
+        </a:fillRef>
+        <a:effectRef idx="0">
+          <a:scrgbClr r="0" g="0" b="0"/>
+        </a:effectRef>
+        <a:fontRef idx="minor"/>
+      </dsp:style>
+      <dsp:txBody>
+        <a:bodyPr spcFirstLastPara="0" vert="horz" wrap="square" lIns="12700" tIns="12700" rIns="142240" bIns="12700" numCol="1" spcCol="1270" anchor="ctr" anchorCtr="0">
+          <a:noAutofit/>
+        </a:bodyPr>
+        <a:lstStyle/>
+        <a:p>
+          <a:pPr marL="228600" lvl="1" indent="-228600" algn="r" defTabSz="889000" rtl="1">
+            <a:lnSpc>
+              <a:spcPct val="90000"/>
+            </a:lnSpc>
+            <a:spcBef>
+              <a:spcPct val="0"/>
+            </a:spcBef>
+            <a:spcAft>
+              <a:spcPct val="15000"/>
+            </a:spcAft>
+            <a:buChar char="•"/>
+          </a:pPr>
+          <a:r>
+            <a:rPr lang="he-IL" sz="2000" kern="1200" dirty="0"/>
+            <a:t>שימוש </a:t>
+          </a:r>
+          <a:r>
+            <a:rPr lang="he-IL" sz="2000" kern="1200" dirty="0" err="1"/>
+            <a:t>בזחלנים</a:t>
+          </a:r>
+          <a:r>
+            <a:rPr lang="he-IL" sz="2000" kern="1200" dirty="0"/>
+            <a:t> ומניפולציות על </a:t>
+          </a:r>
+          <a:r>
+            <a:rPr lang="en-US" sz="2000" kern="1200" dirty="0"/>
+            <a:t>HTTP</a:t>
+          </a:r>
+          <a:r>
+            <a:rPr lang="he-IL" sz="2000" kern="1200" dirty="0"/>
+            <a:t> באנרים, להפקת מידע.</a:t>
+          </a:r>
+        </a:p>
+      </dsp:txBody>
+      <dsp:txXfrm rot="5400000">
+        <a:off x="17225" y="493389"/>
+        <a:ext cx="10118376" cy="318405"/>
+      </dsp:txXfrm>
+    </dsp:sp>
+    <dsp:sp modelId="{26B59A6C-1BEB-49B3-AE71-918D8832037E}">
+      <dsp:nvSpPr>
+        <dsp:cNvPr id="0" name=""/>
+        <dsp:cNvSpPr/>
+      </dsp:nvSpPr>
+      <dsp:spPr>
+        <a:xfrm rot="5400000">
+          <a:off x="10054173" y="1033618"/>
+          <a:ext cx="542854" cy="379998"/>
+        </a:xfrm>
+        <a:prstGeom prst="chevron">
+          <a:avLst/>
+        </a:prstGeom>
+        <a:solidFill>
+          <a:schemeClr val="accent4">
+            <a:hueOff val="2450223"/>
+            <a:satOff val="-10194"/>
+            <a:lumOff val="2402"/>
+            <a:alphaOff val="0"/>
+          </a:schemeClr>
+        </a:solidFill>
+        <a:ln w="12700" cap="flat" cmpd="sng" algn="ctr">
+          <a:solidFill>
+            <a:schemeClr val="accent4">
+              <a:hueOff val="2450223"/>
+              <a:satOff val="-10194"/>
+              <a:lumOff val="2402"/>
+              <a:alphaOff val="0"/>
+            </a:schemeClr>
+          </a:solidFill>
+          <a:prstDash val="solid"/>
+          <a:miter lim="800000"/>
+        </a:ln>
+        <a:effectLst/>
+      </dsp:spPr>
+      <dsp:style>
+        <a:lnRef idx="2">
+          <a:scrgbClr r="0" g="0" b="0"/>
+        </a:lnRef>
+        <a:fillRef idx="1">
+          <a:scrgbClr r="0" g="0" b="0"/>
+        </a:fillRef>
+        <a:effectRef idx="0">
+          <a:scrgbClr r="0" g="0" b="0"/>
+        </a:effectRef>
+        <a:fontRef idx="minor">
+          <a:schemeClr val="lt1"/>
+        </a:fontRef>
+      </dsp:style>
+      <dsp:txBody>
+        <a:bodyPr spcFirstLastPara="0" vert="horz" wrap="square" lIns="6985" tIns="6985" rIns="6985" bIns="6985" numCol="1" spcCol="1270" anchor="ctr" anchorCtr="0">
+          <a:noAutofit/>
+        </a:bodyPr>
+        <a:lstStyle/>
+        <a:p>
+          <a:pPr marL="0" lvl="0" indent="0" algn="ctr" defTabSz="488950" rtl="1">
+            <a:lnSpc>
+              <a:spcPct val="90000"/>
+            </a:lnSpc>
+            <a:spcBef>
+              <a:spcPct val="0"/>
+            </a:spcBef>
+            <a:spcAft>
+              <a:spcPct val="35000"/>
+            </a:spcAft>
+            <a:buNone/>
+          </a:pPr>
+          <a:endParaRPr lang="he-IL" sz="1100" kern="1200" dirty="0"/>
+        </a:p>
+      </dsp:txBody>
+      <dsp:txXfrm rot="-5400000">
+        <a:off x="10135601" y="1142189"/>
+        <a:ext cx="379998" cy="162856"/>
+      </dsp:txXfrm>
+    </dsp:sp>
+    <dsp:sp modelId="{8F8EA162-C678-45A8-A818-007672859359}">
+      <dsp:nvSpPr>
+        <dsp:cNvPr id="0" name=""/>
+        <dsp:cNvSpPr/>
+      </dsp:nvSpPr>
+      <dsp:spPr>
+        <a:xfrm rot="16200000">
+          <a:off x="4891372" y="-3939182"/>
+          <a:ext cx="352855" cy="10135601"/>
+        </a:xfrm>
+        <a:prstGeom prst="round2SameRect">
+          <a:avLst/>
+        </a:prstGeom>
+        <a:solidFill>
+          <a:schemeClr val="lt1">
+            <a:alpha val="90000"/>
+            <a:hueOff val="0"/>
+            <a:satOff val="0"/>
+            <a:lumOff val="0"/>
+            <a:alphaOff val="0"/>
+          </a:schemeClr>
+        </a:solidFill>
+        <a:ln w="12700" cap="flat" cmpd="sng" algn="ctr">
+          <a:solidFill>
+            <a:schemeClr val="accent4">
+              <a:hueOff val="2450223"/>
+              <a:satOff val="-10194"/>
+              <a:lumOff val="2402"/>
+              <a:alphaOff val="0"/>
+            </a:schemeClr>
+          </a:solidFill>
+          <a:prstDash val="solid"/>
+          <a:miter lim="800000"/>
+        </a:ln>
+        <a:effectLst/>
+      </dsp:spPr>
+      <dsp:style>
+        <a:lnRef idx="2">
+          <a:scrgbClr r="0" g="0" b="0"/>
+        </a:lnRef>
+        <a:fillRef idx="1">
+          <a:scrgbClr r="0" g="0" b="0"/>
+        </a:fillRef>
+        <a:effectRef idx="0">
+          <a:scrgbClr r="0" g="0" b="0"/>
+        </a:effectRef>
+        <a:fontRef idx="minor"/>
+      </dsp:style>
+      <dsp:txBody>
+        <a:bodyPr spcFirstLastPara="0" vert="horz" wrap="square" lIns="12700" tIns="12700" rIns="142240" bIns="12700" numCol="1" spcCol="1270" anchor="ctr" anchorCtr="0">
+          <a:noAutofit/>
+        </a:bodyPr>
+        <a:lstStyle/>
+        <a:p>
+          <a:pPr marL="228600" lvl="1" indent="-228600" algn="r" defTabSz="889000" rtl="1">
+            <a:lnSpc>
+              <a:spcPct val="90000"/>
+            </a:lnSpc>
+            <a:spcBef>
+              <a:spcPct val="0"/>
+            </a:spcBef>
+            <a:spcAft>
+              <a:spcPct val="15000"/>
+            </a:spcAft>
+            <a:buChar char="•"/>
+          </a:pPr>
+          <a:r>
+            <a:rPr lang="he-IL" sz="2000" kern="1200" dirty="0"/>
+            <a:t>שימוש ברשימת השרתים של </a:t>
+          </a:r>
+          <a:r>
+            <a:rPr lang="en-US" sz="2000" kern="1200" dirty="0"/>
+            <a:t>NSO</a:t>
+          </a:r>
+          <a:r>
+            <a:rPr lang="he-IL" sz="2000" kern="1200" dirty="0"/>
+            <a:t> המוכרים ל-</a:t>
+          </a:r>
+          <a:r>
+            <a:rPr lang="en-US" sz="2000" kern="1200" dirty="0"/>
+            <a:t>TCL</a:t>
+          </a:r>
+          <a:r>
+            <a:rPr lang="he-IL" sz="2000" kern="1200" dirty="0"/>
+            <a:t> לבניית טביעת אצבע</a:t>
+          </a:r>
+        </a:p>
+      </dsp:txBody>
+      <dsp:txXfrm rot="5400000">
+        <a:off x="17225" y="969415"/>
+        <a:ext cx="10118376" cy="318405"/>
+      </dsp:txXfrm>
+    </dsp:sp>
+    <dsp:sp modelId="{E208BEFD-C5C4-4ED4-82C5-985ADEFF713B}">
+      <dsp:nvSpPr>
+        <dsp:cNvPr id="0" name=""/>
+        <dsp:cNvSpPr/>
+      </dsp:nvSpPr>
+      <dsp:spPr>
+        <a:xfrm rot="5400000">
+          <a:off x="10054173" y="1509644"/>
+          <a:ext cx="542854" cy="379998"/>
+        </a:xfrm>
+        <a:prstGeom prst="chevron">
+          <a:avLst/>
+        </a:prstGeom>
+        <a:solidFill>
+          <a:schemeClr val="accent4">
+            <a:hueOff val="3675334"/>
+            <a:satOff val="-15291"/>
+            <a:lumOff val="3603"/>
+            <a:alphaOff val="0"/>
+          </a:schemeClr>
+        </a:solidFill>
+        <a:ln w="12700" cap="flat" cmpd="sng" algn="ctr">
+          <a:solidFill>
+            <a:schemeClr val="accent4">
+              <a:hueOff val="3675334"/>
+              <a:satOff val="-15291"/>
+              <a:lumOff val="3603"/>
+              <a:alphaOff val="0"/>
+            </a:schemeClr>
+          </a:solidFill>
+          <a:prstDash val="solid"/>
+          <a:miter lim="800000"/>
+        </a:ln>
+        <a:effectLst/>
+      </dsp:spPr>
+      <dsp:style>
+        <a:lnRef idx="2">
+          <a:scrgbClr r="0" g="0" b="0"/>
+        </a:lnRef>
+        <a:fillRef idx="1">
+          <a:scrgbClr r="0" g="0" b="0"/>
+        </a:fillRef>
+        <a:effectRef idx="0">
+          <a:scrgbClr r="0" g="0" b="0"/>
+        </a:effectRef>
+        <a:fontRef idx="minor">
+          <a:schemeClr val="lt1"/>
+        </a:fontRef>
+      </dsp:style>
+      <dsp:txBody>
+        <a:bodyPr spcFirstLastPara="0" vert="horz" wrap="square" lIns="6985" tIns="6985" rIns="6985" bIns="6985" numCol="1" spcCol="1270" anchor="ctr" anchorCtr="0">
+          <a:noAutofit/>
+        </a:bodyPr>
+        <a:lstStyle/>
+        <a:p>
+          <a:pPr marL="0" lvl="0" indent="0" algn="ctr" defTabSz="488950" rtl="1">
+            <a:lnSpc>
+              <a:spcPct val="90000"/>
+            </a:lnSpc>
+            <a:spcBef>
+              <a:spcPct val="0"/>
+            </a:spcBef>
+            <a:spcAft>
+              <a:spcPct val="35000"/>
+            </a:spcAft>
+            <a:buNone/>
+          </a:pPr>
+          <a:endParaRPr lang="he-IL" sz="1100" kern="1200" dirty="0"/>
+        </a:p>
+      </dsp:txBody>
+      <dsp:txXfrm rot="-5400000">
+        <a:off x="10135601" y="1618215"/>
+        <a:ext cx="379998" cy="162856"/>
+      </dsp:txXfrm>
+    </dsp:sp>
+    <dsp:sp modelId="{11F407BF-5BF0-454C-A25C-D5E9C112BEDA}">
+      <dsp:nvSpPr>
+        <dsp:cNvPr id="0" name=""/>
+        <dsp:cNvSpPr/>
+      </dsp:nvSpPr>
+      <dsp:spPr>
+        <a:xfrm rot="16200000">
+          <a:off x="4891372" y="-3463157"/>
+          <a:ext cx="352855" cy="10135601"/>
+        </a:xfrm>
+        <a:prstGeom prst="round2SameRect">
+          <a:avLst/>
+        </a:prstGeom>
+        <a:solidFill>
+          <a:schemeClr val="lt1">
+            <a:alpha val="90000"/>
+            <a:hueOff val="0"/>
+            <a:satOff val="0"/>
+            <a:lumOff val="0"/>
+            <a:alphaOff val="0"/>
+          </a:schemeClr>
+        </a:solidFill>
+        <a:ln w="12700" cap="flat" cmpd="sng" algn="ctr">
+          <a:solidFill>
+            <a:schemeClr val="accent4">
+              <a:hueOff val="3675334"/>
+              <a:satOff val="-15291"/>
+              <a:lumOff val="3603"/>
+              <a:alphaOff val="0"/>
+            </a:schemeClr>
+          </a:solidFill>
+          <a:prstDash val="solid"/>
+          <a:miter lim="800000"/>
+        </a:ln>
+        <a:effectLst/>
+      </dsp:spPr>
+      <dsp:style>
+        <a:lnRef idx="2">
+          <a:scrgbClr r="0" g="0" b="0"/>
+        </a:lnRef>
+        <a:fillRef idx="1">
+          <a:scrgbClr r="0" g="0" b="0"/>
+        </a:fillRef>
+        <a:effectRef idx="0">
+          <a:scrgbClr r="0" g="0" b="0"/>
+        </a:effectRef>
+        <a:fontRef idx="minor"/>
+      </dsp:style>
+      <dsp:txBody>
+        <a:bodyPr spcFirstLastPara="0" vert="horz" wrap="square" lIns="12700" tIns="12700" rIns="142240" bIns="12700" numCol="1" spcCol="1270" anchor="ctr" anchorCtr="0">
+          <a:noAutofit/>
+        </a:bodyPr>
+        <a:lstStyle/>
+        <a:p>
+          <a:pPr marL="228600" lvl="1" indent="-228600" algn="r" defTabSz="889000" rtl="1">
+            <a:lnSpc>
+              <a:spcPct val="90000"/>
+            </a:lnSpc>
+            <a:spcBef>
+              <a:spcPct val="0"/>
+            </a:spcBef>
+            <a:spcAft>
+              <a:spcPct val="15000"/>
+            </a:spcAft>
+            <a:buChar char="•"/>
+          </a:pPr>
+          <a:r>
+            <a:rPr lang="he-IL" sz="2000" kern="1200" dirty="0"/>
+            <a:t>זיהוי טביעת אצבע ראשונה בהנהלות בפרוטוקול </a:t>
+          </a:r>
+          <a:r>
+            <a:rPr lang="en-US" sz="2000" kern="1200" dirty="0"/>
+            <a:t>TLS</a:t>
+          </a:r>
+          <a:endParaRPr lang="he-IL" sz="2000" kern="1200" dirty="0"/>
+        </a:p>
+      </dsp:txBody>
+      <dsp:txXfrm rot="5400000">
+        <a:off x="17225" y="1445440"/>
+        <a:ext cx="10118376" cy="318405"/>
+      </dsp:txXfrm>
+    </dsp:sp>
+    <dsp:sp modelId="{B2F45672-E8A7-42F1-BAD1-6B125E3A77E1}">
+      <dsp:nvSpPr>
+        <dsp:cNvPr id="0" name=""/>
+        <dsp:cNvSpPr/>
+      </dsp:nvSpPr>
+      <dsp:spPr>
+        <a:xfrm rot="5400000">
+          <a:off x="10054173" y="1985669"/>
+          <a:ext cx="542854" cy="379998"/>
+        </a:xfrm>
+        <a:prstGeom prst="chevron">
+          <a:avLst/>
+        </a:prstGeom>
+        <a:solidFill>
+          <a:schemeClr val="accent4">
+            <a:hueOff val="4900445"/>
+            <a:satOff val="-20388"/>
+            <a:lumOff val="4804"/>
+            <a:alphaOff val="0"/>
+          </a:schemeClr>
+        </a:solidFill>
+        <a:ln w="12700" cap="flat" cmpd="sng" algn="ctr">
+          <a:solidFill>
+            <a:schemeClr val="accent4">
+              <a:hueOff val="4900445"/>
+              <a:satOff val="-20388"/>
+              <a:lumOff val="4804"/>
+              <a:alphaOff val="0"/>
+            </a:schemeClr>
+          </a:solidFill>
+          <a:prstDash val="solid"/>
+          <a:miter lim="800000"/>
+        </a:ln>
+        <a:effectLst/>
+      </dsp:spPr>
+      <dsp:style>
+        <a:lnRef idx="2">
+          <a:scrgbClr r="0" g="0" b="0"/>
+        </a:lnRef>
+        <a:fillRef idx="1">
+          <a:scrgbClr r="0" g="0" b="0"/>
+        </a:fillRef>
+        <a:effectRef idx="0">
+          <a:scrgbClr r="0" g="0" b="0"/>
+        </a:effectRef>
+        <a:fontRef idx="minor">
+          <a:schemeClr val="lt1"/>
+        </a:fontRef>
+      </dsp:style>
+      <dsp:txBody>
+        <a:bodyPr spcFirstLastPara="0" vert="horz" wrap="square" lIns="6985" tIns="6985" rIns="6985" bIns="6985" numCol="1" spcCol="1270" anchor="ctr" anchorCtr="0">
+          <a:noAutofit/>
+        </a:bodyPr>
+        <a:lstStyle/>
+        <a:p>
+          <a:pPr marL="0" lvl="0" indent="0" algn="ctr" defTabSz="488950" rtl="1">
+            <a:lnSpc>
+              <a:spcPct val="90000"/>
+            </a:lnSpc>
+            <a:spcBef>
+              <a:spcPct val="0"/>
+            </a:spcBef>
+            <a:spcAft>
+              <a:spcPct val="35000"/>
+            </a:spcAft>
+            <a:buNone/>
+          </a:pPr>
+          <a:endParaRPr lang="he-IL" sz="1100" kern="1200" dirty="0"/>
+        </a:p>
+      </dsp:txBody>
+      <dsp:txXfrm rot="-5400000">
+        <a:off x="10135601" y="2094240"/>
+        <a:ext cx="379998" cy="162856"/>
+      </dsp:txXfrm>
+    </dsp:sp>
+    <dsp:sp modelId="{58A5B5F9-B409-4963-9972-2EBAC6488EC8}">
+      <dsp:nvSpPr>
+        <dsp:cNvPr id="0" name=""/>
+        <dsp:cNvSpPr/>
+      </dsp:nvSpPr>
+      <dsp:spPr>
+        <a:xfrm rot="16200000">
+          <a:off x="4891372" y="-2987131"/>
+          <a:ext cx="352855" cy="10135601"/>
+        </a:xfrm>
+        <a:prstGeom prst="round2SameRect">
+          <a:avLst/>
+        </a:prstGeom>
+        <a:solidFill>
+          <a:schemeClr val="lt1">
+            <a:alpha val="90000"/>
+            <a:hueOff val="0"/>
+            <a:satOff val="0"/>
+            <a:lumOff val="0"/>
+            <a:alphaOff val="0"/>
+          </a:schemeClr>
+        </a:solidFill>
+        <a:ln w="12700" cap="flat" cmpd="sng" algn="ctr">
+          <a:solidFill>
+            <a:schemeClr val="accent4">
+              <a:hueOff val="4900445"/>
+              <a:satOff val="-20388"/>
+              <a:lumOff val="4804"/>
+              <a:alphaOff val="0"/>
+            </a:schemeClr>
+          </a:solidFill>
+          <a:prstDash val="solid"/>
+          <a:miter lim="800000"/>
+        </a:ln>
+        <a:effectLst/>
+      </dsp:spPr>
+      <dsp:style>
+        <a:lnRef idx="2">
+          <a:scrgbClr r="0" g="0" b="0"/>
+        </a:lnRef>
+        <a:fillRef idx="1">
+          <a:scrgbClr r="0" g="0" b="0"/>
+        </a:fillRef>
+        <a:effectRef idx="0">
+          <a:scrgbClr r="0" g="0" b="0"/>
+        </a:effectRef>
+        <a:fontRef idx="minor"/>
+      </dsp:style>
+      <dsp:txBody>
+        <a:bodyPr spcFirstLastPara="0" vert="horz" wrap="square" lIns="12700" tIns="12700" rIns="142240" bIns="12700" numCol="1" spcCol="1270" anchor="ctr" anchorCtr="0">
+          <a:noAutofit/>
+        </a:bodyPr>
+        <a:lstStyle/>
+        <a:p>
+          <a:pPr marL="228600" lvl="1" indent="-228600" algn="r" defTabSz="889000" rtl="1">
+            <a:lnSpc>
+              <a:spcPct val="90000"/>
+            </a:lnSpc>
+            <a:spcBef>
+              <a:spcPct val="0"/>
+            </a:spcBef>
+            <a:spcAft>
+              <a:spcPct val="15000"/>
+            </a:spcAft>
+            <a:buChar char="•"/>
+          </a:pPr>
+          <a:r>
+            <a:rPr lang="he-IL" sz="2000" kern="1200" dirty="0"/>
+            <a:t>זיהוי שתי טביעות אצבע נוספות בקונפיגורציה של שרתים</a:t>
+          </a:r>
+        </a:p>
+      </dsp:txBody>
+      <dsp:txXfrm rot="5400000">
+        <a:off x="17225" y="1921466"/>
+        <a:ext cx="10118376" cy="318405"/>
+      </dsp:txXfrm>
+    </dsp:sp>
+    <dsp:sp modelId="{D4823C65-B000-42BA-A887-97E11955696C}">
+      <dsp:nvSpPr>
+        <dsp:cNvPr id="0" name=""/>
+        <dsp:cNvSpPr/>
+      </dsp:nvSpPr>
+      <dsp:spPr>
+        <a:xfrm rot="5400000">
+          <a:off x="10054173" y="2461695"/>
+          <a:ext cx="542854" cy="379998"/>
+        </a:xfrm>
+        <a:prstGeom prst="chevron">
+          <a:avLst/>
+        </a:prstGeom>
+        <a:solidFill>
+          <a:schemeClr val="accent4">
+            <a:hueOff val="6125556"/>
+            <a:satOff val="-25486"/>
+            <a:lumOff val="6005"/>
+            <a:alphaOff val="0"/>
+          </a:schemeClr>
+        </a:solidFill>
+        <a:ln w="12700" cap="flat" cmpd="sng" algn="ctr">
+          <a:solidFill>
+            <a:schemeClr val="accent4">
+              <a:hueOff val="6125556"/>
+              <a:satOff val="-25486"/>
+              <a:lumOff val="6005"/>
+              <a:alphaOff val="0"/>
+            </a:schemeClr>
+          </a:solidFill>
+          <a:prstDash val="solid"/>
+          <a:miter lim="800000"/>
+        </a:ln>
+        <a:effectLst/>
+      </dsp:spPr>
+      <dsp:style>
+        <a:lnRef idx="2">
+          <a:scrgbClr r="0" g="0" b="0"/>
+        </a:lnRef>
+        <a:fillRef idx="1">
+          <a:scrgbClr r="0" g="0" b="0"/>
+        </a:fillRef>
+        <a:effectRef idx="0">
+          <a:scrgbClr r="0" g="0" b="0"/>
+        </a:effectRef>
+        <a:fontRef idx="minor">
+          <a:schemeClr val="lt1"/>
+        </a:fontRef>
+      </dsp:style>
+      <dsp:txBody>
+        <a:bodyPr spcFirstLastPara="0" vert="horz" wrap="square" lIns="6985" tIns="6985" rIns="6985" bIns="6985" numCol="1" spcCol="1270" anchor="ctr" anchorCtr="0">
+          <a:noAutofit/>
+        </a:bodyPr>
+        <a:lstStyle/>
+        <a:p>
+          <a:pPr marL="0" lvl="0" indent="0" algn="ctr" defTabSz="488950" rtl="1">
+            <a:lnSpc>
+              <a:spcPct val="90000"/>
+            </a:lnSpc>
+            <a:spcBef>
+              <a:spcPct val="0"/>
+            </a:spcBef>
+            <a:spcAft>
+              <a:spcPct val="35000"/>
+            </a:spcAft>
+            <a:buNone/>
+          </a:pPr>
+          <a:endParaRPr lang="he-IL" sz="1100" kern="1200" dirty="0"/>
+        </a:p>
+      </dsp:txBody>
+      <dsp:txXfrm rot="-5400000">
+        <a:off x="10135601" y="2570266"/>
+        <a:ext cx="379998" cy="162856"/>
+      </dsp:txXfrm>
+    </dsp:sp>
+    <dsp:sp modelId="{FF3AE5A4-C46A-4AA0-9299-3D29C7804EBA}">
+      <dsp:nvSpPr>
+        <dsp:cNvPr id="0" name=""/>
+        <dsp:cNvSpPr/>
+      </dsp:nvSpPr>
+      <dsp:spPr>
+        <a:xfrm rot="16200000">
+          <a:off x="4891372" y="-2511105"/>
+          <a:ext cx="352855" cy="10135601"/>
+        </a:xfrm>
+        <a:prstGeom prst="round2SameRect">
+          <a:avLst/>
+        </a:prstGeom>
+        <a:solidFill>
+          <a:schemeClr val="lt1">
+            <a:alpha val="90000"/>
+            <a:hueOff val="0"/>
+            <a:satOff val="0"/>
+            <a:lumOff val="0"/>
+            <a:alphaOff val="0"/>
+          </a:schemeClr>
+        </a:solidFill>
+        <a:ln w="12700" cap="flat" cmpd="sng" algn="ctr">
+          <a:solidFill>
+            <a:schemeClr val="accent4">
+              <a:hueOff val="6125556"/>
+              <a:satOff val="-25486"/>
+              <a:lumOff val="6005"/>
+              <a:alphaOff val="0"/>
+            </a:schemeClr>
+          </a:solidFill>
+          <a:prstDash val="solid"/>
+          <a:miter lim="800000"/>
+        </a:ln>
+        <a:effectLst/>
+      </dsp:spPr>
+      <dsp:style>
+        <a:lnRef idx="2">
+          <a:scrgbClr r="0" g="0" b="0"/>
+        </a:lnRef>
+        <a:fillRef idx="1">
+          <a:scrgbClr r="0" g="0" b="0"/>
+        </a:fillRef>
+        <a:effectRef idx="0">
+          <a:scrgbClr r="0" g="0" b="0"/>
+        </a:effectRef>
+        <a:fontRef idx="minor"/>
+      </dsp:style>
+      <dsp:txBody>
+        <a:bodyPr spcFirstLastPara="0" vert="horz" wrap="square" lIns="12700" tIns="12700" rIns="142240" bIns="12700" numCol="1" spcCol="1270" anchor="ctr" anchorCtr="0">
+          <a:noAutofit/>
+        </a:bodyPr>
+        <a:lstStyle/>
+        <a:p>
+          <a:pPr marL="228600" lvl="1" indent="-228600" algn="r" defTabSz="889000" rtl="1">
+            <a:lnSpc>
+              <a:spcPct val="90000"/>
+            </a:lnSpc>
+            <a:spcBef>
+              <a:spcPct val="0"/>
+            </a:spcBef>
+            <a:spcAft>
+              <a:spcPct val="15000"/>
+            </a:spcAft>
+            <a:buChar char="•"/>
+          </a:pPr>
+          <a:r>
+            <a:rPr lang="he-IL" sz="2000" kern="1200" dirty="0"/>
+            <a:t>הרחבת רשימת השרתים של </a:t>
+          </a:r>
+          <a:r>
+            <a:rPr lang="en-US" sz="2000" kern="1200" dirty="0"/>
+            <a:t>NSO</a:t>
+          </a:r>
+          <a:r>
+            <a:rPr lang="he-IL" sz="2000" kern="1200" dirty="0"/>
+            <a:t> על ידי סריקה אקטיבית לפי טביעות האצבע</a:t>
+          </a:r>
+        </a:p>
+      </dsp:txBody>
+      <dsp:txXfrm rot="5400000">
+        <a:off x="17225" y="2397492"/>
+        <a:ext cx="10118376" cy="318405"/>
+      </dsp:txXfrm>
+    </dsp:sp>
+    <dsp:sp modelId="{793BDDD2-9331-4F68-9B8C-48F722549DDE}">
+      <dsp:nvSpPr>
+        <dsp:cNvPr id="0" name=""/>
+        <dsp:cNvSpPr/>
+      </dsp:nvSpPr>
+      <dsp:spPr>
+        <a:xfrm rot="5400000">
+          <a:off x="10054173" y="2937721"/>
+          <a:ext cx="542854" cy="379998"/>
+        </a:xfrm>
+        <a:prstGeom prst="chevron">
+          <a:avLst/>
+        </a:prstGeom>
+        <a:solidFill>
+          <a:schemeClr val="accent4">
+            <a:hueOff val="7350668"/>
+            <a:satOff val="-30583"/>
+            <a:lumOff val="7206"/>
+            <a:alphaOff val="0"/>
+          </a:schemeClr>
+        </a:solidFill>
+        <a:ln w="12700" cap="flat" cmpd="sng" algn="ctr">
+          <a:solidFill>
+            <a:schemeClr val="accent4">
+              <a:hueOff val="7350668"/>
+              <a:satOff val="-30583"/>
+              <a:lumOff val="7206"/>
+              <a:alphaOff val="0"/>
+            </a:schemeClr>
+          </a:solidFill>
+          <a:prstDash val="solid"/>
+          <a:miter lim="800000"/>
+        </a:ln>
+        <a:effectLst/>
+      </dsp:spPr>
+      <dsp:style>
+        <a:lnRef idx="2">
+          <a:scrgbClr r="0" g="0" b="0"/>
+        </a:lnRef>
+        <a:fillRef idx="1">
+          <a:scrgbClr r="0" g="0" b="0"/>
+        </a:fillRef>
+        <a:effectRef idx="0">
+          <a:scrgbClr r="0" g="0" b="0"/>
+        </a:effectRef>
+        <a:fontRef idx="minor">
+          <a:schemeClr val="lt1"/>
+        </a:fontRef>
+      </dsp:style>
+      <dsp:txBody>
+        <a:bodyPr spcFirstLastPara="0" vert="horz" wrap="square" lIns="6985" tIns="6985" rIns="6985" bIns="6985" numCol="1" spcCol="1270" anchor="ctr" anchorCtr="0">
+          <a:noAutofit/>
+        </a:bodyPr>
+        <a:lstStyle/>
+        <a:p>
+          <a:pPr marL="0" lvl="0" indent="0" algn="ctr" defTabSz="488950" rtl="1">
+            <a:lnSpc>
+              <a:spcPct val="90000"/>
+            </a:lnSpc>
+            <a:spcBef>
+              <a:spcPct val="0"/>
+            </a:spcBef>
+            <a:spcAft>
+              <a:spcPct val="35000"/>
+            </a:spcAft>
+            <a:buNone/>
+          </a:pPr>
+          <a:endParaRPr lang="he-IL" sz="1100" kern="1200"/>
+        </a:p>
+      </dsp:txBody>
+      <dsp:txXfrm rot="-5400000">
+        <a:off x="10135601" y="3046292"/>
+        <a:ext cx="379998" cy="162856"/>
+      </dsp:txXfrm>
+    </dsp:sp>
+    <dsp:sp modelId="{33E269BB-6547-4386-A24D-F1BF1B6A9795}">
+      <dsp:nvSpPr>
+        <dsp:cNvPr id="0" name=""/>
+        <dsp:cNvSpPr/>
+      </dsp:nvSpPr>
+      <dsp:spPr>
+        <a:xfrm rot="16200000">
+          <a:off x="4891372" y="-2035080"/>
+          <a:ext cx="352855" cy="10135601"/>
+        </a:xfrm>
+        <a:prstGeom prst="round2SameRect">
+          <a:avLst/>
+        </a:prstGeom>
+        <a:solidFill>
+          <a:schemeClr val="lt1">
+            <a:alpha val="90000"/>
+            <a:hueOff val="0"/>
+            <a:satOff val="0"/>
+            <a:lumOff val="0"/>
+            <a:alphaOff val="0"/>
+          </a:schemeClr>
+        </a:solidFill>
+        <a:ln w="12700" cap="flat" cmpd="sng" algn="ctr">
+          <a:solidFill>
+            <a:schemeClr val="accent4">
+              <a:hueOff val="7350668"/>
+              <a:satOff val="-30583"/>
+              <a:lumOff val="7206"/>
+              <a:alphaOff val="0"/>
+            </a:schemeClr>
+          </a:solidFill>
+          <a:prstDash val="solid"/>
+          <a:miter lim="800000"/>
+        </a:ln>
+        <a:effectLst/>
+      </dsp:spPr>
+      <dsp:style>
+        <a:lnRef idx="2">
+          <a:scrgbClr r="0" g="0" b="0"/>
+        </a:lnRef>
+        <a:fillRef idx="1">
+          <a:scrgbClr r="0" g="0" b="0"/>
+        </a:fillRef>
+        <a:effectRef idx="0">
+          <a:scrgbClr r="0" g="0" b="0"/>
+        </a:effectRef>
+        <a:fontRef idx="minor"/>
+      </dsp:style>
+      <dsp:txBody>
+        <a:bodyPr spcFirstLastPara="0" vert="horz" wrap="square" lIns="12700" tIns="12700" rIns="142240" bIns="12700" numCol="1" spcCol="1270" anchor="ctr" anchorCtr="0">
+          <a:noAutofit/>
+        </a:bodyPr>
+        <a:lstStyle/>
+        <a:p>
+          <a:pPr marL="228600" lvl="1" indent="-228600" algn="r" defTabSz="889000" rtl="1">
+            <a:lnSpc>
+              <a:spcPct val="90000"/>
+            </a:lnSpc>
+            <a:spcBef>
+              <a:spcPct val="0"/>
+            </a:spcBef>
+            <a:spcAft>
+              <a:spcPct val="15000"/>
+            </a:spcAft>
+            <a:buChar char="•"/>
+          </a:pPr>
+          <a:r>
+            <a:rPr lang="he-IL" sz="2000" kern="1200" dirty="0"/>
+            <a:t>שימוש ב-</a:t>
+          </a:r>
+          <a:r>
+            <a:rPr lang="en-US" sz="2000" kern="1200" dirty="0"/>
+            <a:t>DNS Cache Probing</a:t>
+          </a:r>
+          <a:r>
+            <a:rPr lang="he-IL" sz="2000" kern="1200" dirty="0"/>
+            <a:t> ב-45 מדינות בעולם</a:t>
+          </a:r>
+        </a:p>
+      </dsp:txBody>
+      <dsp:txXfrm rot="5400000">
+        <a:off x="17225" y="2873517"/>
+        <a:ext cx="10118376" cy="318405"/>
+      </dsp:txXfrm>
+    </dsp:sp>
+    <dsp:sp modelId="{E5D5264E-4D86-4949-9852-2C99F25B3362}">
+      <dsp:nvSpPr>
+        <dsp:cNvPr id="0" name=""/>
+        <dsp:cNvSpPr/>
+      </dsp:nvSpPr>
+      <dsp:spPr>
+        <a:xfrm rot="5400000">
+          <a:off x="10054173" y="3413746"/>
+          <a:ext cx="542854" cy="379998"/>
+        </a:xfrm>
+        <a:prstGeom prst="chevron">
+          <a:avLst/>
+        </a:prstGeom>
+        <a:solidFill>
+          <a:schemeClr val="accent4">
+            <a:hueOff val="8575779"/>
+            <a:satOff val="-35680"/>
+            <a:lumOff val="8407"/>
+            <a:alphaOff val="0"/>
+          </a:schemeClr>
+        </a:solidFill>
+        <a:ln w="12700" cap="flat" cmpd="sng" algn="ctr">
+          <a:solidFill>
+            <a:schemeClr val="accent4">
+              <a:hueOff val="8575779"/>
+              <a:satOff val="-35680"/>
+              <a:lumOff val="8407"/>
+              <a:alphaOff val="0"/>
+            </a:schemeClr>
+          </a:solidFill>
+          <a:prstDash val="solid"/>
+          <a:miter lim="800000"/>
+        </a:ln>
+        <a:effectLst/>
+      </dsp:spPr>
+      <dsp:style>
+        <a:lnRef idx="2">
+          <a:scrgbClr r="0" g="0" b="0"/>
+        </a:lnRef>
+        <a:fillRef idx="1">
+          <a:scrgbClr r="0" g="0" b="0"/>
+        </a:fillRef>
+        <a:effectRef idx="0">
+          <a:scrgbClr r="0" g="0" b="0"/>
+        </a:effectRef>
+        <a:fontRef idx="minor">
+          <a:schemeClr val="lt1"/>
+        </a:fontRef>
+      </dsp:style>
+      <dsp:txBody>
+        <a:bodyPr spcFirstLastPara="0" vert="horz" wrap="square" lIns="6985" tIns="6985" rIns="6985" bIns="6985" numCol="1" spcCol="1270" anchor="ctr" anchorCtr="0">
+          <a:noAutofit/>
+        </a:bodyPr>
+        <a:lstStyle/>
+        <a:p>
+          <a:pPr marL="0" lvl="0" indent="0" algn="ctr" defTabSz="488950" rtl="1">
+            <a:lnSpc>
+              <a:spcPct val="90000"/>
+            </a:lnSpc>
+            <a:spcBef>
+              <a:spcPct val="0"/>
+            </a:spcBef>
+            <a:spcAft>
+              <a:spcPct val="35000"/>
+            </a:spcAft>
+            <a:buNone/>
+          </a:pPr>
+          <a:endParaRPr lang="he-IL" sz="1100" kern="1200" dirty="0"/>
+        </a:p>
+      </dsp:txBody>
+      <dsp:txXfrm rot="-5400000">
+        <a:off x="10135601" y="3522317"/>
+        <a:ext cx="379998" cy="162856"/>
+      </dsp:txXfrm>
+    </dsp:sp>
+    <dsp:sp modelId="{1B5DD45D-A437-4F10-8E54-AB64180D2B73}">
+      <dsp:nvSpPr>
+        <dsp:cNvPr id="0" name=""/>
+        <dsp:cNvSpPr/>
+      </dsp:nvSpPr>
+      <dsp:spPr>
+        <a:xfrm rot="16200000">
+          <a:off x="4891372" y="-1559054"/>
+          <a:ext cx="352855" cy="10135601"/>
+        </a:xfrm>
+        <a:prstGeom prst="round2SameRect">
+          <a:avLst/>
+        </a:prstGeom>
+        <a:solidFill>
+          <a:schemeClr val="lt1">
+            <a:alpha val="90000"/>
+            <a:hueOff val="0"/>
+            <a:satOff val="0"/>
+            <a:lumOff val="0"/>
+            <a:alphaOff val="0"/>
+          </a:schemeClr>
+        </a:solidFill>
+        <a:ln w="12700" cap="flat" cmpd="sng" algn="ctr">
+          <a:solidFill>
+            <a:schemeClr val="accent4">
+              <a:hueOff val="8575779"/>
+              <a:satOff val="-35680"/>
+              <a:lumOff val="8407"/>
+              <a:alphaOff val="0"/>
+            </a:schemeClr>
+          </a:solidFill>
+          <a:prstDash val="solid"/>
+          <a:miter lim="800000"/>
+        </a:ln>
+        <a:effectLst/>
+      </dsp:spPr>
+      <dsp:style>
+        <a:lnRef idx="2">
+          <a:scrgbClr r="0" g="0" b="0"/>
+        </a:lnRef>
+        <a:fillRef idx="1">
+          <a:scrgbClr r="0" g="0" b="0"/>
+        </a:fillRef>
+        <a:effectRef idx="0">
+          <a:scrgbClr r="0" g="0" b="0"/>
+        </a:effectRef>
+        <a:fontRef idx="minor"/>
+      </dsp:style>
+      <dsp:txBody>
+        <a:bodyPr spcFirstLastPara="0" vert="horz" wrap="square" lIns="12700" tIns="12700" rIns="142240" bIns="12700" numCol="1" spcCol="1270" anchor="ctr" anchorCtr="0">
+          <a:noAutofit/>
+        </a:bodyPr>
+        <a:lstStyle/>
+        <a:p>
+          <a:pPr marL="228600" lvl="1" indent="-228600" algn="r" defTabSz="889000" rtl="1">
+            <a:lnSpc>
+              <a:spcPct val="90000"/>
+            </a:lnSpc>
+            <a:spcBef>
+              <a:spcPct val="0"/>
+            </a:spcBef>
+            <a:spcAft>
+              <a:spcPct val="15000"/>
+            </a:spcAft>
+            <a:buChar char="•"/>
+          </a:pPr>
+          <a:r>
+            <a:rPr lang="he-IL" sz="2000" kern="1200" dirty="0"/>
+            <a:t>איתור הפעילות של </a:t>
+          </a:r>
+          <a:r>
+            <a:rPr lang="he-IL" sz="2000" kern="1200" dirty="0" err="1"/>
+            <a:t>פגסוס</a:t>
+          </a:r>
+          <a:r>
+            <a:rPr lang="he-IL" sz="2000" kern="1200" dirty="0"/>
+            <a:t>, המפעיל והמטרה הנפגעת</a:t>
+          </a:r>
+        </a:p>
+      </dsp:txBody>
+      <dsp:txXfrm rot="5400000">
+        <a:off x="17225" y="3349543"/>
+        <a:ext cx="10118376" cy="318405"/>
+      </dsp:txXfrm>
+    </dsp:sp>
+    <dsp:sp modelId="{1EB68F78-CA8F-40C9-BFB6-57AB608793EA}">
+      <dsp:nvSpPr>
+        <dsp:cNvPr id="0" name=""/>
+        <dsp:cNvSpPr/>
+      </dsp:nvSpPr>
+      <dsp:spPr>
+        <a:xfrm rot="5400000">
+          <a:off x="10054173" y="3889772"/>
+          <a:ext cx="542854" cy="379998"/>
+        </a:xfrm>
+        <a:prstGeom prst="chevron">
+          <a:avLst/>
+        </a:prstGeom>
+        <a:solidFill>
+          <a:schemeClr val="accent4">
+            <a:hueOff val="9800891"/>
+            <a:satOff val="-40777"/>
+            <a:lumOff val="9608"/>
+            <a:alphaOff val="0"/>
+          </a:schemeClr>
+        </a:solidFill>
+        <a:ln w="12700" cap="flat" cmpd="sng" algn="ctr">
+          <a:solidFill>
+            <a:schemeClr val="accent4">
+              <a:hueOff val="9800891"/>
+              <a:satOff val="-40777"/>
+              <a:lumOff val="9608"/>
+              <a:alphaOff val="0"/>
+            </a:schemeClr>
+          </a:solidFill>
+          <a:prstDash val="solid"/>
+          <a:miter lim="800000"/>
+        </a:ln>
+        <a:effectLst/>
+      </dsp:spPr>
+      <dsp:style>
+        <a:lnRef idx="2">
+          <a:scrgbClr r="0" g="0" b="0"/>
+        </a:lnRef>
+        <a:fillRef idx="1">
+          <a:scrgbClr r="0" g="0" b="0"/>
+        </a:fillRef>
+        <a:effectRef idx="0">
+          <a:scrgbClr r="0" g="0" b="0"/>
+        </a:effectRef>
+        <a:fontRef idx="minor">
+          <a:schemeClr val="lt1"/>
+        </a:fontRef>
+      </dsp:style>
+      <dsp:txBody>
+        <a:bodyPr spcFirstLastPara="0" vert="horz" wrap="square" lIns="6985" tIns="6985" rIns="6985" bIns="6985" numCol="1" spcCol="1270" anchor="ctr" anchorCtr="0">
+          <a:noAutofit/>
+        </a:bodyPr>
+        <a:lstStyle/>
+        <a:p>
+          <a:pPr marL="0" lvl="0" indent="0" algn="ctr" defTabSz="488950" rtl="1">
+            <a:lnSpc>
+              <a:spcPct val="90000"/>
+            </a:lnSpc>
+            <a:spcBef>
+              <a:spcPct val="0"/>
+            </a:spcBef>
+            <a:spcAft>
+              <a:spcPct val="35000"/>
+            </a:spcAft>
+            <a:buNone/>
+          </a:pPr>
+          <a:endParaRPr lang="he-IL" sz="1100" kern="1200" dirty="0"/>
+        </a:p>
+      </dsp:txBody>
+      <dsp:txXfrm rot="-5400000">
+        <a:off x="10135601" y="3998343"/>
+        <a:ext cx="379998" cy="162856"/>
+      </dsp:txXfrm>
+    </dsp:sp>
+    <dsp:sp modelId="{C7EEC187-717B-4463-B2E1-F8FA3E03E01B}">
+      <dsp:nvSpPr>
+        <dsp:cNvPr id="0" name=""/>
+        <dsp:cNvSpPr/>
+      </dsp:nvSpPr>
+      <dsp:spPr>
+        <a:xfrm rot="16200000">
+          <a:off x="4891372" y="-1083028"/>
+          <a:ext cx="352855" cy="10135601"/>
+        </a:xfrm>
+        <a:prstGeom prst="round2SameRect">
+          <a:avLst/>
+        </a:prstGeom>
+        <a:solidFill>
+          <a:schemeClr val="lt1">
+            <a:alpha val="90000"/>
+            <a:hueOff val="0"/>
+            <a:satOff val="0"/>
+            <a:lumOff val="0"/>
+            <a:alphaOff val="0"/>
+          </a:schemeClr>
+        </a:solidFill>
+        <a:ln w="12700" cap="flat" cmpd="sng" algn="ctr">
+          <a:solidFill>
+            <a:schemeClr val="accent4">
+              <a:hueOff val="9800891"/>
+              <a:satOff val="-40777"/>
+              <a:lumOff val="9608"/>
+              <a:alphaOff val="0"/>
+            </a:schemeClr>
+          </a:solidFill>
+          <a:prstDash val="solid"/>
+          <a:miter lim="800000"/>
+        </a:ln>
+        <a:effectLst/>
+      </dsp:spPr>
+      <dsp:style>
+        <a:lnRef idx="2">
+          <a:scrgbClr r="0" g="0" b="0"/>
+        </a:lnRef>
+        <a:fillRef idx="1">
+          <a:scrgbClr r="0" g="0" b="0"/>
+        </a:fillRef>
+        <a:effectRef idx="0">
+          <a:scrgbClr r="0" g="0" b="0"/>
+        </a:effectRef>
+        <a:fontRef idx="minor"/>
+      </dsp:style>
+      <dsp:txBody>
+        <a:bodyPr spcFirstLastPara="0" vert="horz" wrap="square" lIns="12700" tIns="12700" rIns="142240" bIns="12700" numCol="1" spcCol="1270" anchor="ctr" anchorCtr="0">
+          <a:noAutofit/>
+        </a:bodyPr>
+        <a:lstStyle/>
+        <a:p>
+          <a:pPr marL="228600" lvl="1" indent="-228600" algn="r" defTabSz="889000" rtl="1">
+            <a:lnSpc>
+              <a:spcPct val="90000"/>
+            </a:lnSpc>
+            <a:spcBef>
+              <a:spcPct val="0"/>
+            </a:spcBef>
+            <a:spcAft>
+              <a:spcPct val="15000"/>
+            </a:spcAft>
+            <a:buChar char="•"/>
+          </a:pPr>
+          <a:r>
+            <a:rPr lang="he-IL" sz="2000" kern="1200" dirty="0"/>
+            <a:t>פרסום תוצאות לציבור</a:t>
+          </a:r>
+        </a:p>
+      </dsp:txBody>
+      <dsp:txXfrm rot="5400000">
+        <a:off x="17225" y="3825569"/>
+        <a:ext cx="10118376" cy="318405"/>
+      </dsp:txXfrm>
+    </dsp:sp>
+  </dsp:spTree>
+</dsp:drawing>
+</file>
+
+<file path=ppt/diagrams/layout1.xml><?xml version="1.0" encoding="utf-8"?>
+<dgm:layoutDef xmlns:dgm="http://schemas.openxmlformats.org/drawingml/2006/diagram" xmlns:a="http://schemas.openxmlformats.org/drawingml/2006/main" uniqueId="urn:microsoft.com/office/officeart/2005/8/layout/chevron2">
+  <dgm:title val=""/>
+  <dgm:desc val=""/>
+  <dgm:catLst>
+    <dgm:cat type="process" pri="12000"/>
+    <dgm:cat type="list" pri="16000"/>
+    <dgm:cat type="convert" pri="11000"/>
+  </dgm:catLst>
+  <dgm:sampData>
+    <dgm:dataModel>
+      <dgm:ptLst>
+        <dgm:pt modelId="0" type="doc"/>
+        <dgm:pt modelId="1">
+          <dgm:prSet phldr="1"/>
+        </dgm:pt>
+        <dgm:pt modelId="11">
+          <dgm:prSet phldr="1"/>
+        </dgm:pt>
+        <dgm:pt modelId="12">
+          <dgm:prSet phldr="1"/>
+        </dgm:pt>
+        <dgm:pt modelId="2">
+          <dgm:prSet phldr="1"/>
+        </dgm:pt>
+        <dgm:pt modelId="21">
+          <dgm:prSet phldr="1"/>
+        </dgm:pt>
+        <dgm:pt modelId="22">
+          <dgm:prSet phldr="1"/>
+        </dgm:pt>
+        <dgm:pt modelId="3">
+          <dgm:prSet phldr="1"/>
+        </dgm:pt>
+        <dgm:pt modelId="31">
+          <dgm:prSet phldr="1"/>
+        </dgm:pt>
+        <dgm:pt modelId="32">
+          <dgm:prSet phldr="1"/>
+        </dgm:pt>
+      </dgm:ptLst>
+      <dgm:cxnLst>
+        <dgm:cxn modelId="4" srcId="0" destId="1" srcOrd="0" destOrd="0"/>
+        <dgm:cxn modelId="5" srcId="0" destId="2" srcOrd="1" destOrd="0"/>
+        <dgm:cxn modelId="6" srcId="0" destId="3" srcOrd="2" destOrd="0"/>
+        <dgm:cxn modelId="13" srcId="1" destId="11" srcOrd="0" destOrd="0"/>
+        <dgm:cxn modelId="14" srcId="1" destId="12" srcOrd="1" destOrd="0"/>
+        <dgm:cxn modelId="23" srcId="2" destId="21" srcOrd="0" destOrd="0"/>
+        <dgm:cxn modelId="24" srcId="2" destId="22" srcOrd="1" destOrd="0"/>
+        <dgm:cxn modelId="33" srcId="3" destId="31" srcOrd="0" destOrd="0"/>
+        <dgm:cxn modelId="34" srcId="3" destId="32" srcOrd="1" destOrd="0"/>
+      </dgm:cxnLst>
+      <dgm:bg/>
+      <dgm:whole/>
+    </dgm:dataModel>
+  </dgm:sampData>
+  <dgm:styleData>
+    <dgm:dataModel>
+      <dgm:ptLst>
+        <dgm:pt modelId="0" type="doc"/>
+        <dgm:pt modelId="1"/>
+      </dgm:ptLst>
+      <dgm:cxnLst>
+        <dgm:cxn modelId="4" srcId="0" destId="1" srcOrd="0" destOrd="0"/>
+      </dgm:cxnLst>
+      <dgm:bg/>
+      <dgm:whole/>
+    </dgm:dataModel>
+  </dgm:styleData>
+  <dgm:clrData>
+    <dgm:dataModel>
+      <dgm:ptLst>
+        <dgm:pt modelId="0" type="doc"/>
+        <dgm:pt modelId="1"/>
+        <dgm:pt modelId="11"/>
+        <dgm:pt modelId="2"/>
+        <dgm:pt modelId="21"/>
+        <dgm:pt modelId="3"/>
+        <dgm:pt modelId="31"/>
+        <dgm:pt modelId="4"/>
+        <dgm:pt modelId="41"/>
+      </dgm:ptLst>
+      <dgm:cxnLst>
+        <dgm:cxn modelId="5" srcId="0" destId="1" srcOrd="0" destOrd="0"/>
+        <dgm:cxn modelId="6" srcId="0" destId="2" srcOrd="1" destOrd="0"/>
+        <dgm:cxn modelId="7" srcId="0" destId="3" srcOrd="2" destOrd="0"/>
+        <dgm:cxn modelId="8" srcId="0" destId="4" srcOrd="3" destOrd="0"/>
+        <dgm:cxn modelId="13" srcId="1" destId="11" srcOrd="0" destOrd="0"/>
+        <dgm:cxn modelId="23" srcId="2" destId="21" srcOrd="0" destOrd="0"/>
+        <dgm:cxn modelId="33" srcId="3" destId="31" srcOrd="0" destOrd="0"/>
+        <dgm:cxn modelId="43" srcId="4" destId="41" srcOrd="0" destOrd="0"/>
+      </dgm:cxnLst>
+      <dgm:bg/>
+      <dgm:whole/>
+    </dgm:dataModel>
+  </dgm:clrData>
+  <dgm:layoutNode name="linearFlow">
+    <dgm:varLst>
+      <dgm:dir/>
+      <dgm:animLvl val="lvl"/>
+      <dgm:resizeHandles val="exact"/>
+    </dgm:varLst>
+    <dgm:alg type="lin">
+      <dgm:param type="linDir" val="fromT"/>
+      <dgm:param type="nodeHorzAlign" val="l"/>
+    </dgm:alg>
+    <dgm:shape xmlns:r="http://schemas.openxmlformats.org/officeDocument/2006/relationships" r:blip="">
+      <dgm:adjLst/>
+    </dgm:shape>
+    <dgm:presOf/>
+    <dgm:constrLst>
+      <dgm:constr type="h" for="ch" forName="composite" refType="h"/>
+      <dgm:constr type="w" for="ch" forName="composite" refType="w"/>
+      <dgm:constr type="h" for="des" forName="parentText" op="equ"/>
+      <dgm:constr type="h" for="ch" forName="sp" val="-14.88"/>
+      <dgm:constr type="h" for="ch" forName="sp" refType="w" refFor="des" refForName="parentText" op="gte" fact="-0.3"/>
+      <dgm:constr type="primFontSz" for="des" forName="parentText" op="equ" val="65"/>
+      <dgm:constr type="primFontSz" for="des" forName="descendantText" op="equ" val="65"/>
+    </dgm:constrLst>
+    <dgm:ruleLst/>
+    <dgm:forEach name="Name0" axis="ch" ptType="node">
+      <dgm:layoutNode name="composite">
+        <dgm:alg type="composite"/>
+        <dgm:shape xmlns:r="http://schemas.openxmlformats.org/officeDocument/2006/relationships" r:blip="">
+          <dgm:adjLst/>
+        </dgm:shape>
+        <dgm:presOf/>
+        <dgm:choose name="Name1">
+          <dgm:if name="Name2" func="var" arg="dir" op="equ" val="norm">
+            <dgm:constrLst>
+              <dgm:constr type="t" for="ch" forName="parentText"/>
+              <dgm:constr type="l" for="ch" forName="parentText"/>
+              <dgm:constr type="w" for="ch" forName="parentText" refType="w" fact="0.4"/>
+              <dgm:constr type="h" for="ch" forName="parentText" refType="h"/>
+              <dgm:constr type="w" for="ch" forName="parentText" refType="w" op="lte" fact="0.5"/>
+              <dgm:constr type="w" for="ch" forName="parentText" refType="h" refFor="ch" refForName="parentText" op="lte" fact="0.7"/>
+              <dgm:constr type="h" for="ch" forName="parentText" refType="w" refFor="ch" refForName="parentText" op="lte" fact="3"/>
+              <dgm:constr type="l" for="ch" forName="descendantText" refType="w" refFor="ch" refForName="parentText"/>
+              <dgm:constr type="w" for="ch" forName="descendantText" refType="w"/>
+              <dgm:constr type="wOff" for="ch" forName="descendantText" refType="w" refFor="ch" refForName="parentText" fact="-1"/>
+              <dgm:constr type="t" for="ch" forName="descendantText"/>
+              <dgm:constr type="b" for="ch" forName="descendantText" refType="h" refFor="ch" refForName="parentText"/>
+              <dgm:constr type="bOff" for="ch" forName="descendantText" refType="w" refFor="ch" refForName="parentText" fact="-0.5"/>
+            </dgm:constrLst>
+          </dgm:if>
+          <dgm:else name="Name3">
+            <dgm:constrLst>
+              <dgm:constr type="t" for="ch" forName="parentText"/>
+              <dgm:constr type="r" for="ch" forName="parentText" refType="w"/>
+              <dgm:constr type="w" for="ch" forName="parentText" refType="w" fact="0.4"/>
+              <dgm:constr type="h" for="ch" forName="parentText" refType="h"/>
+              <dgm:constr type="w" for="ch" forName="parentText" refType="w" op="lte" fact="0.5"/>
+              <dgm:constr type="w" for="ch" forName="parentText" refType="h" refFor="ch" refForName="parentText" op="lte" fact="0.7"/>
+              <dgm:constr type="h" for="ch" forName="parentText" refType="w" refFor="ch" refForName="parentText" op="lte" fact="3"/>
+              <dgm:constr type="l" for="ch" forName="descendantText"/>
+              <dgm:constr type="w" for="ch" forName="descendantText" refType="w"/>
+              <dgm:constr type="wOff" for="ch" forName="descendantText" refType="w" refFor="ch" refForName="parentText" fact="-1"/>
+              <dgm:constr type="t" for="ch" forName="descendantText"/>
+              <dgm:constr type="b" for="ch" forName="descendantText" refType="h" refFor="ch" refForName="parentText"/>
+              <dgm:constr type="bOff" for="ch" forName="descendantText" refType="w" refFor="ch" refForName="parentText" fact="-0.5"/>
+            </dgm:constrLst>
+          </dgm:else>
+        </dgm:choose>
+        <dgm:ruleLst/>
+        <dgm:layoutNode name="parentText" styleLbl="alignNode1">
+          <dgm:varLst>
+            <dgm:chMax val="1"/>
+            <dgm:bulletEnabled val="1"/>
+          </dgm:varLst>
+          <dgm:alg type="tx"/>
+          <dgm:shape xmlns:r="http://schemas.openxmlformats.org/officeDocument/2006/relationships" rot="90" type="chevron" r:blip="">
+            <dgm:adjLst/>
+          </dgm:shape>
+          <dgm:presOf axis="self" ptType="node"/>
+          <dgm:constrLst>
+            <dgm:constr type="lMarg" refType="primFontSz" fact="0.05"/>
+            <dgm:constr type="rMarg" refType="primFontSz" fact="0.05"/>
+            <dgm:constr type="tMarg" refType="primFontSz" fact="0.05"/>
+            <dgm:constr type="bMarg" refType="primFontSz" fact="0.05"/>
+          </dgm:constrLst>
+          <dgm:ruleLst>
+            <dgm:rule type="h" val="100" fact="NaN" max="NaN"/>
+            <dgm:rule type="primFontSz" val="24" fact="NaN" max="NaN"/>
+            <dgm:rule type="h" val="110" fact="NaN" max="NaN"/>
+            <dgm:rule type="primFontSz" val="18" fact="NaN" max="NaN"/>
+            <dgm:rule type="h" val="INF" fact="NaN" max="NaN"/>
+            <dgm:rule type="primFontSz" val="5" fact="NaN" max="NaN"/>
+          </dgm:ruleLst>
+        </dgm:layoutNode>
+        <dgm:layoutNode name="descendantText" styleLbl="alignAcc1">
+          <dgm:varLst>
+            <dgm:bulletEnabled val="1"/>
+          </dgm:varLst>
+          <dgm:choose name="Name4">
+            <dgm:if name="Name5" func="var" arg="dir" op="equ" val="norm">
+              <dgm:alg type="tx">
+                <dgm:param type="stBulletLvl" val="1"/>
+                <dgm:param type="txAnchorVertCh" val="mid"/>
+              </dgm:alg>
+              <dgm:shape xmlns:r="http://schemas.openxmlformats.org/officeDocument/2006/relationships" rot="90" type="round2SameRect" r:blip="">
+                <dgm:adjLst/>
+              </dgm:shape>
+            </dgm:if>
+            <dgm:else name="Name6">
+              <dgm:alg type="tx">
+                <dgm:param type="stBulletLvl" val="1"/>
+                <dgm:param type="txAnchorVertCh" val="mid"/>
+              </dgm:alg>
+              <dgm:shape xmlns:r="http://schemas.openxmlformats.org/officeDocument/2006/relationships" rot="-90" type="round2SameRect" r:blip="">
+                <dgm:adjLst/>
+              </dgm:shape>
+            </dgm:else>
+          </dgm:choose>
+          <dgm:presOf axis="des" ptType="node"/>
+          <dgm:choose name="Name7">
+            <dgm:if name="Name8" func="var" arg="dir" op="equ" val="norm">
+              <dgm:constrLst>
+                <dgm:constr type="secFontSz" refType="primFontSz"/>
+                <dgm:constr type="tMarg" refType="primFontSz" fact="0.05"/>
+                <dgm:constr type="bMarg" refType="primFontSz" fact="0.05"/>
+                <dgm:constr type="rMarg" refType="primFontSz" fact="0.05"/>
+              </dgm:constrLst>
+            </dgm:if>
+            <dgm:else name="Name9">
+              <dgm:constrLst>
+                <dgm:constr type="secFontSz" refType="primFontSz"/>
+                <dgm:constr type="tMarg" refType="primFontSz" fact="0.05"/>
+                <dgm:constr type="bMarg" refType="primFontSz" fact="0.05"/>
+                <dgm:constr type="lMarg" refType="primFontSz" fact="0.05"/>
+              </dgm:constrLst>
+            </dgm:else>
+          </dgm:choose>
+          <dgm:ruleLst>
+            <dgm:rule type="primFontSz" val="5" fact="NaN" max="NaN"/>
+          </dgm:ruleLst>
+        </dgm:layoutNode>
+      </dgm:layoutNode>
+      <dgm:forEach name="Name10" axis="followSib" ptType="sibTrans" cnt="1">
+        <dgm:layoutNode name="sp">
+          <dgm:alg type="sp"/>
+          <dgm:shape xmlns:r="http://schemas.openxmlformats.org/officeDocument/2006/relationships" r:blip="">
+            <dgm:adjLst/>
+          </dgm:shape>
+          <dgm:presOf axis="self"/>
+          <dgm:constrLst>
+            <dgm:constr type="w" val="1"/>
+            <dgm:constr type="h" val="37.5"/>
+          </dgm:constrLst>
+          <dgm:ruleLst/>
+        </dgm:layoutNode>
+      </dgm:forEach>
+    </dgm:forEach>
+  </dgm:layoutNode>
+</dgm:layoutDef>
+</file>
+
+<file path=ppt/diagrams/quickStyle1.xml><?xml version="1.0" encoding="utf-8"?>
+<dgm:styleDef xmlns:dgm="http://schemas.openxmlformats.org/drawingml/2006/diagram" xmlns:a="http://schemas.openxmlformats.org/drawingml/2006/main" uniqueId="urn:microsoft.com/office/officeart/2005/8/quickstyle/simple1">
+  <dgm:title val=""/>
+  <dgm:desc val=""/>
+  <dgm:catLst>
+    <dgm:cat type="simple" pri="10100"/>
+  </dgm:catLst>
+  <dgm:scene3d>
+    <a:camera prst="orthographicFront"/>
+    <a:lightRig rig="threePt" dir="t"/>
+  </dgm:scene3d>
+  <dgm:styleLbl name="node0">
+    <dgm:scene3d>
+      <a:camera prst="orthographicFront"/>
+      <a:lightRig rig="threePt" dir="t"/>
+    </dgm:scene3d>
+    <dgm:sp3d/>
+    <dgm:txPr/>
+    <dgm:style>
+      <a:lnRef idx="2">
+        <a:scrgbClr r="0" g="0" b="0"/>
+      </a:lnRef>
+      <a:fillRef idx="1">
+        <a:scrgbClr r="0" g="0" b="0"/>
+      </a:fillRef>
+      <a:effectRef idx="0">
+        <a:scrgbClr r="0" g="0" b="0"/>
+      </a:effectRef>
+      <a:fontRef idx="minor">
+        <a:schemeClr val="lt1"/>
+      </a:fontRef>
+    </dgm:style>
+  </dgm:styleLbl>
+  <dgm:styleLbl name="lnNode1">
+    <dgm:scene3d>
+      <a:camera prst="orthographicFront"/>
+      <a:lightRig rig="threePt" dir="t"/>
+    </dgm:scene3d>
+    <dgm:sp3d/>
+    <dgm:txPr/>
+    <dgm:style>
+      <a:lnRef idx="2">
+        <a:scrgbClr r="0" g="0" b="0"/>
+      </a:lnRef>
+      <a:fillRef idx="1">
+        <a:scrgbClr r="0" g="0" b="0"/>
+      </a:fillRef>
+      <a:effectRef idx="0">
+        <a:scrgbClr r="0" g="0" b="0"/>
+      </a:effectRef>
+      <a:fontRef idx="minor">
+        <a:schemeClr val="lt1"/>
+      </a:fontRef>
+    </dgm:style>
+  </dgm:styleLbl>
+  <dgm:styleLbl name="vennNode1">
+    <dgm:scene3d>
+      <a:camera prst="orthographicFront"/>
+      <a:lightRig rig="threePt" dir="t"/>
+    </dgm:scene3d>
+    <dgm:sp3d/>
+    <dgm:txPr/>
+    <dgm:style>
+      <a:lnRef idx="2">
+        <a:scrgbClr r="0" g="0" b="0"/>
+      </a:lnRef>
+      <a:fillRef idx="1">
+        <a:scrgbClr r="0" g="0" b="0"/>
+      </a:fillRef>
+      <a:effectRef idx="0">
+        <a:scrgbClr r="0" g="0" b="0"/>
+      </a:effectRef>
+      <a:fontRef idx="minor">
+        <a:schemeClr val="tx1"/>
+      </a:fontRef>
+    </dgm:style>
+  </dgm:styleLbl>
+  <dgm:styleLbl name="alignNode1">
+    <dgm:scene3d>
+      <a:camera prst="orthographicFront"/>
+      <a:lightRig rig="threePt" dir="t"/>
+    </dgm:scene3d>
+    <dgm:sp3d/>
+    <dgm:txPr/>
+    <dgm:style>
+      <a:lnRef idx="2">
+        <a:scrgbClr r="0" g="0" b="0"/>
+      </a:lnRef>
+      <a:fillRef idx="1">
+        <a:scrgbClr r="0" g="0" b="0"/>
+      </a:fillRef>
+      <a:effectRef idx="0">
+        <a:scrgbClr r="0" g="0" b="0"/>
+      </a:effectRef>
+      <a:fontRef idx="minor">
+        <a:schemeClr val="lt1"/>
+      </a:fontRef>
+    </dgm:style>
+  </dgm:styleLbl>
+  <dgm:styleLbl name="node1">
+    <dgm:scene3d>
+      <a:camera prst="orthographicFront"/>
+      <a:lightRig rig="threePt" dir="t"/>
+    </dgm:scene3d>
+    <dgm:sp3d/>
+    <dgm:txPr/>
+    <dgm:style>
+      <a:lnRef idx="2">
+        <a:scrgbClr r="0" g="0" b="0"/>
+      </a:lnRef>
+      <a:fillRef idx="1">
+        <a:scrgbClr r="0" g="0" b="0"/>
+      </a:fillRef>
+      <a:effectRef idx="0">
+        <a:scrgbClr r="0" g="0" b="0"/>
+      </a:effectRef>
+      <a:fontRef idx="minor">
+        <a:schemeClr val="lt1"/>
+      </a:fontRef>
+    </dgm:style>
+  </dgm:styleLbl>
+  <dgm:styleLbl name="node2">
+    <dgm:scene3d>
+      <a:camera prst="orthographicFront"/>
+      <a:lightRig rig="threePt" dir="t"/>
+    </dgm:scene3d>
+    <dgm:sp3d/>
+    <dgm:txPr/>
+    <dgm:style>
+      <a:lnRef idx="2">
+        <a:scrgbClr r="0" g="0" b="0"/>
+      </a:lnRef>
+      <a:fillRef idx="1">
+        <a:scrgbClr r="0" g="0" b="0"/>
+      </a:fillRef>
+      <a:effectRef idx="0">
+        <a:scrgbClr r="0" g="0" b="0"/>
+      </a:effectRef>
+      <a:fontRef idx="minor">
+        <a:schemeClr val="lt1"/>
+      </a:fontRef>
+    </dgm:style>
+  </dgm:styleLbl>
+  <dgm:styleLbl name="node3">
+    <dgm:scene3d>
+      <a:camera prst="orthographicFront"/>
+      <a:lightRig rig="threePt" dir="t"/>
+    </dgm:scene3d>
+    <dgm:sp3d/>
+    <dgm:txPr/>
+    <dgm:style>
+      <a:lnRef idx="2">
+        <a:scrgbClr r="0" g="0" b="0"/>
+      </a:lnRef>
+      <a:fillRef idx="1">
+        <a:scrgbClr r="0" g="0" b="0"/>
+      </a:fillRef>
+      <a:effectRef idx="0">
+        <a:scrgbClr r="0" g="0" b="0"/>
+      </a:effectRef>
+      <a:fontRef idx="minor">
+        <a:schemeClr val="lt1"/>
+      </a:fontRef>
+    </dgm:style>
+  </dgm:styleLbl>
+  <dgm:styleLbl name="node4">
+    <dgm:scene3d>
+      <a:camera prst="orthographicFront"/>
+      <a:lightRig rig="threePt" dir="t"/>
+    </dgm:scene3d>
+    <dgm:sp3d/>
+    <dgm:txPr/>
+    <dgm:style>
+      <a:lnRef idx="2">
+        <a:scrgbClr r="0" g="0" b="0"/>
+      </a:lnRef>
+      <a:fillRef idx="1">
+        <a:scrgbClr r="0" g="0" b="0"/>
+      </a:fillRef>
+      <a:effectRef idx="0">
+        <a:scrgbClr r="0" g="0" b="0"/>
+      </a:effectRef>
+      <a:fontRef idx="minor">
+        <a:schemeClr val="lt1"/>
+      </a:fontRef>
+    </dgm:style>
+  </dgm:styleLbl>
+  <dgm:styleLbl name="fgImgPlace1">
+    <dgm:scene3d>
+      <a:camera prst="orthographicFront"/>
+      <a:lightRig rig="threePt" dir="t"/>
+    </dgm:scene3d>
+    <dgm:sp3d/>
+    <dgm:txPr/>
+    <dgm:style>
+      <a:lnRef idx="2">
+        <a:scrgbClr r="0" g="0" b="0"/>
+      </a:lnRef>
+      <a:fillRef idx="1">
+        <a:scrgbClr r="0" g="0" b="0"/>
+      </a:fillRef>
+      <a:effectRef idx="0">
+        <a:scrgbClr r="0" g="0" b="0"/>
+      </a:effectRef>
+      <a:fontRef idx="minor"/>
+    </dgm:style>
+  </dgm:styleLbl>
+  <dgm:styleLbl name="alignImgPlace1">
+    <dgm:scene3d>
+      <a:camera prst="orthographicFront"/>
+      <a:lightRig rig="threePt" dir="t"/>
+    </dgm:scene3d>
+    <dgm:sp3d/>
+    <dgm:txPr/>
+    <dgm:style>
+      <a:lnRef idx="2">
+        <a:scrgbClr r="0" g="0" b="0"/>
+      </a:lnRef>
+      <a:fillRef idx="1">
+        <a:scrgbClr r="0" g="0" b="0"/>
+      </a:fillRef>
+      <a:effectRef idx="0">
+        <a:scrgbClr r="0" g="0" b="0"/>
+      </a:effectRef>
+      <a:fontRef idx="minor"/>
+    </dgm:style>
+  </dgm:styleLbl>
+  <dgm:styleLbl name="bgImgPlace1">
+    <dgm:scene3d>
+      <a:camera prst="orthographicFront"/>
+      <a:lightRig rig="threePt" dir="t"/>
+    </dgm:scene3d>
+    <dgm:sp3d/>
+    <dgm:txPr/>
+    <dgm:style>
+      <a:lnRef idx="2">
+        <a:scrgbClr r="0" g="0" b="0"/>
+      </a:lnRef>
+      <a:fillRef idx="1">
+        <a:scrgbClr r="0" g="0" b="0"/>
+      </a:fillRef>
+      <a:effectRef idx="0">
+        <a:scrgbClr r="0" g="0" b="0"/>
+      </a:effectRef>
+      <a:fontRef idx="minor"/>
+    </dgm:style>
+  </dgm:styleLbl>
+  <dgm:styleLbl name="sibTrans2D1">
+    <dgm:scene3d>
+      <a:camera prst="orthographicFront"/>
+      <a:lightRig rig="threePt" dir="t"/>
+    </dgm:scene3d>
+    <dgm:sp3d/>
+    <dgm:txPr/>
+    <dgm:style>
+      <a:lnRef idx="0">
+        <a:scrgbClr r="0" g="0" b="0"/>
+      </a:lnRef>
+      <a:fillRef idx="1">
+        <a:scrgbClr r="0" g="0" b="0"/>
+      </a:fillRef>
+      <a:effectRef idx="0">
+        <a:scrgbClr r="0" g="0" b="0"/>
+      </a:effectRef>
+      <a:fontRef idx="minor">
+        <a:schemeClr val="lt1"/>
+      </a:fontRef>
+    </dgm:style>
+  </dgm:styleLbl>
+  <dgm:styleLbl name="fgSibTrans2D1">
+    <dgm:scene3d>
+      <a:camera prst="orthographicFront"/>
+      <a:lightRig rig="threePt" dir="t"/>
+    </dgm:scene3d>
+    <dgm:sp3d/>
+    <dgm:txPr/>
+    <dgm:style>
+      <a:lnRef idx="0">
+        <a:scrgbClr r="0" g="0" b="0"/>
+      </a:lnRef>
+      <a:fillRef idx="1">
+        <a:scrgbClr r="0" g="0" b="0"/>
+      </a:fillRef>
+      <a:effectRef idx="0">
+        <a:scrgbClr r="0" g="0" b="0"/>
+      </a:effectRef>
+      <a:fontRef idx="minor">
+        <a:schemeClr val="lt1"/>
+      </a:fontRef>
+    </dgm:style>
+  </dgm:styleLbl>
+  <dgm:styleLbl name="bgSibTrans2D1">
+    <dgm:scene3d>
+      <a:camera prst="orthographicFront"/>
+      <a:lightRig rig="threePt" dir="t"/>
+    </dgm:scene3d>
+    <dgm:sp3d/>
+    <dgm:txPr/>
+    <dgm:style>
+      <a:lnRef idx="0">
+        <a:scrgbClr r="0" g="0" b="0"/>
+      </a:lnRef>
+      <a:fillRef idx="1">
+        <a:scrgbClr r="0" g="0" b="0"/>
+      </a:fillRef>
+      <a:effectRef idx="0">
+        <a:scrgbClr r="0" g="0" b="0"/>
+      </a:effectRef>
+      <a:fontRef idx="minor">
+        <a:schemeClr val="lt1"/>
+      </a:fontRef>
+    </dgm:style>
+  </dgm:styleLbl>
+  <dgm:styleLbl name="sibTrans1D1">
+    <dgm:scene3d>
+      <a:camera prst="orthographicFront"/>
+      <a:lightRig rig="threePt" dir="t"/>
+    </dgm:scene3d>
+    <dgm:sp3d/>
+    <dgm:txPr/>
+    <dgm:style>
+      <a:lnRef idx="1">
+        <a:scrgbClr r="0" g="0" b="0"/>
+      </a:lnRef>
+      <a:fillRef idx="0">
+        <a:scrgbClr r="0" g="0" b="0"/>
+      </a:fillRef>
+      <a:effectRef idx="0">
+        <a:scrgbClr r="0" g="0" b="0"/>
+      </a:effectRef>
+      <a:fontRef idx="minor"/>
+    </dgm:style>
+  </dgm:styleLbl>
+  <dgm:styleLbl name="callout">
+    <dgm:scene3d>
+      <a:camera prst="orthographicFront"/>
+      <a:lightRig rig="threePt" dir="t"/>
+    </dgm:scene3d>
+    <dgm:sp3d/>
+    <dgm:txPr/>
+    <dgm:style>
+      <a:lnRef idx="2">
+        <a:scrgbClr r="0" g="0" b="0"/>
+      </a:lnRef>
+      <a:fillRef idx="1">
+        <a:scrgbClr r="0" g="0" b="0"/>
+      </a:fillRef>
+      <a:effectRef idx="0">
+        <a:scrgbClr r="0" g="0" b="0"/>
+      </a:effectRef>
+      <a:fontRef idx="minor"/>
+    </dgm:style>
+  </dgm:styleLbl>
+  <dgm:styleLbl name="asst0">
+    <dgm:scene3d>
+      <a:camera prst="orthographicFront"/>
+      <a:lightRig rig="threePt" dir="t"/>
+    </dgm:scene3d>
+    <dgm:sp3d/>
+    <dgm:txPr/>
+    <dgm:style>
+      <a:lnRef idx="2">
+        <a:scrgbClr r="0" g="0" b="0"/>
+      </a:lnRef>
+      <a:fillRef idx="1">
+        <a:scrgbClr r="0" g="0" b="0"/>
+      </a:fillRef>
+      <a:effectRef idx="0">
+        <a:scrgbClr r="0" g="0" b="0"/>
+      </a:effectRef>
+      <a:fontRef idx="minor">
+        <a:schemeClr val="lt1"/>
+      </a:fontRef>
+    </dgm:style>
+  </dgm:styleLbl>
+  <dgm:styleLbl name="asst1">
+    <dgm:scene3d>
+      <a:camera prst="orthographicFront"/>
+      <a:lightRig rig="threePt" dir="t"/>
+    </dgm:scene3d>
+    <dgm:sp3d/>
+    <dgm:txPr/>
+    <dgm:style>
+      <a:lnRef idx="2">
+        <a:scrgbClr r="0" g="0" b="0"/>
+      </a:lnRef>
+      <a:fillRef idx="1">
+        <a:scrgbClr r="0" g="0" b="0"/>
+      </a:fillRef>
+      <a:effectRef idx="0">
+        <a:scrgbClr r="0" g="0" b="0"/>
+      </a:effectRef>
+      <a:fontRef idx="minor">
+        <a:schemeClr val="lt1"/>
+      </a:fontRef>
+    </dgm:style>
+  </dgm:styleLbl>
+  <dgm:styleLbl name="asst2">
+    <dgm:scene3d>
+      <a:camera prst="orthographicFront"/>
+      <a:lightRig rig="threePt" dir="t"/>
+    </dgm:scene3d>
+    <dgm:sp3d/>
+    <dgm:txPr/>
+    <dgm:style>
+      <a:lnRef idx="2">
+        <a:scrgbClr r="0" g="0" b="0"/>
+      </a:lnRef>
+      <a:fillRef idx="1">
+        <a:scrgbClr r="0" g="0" b="0"/>
+      </a:fillRef>
+      <a:effectRef idx="0">
+        <a:scrgbClr r="0" g="0" b="0"/>
+      </a:effectRef>
+      <a:fontRef idx="minor">
+        <a:schemeClr val="lt1"/>
+      </a:fontRef>
+    </dgm:style>
+  </dgm:styleLbl>
+  <dgm:styleLbl name="asst3">
+    <dgm:scene3d>
+      <a:camera prst="orthographicFront"/>
+      <a:lightRig rig="threePt" dir="t"/>
+    </dgm:scene3d>
+    <dgm:sp3d/>
+    <dgm:txPr/>
+    <dgm:style>
+      <a:lnRef idx="2">
+        <a:scrgbClr r="0" g="0" b="0"/>
+      </a:lnRef>
+      <a:fillRef idx="1">
+        <a:scrgbClr r="0" g="0" b="0"/>
+      </a:fillRef>
+      <a:effectRef idx="0">
+        <a:scrgbClr r="0" g="0" b="0"/>
+      </a:effectRef>
+      <a:fontRef idx="minor">
+        <a:schemeClr val="lt1"/>
+      </a:fontRef>
+    </dgm:style>
+  </dgm:styleLbl>
+  <dgm:styleLbl name="asst4">
+    <dgm:scene3d>
+      <a:camera prst="orthographicFront"/>
+      <a:lightRig rig="threePt" dir="t"/>
+    </dgm:scene3d>
+    <dgm:sp3d/>
+    <dgm:txPr/>
+    <dgm:style>
+      <a:lnRef idx="2">
+        <a:scrgbClr r="0" g="0" b="0"/>
+      </a:lnRef>
+      <a:fillRef idx="1">
+        <a:scrgbClr r="0" g="0" b="0"/>
+      </a:fillRef>
+      <a:effectRef idx="0">
+        <a:scrgbClr r="0" g="0" b="0"/>
+      </a:effectRef>
+      <a:fontRef idx="minor">
+        <a:schemeClr val="lt1"/>
+      </a:fontRef>
+    </dgm:style>
+  </dgm:styleLbl>
+  <dgm:styleLbl name="parChTrans2D1">
+    <dgm:scene3d>
+      <a:camera prst="orthographicFront"/>
+      <a:lightRig rig="threePt" dir="t"/>
+    </dgm:scene3d>
+    <dgm:sp3d/>
+    <dgm:txPr/>
+    <dgm:style>
+      <a:lnRef idx="2">
+        <a:scrgbClr r="0" g="0" b="0"/>
+      </a:lnRef>
+      <a:fillRef idx="1">
+        <a:scrgbClr r="0" g="0" b="0"/>
+      </a:fillRef>
+      <a:effectRef idx="0">
+        <a:scrgbClr r="0" g="0" b="0"/>
+      </a:effectRef>
+      <a:fontRef idx="minor">
+        <a:schemeClr val="lt1"/>
+      </a:fontRef>
+    </dgm:style>
+  </dgm:styleLbl>
+  <dgm:styleLbl name="parChTrans2D2">
+    <dgm:scene3d>
+      <a:camera prst="orthographicFront"/>
+      <a:lightRig rig="threePt" dir="t"/>
+    </dgm:scene3d>
+    <dgm:sp3d/>
+    <dgm:txPr/>
+    <dgm:style>
+      <a:lnRef idx="2">
+        <a:scrgbClr r="0" g="0" b="0"/>
+      </a:lnRef>
+      <a:fillRef idx="1">
+        <a:scrgbClr r="0" g="0" b="0"/>
+      </a:fillRef>
+      <a:effectRef idx="0">
+        <a:scrgbClr r="0" g="0" b="0"/>
+      </a:effectRef>
+      <a:fontRef idx="minor">
+        <a:schemeClr val="lt1"/>
+      </a:fontRef>
+    </dgm:style>
+  </dgm:styleLbl>
+  <dgm:styleLbl name="parChTrans2D3">
+    <dgm:scene3d>
+      <a:camera prst="orthographicFront"/>
+      <a:lightRig rig="threePt" dir="t"/>
+    </dgm:scene3d>
+    <dgm:sp3d/>
+    <dgm:txPr/>
+    <dgm:style>
+      <a:lnRef idx="2">
+        <a:scrgbClr r="0" g="0" b="0"/>
+      </a:lnRef>
+      <a:fillRef idx="1">
+        <a:scrgbClr r="0" g="0" b="0"/>
+      </a:fillRef>
+      <a:effectRef idx="0">
+        <a:scrgbClr r="0" g="0" b="0"/>
+      </a:effectRef>
+      <a:fontRef idx="minor">
+        <a:schemeClr val="lt1"/>
+      </a:fontRef>
+    </dgm:style>
+  </dgm:styleLbl>
+  <dgm:styleLbl name="parChTrans2D4">
+    <dgm:scene3d>
+      <a:camera prst="orthographicFront"/>
+      <a:lightRig rig="threePt" dir="t"/>
+    </dgm:scene3d>
+    <dgm:sp3d/>
+    <dgm:txPr/>
+    <dgm:style>
+      <a:lnRef idx="2">
+        <a:scrgbClr r="0" g="0" b="0"/>
+      </a:lnRef>
+      <a:fillRef idx="1">
+        <a:scrgbClr r="0" g="0" b="0"/>
+      </a:fillRef>
+      <a:effectRef idx="0">
+        <a:scrgbClr r="0" g="0" b="0"/>
+      </a:effectRef>
+      <a:fontRef idx="minor">
+        <a:schemeClr val="lt1"/>
+      </a:fontRef>
+    </dgm:style>
+  </dgm:styleLbl>
+  <dgm:styleLbl name="parChTrans1D1">
+    <dgm:scene3d>
+      <a:camera prst="orthographicFront"/>
+      <a:lightRig rig="threePt" dir="t"/>
+    </dgm:scene3d>
+    <dgm:sp3d/>
+    <dgm:txPr/>
+    <dgm:style>
+      <a:lnRef idx="2">
+        <a:scrgbClr r="0" g="0" b="0"/>
+      </a:lnRef>
+      <a:fillRef idx="0">
+        <a:scrgbClr r="0" g="0" b="0"/>
+      </a:fillRef>
+      <a:effectRef idx="0">
+        <a:scrgbClr r="0" g="0" b="0"/>
+      </a:effectRef>
+      <a:fontRef idx="minor"/>
+    </dgm:style>
+  </dgm:styleLbl>
+  <dgm:styleLbl name="parChTrans1D2">
+    <dgm:scene3d>
+      <a:camera prst="orthographicFront"/>
+      <a:lightRig rig="threePt" dir="t"/>
+    </dgm:scene3d>
+    <dgm:sp3d/>
+    <dgm:txPr/>
+    <dgm:style>
+      <a:lnRef idx="2">
+        <a:scrgbClr r="0" g="0" b="0"/>
+      </a:lnRef>
+      <a:fillRef idx="0">
+        <a:scrgbClr r="0" g="0" b="0"/>
+      </a:fillRef>
+      <a:effectRef idx="0">
+        <a:scrgbClr r="0" g="0" b="0"/>
+      </a:effectRef>
+      <a:fontRef idx="minor"/>
+    </dgm:style>
+  </dgm:styleLbl>
+  <dgm:styleLbl name="parChTrans1D3">
+    <dgm:scene3d>
+      <a:camera prst="orthographicFront"/>
+      <a:lightRig rig="threePt" dir="t"/>
+    </dgm:scene3d>
+    <dgm:sp3d/>
+    <dgm:txPr/>
+    <dgm:style>
+      <a:lnRef idx="2">
+        <a:scrgbClr r="0" g="0" b="0"/>
+      </a:lnRef>
+      <a:fillRef idx="0">
+        <a:scrgbClr r="0" g="0" b="0"/>
+      </a:fillRef>
+      <a:effectRef idx="0">
+        <a:scrgbClr r="0" g="0" b="0"/>
+      </a:effectRef>
+      <a:fontRef idx="minor"/>
+    </dgm:style>
+  </dgm:styleLbl>
+  <dgm:styleLbl name="parChTrans1D4">
+    <dgm:scene3d>
+      <a:camera prst="orthographicFront"/>
+      <a:lightRig rig="threePt" dir="t"/>
+    </dgm:scene3d>
+    <dgm:sp3d/>
+    <dgm:txPr/>
+    <dgm:style>
+      <a:lnRef idx="2">
+        <a:scrgbClr r="0" g="0" b="0"/>
+      </a:lnRef>
+      <a:fillRef idx="0">
+        <a:scrgbClr r="0" g="0" b="0"/>
+      </a:fillRef>
+      <a:effectRef idx="0">
+        <a:scrgbClr r="0" g="0" b="0"/>
+      </a:effectRef>
+      <a:fontRef idx="minor"/>
+    </dgm:style>
+  </dgm:styleLbl>
+  <dgm:styleLbl name="fgAcc1">
+    <dgm:scene3d>
+      <a:camera prst="orthographicFront"/>
+      <a:lightRig rig="threePt" dir="t"/>
+    </dgm:scene3d>
+    <dgm:sp3d/>
+    <dgm:txPr/>
+    <dgm:style>
+      <a:lnRef idx="2">
+        <a:scrgbClr r="0" g="0" b="0"/>
+      </a:lnRef>
+      <a:fillRef idx="1">
+        <a:scrgbClr r="0" g="0" b="0"/>
+      </a:fillRef>
+      <a:effectRef idx="0">
+        <a:scrgbClr r="0" g="0" b="0"/>
+      </a:effectRef>
+      <a:fontRef idx="minor"/>
+    </dgm:style>
+  </dgm:styleLbl>
+  <dgm:styleLbl name="conFgAcc1">
+    <dgm:scene3d>
+      <a:camera prst="orthographicFront"/>
+      <a:lightRig rig="threePt" dir="t"/>
+    </dgm:scene3d>
+    <dgm:sp3d/>
+    <dgm:txPr/>
+    <dgm:style>
+      <a:lnRef idx="2">
+        <a:scrgbClr r="0" g="0" b="0"/>
+      </a:lnRef>
+      <a:fillRef idx="1">
+        <a:scrgbClr r="0" g="0" b="0"/>
+      </a:fillRef>
+      <a:effectRef idx="0">
+        <a:scrgbClr r="0" g="0" b="0"/>
+      </a:effectRef>
+      <a:fontRef idx="minor"/>
+    </dgm:style>
+  </dgm:styleLbl>
+  <dgm:styleLbl name="alignAcc1">
+    <dgm:scene3d>
+      <a:camera prst="orthographicFront"/>
+      <a:lightRig rig="threePt" dir="t"/>
+    </dgm:scene3d>
+    <dgm:sp3d/>
+    <dgm:txPr/>
+    <dgm:style>
+      <a:lnRef idx="2">
+        <a:scrgbClr r="0" g="0" b="0"/>
+      </a:lnRef>
+      <a:fillRef idx="1">
+        <a:scrgbClr r="0" g="0" b="0"/>
+      </a:fillRef>
+      <a:effectRef idx="0">
+        <a:scrgbClr r="0" g="0" b="0"/>
+      </a:effectRef>
+      <a:fontRef idx="minor"/>
+    </dgm:style>
+  </dgm:styleLbl>
+  <dgm:styleLbl name="trAlignAcc1">
+    <dgm:scene3d>
+      <a:camera prst="orthographicFront"/>
+      <a:lightRig rig="threePt" dir="t"/>
+    </dgm:scene3d>
+    <dgm:sp3d/>
+    <dgm:txPr/>
+    <dgm:style>
+      <a:lnRef idx="1">
+        <a:scrgbClr r="0" g="0" b="0"/>
+      </a:lnRef>
+      <a:fillRef idx="1">
+        <a:scrgbClr r="0" g="0" b="0"/>
+      </a:fillRef>
+      <a:effectRef idx="0">
+        <a:scrgbClr r="0" g="0" b="0"/>
+      </a:effectRef>
+      <a:fontRef idx="minor"/>
+    </dgm:style>
+  </dgm:styleLbl>
+  <dgm:styleLbl name="bgAcc1">
+    <dgm:scene3d>
+      <a:camera prst="orthographicFront"/>
+      <a:lightRig rig="threePt" dir="t"/>
+    </dgm:scene3d>
+    <dgm:sp3d/>
+    <dgm:txPr/>
+    <dgm:style>
+      <a:lnRef idx="2">
+        <a:scrgbClr r="0" g="0" b="0"/>
+      </a:lnRef>
+      <a:fillRef idx="1">
+        <a:scrgbClr r="0" g="0" b="0"/>
+      </a:fillRef>
+      <a:effectRef idx="0">
+        <a:scrgbClr r="0" g="0" b="0"/>
+      </a:effectRef>
+      <a:fontRef idx="minor"/>
+    </dgm:style>
+  </dgm:styleLbl>
+  <dgm:styleLbl name="solidFgAcc1">
+    <dgm:scene3d>
+      <a:camera prst="orthographicFront"/>
+      <a:lightRig rig="threePt" dir="t"/>
+    </dgm:scene3d>
+    <dgm:sp3d/>
+    <dgm:txPr/>
+    <dgm:style>
+      <a:lnRef idx="2">
+        <a:scrgbClr r="0" g="0" b="0"/>
+      </a:lnRef>
+      <a:fillRef idx="1">
+        <a:scrgbClr r="0" g="0" b="0"/>
+      </a:fillRef>
+      <a:effectRef idx="0">
+        <a:scrgbClr r="0" g="0" b="0"/>
+      </a:effectRef>
+      <a:fontRef idx="minor"/>
+    </dgm:style>
+  </dgm:styleLbl>
+  <dgm:styleLbl name="solidAlignAcc1">
+    <dgm:scene3d>
+      <a:camera prst="orthographicFront"/>
+      <a:lightRig rig="threePt" dir="t"/>
+    </dgm:scene3d>
+    <dgm:sp3d/>
+    <dgm:txPr/>
+    <dgm:style>
+      <a:lnRef idx="2">
+        <a:scrgbClr r="0" g="0" b="0"/>
+      </a:lnRef>
+      <a:fillRef idx="1">
+        <a:scrgbClr r="0" g="0" b="0"/>
+      </a:fillRef>
+      <a:effectRef idx="0">
+        <a:scrgbClr r="0" g="0" b="0"/>
+      </a:effectRef>
+      <a:fontRef idx="minor"/>
+    </dgm:style>
+  </dgm:styleLbl>
+  <dgm:styleLbl name="solidBgAcc1">
+    <dgm:scene3d>
+      <a:camera prst="orthographicFront"/>
+      <a:lightRig rig="threePt" dir="t"/>
+    </dgm:scene3d>
+    <dgm:sp3d/>
+    <dgm:txPr/>
+    <dgm:style>
+      <a:lnRef idx="2">
+        <a:scrgbClr r="0" g="0" b="0"/>
+      </a:lnRef>
+      <a:fillRef idx="1">
+        <a:scrgbClr r="0" g="0" b="0"/>
+      </a:fillRef>
+      <a:effectRef idx="0">
+        <a:scrgbClr r="0" g="0" b="0"/>
+      </a:effectRef>
+      <a:fontRef idx="minor"/>
+    </dgm:style>
+  </dgm:styleLbl>
+  <dgm:styleLbl name="fgAccFollowNode1">
+    <dgm:scene3d>
+      <a:camera prst="orthographicFront"/>
+      <a:lightRig rig="threePt" dir="t"/>
+    </dgm:scene3d>
+    <dgm:sp3d/>
+    <dgm:txPr/>
+    <dgm:style>
+      <a:lnRef idx="2">
+        <a:scrgbClr r="0" g="0" b="0"/>
+      </a:lnRef>
+      <a:fillRef idx="1">
+        <a:scrgbClr r="0" g="0" b="0"/>
+      </a:fillRef>
+      <a:effectRef idx="0">
+        <a:scrgbClr r="0" g="0" b="0"/>
+      </a:effectRef>
+      <a:fontRef idx="minor"/>
+    </dgm:style>
+  </dgm:styleLbl>
+  <dgm:styleLbl name="alignAccFollowNode1">
+    <dgm:scene3d>
+      <a:camera prst="orthographicFront"/>
+      <a:lightRig rig="threePt" dir="t"/>
+    </dgm:scene3d>
+    <dgm:sp3d/>
+    <dgm:txPr/>
+    <dgm:style>
+      <a:lnRef idx="2">
+        <a:scrgbClr r="0" g="0" b="0"/>
+      </a:lnRef>
+      <a:fillRef idx="1">
+        <a:scrgbClr r="0" g="0" b="0"/>
+      </a:fillRef>
+      <a:effectRef idx="0">
+        <a:scrgbClr r="0" g="0" b="0"/>
+      </a:effectRef>
+      <a:fontRef idx="minor"/>
+    </dgm:style>
+  </dgm:styleLbl>
+  <dgm:styleLbl name="bgAccFollowNode1">
+    <dgm:scene3d>
+      <a:camera prst="orthographicFront"/>
+      <a:lightRig rig="threePt" dir="t"/>
+    </dgm:scene3d>
+    <dgm:sp3d/>
+    <dgm:txPr/>
+    <dgm:style>
+      <a:lnRef idx="2">
+        <a:scrgbClr r="0" g="0" b="0"/>
+      </a:lnRef>
+      <a:fillRef idx="1">
+        <a:scrgbClr r="0" g="0" b="0"/>
+      </a:fillRef>
+      <a:effectRef idx="0">
+        <a:scrgbClr r="0" g="0" b="0"/>
+      </a:effectRef>
+      <a:fontRef idx="minor"/>
+    </dgm:style>
+  </dgm:styleLbl>
+  <dgm:styleLbl name="fgAcc0">
+    <dgm:scene3d>
+      <a:camera prst="orthographicFront"/>
+      <a:lightRig rig="threePt" dir="t"/>
+    </dgm:scene3d>
+    <dgm:sp3d/>
+    <dgm:txPr/>
+    <dgm:style>
+      <a:lnRef idx="2">
+        <a:scrgbClr r="0" g="0" b="0"/>
+      </a:lnRef>
+      <a:fillRef idx="1">
+        <a:scrgbClr r="0" g="0" b="0"/>
+      </a:fillRef>
+      <a:effectRef idx="0">
+        <a:scrgbClr r="0" g="0" b="0"/>
+      </a:effectRef>
+      <a:fontRef idx="minor"/>
+    </dgm:style>
+  </dgm:styleLbl>
+  <dgm:styleLbl name="fgAcc2">
+    <dgm:scene3d>
+      <a:camera prst="orthographicFront"/>
+      <a:lightRig rig="threePt" dir="t"/>
+    </dgm:scene3d>
+    <dgm:sp3d/>
+    <dgm:txPr/>
+    <dgm:style>
+      <a:lnRef idx="2">
+        <a:scrgbClr r="0" g="0" b="0"/>
+      </a:lnRef>
+      <a:fillRef idx="1">
+        <a:scrgbClr r="0" g="0" b="0"/>
+      </a:fillRef>
+      <a:effectRef idx="0">
+        <a:scrgbClr r="0" g="0" b="0"/>
+      </a:effectRef>
+      <a:fontRef idx="minor"/>
+    </dgm:style>
+  </dgm:styleLbl>
+  <dgm:styleLbl name="fgAcc3">
+    <dgm:scene3d>
+      <a:camera prst="orthographicFront"/>
+      <a:lightRig rig="threePt" dir="t"/>
+    </dgm:scene3d>
+    <dgm:sp3d/>
+    <dgm:txPr/>
+    <dgm:style>
+      <a:lnRef idx="2">
+        <a:scrgbClr r="0" g="0" b="0"/>
+      </a:lnRef>
+      <a:fillRef idx="1">
+        <a:scrgbClr r="0" g="0" b="0"/>
+      </a:fillRef>
+      <a:effectRef idx="0">
+        <a:scrgbClr r="0" g="0" b="0"/>
+      </a:effectRef>
+      <a:fontRef idx="minor"/>
+    </dgm:style>
+  </dgm:styleLbl>
+  <dgm:styleLbl name="fgAcc4">
+    <dgm:scene3d>
+      <a:camera prst="orthographicFront"/>
+      <a:lightRig rig="threePt" dir="t"/>
+    </dgm:scene3d>
+    <dgm:sp3d/>
+    <dgm:txPr/>
+    <dgm:style>
+      <a:lnRef idx="2">
+        <a:scrgbClr r="0" g="0" b="0"/>
+      </a:lnRef>
+      <a:fillRef idx="1">
+        <a:scrgbClr r="0" g="0" b="0"/>
+      </a:fillRef>
+      <a:effectRef idx="0">
+        <a:scrgbClr r="0" g="0" b="0"/>
+      </a:effectRef>
+      <a:fontRef idx="minor"/>
+    </dgm:style>
+  </dgm:styleLbl>
+  <dgm:styleLbl name="bgShp">
+    <dgm:scene3d>
+      <a:camera prst="orthographicFront"/>
+      <a:lightRig rig="threePt" dir="t"/>
+    </dgm:scene3d>
+    <dgm:sp3d/>
+    <dgm:txPr/>
+    <dgm:style>
+      <a:lnRef idx="0">
+        <a:scrgbClr r="0" g="0" b="0"/>
+      </a:lnRef>
+      <a:fillRef idx="1">
+        <a:scrgbClr r="0" g="0" b="0"/>
+      </a:fillRef>
+      <a:effectRef idx="0">
+        <a:scrgbClr r="0" g="0" b="0"/>
+      </a:effectRef>
+      <a:fontRef idx="minor"/>
+    </dgm:style>
+  </dgm:styleLbl>
+  <dgm:styleLbl name="dkBgShp">
+    <dgm:scene3d>
+      <a:camera prst="orthographicFront"/>
+      <a:lightRig rig="threePt" dir="t"/>
+    </dgm:scene3d>
+    <dgm:sp3d/>
+    <dgm:txPr/>
+    <dgm:style>
+      <a:lnRef idx="0">
+        <a:scrgbClr r="0" g="0" b="0"/>
+      </a:lnRef>
+      <a:fillRef idx="1">
+        <a:scrgbClr r="0" g="0" b="0"/>
+      </a:fillRef>
+      <a:effectRef idx="0">
+        <a:scrgbClr r="0" g="0" b="0"/>
+      </a:effectRef>
+      <a:fontRef idx="minor"/>
+    </dgm:style>
+  </dgm:styleLbl>
+  <dgm:styleLbl name="trBgShp">
+    <dgm:scene3d>
+      <a:camera prst="orthographicFront"/>
+      <a:lightRig rig="threePt" dir="t"/>
+    </dgm:scene3d>
+    <dgm:sp3d/>
+    <dgm:txPr/>
+    <dgm:style>
+      <a:lnRef idx="0">
+        <a:scrgbClr r="0" g="0" b="0"/>
+      </a:lnRef>
+      <a:fillRef idx="1">
+        <a:scrgbClr r="0" g="0" b="0"/>
+      </a:fillRef>
+      <a:effectRef idx="0">
+        <a:scrgbClr r="0" g="0" b="0"/>
+      </a:effectRef>
+      <a:fontRef idx="minor"/>
+    </dgm:style>
+  </dgm:styleLbl>
+  <dgm:styleLbl name="fgShp">
+    <dgm:scene3d>
+      <a:camera prst="orthographicFront"/>
+      <a:lightRig rig="threePt" dir="t"/>
+    </dgm:scene3d>
+    <dgm:sp3d/>
+    <dgm:txPr/>
+    <dgm:style>
+      <a:lnRef idx="2">
+        <a:scrgbClr r="0" g="0" b="0"/>
+      </a:lnRef>
+      <a:fillRef idx="1">
+        <a:scrgbClr r="0" g="0" b="0"/>
+      </a:fillRef>
+      <a:effectRef idx="0">
+        <a:scrgbClr r="0" g="0" b="0"/>
+      </a:effectRef>
+      <a:fontRef idx="minor"/>
+    </dgm:style>
+  </dgm:styleLbl>
+  <dgm:styleLbl name="revTx">
+    <dgm:scene3d>
+      <a:camera prst="orthographicFront"/>
+      <a:lightRig rig="threePt" dir="t"/>
+    </dgm:scene3d>
+    <dgm:sp3d/>
+    <dgm:txPr/>
+    <dgm:style>
+      <a:lnRef idx="0">
+        <a:scrgbClr r="0" g="0" b="0"/>
+      </a:lnRef>
+      <a:fillRef idx="0">
+        <a:scrgbClr r="0" g="0" b="0"/>
+      </a:fillRef>
+      <a:effectRef idx="0">
+        <a:scrgbClr r="0" g="0" b="0"/>
+      </a:effectRef>
+      <a:fontRef idx="minor"/>
+    </dgm:style>
+  </dgm:styleLbl>
+</dgm:styleDef>
+</file>
+
 <file path=ppt/slideLayouts/slideLayout1.xml><?xml version="1.0" encoding="utf-8"?>
 <p:sldLayout xmlns:a="http://schemas.openxmlformats.org/drawingml/2006/main" xmlns:r="http://schemas.openxmlformats.org/officeDocument/2006/relationships" xmlns:p="http://schemas.openxmlformats.org/presentationml/2006/main" type="title" preserve="1">
   <p:cSld name="שקופית כותרת">
@@ -275,7 +4863,7 @@
           <a:p>
             <a:fld id="{B43D0B0F-FBE8-4583-B422-784021D88E34}" type="datetimeFigureOut">
               <a:rPr lang="he-IL" smtClean="0"/>
-              <a:t>י"א/אלול/תשפ"ב</a:t>
+              <a:t>י"ב/אלול/תשפ"ב</a:t>
             </a:fld>
             <a:endParaRPr lang="he-IL"/>
           </a:p>
@@ -473,7 +5061,7 @@
           <a:p>
             <a:fld id="{B43D0B0F-FBE8-4583-B422-784021D88E34}" type="datetimeFigureOut">
               <a:rPr lang="he-IL" smtClean="0"/>
-              <a:t>י"א/אלול/תשפ"ב</a:t>
+              <a:t>י"ב/אלול/תשפ"ב</a:t>
             </a:fld>
             <a:endParaRPr lang="he-IL"/>
           </a:p>
@@ -681,7 +5269,7 @@
           <a:p>
             <a:fld id="{B43D0B0F-FBE8-4583-B422-784021D88E34}" type="datetimeFigureOut">
               <a:rPr lang="he-IL" smtClean="0"/>
-              <a:t>י"א/אלול/תשפ"ב</a:t>
+              <a:t>י"ב/אלול/תשפ"ב</a:t>
             </a:fld>
             <a:endParaRPr lang="he-IL"/>
           </a:p>
@@ -879,7 +5467,7 @@
           <a:p>
             <a:fld id="{B43D0B0F-FBE8-4583-B422-784021D88E34}" type="datetimeFigureOut">
               <a:rPr lang="he-IL" smtClean="0"/>
-              <a:t>י"א/אלול/תשפ"ב</a:t>
+              <a:t>י"ב/אלול/תשפ"ב</a:t>
             </a:fld>
             <a:endParaRPr lang="he-IL"/>
           </a:p>
@@ -1154,7 +5742,7 @@
           <a:p>
             <a:fld id="{B43D0B0F-FBE8-4583-B422-784021D88E34}" type="datetimeFigureOut">
               <a:rPr lang="he-IL" smtClean="0"/>
-              <a:t>י"א/אלול/תשפ"ב</a:t>
+              <a:t>י"ב/אלול/תשפ"ב</a:t>
             </a:fld>
             <a:endParaRPr lang="he-IL"/>
           </a:p>
@@ -1419,7 +6007,7 @@
           <a:p>
             <a:fld id="{B43D0B0F-FBE8-4583-B422-784021D88E34}" type="datetimeFigureOut">
               <a:rPr lang="he-IL" smtClean="0"/>
-              <a:t>י"א/אלול/תשפ"ב</a:t>
+              <a:t>י"ב/אלול/תשפ"ב</a:t>
             </a:fld>
             <a:endParaRPr lang="he-IL"/>
           </a:p>
@@ -1831,7 +6419,7 @@
           <a:p>
             <a:fld id="{B43D0B0F-FBE8-4583-B422-784021D88E34}" type="datetimeFigureOut">
               <a:rPr lang="he-IL" smtClean="0"/>
-              <a:t>י"א/אלול/תשפ"ב</a:t>
+              <a:t>י"ב/אלול/תשפ"ב</a:t>
             </a:fld>
             <a:endParaRPr lang="he-IL"/>
           </a:p>
@@ -1972,7 +6560,7 @@
           <a:p>
             <a:fld id="{B43D0B0F-FBE8-4583-B422-784021D88E34}" type="datetimeFigureOut">
               <a:rPr lang="he-IL" smtClean="0"/>
-              <a:t>י"א/אלול/תשפ"ב</a:t>
+              <a:t>י"ב/אלול/תשפ"ב</a:t>
             </a:fld>
             <a:endParaRPr lang="he-IL"/>
           </a:p>
@@ -2085,7 +6673,7 @@
           <a:p>
             <a:fld id="{B43D0B0F-FBE8-4583-B422-784021D88E34}" type="datetimeFigureOut">
               <a:rPr lang="he-IL" smtClean="0"/>
-              <a:t>י"א/אלול/תשפ"ב</a:t>
+              <a:t>י"ב/אלול/תשפ"ב</a:t>
             </a:fld>
             <a:endParaRPr lang="he-IL"/>
           </a:p>
@@ -2396,7 +6984,7 @@
           <a:p>
             <a:fld id="{B43D0B0F-FBE8-4583-B422-784021D88E34}" type="datetimeFigureOut">
               <a:rPr lang="he-IL" smtClean="0"/>
-              <a:t>י"א/אלול/תשפ"ב</a:t>
+              <a:t>י"ב/אלול/תשפ"ב</a:t>
             </a:fld>
             <a:endParaRPr lang="he-IL"/>
           </a:p>
@@ -2684,7 +7272,7 @@
           <a:p>
             <a:fld id="{B43D0B0F-FBE8-4583-B422-784021D88E34}" type="datetimeFigureOut">
               <a:rPr lang="he-IL" smtClean="0"/>
-              <a:t>י"א/אלול/תשפ"ב</a:t>
+              <a:t>י"ב/אלול/תשפ"ב</a:t>
             </a:fld>
             <a:endParaRPr lang="he-IL"/>
           </a:p>
@@ -2925,7 +7513,7 @@
           <a:p>
             <a:fld id="{B43D0B0F-FBE8-4583-B422-784021D88E34}" type="datetimeFigureOut">
               <a:rPr lang="he-IL" smtClean="0"/>
-              <a:t>י"א/אלול/תשפ"ב</a:t>
+              <a:t>י"ב/אלול/תשפ"ב</a:t>
             </a:fld>
             <a:endParaRPr lang="he-IL"/>
           </a:p>
@@ -3454,6 +8042,358 @@
           <p:cNvPr id="2" name="כותרת 1">
             <a:extLst>
               <a:ext uri="{FF2B5EF4-FFF2-40B4-BE49-F238E27FC236}">
+                <a16:creationId xmlns:a16="http://schemas.microsoft.com/office/drawing/2014/main" id="{14C49CA8-9717-500B-6A1D-F5869DB65104}"/>
+              </a:ext>
+            </a:extLst>
+          </p:cNvPr>
+          <p:cNvSpPr>
+            <a:spLocks noGrp="1"/>
+          </p:cNvSpPr>
+          <p:nvPr>
+            <p:ph type="title"/>
+          </p:nvPr>
+        </p:nvSpPr>
+        <p:spPr/>
+        <p:txBody>
+          <a:bodyPr/>
+          <a:lstStyle/>
+          <a:p>
+            <a:pPr algn="ctr"/>
+            <a:r>
+              <a:rPr lang="en-US" b="1" dirty="0">
+                <a:cs typeface="+mn-cs"/>
+              </a:rPr>
+              <a:t>The beginning of the end</a:t>
+            </a:r>
+            <a:endParaRPr lang="he-IL" b="1" dirty="0">
+              <a:cs typeface="+mn-cs"/>
+            </a:endParaRPr>
+          </a:p>
+        </p:txBody>
+      </p:sp>
+      <p:sp>
+        <p:nvSpPr>
+          <p:cNvPr id="3" name="מציין מיקום תוכן 2">
+            <a:extLst>
+              <a:ext uri="{FF2B5EF4-FFF2-40B4-BE49-F238E27FC236}">
+                <a16:creationId xmlns:a16="http://schemas.microsoft.com/office/drawing/2014/main" id="{DE55059D-668F-3915-2E6C-A24122E17676}"/>
+              </a:ext>
+            </a:extLst>
+          </p:cNvPr>
+          <p:cNvSpPr>
+            <a:spLocks noGrp="1"/>
+          </p:cNvSpPr>
+          <p:nvPr>
+            <p:ph idx="1"/>
+          </p:nvPr>
+        </p:nvSpPr>
+        <p:spPr/>
+        <p:txBody>
+          <a:bodyPr>
+            <a:normAutofit fontScale="70000" lnSpcReduction="20000"/>
+          </a:bodyPr>
+          <a:lstStyle/>
+          <a:p>
+            <a:pPr>
+              <a:lnSpc>
+                <a:spcPct val="120000"/>
+              </a:lnSpc>
+            </a:pPr>
+            <a:r>
+              <a:rPr lang="he-IL" sz="2800" dirty="0">
+                <a:effectLst/>
+                <a:latin typeface="Arial" panose="020B0604020202020204" pitchFamily="34" charset="0"/>
+                <a:ea typeface="Arial" panose="020B0604020202020204" pitchFamily="34" charset="0"/>
+              </a:rPr>
+              <a:t>הם נכנסו לקישור תחת סביבה "בטוחה".</a:t>
+            </a:r>
+          </a:p>
+          <a:p>
+            <a:pPr>
+              <a:lnSpc>
+                <a:spcPct val="120000"/>
+              </a:lnSpc>
+            </a:pPr>
+            <a:r>
+              <a:rPr lang="he-IL" sz="2800" dirty="0">
+                <a:effectLst/>
+                <a:latin typeface="Arial" panose="020B0604020202020204" pitchFamily="34" charset="0"/>
+                <a:ea typeface="Arial" panose="020B0604020202020204" pitchFamily="34" charset="0"/>
+              </a:rPr>
+              <a:t>הם סרקו את הרשת ודרכי ההגעה לקישור, והשתמשו </a:t>
+            </a:r>
+            <a:r>
+              <a:rPr lang="he-IL" sz="2800" dirty="0" err="1">
+                <a:effectLst/>
+                <a:latin typeface="Arial" panose="020B0604020202020204" pitchFamily="34" charset="0"/>
+                <a:ea typeface="Arial" panose="020B0604020202020204" pitchFamily="34" charset="0"/>
+              </a:rPr>
+              <a:t>בזחלנים</a:t>
+            </a:r>
+            <a:r>
+              <a:rPr lang="he-IL" sz="2800" dirty="0">
+                <a:effectLst/>
+                <a:latin typeface="Arial" panose="020B0604020202020204" pitchFamily="34" charset="0"/>
+                <a:ea typeface="Arial" panose="020B0604020202020204" pitchFamily="34" charset="0"/>
+              </a:rPr>
+              <a:t> (</a:t>
+            </a:r>
+            <a:r>
+              <a:rPr lang="en-US" sz="2800" dirty="0">
+                <a:effectLst/>
+                <a:latin typeface="Arial" panose="020B0604020202020204" pitchFamily="34" charset="0"/>
+                <a:ea typeface="Arial" panose="020B0604020202020204" pitchFamily="34" charset="0"/>
+              </a:rPr>
+              <a:t>crawlers</a:t>
+            </a:r>
+            <a:r>
+              <a:rPr lang="he-IL" sz="2800" dirty="0">
+                <a:effectLst/>
+                <a:latin typeface="Arial" panose="020B0604020202020204" pitchFamily="34" charset="0"/>
+                <a:ea typeface="Arial" panose="020B0604020202020204" pitchFamily="34" charset="0"/>
+              </a:rPr>
+              <a:t>) ומניפולציות על </a:t>
+            </a:r>
+            <a:r>
+              <a:rPr lang="en-US" dirty="0">
+                <a:latin typeface="Arial" panose="020B0604020202020204" pitchFamily="34" charset="0"/>
+                <a:ea typeface="Arial" panose="020B0604020202020204" pitchFamily="34" charset="0"/>
+              </a:rPr>
+              <a:t>HTTP banner</a:t>
+            </a:r>
+            <a:r>
+              <a:rPr lang="he-IL" dirty="0">
+                <a:latin typeface="Arial" panose="020B0604020202020204" pitchFamily="34" charset="0"/>
+                <a:ea typeface="Arial" panose="020B0604020202020204" pitchFamily="34" charset="0"/>
+              </a:rPr>
+              <a:t>-ים</a:t>
+            </a:r>
+            <a:r>
+              <a:rPr lang="he-IL" sz="2800" dirty="0">
+                <a:effectLst/>
+                <a:latin typeface="Arial" panose="020B0604020202020204" pitchFamily="34" charset="0"/>
+                <a:ea typeface="Arial" panose="020B0604020202020204" pitchFamily="34" charset="0"/>
+              </a:rPr>
+              <a:t> למציאת דפי </a:t>
+            </a:r>
+            <a:r>
+              <a:rPr lang="en-US" sz="2800" dirty="0">
+                <a:effectLst/>
+                <a:latin typeface="Arial" panose="020B0604020202020204" pitchFamily="34" charset="0"/>
+                <a:ea typeface="Arial" panose="020B0604020202020204" pitchFamily="34" charset="0"/>
+              </a:rPr>
+              <a:t>/redirect.aspx</a:t>
+            </a:r>
+            <a:r>
+              <a:rPr lang="he-IL" sz="2800" dirty="0">
+                <a:effectLst/>
+                <a:latin typeface="Arial" panose="020B0604020202020204" pitchFamily="34" charset="0"/>
+                <a:ea typeface="Arial" panose="020B0604020202020204" pitchFamily="34" charset="0"/>
+              </a:rPr>
+              <a:t> ו- </a:t>
+            </a:r>
+            <a:r>
+              <a:rPr lang="en-US" sz="2800" dirty="0">
+                <a:effectLst/>
+                <a:latin typeface="Arial" panose="020B0604020202020204" pitchFamily="34" charset="0"/>
+                <a:ea typeface="Arial" panose="020B0604020202020204" pitchFamily="34" charset="0"/>
+              </a:rPr>
+              <a:t>/support.aspx</a:t>
+            </a:r>
+            <a:r>
+              <a:rPr lang="he-IL" sz="2800" dirty="0">
+                <a:effectLst/>
+                <a:latin typeface="Arial" panose="020B0604020202020204" pitchFamily="34" charset="0"/>
+                <a:ea typeface="Arial" panose="020B0604020202020204" pitchFamily="34" charset="0"/>
+              </a:rPr>
+              <a:t>, בכך הם נעזרו לבניית מיפוי ודרכי זיהוי לשרתי </a:t>
+            </a:r>
+            <a:r>
+              <a:rPr lang="en-US" sz="2800" dirty="0">
+                <a:effectLst/>
+                <a:latin typeface="Arial" panose="020B0604020202020204" pitchFamily="34" charset="0"/>
+                <a:ea typeface="Arial" panose="020B0604020202020204" pitchFamily="34" charset="0"/>
+              </a:rPr>
+              <a:t>NSO</a:t>
+            </a:r>
+            <a:r>
+              <a:rPr lang="he-IL" sz="2800" dirty="0">
+                <a:effectLst/>
+                <a:latin typeface="Arial" panose="020B0604020202020204" pitchFamily="34" charset="0"/>
+                <a:ea typeface="Arial" panose="020B0604020202020204" pitchFamily="34" charset="0"/>
+              </a:rPr>
+              <a:t>.</a:t>
+            </a:r>
+          </a:p>
+          <a:p>
+            <a:pPr>
+              <a:lnSpc>
+                <a:spcPct val="120000"/>
+              </a:lnSpc>
+            </a:pPr>
+            <a:r>
+              <a:rPr lang="he-IL" dirty="0">
+                <a:latin typeface="Arial" panose="020B0604020202020204" pitchFamily="34" charset="0"/>
+                <a:ea typeface="Arial" panose="020B0604020202020204" pitchFamily="34" charset="0"/>
+              </a:rPr>
+              <a:t>בנוסף, עוד השתמשו בטביעות אצבע (שיוצגו בהמשך)</a:t>
+            </a:r>
+            <a:r>
+              <a:rPr lang="en-US" dirty="0">
+                <a:latin typeface="Arial" panose="020B0604020202020204" pitchFamily="34" charset="0"/>
+                <a:ea typeface="Arial" panose="020B0604020202020204" pitchFamily="34" charset="0"/>
+              </a:rPr>
+              <a:t> </a:t>
+            </a:r>
+            <a:r>
+              <a:rPr lang="he-IL" dirty="0">
+                <a:latin typeface="Arial" panose="020B0604020202020204" pitchFamily="34" charset="0"/>
+                <a:ea typeface="Arial" panose="020B0604020202020204" pitchFamily="34" charset="0"/>
+              </a:rPr>
+              <a:t>בשביל לאפיין ולהרחיב את רשימות השרתים של </a:t>
+            </a:r>
+            <a:r>
+              <a:rPr lang="en-US" dirty="0">
+                <a:latin typeface="Arial" panose="020B0604020202020204" pitchFamily="34" charset="0"/>
+                <a:ea typeface="Arial" panose="020B0604020202020204" pitchFamily="34" charset="0"/>
+              </a:rPr>
+              <a:t>NSO</a:t>
+            </a:r>
+            <a:r>
+              <a:rPr lang="he-IL" dirty="0">
+                <a:latin typeface="Arial" panose="020B0604020202020204" pitchFamily="34" charset="0"/>
+                <a:ea typeface="Arial" panose="020B0604020202020204" pitchFamily="34" charset="0"/>
+              </a:rPr>
+              <a:t> שיש בידם.</a:t>
+            </a:r>
+            <a:endParaRPr lang="he-IL" sz="2800" dirty="0">
+              <a:effectLst/>
+              <a:latin typeface="Arial" panose="020B0604020202020204" pitchFamily="34" charset="0"/>
+              <a:ea typeface="Arial" panose="020B0604020202020204" pitchFamily="34" charset="0"/>
+            </a:endParaRPr>
+          </a:p>
+          <a:p>
+            <a:pPr>
+              <a:lnSpc>
+                <a:spcPct val="120000"/>
+              </a:lnSpc>
+            </a:pPr>
+            <a:r>
+              <a:rPr lang="he-IL" sz="2800" dirty="0">
+                <a:effectLst/>
+                <a:latin typeface="Arial" panose="020B0604020202020204" pitchFamily="34" charset="0"/>
+                <a:ea typeface="Arial" panose="020B0604020202020204" pitchFamily="34" charset="0"/>
+              </a:rPr>
+              <a:t>בעת הכניסה לאותם האתרים, עם הסיומות הנ"ל, שרתי </a:t>
+            </a:r>
+            <a:r>
+              <a:rPr lang="he-IL" sz="2800" dirty="0" err="1">
+                <a:effectLst/>
+                <a:latin typeface="Arial" panose="020B0604020202020204" pitchFamily="34" charset="0"/>
+                <a:ea typeface="Arial" panose="020B0604020202020204" pitchFamily="34" charset="0"/>
+              </a:rPr>
+              <a:t>הפגסוס</a:t>
+            </a:r>
+            <a:r>
+              <a:rPr lang="he-IL" sz="2800" dirty="0">
+                <a:effectLst/>
+                <a:latin typeface="Arial" panose="020B0604020202020204" pitchFamily="34" charset="0"/>
+                <a:ea typeface="Arial" panose="020B0604020202020204" pitchFamily="34" charset="0"/>
+              </a:rPr>
+              <a:t> החזירו דפי פיתיון (</a:t>
+            </a:r>
+            <a:r>
+              <a:rPr lang="en-US" sz="2800" dirty="0">
+                <a:effectLst/>
+                <a:latin typeface="Arial" panose="020B0604020202020204" pitchFamily="34" charset="0"/>
+                <a:ea typeface="Arial" panose="020B0604020202020204" pitchFamily="34" charset="0"/>
+              </a:rPr>
+              <a:t>decoy pages</a:t>
+            </a:r>
+            <a:r>
+              <a:rPr lang="he-IL" sz="2800" dirty="0">
+                <a:effectLst/>
+                <a:latin typeface="Arial" panose="020B0604020202020204" pitchFamily="34" charset="0"/>
+                <a:ea typeface="Arial" panose="020B0604020202020204" pitchFamily="34" charset="0"/>
+              </a:rPr>
+              <a:t>).</a:t>
+            </a:r>
+          </a:p>
+          <a:p>
+            <a:pPr>
+              <a:lnSpc>
+                <a:spcPct val="120000"/>
+              </a:lnSpc>
+            </a:pPr>
+            <a:r>
+              <a:rPr lang="he-IL" sz="2800" dirty="0">
+                <a:effectLst/>
+                <a:latin typeface="Arial" panose="020B0604020202020204" pitchFamily="34" charset="0"/>
+                <a:ea typeface="Arial" panose="020B0604020202020204" pitchFamily="34" charset="0"/>
+              </a:rPr>
+              <a:t>דפי פיתיון אלו הם דפים המוצגים כאשר משתמש שאינו רצוי ניגש לשרת, מוצגים כדפים בטוחים.</a:t>
+            </a:r>
+          </a:p>
+          <a:p>
+            <a:pPr>
+              <a:lnSpc>
+                <a:spcPct val="120000"/>
+              </a:lnSpc>
+            </a:pPr>
+            <a:r>
+              <a:rPr lang="he-IL" sz="2800" dirty="0">
+                <a:effectLst/>
+                <a:latin typeface="Arial" panose="020B0604020202020204" pitchFamily="34" charset="0"/>
+                <a:ea typeface="Arial" panose="020B0604020202020204" pitchFamily="34" charset="0"/>
+              </a:rPr>
+              <a:t>הפעולה של הצגת הדפים האלו נמצאת בקוד של שרת תוכנת הריגול ובחקירת הדפים המעבדה הצליחה להרכיב ולגבש טביעות אצבע של התקיפה, זאת בכדי לזהות שרתים נוספים בתקשורת עם אותו שרת או באם תוכנת הריגול נמצאת בשימוש של כמה מפעילים, למצוא את אותם המפעילים.</a:t>
+            </a:r>
+            <a:endParaRPr lang="en-US" sz="2800" dirty="0">
+              <a:effectLst/>
+              <a:latin typeface="Arial" panose="020B0604020202020204" pitchFamily="34" charset="0"/>
+              <a:ea typeface="Arial" panose="020B0604020202020204" pitchFamily="34" charset="0"/>
+            </a:endParaRPr>
+          </a:p>
+          <a:p>
+            <a:endParaRPr lang="he-IL" dirty="0"/>
+          </a:p>
+        </p:txBody>
+      </p:sp>
+    </p:spTree>
+    <p:extLst>
+      <p:ext uri="{BB962C8B-B14F-4D97-AF65-F5344CB8AC3E}">
+        <p14:creationId xmlns:p14="http://schemas.microsoft.com/office/powerpoint/2010/main" val="1760620126"/>
+      </p:ext>
+    </p:extLst>
+  </p:cSld>
+  <p:clrMapOvr>
+    <a:masterClrMapping/>
+  </p:clrMapOvr>
+</p:sld>
+</file>
+
+<file path=ppt/slides/slide11.xml><?xml version="1.0" encoding="utf-8"?>
+<p:sld xmlns:a="http://schemas.openxmlformats.org/drawingml/2006/main" xmlns:r="http://schemas.openxmlformats.org/officeDocument/2006/relationships" xmlns:p="http://schemas.openxmlformats.org/presentationml/2006/main">
+  <p:cSld>
+    <p:spTree>
+      <p:nvGrpSpPr>
+        <p:cNvPr id="1" name=""/>
+        <p:cNvGrpSpPr/>
+        <p:nvPr/>
+      </p:nvGrpSpPr>
+      <p:grpSpPr>
+        <a:xfrm>
+          <a:off x="0" y="0"/>
+          <a:ext cx="0" cy="0"/>
+          <a:chOff x="0" y="0"/>
+          <a:chExt cx="0" cy="0"/>
+        </a:xfrm>
+      </p:grpSpPr>
+      <p:sp>
+        <p:nvSpPr>
+          <p:cNvPr id="2" name="כותרת 1">
+            <a:extLst>
+              <a:ext uri="{FF2B5EF4-FFF2-40B4-BE49-F238E27FC236}">
                 <a16:creationId xmlns:a16="http://schemas.microsoft.com/office/drawing/2014/main" id="{3311F7DC-6320-C01B-13DD-02044AAE2348}"/>
               </a:ext>
             </a:extLst>
@@ -3470,7 +8410,14 @@
           <a:bodyPr/>
           <a:lstStyle/>
           <a:p>
-            <a:endParaRPr lang="he-IL" dirty="0"/>
+            <a:r>
+              <a:rPr lang="he-IL" dirty="0" err="1"/>
+              <a:t>הנסיון</a:t>
+            </a:r>
+            <a:r>
+              <a:rPr lang="he-IL" dirty="0"/>
+              <a:t> למציאת שרתים נוספים</a:t>
+            </a:r>
           </a:p>
         </p:txBody>
       </p:sp>
@@ -3726,8 +8673,13 @@
                 <a:latin typeface="Arial" panose="020B0604020202020204" pitchFamily="34" charset="0"/>
                 <a:ea typeface="Arial" panose="020B0604020202020204" pitchFamily="34" charset="0"/>
               </a:rPr>
-              <a:t> ופיתחה 3 טביעות אצבע.</a:t>
-            </a:r>
+              <a:t> ופיתחה 3 טביעות אצבע. ולבסוף השיגה את </a:t>
+            </a:r>
+          </a:p>
+          <a:p>
+            <a:pPr marL="0" indent="0">
+              <a:buNone/>
+            </a:pPr>
             <a:endParaRPr lang="en-US" sz="1800" dirty="0">
               <a:effectLst/>
               <a:latin typeface="Arial" panose="020B0604020202020204" pitchFamily="34" charset="0"/>
@@ -3762,7 +8714,7 @@
 </p:sld>
 </file>
 
-<file path=ppt/slides/slide11.xml><?xml version="1.0" encoding="utf-8"?>
+<file path=ppt/slides/slide12.xml><?xml version="1.0" encoding="utf-8"?>
 <p:sld xmlns:a="http://schemas.openxmlformats.org/drawingml/2006/main" xmlns:r="http://schemas.openxmlformats.org/officeDocument/2006/relationships" xmlns:p="http://schemas.openxmlformats.org/presentationml/2006/main">
   <p:cSld>
     <p:spTree>
@@ -4243,7 +9195,7 @@
 </p:sld>
 </file>
 
-<file path=ppt/slides/slide12.xml><?xml version="1.0" encoding="utf-8"?>
+<file path=ppt/slides/slide13.xml><?xml version="1.0" encoding="utf-8"?>
 <p:sld xmlns:a="http://schemas.openxmlformats.org/drawingml/2006/main" xmlns:r="http://schemas.openxmlformats.org/officeDocument/2006/relationships" xmlns:p="http://schemas.openxmlformats.org/presentationml/2006/main">
   <p:cSld>
     <p:spTree>
@@ -4284,7 +9236,7 @@
             <a:pPr algn="ctr"/>
             <a:r>
               <a:rPr lang="en-US" dirty="0"/>
-              <a:t>Now To The Lab</a:t>
+              <a:t>The Finger Prints</a:t>
             </a:r>
             <a:endParaRPr lang="he-IL" dirty="0"/>
           </a:p>
@@ -4317,15 +9269,24 @@
                 <a:ea typeface="Arial" panose="020B0604020202020204" pitchFamily="34" charset="0"/>
                 <a:cs typeface="Arial" panose="020B0604020202020204" pitchFamily="34" charset="0"/>
               </a:rPr>
-              <a:t>שתי טביעות אצבע נוספות הציגו הגדרות קונפיגורציה שונות שצפו במהלך הסריקות – לצערנו נתונים נוספים עליהם לא פורסמו מסיבות שיפורטו בהמשך.</a:t>
-            </a:r>
-          </a:p>
-          <a:p>
-            <a:endParaRPr lang="he-IL" sz="1800" dirty="0">
-              <a:effectLst/>
-              <a:ea typeface="Arial" panose="020B0604020202020204" pitchFamily="34" charset="0"/>
-              <a:cs typeface="Arial" panose="020B0604020202020204" pitchFamily="34" charset="0"/>
-            </a:endParaRPr>
+              <a:t>שתי טביעות אצבע נוספות הציגו הגדרות </a:t>
+            </a:r>
+            <a:r>
+              <a:rPr lang="he-IL" sz="1800" dirty="0" err="1">
+                <a:effectLst/>
+                <a:ea typeface="Arial" panose="020B0604020202020204" pitchFamily="34" charset="0"/>
+                <a:cs typeface="Arial" panose="020B0604020202020204" pitchFamily="34" charset="0"/>
+              </a:rPr>
+              <a:t>קונפיגורציות</a:t>
+            </a:r>
+            <a:r>
+              <a:rPr lang="he-IL" sz="1800" dirty="0">
+                <a:effectLst/>
+                <a:ea typeface="Arial" panose="020B0604020202020204" pitchFamily="34" charset="0"/>
+                <a:cs typeface="Arial" panose="020B0604020202020204" pitchFamily="34" charset="0"/>
+              </a:rPr>
+              <a:t> שונות שצפו במהלך הסריקות – לצערנו נתונים נוספים עליהם לא פורסמו מסיבות שיפורטו בהמשך.</a:t>
+            </a:r>
           </a:p>
           <a:p>
             <a:r>
@@ -4446,7 +9407,340 @@
 </p:sld>
 </file>
 
-<file path=ppt/slides/slide13.xml><?xml version="1.0" encoding="utf-8"?>
+<file path=ppt/slides/slide14.xml><?xml version="1.0" encoding="utf-8"?>
+<p:sld xmlns:a="http://schemas.openxmlformats.org/drawingml/2006/main" xmlns:r="http://schemas.openxmlformats.org/officeDocument/2006/relationships" xmlns:p="http://schemas.openxmlformats.org/presentationml/2006/main">
+  <p:cSld>
+    <p:spTree>
+      <p:nvGrpSpPr>
+        <p:cNvPr id="1" name=""/>
+        <p:cNvGrpSpPr/>
+        <p:nvPr/>
+      </p:nvGrpSpPr>
+      <p:grpSpPr>
+        <a:xfrm>
+          <a:off x="0" y="0"/>
+          <a:ext cx="0" cy="0"/>
+          <a:chOff x="0" y="0"/>
+          <a:chExt cx="0" cy="0"/>
+        </a:xfrm>
+      </p:grpSpPr>
+      <p:sp>
+        <p:nvSpPr>
+          <p:cNvPr id="2" name="כותרת 1">
+            <a:extLst>
+              <a:ext uri="{FF2B5EF4-FFF2-40B4-BE49-F238E27FC236}">
+                <a16:creationId xmlns:a16="http://schemas.microsoft.com/office/drawing/2014/main" id="{2AC304A2-896D-964D-7964-662117FF0028}"/>
+              </a:ext>
+            </a:extLst>
+          </p:cNvPr>
+          <p:cNvSpPr>
+            <a:spLocks noGrp="1"/>
+          </p:cNvSpPr>
+          <p:nvPr>
+            <p:ph type="title"/>
+          </p:nvPr>
+        </p:nvSpPr>
+        <p:spPr/>
+        <p:txBody>
+          <a:bodyPr/>
+          <a:lstStyle/>
+          <a:p>
+            <a:pPr algn="ctr"/>
+            <a:r>
+              <a:rPr lang="en-US" dirty="0"/>
+              <a:t>Now To The Lab</a:t>
+            </a:r>
+            <a:endParaRPr lang="he-IL" dirty="0"/>
+          </a:p>
+        </p:txBody>
+      </p:sp>
+      <p:sp>
+        <p:nvSpPr>
+          <p:cNvPr id="3" name="מציין מיקום תוכן 2">
+            <a:extLst>
+              <a:ext uri="{FF2B5EF4-FFF2-40B4-BE49-F238E27FC236}">
+                <a16:creationId xmlns:a16="http://schemas.microsoft.com/office/drawing/2014/main" id="{8D145BFD-2171-8B0E-8501-97C25219EA53}"/>
+              </a:ext>
+            </a:extLst>
+          </p:cNvPr>
+          <p:cNvSpPr>
+            <a:spLocks noGrp="1"/>
+          </p:cNvSpPr>
+          <p:nvPr>
+            <p:ph idx="1"/>
+          </p:nvPr>
+        </p:nvSpPr>
+        <p:spPr/>
+        <p:txBody>
+          <a:bodyPr/>
+          <a:lstStyle/>
+          <a:p>
+            <a:r>
+              <a:rPr lang="he-IL" sz="2000" dirty="0">
+                <a:effectLst/>
+                <a:latin typeface="Arial" panose="020B0604020202020204" pitchFamily="34" charset="0"/>
+                <a:ea typeface="Arial" panose="020B0604020202020204" pitchFamily="34" charset="0"/>
+              </a:rPr>
+              <a:t>לבסוף, לאחר שהצליחו להשיג את הרשימות של שרתי ה-</a:t>
+            </a:r>
+            <a:r>
+              <a:rPr lang="en-US" sz="2000" dirty="0">
+                <a:effectLst/>
+                <a:latin typeface="Arial" panose="020B0604020202020204" pitchFamily="34" charset="0"/>
+                <a:ea typeface="Arial" panose="020B0604020202020204" pitchFamily="34" charset="0"/>
+              </a:rPr>
+              <a:t>NSO</a:t>
+            </a:r>
+            <a:r>
+              <a:rPr lang="he-IL" sz="2000" dirty="0">
+                <a:effectLst/>
+                <a:latin typeface="Arial" panose="020B0604020202020204" pitchFamily="34" charset="0"/>
+                <a:ea typeface="Arial" panose="020B0604020202020204" pitchFamily="34" charset="0"/>
+              </a:rPr>
+              <a:t>, "</a:t>
+            </a:r>
+            <a:r>
+              <a:rPr lang="he-IL" sz="2000" dirty="0" err="1">
+                <a:effectLst/>
+                <a:latin typeface="Arial" panose="020B0604020202020204" pitchFamily="34" charset="0"/>
+                <a:ea typeface="Arial" panose="020B0604020202020204" pitchFamily="34" charset="0"/>
+              </a:rPr>
+              <a:t>סיטיזן</a:t>
+            </a:r>
+            <a:r>
+              <a:rPr lang="he-IL" sz="2000" dirty="0">
+                <a:effectLst/>
+                <a:latin typeface="Arial" panose="020B0604020202020204" pitchFamily="34" charset="0"/>
+                <a:ea typeface="Arial" panose="020B0604020202020204" pitchFamily="34" charset="0"/>
+              </a:rPr>
+              <a:t> לאב" השתמשו </a:t>
+            </a:r>
+            <a:br>
+              <a:rPr lang="en-US" sz="2000" dirty="0">
+                <a:effectLst/>
+                <a:latin typeface="Arial" panose="020B0604020202020204" pitchFamily="34" charset="0"/>
+                <a:ea typeface="Arial" panose="020B0604020202020204" pitchFamily="34" charset="0"/>
+              </a:rPr>
+            </a:br>
+            <a:r>
+              <a:rPr lang="he-IL" sz="2000" dirty="0">
+                <a:effectLst/>
+                <a:latin typeface="Arial" panose="020B0604020202020204" pitchFamily="34" charset="0"/>
+                <a:ea typeface="Arial" panose="020B0604020202020204" pitchFamily="34" charset="0"/>
+              </a:rPr>
+              <a:t>ב-</a:t>
+            </a:r>
+            <a:r>
+              <a:rPr lang="en-US" sz="2000" dirty="0">
+                <a:effectLst/>
+                <a:latin typeface="Arial" panose="020B0604020202020204" pitchFamily="34" charset="0"/>
+                <a:ea typeface="Arial" panose="020B0604020202020204" pitchFamily="34" charset="0"/>
+              </a:rPr>
+              <a:t>DNS Cache Probing</a:t>
+            </a:r>
+            <a:r>
+              <a:rPr lang="he-IL" sz="2000" dirty="0">
+                <a:effectLst/>
+                <a:latin typeface="Arial" panose="020B0604020202020204" pitchFamily="34" charset="0"/>
+                <a:ea typeface="Arial" panose="020B0604020202020204" pitchFamily="34" charset="0"/>
+              </a:rPr>
+              <a:t> על 45 שרתים בכל העולם.</a:t>
+            </a:r>
+          </a:p>
+          <a:p>
+            <a:r>
+              <a:rPr lang="he-IL" sz="2000" dirty="0"/>
+              <a:t>זאת בכדי </a:t>
+            </a:r>
+            <a:r>
+              <a:rPr lang="he-IL" sz="2000" dirty="0">
+                <a:effectLst/>
+                <a:latin typeface="Arial" panose="020B0604020202020204" pitchFamily="34" charset="0"/>
+                <a:ea typeface="Arial" panose="020B0604020202020204" pitchFamily="34" charset="0"/>
+              </a:rPr>
+              <a:t>לאתר קיום של שרתי </a:t>
+            </a:r>
+            <a:r>
+              <a:rPr lang="en-US" sz="2000" dirty="0">
+                <a:effectLst/>
+                <a:latin typeface="Arial" panose="020B0604020202020204" pitchFamily="34" charset="0"/>
+                <a:ea typeface="Arial" panose="020B0604020202020204" pitchFamily="34" charset="0"/>
+              </a:rPr>
+              <a:t>NSO</a:t>
+            </a:r>
+            <a:r>
+              <a:rPr lang="he-IL" sz="2000" dirty="0">
+                <a:effectLst/>
+                <a:latin typeface="Arial" panose="020B0604020202020204" pitchFamily="34" charset="0"/>
+                <a:ea typeface="Arial" panose="020B0604020202020204" pitchFamily="34" charset="0"/>
+              </a:rPr>
+              <a:t> בזיכרון המטמון של אותם השרתים ובכך לאתר פעילות של </a:t>
+            </a:r>
+            <a:r>
+              <a:rPr lang="en-US" sz="2000" dirty="0">
+                <a:effectLst/>
+                <a:latin typeface="Arial" panose="020B0604020202020204" pitchFamily="34" charset="0"/>
+                <a:ea typeface="Arial" panose="020B0604020202020204" pitchFamily="34" charset="0"/>
+              </a:rPr>
+              <a:t>NSO</a:t>
+            </a:r>
+            <a:r>
+              <a:rPr lang="he-IL" sz="2000" dirty="0">
+                <a:effectLst/>
+                <a:latin typeface="Arial" panose="020B0604020202020204" pitchFamily="34" charset="0"/>
+                <a:ea typeface="Arial" panose="020B0604020202020204" pitchFamily="34" charset="0"/>
+              </a:rPr>
+              <a:t> מסביב לעולם.</a:t>
+            </a:r>
+          </a:p>
+          <a:p>
+            <a:r>
+              <a:rPr lang="he-IL" sz="2000" dirty="0">
+                <a:latin typeface="Arial" panose="020B0604020202020204" pitchFamily="34" charset="0"/>
+                <a:ea typeface="Arial" panose="020B0604020202020204" pitchFamily="34" charset="0"/>
+              </a:rPr>
+              <a:t>לאחר שביצעו זאת, החוקרים זיהו וגילו מפעילים רבים ברחבי העולם שמשתמשים בשירותיהם של </a:t>
+            </a:r>
+            <a:r>
+              <a:rPr lang="en-US" sz="2000" dirty="0">
+                <a:latin typeface="Arial" panose="020B0604020202020204" pitchFamily="34" charset="0"/>
+                <a:ea typeface="Arial" panose="020B0604020202020204" pitchFamily="34" charset="0"/>
+              </a:rPr>
+              <a:t>NSO</a:t>
+            </a:r>
+            <a:r>
+              <a:rPr lang="he-IL" sz="2000" dirty="0">
+                <a:latin typeface="Arial" panose="020B0604020202020204" pitchFamily="34" charset="0"/>
+                <a:ea typeface="Arial" panose="020B0604020202020204" pitchFamily="34" charset="0"/>
+              </a:rPr>
+              <a:t>, לטענתם 33 לקוחות לפחות על פני 45 מדינות בעולם.</a:t>
+            </a:r>
+          </a:p>
+          <a:p>
+            <a:pPr marL="0" indent="0">
+              <a:buNone/>
+            </a:pPr>
+            <a:endParaRPr lang="he-IL" sz="2800" dirty="0">
+              <a:effectLst/>
+              <a:latin typeface="Arial" panose="020B0604020202020204" pitchFamily="34" charset="0"/>
+              <a:ea typeface="Arial" panose="020B0604020202020204" pitchFamily="34" charset="0"/>
+            </a:endParaRPr>
+          </a:p>
+          <a:p>
+            <a:endParaRPr lang="he-IL" sz="2800" dirty="0">
+              <a:effectLst/>
+              <a:latin typeface="Arial" panose="020B0604020202020204" pitchFamily="34" charset="0"/>
+              <a:ea typeface="Arial" panose="020B0604020202020204" pitchFamily="34" charset="0"/>
+            </a:endParaRPr>
+          </a:p>
+          <a:p>
+            <a:endParaRPr lang="he-IL" dirty="0"/>
+          </a:p>
+        </p:txBody>
+      </p:sp>
+    </p:spTree>
+    <p:extLst>
+      <p:ext uri="{BB962C8B-B14F-4D97-AF65-F5344CB8AC3E}">
+        <p14:creationId xmlns:p14="http://schemas.microsoft.com/office/powerpoint/2010/main" val="2133897952"/>
+      </p:ext>
+    </p:extLst>
+  </p:cSld>
+  <p:clrMapOvr>
+    <a:masterClrMapping/>
+  </p:clrMapOvr>
+</p:sld>
+</file>
+
+<file path=ppt/slides/slide15.xml><?xml version="1.0" encoding="utf-8"?>
+<p:sld xmlns:a="http://schemas.openxmlformats.org/drawingml/2006/main" xmlns:r="http://schemas.openxmlformats.org/officeDocument/2006/relationships" xmlns:p="http://schemas.openxmlformats.org/presentationml/2006/main">
+  <p:cSld>
+    <p:spTree>
+      <p:nvGrpSpPr>
+        <p:cNvPr id="1" name=""/>
+        <p:cNvGrpSpPr/>
+        <p:nvPr/>
+      </p:nvGrpSpPr>
+      <p:grpSpPr>
+        <a:xfrm>
+          <a:off x="0" y="0"/>
+          <a:ext cx="0" cy="0"/>
+          <a:chOff x="0" y="0"/>
+          <a:chExt cx="0" cy="0"/>
+        </a:xfrm>
+      </p:grpSpPr>
+      <p:sp>
+        <p:nvSpPr>
+          <p:cNvPr id="2" name="כותרת 1">
+            <a:extLst>
+              <a:ext uri="{FF2B5EF4-FFF2-40B4-BE49-F238E27FC236}">
+                <a16:creationId xmlns:a16="http://schemas.microsoft.com/office/drawing/2014/main" id="{5FD75920-5954-5FC4-5CE8-50B1F629EC68}"/>
+              </a:ext>
+            </a:extLst>
+          </p:cNvPr>
+          <p:cNvSpPr>
+            <a:spLocks noGrp="1"/>
+          </p:cNvSpPr>
+          <p:nvPr>
+            <p:ph type="title"/>
+          </p:nvPr>
+        </p:nvSpPr>
+        <p:spPr/>
+        <p:txBody>
+          <a:bodyPr/>
+          <a:lstStyle/>
+          <a:p>
+            <a:r>
+              <a:rPr lang="he-IL" dirty="0"/>
+              <a:t>סיכום תהליך החקירה לאחר קבלת הקישור</a:t>
+            </a:r>
+          </a:p>
+        </p:txBody>
+      </p:sp>
+      <p:graphicFrame>
+        <p:nvGraphicFramePr>
+          <p:cNvPr id="4" name="מציין מיקום תוכן 3">
+            <a:extLst>
+              <a:ext uri="{FF2B5EF4-FFF2-40B4-BE49-F238E27FC236}">
+                <a16:creationId xmlns:a16="http://schemas.microsoft.com/office/drawing/2014/main" id="{5D6D97AD-06E0-A6CE-0782-6B78839E06F5}"/>
+              </a:ext>
+            </a:extLst>
+          </p:cNvPr>
+          <p:cNvGraphicFramePr>
+            <a:graphicFrameLocks noGrp="1"/>
+          </p:cNvGraphicFramePr>
+          <p:nvPr>
+            <p:ph idx="1"/>
+            <p:extLst>
+              <p:ext uri="{D42A27DB-BD31-4B8C-83A1-F6EECF244321}">
+                <p14:modId xmlns:p14="http://schemas.microsoft.com/office/powerpoint/2010/main" val="1165810581"/>
+              </p:ext>
+            </p:extLst>
+          </p:nvPr>
+        </p:nvGraphicFramePr>
+        <p:xfrm>
+          <a:off x="838200" y="1825625"/>
+          <a:ext cx="10515600" cy="4351338"/>
+        </p:xfrm>
+        <a:graphic>
+          <a:graphicData uri="http://schemas.openxmlformats.org/drawingml/2006/diagram">
+            <dgm:relIds xmlns:dgm="http://schemas.openxmlformats.org/drawingml/2006/diagram" xmlns:r="http://schemas.openxmlformats.org/officeDocument/2006/relationships" r:dm="rId2" r:lo="rId3" r:qs="rId4" r:cs="rId5"/>
+          </a:graphicData>
+        </a:graphic>
+      </p:graphicFrame>
+    </p:spTree>
+    <p:extLst>
+      <p:ext uri="{BB962C8B-B14F-4D97-AF65-F5344CB8AC3E}">
+        <p14:creationId xmlns:p14="http://schemas.microsoft.com/office/powerpoint/2010/main" val="1554895800"/>
+      </p:ext>
+    </p:extLst>
+  </p:cSld>
+  <p:clrMapOvr>
+    <a:masterClrMapping/>
+  </p:clrMapOvr>
+</p:sld>
+</file>
+
+<file path=ppt/slides/slide16.xml><?xml version="1.0" encoding="utf-8"?>
 <p:sld xmlns:a="http://schemas.openxmlformats.org/drawingml/2006/main" xmlns:r="http://schemas.openxmlformats.org/officeDocument/2006/relationships" xmlns:p="http://schemas.openxmlformats.org/presentationml/2006/main">
   <p:cSld>
     <p:spTree>
@@ -4639,7 +9933,7 @@
 </p:sld>
 </file>
 
-<file path=ppt/slides/slide14.xml><?xml version="1.0" encoding="utf-8"?>
+<file path=ppt/slides/slide17.xml><?xml version="1.0" encoding="utf-8"?>
 <p:sld xmlns:a="http://schemas.openxmlformats.org/drawingml/2006/main" xmlns:r="http://schemas.openxmlformats.org/officeDocument/2006/relationships" xmlns:p="http://schemas.openxmlformats.org/presentationml/2006/main">
   <p:cSld>
     <p:spTree>
@@ -5063,14 +10357,14 @@
             </a:endParaRPr>
           </a:p>
           <a:p>
+            <a:pPr marL="0" indent="0">
+              <a:buNone/>
+            </a:pPr>
             <a:endParaRPr lang="en-US" sz="1800" dirty="0">
               <a:effectLst/>
               <a:latin typeface="Arial" panose="020B0604020202020204" pitchFamily="34" charset="0"/>
               <a:ea typeface="Arial" panose="020B0604020202020204" pitchFamily="34" charset="0"/>
             </a:endParaRPr>
-          </a:p>
-          <a:p>
-            <a:endParaRPr lang="he-IL" dirty="0"/>
           </a:p>
         </p:txBody>
       </p:sp>
@@ -5087,7 +10381,7 @@
 </p:sld>
 </file>
 
-<file path=ppt/slides/slide15.xml><?xml version="1.0" encoding="utf-8"?>
+<file path=ppt/slides/slide18.xml><?xml version="1.0" encoding="utf-8"?>
 <p:sld xmlns:a="http://schemas.openxmlformats.org/drawingml/2006/main" xmlns:r="http://schemas.openxmlformats.org/officeDocument/2006/relationships" xmlns:p="http://schemas.openxmlformats.org/presentationml/2006/main">
   <p:cSld>
     <p:spTree>
@@ -5286,7 +10580,7 @@
 </p:sld>
 </file>
 
-<file path=ppt/slides/slide16.xml><?xml version="1.0" encoding="utf-8"?>
+<file path=ppt/slides/slide19.xml><?xml version="1.0" encoding="utf-8"?>
 <p:sld xmlns:a="http://schemas.openxmlformats.org/drawingml/2006/main" xmlns:r="http://schemas.openxmlformats.org/officeDocument/2006/relationships" xmlns:p="http://schemas.openxmlformats.org/presentationml/2006/main">
   <p:cSld>
     <p:spTree>
@@ -5308,7 +10602,7 @@
           <p:cNvPr id="2" name="כותרת 1">
             <a:extLst>
               <a:ext uri="{FF2B5EF4-FFF2-40B4-BE49-F238E27FC236}">
-                <a16:creationId xmlns:a16="http://schemas.microsoft.com/office/drawing/2014/main" id="{E28F9FD1-8AA9-25F8-D5B6-129859255596}"/>
+                <a16:creationId xmlns:a16="http://schemas.microsoft.com/office/drawing/2014/main" id="{55EFDA34-E1ED-52CC-3A39-BFA3D1A21B18}"/>
               </a:ext>
             </a:extLst>
           </p:cNvPr>
@@ -5316,7 +10610,7 @@
             <a:spLocks noGrp="1"/>
           </p:cNvSpPr>
           <p:nvPr>
-            <p:ph type="title"/>
+            <p:ph type="ctrTitle"/>
           </p:nvPr>
         </p:nvSpPr>
         <p:spPr/>
@@ -5324,16 +10618,19 @@
           <a:bodyPr/>
           <a:lstStyle/>
           <a:p>
-            <a:endParaRPr lang="he-IL"/>
+            <a:r>
+              <a:rPr lang="he-IL" dirty="0"/>
+              <a:t>החלק המעשי</a:t>
+            </a:r>
           </a:p>
         </p:txBody>
       </p:sp>
       <p:sp>
         <p:nvSpPr>
-          <p:cNvPr id="3" name="מציין מיקום תוכן 2">
+          <p:cNvPr id="3" name="כותרת משנה 2">
             <a:extLst>
               <a:ext uri="{FF2B5EF4-FFF2-40B4-BE49-F238E27FC236}">
-                <a16:creationId xmlns:a16="http://schemas.microsoft.com/office/drawing/2014/main" id="{2F4495FD-0D15-2F83-4108-FF7B587ABC02}"/>
+                <a16:creationId xmlns:a16="http://schemas.microsoft.com/office/drawing/2014/main" id="{E0E92925-6115-F160-AAC6-71C0A5A2D00E}"/>
               </a:ext>
             </a:extLst>
           </p:cNvPr>
@@ -5341,7 +10638,7 @@
             <a:spLocks noGrp="1"/>
           </p:cNvSpPr>
           <p:nvPr>
-            <p:ph idx="1"/>
+            <p:ph type="subTitle" idx="1"/>
           </p:nvPr>
         </p:nvSpPr>
         <p:spPr/>
@@ -5356,87 +10653,7 @@
     </p:spTree>
     <p:extLst>
       <p:ext uri="{BB962C8B-B14F-4D97-AF65-F5344CB8AC3E}">
-        <p14:creationId xmlns:p14="http://schemas.microsoft.com/office/powerpoint/2010/main" val="975757476"/>
-      </p:ext>
-    </p:extLst>
-  </p:cSld>
-  <p:clrMapOvr>
-    <a:masterClrMapping/>
-  </p:clrMapOvr>
-</p:sld>
-</file>
-
-<file path=ppt/slides/slide17.xml><?xml version="1.0" encoding="utf-8"?>
-<p:sld xmlns:a="http://schemas.openxmlformats.org/drawingml/2006/main" xmlns:r="http://schemas.openxmlformats.org/officeDocument/2006/relationships" xmlns:p="http://schemas.openxmlformats.org/presentationml/2006/main">
-  <p:cSld>
-    <p:spTree>
-      <p:nvGrpSpPr>
-        <p:cNvPr id="1" name=""/>
-        <p:cNvGrpSpPr/>
-        <p:nvPr/>
-      </p:nvGrpSpPr>
-      <p:grpSpPr>
-        <a:xfrm>
-          <a:off x="0" y="0"/>
-          <a:ext cx="0" cy="0"/>
-          <a:chOff x="0" y="0"/>
-          <a:chExt cx="0" cy="0"/>
-        </a:xfrm>
-      </p:grpSpPr>
-      <p:sp>
-        <p:nvSpPr>
-          <p:cNvPr id="2" name="כותרת 1">
-            <a:extLst>
-              <a:ext uri="{FF2B5EF4-FFF2-40B4-BE49-F238E27FC236}">
-                <a16:creationId xmlns:a16="http://schemas.microsoft.com/office/drawing/2014/main" id="{F797AB8C-E577-FCD9-6A0A-3DAACDBB8163}"/>
-              </a:ext>
-            </a:extLst>
-          </p:cNvPr>
-          <p:cNvSpPr>
-            <a:spLocks noGrp="1"/>
-          </p:cNvSpPr>
-          <p:nvPr>
-            <p:ph type="title"/>
-          </p:nvPr>
-        </p:nvSpPr>
-        <p:spPr/>
-        <p:txBody>
-          <a:bodyPr/>
-          <a:lstStyle/>
-          <a:p>
-            <a:endParaRPr lang="he-IL"/>
-          </a:p>
-        </p:txBody>
-      </p:sp>
-      <p:sp>
-        <p:nvSpPr>
-          <p:cNvPr id="3" name="מציין מיקום תוכן 2">
-            <a:extLst>
-              <a:ext uri="{FF2B5EF4-FFF2-40B4-BE49-F238E27FC236}">
-                <a16:creationId xmlns:a16="http://schemas.microsoft.com/office/drawing/2014/main" id="{1805A521-5A18-F427-18A7-829ADDD5775E}"/>
-              </a:ext>
-            </a:extLst>
-          </p:cNvPr>
-          <p:cNvSpPr>
-            <a:spLocks noGrp="1"/>
-          </p:cNvSpPr>
-          <p:nvPr>
-            <p:ph idx="1"/>
-          </p:nvPr>
-        </p:nvSpPr>
-        <p:spPr/>
-        <p:txBody>
-          <a:bodyPr/>
-          <a:lstStyle/>
-          <a:p>
-            <a:endParaRPr lang="he-IL"/>
-          </a:p>
-        </p:txBody>
-      </p:sp>
-    </p:spTree>
-    <p:extLst>
-      <p:ext uri="{BB962C8B-B14F-4D97-AF65-F5344CB8AC3E}">
-        <p14:creationId xmlns:p14="http://schemas.microsoft.com/office/powerpoint/2010/main" val="115528068"/>
+        <p14:creationId xmlns:p14="http://schemas.microsoft.com/office/powerpoint/2010/main" val="3980286338"/>
       </p:ext>
     </p:extLst>
   </p:cSld>
@@ -5526,6 +10743,573 @@
 </p:sld>
 </file>
 
+<file path=ppt/slides/slide20.xml><?xml version="1.0" encoding="utf-8"?>
+<p:sld xmlns:a="http://schemas.openxmlformats.org/drawingml/2006/main" xmlns:r="http://schemas.openxmlformats.org/officeDocument/2006/relationships" xmlns:p="http://schemas.openxmlformats.org/presentationml/2006/main">
+  <p:cSld>
+    <p:spTree>
+      <p:nvGrpSpPr>
+        <p:cNvPr id="1" name=""/>
+        <p:cNvGrpSpPr/>
+        <p:nvPr/>
+      </p:nvGrpSpPr>
+      <p:grpSpPr>
+        <a:xfrm>
+          <a:off x="0" y="0"/>
+          <a:ext cx="0" cy="0"/>
+          <a:chOff x="0" y="0"/>
+          <a:chExt cx="0" cy="0"/>
+        </a:xfrm>
+      </p:grpSpPr>
+      <p:sp>
+        <p:nvSpPr>
+          <p:cNvPr id="2" name="כותרת 1">
+            <a:extLst>
+              <a:ext uri="{FF2B5EF4-FFF2-40B4-BE49-F238E27FC236}">
+                <a16:creationId xmlns:a16="http://schemas.microsoft.com/office/drawing/2014/main" id="{E28F9FD1-8AA9-25F8-D5B6-129859255596}"/>
+              </a:ext>
+            </a:extLst>
+          </p:cNvPr>
+          <p:cNvSpPr>
+            <a:spLocks noGrp="1"/>
+          </p:cNvSpPr>
+          <p:nvPr>
+            <p:ph type="title"/>
+          </p:nvPr>
+        </p:nvSpPr>
+        <p:spPr/>
+        <p:txBody>
+          <a:bodyPr/>
+          <a:lstStyle/>
+          <a:p>
+            <a:r>
+              <a:rPr lang="he-IL" dirty="0"/>
+              <a:t>תיאור כללי</a:t>
+            </a:r>
+          </a:p>
+        </p:txBody>
+      </p:sp>
+      <p:sp>
+        <p:nvSpPr>
+          <p:cNvPr id="3" name="מציין מיקום תוכן 2">
+            <a:extLst>
+              <a:ext uri="{FF2B5EF4-FFF2-40B4-BE49-F238E27FC236}">
+                <a16:creationId xmlns:a16="http://schemas.microsoft.com/office/drawing/2014/main" id="{2F4495FD-0D15-2F83-4108-FF7B587ABC02}"/>
+              </a:ext>
+            </a:extLst>
+          </p:cNvPr>
+          <p:cNvSpPr>
+            <a:spLocks noGrp="1"/>
+          </p:cNvSpPr>
+          <p:nvPr>
+            <p:ph idx="1"/>
+          </p:nvPr>
+        </p:nvSpPr>
+        <p:spPr/>
+        <p:txBody>
+          <a:bodyPr>
+            <a:normAutofit/>
+          </a:bodyPr>
+          <a:lstStyle/>
+          <a:p>
+            <a:r>
+              <a:rPr lang="he-IL" dirty="0"/>
+              <a:t>משימתנו הייתה לבנות כלי שמבצע </a:t>
+            </a:r>
+            <a:r>
+              <a:rPr lang="en-US" dirty="0"/>
+              <a:t>DNS Cache Probing</a:t>
+            </a:r>
+            <a:r>
+              <a:rPr lang="he-IL" dirty="0"/>
+              <a:t> על שרת </a:t>
+            </a:r>
+            <a:r>
+              <a:rPr lang="en-US" dirty="0"/>
+              <a:t>DNS</a:t>
+            </a:r>
+            <a:r>
+              <a:rPr lang="he-IL" dirty="0"/>
+              <a:t> שניתן לנו מהמשתמש עם רשימת שמות דומיין שעלינו לבדוק אותם בשרת.</a:t>
+            </a:r>
+          </a:p>
+          <a:p>
+            <a:r>
+              <a:rPr lang="he-IL" dirty="0"/>
+              <a:t>הכלי שלנו שולח שאילתות </a:t>
+            </a:r>
+            <a:r>
+              <a:rPr lang="en-US" dirty="0"/>
+              <a:t>DNS</a:t>
+            </a:r>
+            <a:r>
+              <a:rPr lang="he-IL" dirty="0"/>
+              <a:t> לשרת המבוקש בשביל לזהות קיום בזיכרון המטמון שלו.</a:t>
+            </a:r>
+          </a:p>
+          <a:p>
+            <a:r>
+              <a:rPr lang="he-IL" dirty="0"/>
+              <a:t>הכלי מציג למשתמש את ה-</a:t>
+            </a:r>
+            <a:r>
+              <a:rPr lang="en-US" dirty="0"/>
+              <a:t>TTL</a:t>
+            </a:r>
+            <a:r>
+              <a:rPr lang="he-IL" dirty="0"/>
+              <a:t> של הרשומות, וזמני הגעה של התשובה לאחר שבוצעו מספר חזרות של אותן השאילתות.</a:t>
+            </a:r>
+          </a:p>
+          <a:p>
+            <a:r>
+              <a:rPr lang="he-IL" dirty="0"/>
+              <a:t>בנוסף, התוכנה שלנו מיידעת את המשתמש האם שרת ה-</a:t>
+            </a:r>
+            <a:r>
+              <a:rPr lang="en-US" dirty="0"/>
+              <a:t>DNS</a:t>
+            </a:r>
+            <a:r>
+              <a:rPr lang="he-IL" dirty="0"/>
+              <a:t> מבצע שינוי בהעדפה של חיפוש </a:t>
+            </a:r>
+            <a:r>
+              <a:rPr lang="he-IL" dirty="0" err="1"/>
+              <a:t>איטרטיבי</a:t>
+            </a:r>
+            <a:r>
+              <a:rPr lang="he-IL" dirty="0"/>
+              <a:t> לרקורסיבי באופן אוטומטי.</a:t>
+            </a:r>
+          </a:p>
+          <a:p>
+            <a:r>
+              <a:rPr lang="he-IL" dirty="0"/>
+              <a:t>יכולת נוספת, היא לקבוע כמה שרתים מופעלים בידי אותם שרתים מיוחדים.</a:t>
+            </a:r>
+          </a:p>
+          <a:p>
+            <a:endParaRPr lang="he-IL" dirty="0"/>
+          </a:p>
+        </p:txBody>
+      </p:sp>
+    </p:spTree>
+    <p:extLst>
+      <p:ext uri="{BB962C8B-B14F-4D97-AF65-F5344CB8AC3E}">
+        <p14:creationId xmlns:p14="http://schemas.microsoft.com/office/powerpoint/2010/main" val="975757476"/>
+      </p:ext>
+    </p:extLst>
+  </p:cSld>
+  <p:clrMapOvr>
+    <a:masterClrMapping/>
+  </p:clrMapOvr>
+</p:sld>
+</file>
+
+<file path=ppt/slides/slide21.xml><?xml version="1.0" encoding="utf-8"?>
+<p:sld xmlns:a="http://schemas.openxmlformats.org/drawingml/2006/main" xmlns:r="http://schemas.openxmlformats.org/officeDocument/2006/relationships" xmlns:p="http://schemas.openxmlformats.org/presentationml/2006/main">
+  <p:cSld>
+    <p:spTree>
+      <p:nvGrpSpPr>
+        <p:cNvPr id="1" name=""/>
+        <p:cNvGrpSpPr/>
+        <p:nvPr/>
+      </p:nvGrpSpPr>
+      <p:grpSpPr>
+        <a:xfrm>
+          <a:off x="0" y="0"/>
+          <a:ext cx="0" cy="0"/>
+          <a:chOff x="0" y="0"/>
+          <a:chExt cx="0" cy="0"/>
+        </a:xfrm>
+      </p:grpSpPr>
+      <p:sp>
+        <p:nvSpPr>
+          <p:cNvPr id="2" name="כותרת 1">
+            <a:extLst>
+              <a:ext uri="{FF2B5EF4-FFF2-40B4-BE49-F238E27FC236}">
+                <a16:creationId xmlns:a16="http://schemas.microsoft.com/office/drawing/2014/main" id="{F797AB8C-E577-FCD9-6A0A-3DAACDBB8163}"/>
+              </a:ext>
+            </a:extLst>
+          </p:cNvPr>
+          <p:cNvSpPr>
+            <a:spLocks noGrp="1"/>
+          </p:cNvSpPr>
+          <p:nvPr>
+            <p:ph type="title"/>
+          </p:nvPr>
+        </p:nvSpPr>
+        <p:spPr/>
+        <p:txBody>
+          <a:bodyPr/>
+          <a:lstStyle/>
+          <a:p>
+            <a:r>
+              <a:rPr lang="he-IL"/>
+              <a:t>דוגמה ל</a:t>
+            </a:r>
+            <a:endParaRPr lang="he-IL" dirty="0"/>
+          </a:p>
+        </p:txBody>
+      </p:sp>
+      <p:sp>
+        <p:nvSpPr>
+          <p:cNvPr id="3" name="מציין מיקום תוכן 2">
+            <a:extLst>
+              <a:ext uri="{FF2B5EF4-FFF2-40B4-BE49-F238E27FC236}">
+                <a16:creationId xmlns:a16="http://schemas.microsoft.com/office/drawing/2014/main" id="{1805A521-5A18-F427-18A7-829ADDD5775E}"/>
+              </a:ext>
+            </a:extLst>
+          </p:cNvPr>
+          <p:cNvSpPr>
+            <a:spLocks noGrp="1"/>
+          </p:cNvSpPr>
+          <p:nvPr>
+            <p:ph idx="1"/>
+          </p:nvPr>
+        </p:nvSpPr>
+        <p:spPr/>
+        <p:txBody>
+          <a:bodyPr/>
+          <a:lstStyle/>
+          <a:p>
+            <a:endParaRPr lang="he-IL"/>
+          </a:p>
+        </p:txBody>
+      </p:sp>
+    </p:spTree>
+    <p:extLst>
+      <p:ext uri="{BB962C8B-B14F-4D97-AF65-F5344CB8AC3E}">
+        <p14:creationId xmlns:p14="http://schemas.microsoft.com/office/powerpoint/2010/main" val="115528068"/>
+      </p:ext>
+    </p:extLst>
+  </p:cSld>
+  <p:clrMapOvr>
+    <a:masterClrMapping/>
+  </p:clrMapOvr>
+</p:sld>
+</file>
+
+<file path=ppt/slides/slide22.xml><?xml version="1.0" encoding="utf-8"?>
+<p:sld xmlns:a="http://schemas.openxmlformats.org/drawingml/2006/main" xmlns:r="http://schemas.openxmlformats.org/officeDocument/2006/relationships" xmlns:p="http://schemas.openxmlformats.org/presentationml/2006/main">
+  <p:cSld>
+    <p:spTree>
+      <p:nvGrpSpPr>
+        <p:cNvPr id="1" name=""/>
+        <p:cNvGrpSpPr/>
+        <p:nvPr/>
+      </p:nvGrpSpPr>
+      <p:grpSpPr>
+        <a:xfrm>
+          <a:off x="0" y="0"/>
+          <a:ext cx="0" cy="0"/>
+          <a:chOff x="0" y="0"/>
+          <a:chExt cx="0" cy="0"/>
+        </a:xfrm>
+      </p:grpSpPr>
+      <p:sp>
+        <p:nvSpPr>
+          <p:cNvPr id="2" name="כותרת 1">
+            <a:extLst>
+              <a:ext uri="{FF2B5EF4-FFF2-40B4-BE49-F238E27FC236}">
+                <a16:creationId xmlns:a16="http://schemas.microsoft.com/office/drawing/2014/main" id="{75DC254A-3928-105E-5227-54F396372E5B}"/>
+              </a:ext>
+            </a:extLst>
+          </p:cNvPr>
+          <p:cNvSpPr>
+            <a:spLocks noGrp="1"/>
+          </p:cNvSpPr>
+          <p:nvPr>
+            <p:ph type="title"/>
+          </p:nvPr>
+        </p:nvSpPr>
+        <p:spPr/>
+        <p:txBody>
+          <a:bodyPr/>
+          <a:lstStyle/>
+          <a:p>
+            <a:endParaRPr lang="he-IL"/>
+          </a:p>
+        </p:txBody>
+      </p:sp>
+      <p:sp>
+        <p:nvSpPr>
+          <p:cNvPr id="3" name="מציין מיקום תוכן 2">
+            <a:extLst>
+              <a:ext uri="{FF2B5EF4-FFF2-40B4-BE49-F238E27FC236}">
+                <a16:creationId xmlns:a16="http://schemas.microsoft.com/office/drawing/2014/main" id="{4936B801-B107-B605-2BA4-6CEACA199D0C}"/>
+              </a:ext>
+            </a:extLst>
+          </p:cNvPr>
+          <p:cNvSpPr>
+            <a:spLocks noGrp="1"/>
+          </p:cNvSpPr>
+          <p:nvPr>
+            <p:ph idx="1"/>
+          </p:nvPr>
+        </p:nvSpPr>
+        <p:spPr/>
+        <p:txBody>
+          <a:bodyPr/>
+          <a:lstStyle/>
+          <a:p>
+            <a:endParaRPr lang="he-IL"/>
+          </a:p>
+        </p:txBody>
+      </p:sp>
+    </p:spTree>
+    <p:extLst>
+      <p:ext uri="{BB962C8B-B14F-4D97-AF65-F5344CB8AC3E}">
+        <p14:creationId xmlns:p14="http://schemas.microsoft.com/office/powerpoint/2010/main" val="2099552911"/>
+      </p:ext>
+    </p:extLst>
+  </p:cSld>
+  <p:clrMapOvr>
+    <a:masterClrMapping/>
+  </p:clrMapOvr>
+</p:sld>
+</file>
+
+<file path=ppt/slides/slide23.xml><?xml version="1.0" encoding="utf-8"?>
+<p:sld xmlns:a="http://schemas.openxmlformats.org/drawingml/2006/main" xmlns:r="http://schemas.openxmlformats.org/officeDocument/2006/relationships" xmlns:p="http://schemas.openxmlformats.org/presentationml/2006/main">
+  <p:cSld>
+    <p:spTree>
+      <p:nvGrpSpPr>
+        <p:cNvPr id="1" name=""/>
+        <p:cNvGrpSpPr/>
+        <p:nvPr/>
+      </p:nvGrpSpPr>
+      <p:grpSpPr>
+        <a:xfrm>
+          <a:off x="0" y="0"/>
+          <a:ext cx="0" cy="0"/>
+          <a:chOff x="0" y="0"/>
+          <a:chExt cx="0" cy="0"/>
+        </a:xfrm>
+      </p:grpSpPr>
+      <p:sp>
+        <p:nvSpPr>
+          <p:cNvPr id="2" name="כותרת 1">
+            <a:extLst>
+              <a:ext uri="{FF2B5EF4-FFF2-40B4-BE49-F238E27FC236}">
+                <a16:creationId xmlns:a16="http://schemas.microsoft.com/office/drawing/2014/main" id="{A81BE014-0A18-0633-692D-982CC408EE3A}"/>
+              </a:ext>
+            </a:extLst>
+          </p:cNvPr>
+          <p:cNvSpPr>
+            <a:spLocks noGrp="1"/>
+          </p:cNvSpPr>
+          <p:nvPr>
+            <p:ph type="title"/>
+          </p:nvPr>
+        </p:nvSpPr>
+        <p:spPr/>
+        <p:txBody>
+          <a:bodyPr/>
+          <a:lstStyle/>
+          <a:p>
+            <a:endParaRPr lang="he-IL"/>
+          </a:p>
+        </p:txBody>
+      </p:sp>
+      <p:sp>
+        <p:nvSpPr>
+          <p:cNvPr id="3" name="מציין מיקום תוכן 2">
+            <a:extLst>
+              <a:ext uri="{FF2B5EF4-FFF2-40B4-BE49-F238E27FC236}">
+                <a16:creationId xmlns:a16="http://schemas.microsoft.com/office/drawing/2014/main" id="{00A3CCCD-120E-1BD9-FEE6-B72472AE9597}"/>
+              </a:ext>
+            </a:extLst>
+          </p:cNvPr>
+          <p:cNvSpPr>
+            <a:spLocks noGrp="1"/>
+          </p:cNvSpPr>
+          <p:nvPr>
+            <p:ph idx="1"/>
+          </p:nvPr>
+        </p:nvSpPr>
+        <p:spPr/>
+        <p:txBody>
+          <a:bodyPr/>
+          <a:lstStyle/>
+          <a:p>
+            <a:endParaRPr lang="he-IL"/>
+          </a:p>
+        </p:txBody>
+      </p:sp>
+    </p:spTree>
+    <p:extLst>
+      <p:ext uri="{BB962C8B-B14F-4D97-AF65-F5344CB8AC3E}">
+        <p14:creationId xmlns:p14="http://schemas.microsoft.com/office/powerpoint/2010/main" val="2876167845"/>
+      </p:ext>
+    </p:extLst>
+  </p:cSld>
+  <p:clrMapOvr>
+    <a:masterClrMapping/>
+  </p:clrMapOvr>
+</p:sld>
+</file>
+
+<file path=ppt/slides/slide24.xml><?xml version="1.0" encoding="utf-8"?>
+<p:sld xmlns:a="http://schemas.openxmlformats.org/drawingml/2006/main" xmlns:r="http://schemas.openxmlformats.org/officeDocument/2006/relationships" xmlns:p="http://schemas.openxmlformats.org/presentationml/2006/main">
+  <p:cSld>
+    <p:spTree>
+      <p:nvGrpSpPr>
+        <p:cNvPr id="1" name=""/>
+        <p:cNvGrpSpPr/>
+        <p:nvPr/>
+      </p:nvGrpSpPr>
+      <p:grpSpPr>
+        <a:xfrm>
+          <a:off x="0" y="0"/>
+          <a:ext cx="0" cy="0"/>
+          <a:chOff x="0" y="0"/>
+          <a:chExt cx="0" cy="0"/>
+        </a:xfrm>
+      </p:grpSpPr>
+      <p:sp>
+        <p:nvSpPr>
+          <p:cNvPr id="2" name="כותרת 1">
+            <a:extLst>
+              <a:ext uri="{FF2B5EF4-FFF2-40B4-BE49-F238E27FC236}">
+                <a16:creationId xmlns:a16="http://schemas.microsoft.com/office/drawing/2014/main" id="{9D956787-5859-77E1-1235-4339CF278B64}"/>
+              </a:ext>
+            </a:extLst>
+          </p:cNvPr>
+          <p:cNvSpPr>
+            <a:spLocks noGrp="1"/>
+          </p:cNvSpPr>
+          <p:nvPr>
+            <p:ph type="title"/>
+          </p:nvPr>
+        </p:nvSpPr>
+        <p:spPr/>
+        <p:txBody>
+          <a:bodyPr/>
+          <a:lstStyle/>
+          <a:p>
+            <a:endParaRPr lang="he-IL"/>
+          </a:p>
+        </p:txBody>
+      </p:sp>
+      <p:sp>
+        <p:nvSpPr>
+          <p:cNvPr id="3" name="מציין מיקום תוכן 2">
+            <a:extLst>
+              <a:ext uri="{FF2B5EF4-FFF2-40B4-BE49-F238E27FC236}">
+                <a16:creationId xmlns:a16="http://schemas.microsoft.com/office/drawing/2014/main" id="{03AF08A9-1065-32E7-DEB3-4C3EC99D4CE0}"/>
+              </a:ext>
+            </a:extLst>
+          </p:cNvPr>
+          <p:cNvSpPr>
+            <a:spLocks noGrp="1"/>
+          </p:cNvSpPr>
+          <p:nvPr>
+            <p:ph idx="1"/>
+          </p:nvPr>
+        </p:nvSpPr>
+        <p:spPr/>
+        <p:txBody>
+          <a:bodyPr/>
+          <a:lstStyle/>
+          <a:p>
+            <a:endParaRPr lang="he-IL"/>
+          </a:p>
+        </p:txBody>
+      </p:sp>
+    </p:spTree>
+    <p:extLst>
+      <p:ext uri="{BB962C8B-B14F-4D97-AF65-F5344CB8AC3E}">
+        <p14:creationId xmlns:p14="http://schemas.microsoft.com/office/powerpoint/2010/main" val="3105396442"/>
+      </p:ext>
+    </p:extLst>
+  </p:cSld>
+  <p:clrMapOvr>
+    <a:masterClrMapping/>
+  </p:clrMapOvr>
+</p:sld>
+</file>
+
+<file path=ppt/slides/slide25.xml><?xml version="1.0" encoding="utf-8"?>
+<p:sld xmlns:a="http://schemas.openxmlformats.org/drawingml/2006/main" xmlns:r="http://schemas.openxmlformats.org/officeDocument/2006/relationships" xmlns:p="http://schemas.openxmlformats.org/presentationml/2006/main">
+  <p:cSld>
+    <p:spTree>
+      <p:nvGrpSpPr>
+        <p:cNvPr id="1" name=""/>
+        <p:cNvGrpSpPr/>
+        <p:nvPr/>
+      </p:nvGrpSpPr>
+      <p:grpSpPr>
+        <a:xfrm>
+          <a:off x="0" y="0"/>
+          <a:ext cx="0" cy="0"/>
+          <a:chOff x="0" y="0"/>
+          <a:chExt cx="0" cy="0"/>
+        </a:xfrm>
+      </p:grpSpPr>
+      <p:sp>
+        <p:nvSpPr>
+          <p:cNvPr id="2" name="כותרת 1">
+            <a:extLst>
+              <a:ext uri="{FF2B5EF4-FFF2-40B4-BE49-F238E27FC236}">
+                <a16:creationId xmlns:a16="http://schemas.microsoft.com/office/drawing/2014/main" id="{77F7869A-6616-8B6B-A4C2-CA409D1CA0D7}"/>
+              </a:ext>
+            </a:extLst>
+          </p:cNvPr>
+          <p:cNvSpPr>
+            <a:spLocks noGrp="1"/>
+          </p:cNvSpPr>
+          <p:nvPr>
+            <p:ph type="title"/>
+          </p:nvPr>
+        </p:nvSpPr>
+        <p:spPr/>
+        <p:txBody>
+          <a:bodyPr/>
+          <a:lstStyle/>
+          <a:p>
+            <a:endParaRPr lang="he-IL"/>
+          </a:p>
+        </p:txBody>
+      </p:sp>
+      <p:sp>
+        <p:nvSpPr>
+          <p:cNvPr id="3" name="מציין מיקום תוכן 2">
+            <a:extLst>
+              <a:ext uri="{FF2B5EF4-FFF2-40B4-BE49-F238E27FC236}">
+                <a16:creationId xmlns:a16="http://schemas.microsoft.com/office/drawing/2014/main" id="{33BD7229-0DCD-08A7-757D-43425645DDEC}"/>
+              </a:ext>
+            </a:extLst>
+          </p:cNvPr>
+          <p:cNvSpPr>
+            <a:spLocks noGrp="1"/>
+          </p:cNvSpPr>
+          <p:nvPr>
+            <p:ph idx="1"/>
+          </p:nvPr>
+        </p:nvSpPr>
+        <p:spPr/>
+        <p:txBody>
+          <a:bodyPr/>
+          <a:lstStyle/>
+          <a:p>
+            <a:endParaRPr lang="he-IL"/>
+          </a:p>
+        </p:txBody>
+      </p:sp>
+    </p:spTree>
+    <p:extLst>
+      <p:ext uri="{BB962C8B-B14F-4D97-AF65-F5344CB8AC3E}">
+        <p14:creationId xmlns:p14="http://schemas.microsoft.com/office/powerpoint/2010/main" val="1507286082"/>
+      </p:ext>
+    </p:extLst>
+  </p:cSld>
+  <p:clrMapOvr>
+    <a:masterClrMapping/>
+  </p:clrMapOvr>
+</p:sld>
+</file>
+
 <file path=ppt/slides/slide3.xml><?xml version="1.0" encoding="utf-8"?>
 <p:sld xmlns:a="http://schemas.openxmlformats.org/drawingml/2006/main" xmlns:r="http://schemas.openxmlformats.org/officeDocument/2006/relationships" xmlns:p="http://schemas.openxmlformats.org/presentationml/2006/main">
   <p:cSld>
@@ -5628,7 +11412,7 @@
           <p:cNvPr id="2" name="כותרת 1">
             <a:extLst>
               <a:ext uri="{FF2B5EF4-FFF2-40B4-BE49-F238E27FC236}">
-                <a16:creationId xmlns:a16="http://schemas.microsoft.com/office/drawing/2014/main" id="{4D4D975E-787C-7425-90D1-96E8AA0D365F}"/>
+                <a16:creationId xmlns:a16="http://schemas.microsoft.com/office/drawing/2014/main" id="{26EF156E-5890-DD3E-6E0B-23E4D7A71796}"/>
               </a:ext>
             </a:extLst>
           </p:cNvPr>
@@ -5636,7 +11420,7 @@
             <a:spLocks noGrp="1"/>
           </p:cNvSpPr>
           <p:nvPr>
-            <p:ph type="title"/>
+            <p:ph type="ctrTitle"/>
           </p:nvPr>
         </p:nvSpPr>
         <p:spPr/>
@@ -5645,529 +11429,16 @@
           <a:lstStyle/>
           <a:p>
             <a:r>
-              <a:rPr lang="en-US" dirty="0"/>
-              <a:t>DNS Cache Probing</a:t>
-            </a:r>
-            <a:endParaRPr lang="he-IL" dirty="0"/>
-          </a:p>
-        </p:txBody>
-      </p:sp>
-      <p:sp>
-        <p:nvSpPr>
-          <p:cNvPr id="3" name="מציין מיקום תוכן 2">
-            <a:extLst>
-              <a:ext uri="{FF2B5EF4-FFF2-40B4-BE49-F238E27FC236}">
-                <a16:creationId xmlns:a16="http://schemas.microsoft.com/office/drawing/2014/main" id="{C5FA4DB0-C6DB-D10C-20BB-8BAA4967DD33}"/>
-              </a:ext>
-            </a:extLst>
-          </p:cNvPr>
-          <p:cNvSpPr>
-            <a:spLocks noGrp="1"/>
-          </p:cNvSpPr>
-          <p:nvPr>
-            <p:ph idx="1"/>
-          </p:nvPr>
-        </p:nvSpPr>
-        <p:spPr>
-          <a:xfrm>
-            <a:off x="838200" y="1825625"/>
-            <a:ext cx="10515600" cy="4667250"/>
-          </a:xfrm>
-        </p:spPr>
-        <p:txBody>
-          <a:bodyPr/>
-          <a:lstStyle/>
-          <a:p>
-            <a:r>
-              <a:rPr lang="he-IL" sz="1800" dirty="0">
-                <a:effectLst/>
-                <a:latin typeface="Arial" panose="020B0604020202020204" pitchFamily="34" charset="0"/>
-                <a:ea typeface="Arial" panose="020B0604020202020204" pitchFamily="34" charset="0"/>
-              </a:rPr>
-              <a:t>שליחת בקשות לשרת </a:t>
-            </a:r>
-            <a:r>
-              <a:rPr lang="en-US" sz="1800" dirty="0">
-                <a:effectLst/>
-                <a:latin typeface="Arial" panose="020B0604020202020204" pitchFamily="34" charset="0"/>
-                <a:ea typeface="Arial" panose="020B0604020202020204" pitchFamily="34" charset="0"/>
-              </a:rPr>
-              <a:t>DNS</a:t>
-            </a:r>
-            <a:r>
-              <a:rPr lang="he-IL" sz="1800" dirty="0">
-                <a:effectLst/>
-                <a:latin typeface="Arial" panose="020B0604020202020204" pitchFamily="34" charset="0"/>
-                <a:ea typeface="Arial" panose="020B0604020202020204" pitchFamily="34" charset="0"/>
-              </a:rPr>
-              <a:t> כדי לצפות בערך </a:t>
-            </a:r>
-            <a:r>
-              <a:rPr lang="en-US" sz="1800" dirty="0">
-                <a:effectLst/>
-                <a:latin typeface="Arial" panose="020B0604020202020204" pitchFamily="34" charset="0"/>
-                <a:ea typeface="Arial" panose="020B0604020202020204" pitchFamily="34" charset="0"/>
-              </a:rPr>
-              <a:t>TTL</a:t>
-            </a:r>
-            <a:r>
-              <a:rPr lang="he-IL" sz="1800" dirty="0">
-                <a:effectLst/>
-                <a:latin typeface="Arial" panose="020B0604020202020204" pitchFamily="34" charset="0"/>
-                <a:ea typeface="Arial" panose="020B0604020202020204" pitchFamily="34" charset="0"/>
-              </a:rPr>
-              <a:t> נקראת </a:t>
-            </a:r>
-            <a:r>
-              <a:rPr lang="en-US" sz="1800" dirty="0">
-                <a:effectLst/>
-                <a:latin typeface="Arial" panose="020B0604020202020204" pitchFamily="34" charset="0"/>
-                <a:ea typeface="Arial" panose="020B0604020202020204" pitchFamily="34" charset="0"/>
-              </a:rPr>
-              <a:t>DNS cache probing</a:t>
-            </a:r>
-            <a:r>
-              <a:rPr lang="he-IL" sz="1800" dirty="0">
-                <a:effectLst/>
-                <a:latin typeface="Arial" panose="020B0604020202020204" pitchFamily="34" charset="0"/>
-                <a:ea typeface="Arial" panose="020B0604020202020204" pitchFamily="34" charset="0"/>
-              </a:rPr>
-              <a:t>.</a:t>
-            </a:r>
-          </a:p>
-          <a:p>
-            <a:r>
-              <a:rPr lang="he-IL" sz="1800" dirty="0">
-                <a:effectLst/>
-                <a:latin typeface="Arial" panose="020B0604020202020204" pitchFamily="34" charset="0"/>
-                <a:ea typeface="Arial" panose="020B0604020202020204" pitchFamily="34" charset="0"/>
-              </a:rPr>
-              <a:t>ב-</a:t>
-            </a:r>
-            <a:r>
-              <a:rPr lang="en-US" sz="1800" dirty="0">
-                <a:effectLst/>
-                <a:latin typeface="Arial" panose="020B0604020202020204" pitchFamily="34" charset="0"/>
-                <a:ea typeface="Arial" panose="020B0604020202020204" pitchFamily="34" charset="0"/>
-              </a:rPr>
-              <a:t>cache</a:t>
-            </a:r>
-            <a:r>
-              <a:rPr lang="he-IL" sz="1800" dirty="0">
-                <a:effectLst/>
-                <a:latin typeface="Arial" panose="020B0604020202020204" pitchFamily="34" charset="0"/>
-                <a:ea typeface="Arial" panose="020B0604020202020204" pitchFamily="34" charset="0"/>
-              </a:rPr>
-              <a:t> של שרתי </a:t>
-            </a:r>
-            <a:r>
-              <a:rPr lang="en-US" sz="1800" dirty="0">
-                <a:effectLst/>
-                <a:latin typeface="Arial" panose="020B0604020202020204" pitchFamily="34" charset="0"/>
-                <a:ea typeface="Arial" panose="020B0604020202020204" pitchFamily="34" charset="0"/>
-              </a:rPr>
-              <a:t>DNS</a:t>
-            </a:r>
-            <a:r>
-              <a:rPr lang="he-IL" sz="1800" dirty="0">
-                <a:effectLst/>
-                <a:latin typeface="Arial" panose="020B0604020202020204" pitchFamily="34" charset="0"/>
-                <a:ea typeface="Arial" panose="020B0604020202020204" pitchFamily="34" charset="0"/>
-              </a:rPr>
-              <a:t> ישנו מיפוי כתובות </a:t>
-            </a:r>
-            <a:r>
-              <a:rPr lang="en-US" sz="1800" dirty="0">
-                <a:effectLst/>
-                <a:latin typeface="Arial" panose="020B0604020202020204" pitchFamily="34" charset="0"/>
-                <a:ea typeface="Arial" panose="020B0604020202020204" pitchFamily="34" charset="0"/>
-              </a:rPr>
-              <a:t>IP</a:t>
-            </a:r>
-            <a:r>
-              <a:rPr lang="he-IL" sz="1800" dirty="0">
-                <a:effectLst/>
-                <a:latin typeface="Arial" panose="020B0604020202020204" pitchFamily="34" charset="0"/>
-                <a:ea typeface="Arial" panose="020B0604020202020204" pitchFamily="34" charset="0"/>
-              </a:rPr>
-              <a:t> לשמות דומיין באופן זמני, למשך זמן שהוגדר מראש (לרוב על ידי בעל הדומיין – מוגדר מראש בעת הפעלת השרת). </a:t>
-            </a:r>
-          </a:p>
-          <a:p>
-            <a:r>
-              <a:rPr lang="he-IL" sz="1800" dirty="0">
-                <a:effectLst/>
-                <a:latin typeface="Arial" panose="020B0604020202020204" pitchFamily="34" charset="0"/>
-                <a:ea typeface="Arial" panose="020B0604020202020204" pitchFamily="34" charset="0"/>
-              </a:rPr>
-              <a:t>כאשר ה</a:t>
-            </a:r>
-            <a:r>
-              <a:rPr lang="en-US" sz="1800" dirty="0">
-                <a:effectLst/>
-                <a:latin typeface="Arial" panose="020B0604020202020204" pitchFamily="34" charset="0"/>
-                <a:ea typeface="Arial" panose="020B0604020202020204" pitchFamily="34" charset="0"/>
-              </a:rPr>
-              <a:t>host-</a:t>
-            </a:r>
-            <a:r>
-              <a:rPr lang="he-IL" sz="1800" dirty="0">
-                <a:effectLst/>
-                <a:latin typeface="Arial" panose="020B0604020202020204" pitchFamily="34" charset="0"/>
-                <a:ea typeface="Arial" panose="020B0604020202020204" pitchFamily="34" charset="0"/>
-              </a:rPr>
-              <a:t> פונה לשרת </a:t>
-            </a:r>
-            <a:r>
-              <a:rPr lang="en-US" sz="1800" dirty="0">
-                <a:effectLst/>
-                <a:latin typeface="Arial" panose="020B0604020202020204" pitchFamily="34" charset="0"/>
-                <a:ea typeface="Arial" panose="020B0604020202020204" pitchFamily="34" charset="0"/>
-              </a:rPr>
-              <a:t>DNS</a:t>
-            </a:r>
-            <a:r>
-              <a:rPr lang="he-IL" sz="1800" dirty="0">
-                <a:effectLst/>
-                <a:latin typeface="Arial" panose="020B0604020202020204" pitchFamily="34" charset="0"/>
-                <a:ea typeface="Arial" panose="020B0604020202020204" pitchFamily="34" charset="0"/>
-              </a:rPr>
-              <a:t> לכתובת מסוימת, השרת בודק ב-</a:t>
-            </a:r>
-            <a:r>
-              <a:rPr lang="en-US" sz="1800" dirty="0">
-                <a:effectLst/>
-                <a:latin typeface="Arial" panose="020B0604020202020204" pitchFamily="34" charset="0"/>
-                <a:ea typeface="Arial" panose="020B0604020202020204" pitchFamily="34" charset="0"/>
-              </a:rPr>
-              <a:t>cache</a:t>
-            </a:r>
-            <a:r>
-              <a:rPr lang="he-IL" sz="1800" dirty="0">
-                <a:effectLst/>
-                <a:latin typeface="Arial" panose="020B0604020202020204" pitchFamily="34" charset="0"/>
-                <a:ea typeface="Arial" panose="020B0604020202020204" pitchFamily="34" charset="0"/>
-              </a:rPr>
-              <a:t> שלו אם רשומה קיימת ושולח תשובה.</a:t>
-            </a:r>
-          </a:p>
-          <a:p>
-            <a:r>
-              <a:rPr lang="he-IL" sz="1800" dirty="0">
-                <a:effectLst/>
-                <a:latin typeface="Arial" panose="020B0604020202020204" pitchFamily="34" charset="0"/>
-                <a:ea typeface="Arial" panose="020B0604020202020204" pitchFamily="34" charset="0"/>
-              </a:rPr>
-              <a:t>אם ה-</a:t>
-            </a:r>
-            <a:r>
-              <a:rPr lang="en-US" sz="1800" dirty="0">
-                <a:effectLst/>
-                <a:latin typeface="Arial" panose="020B0604020202020204" pitchFamily="34" charset="0"/>
-                <a:ea typeface="Arial" panose="020B0604020202020204" pitchFamily="34" charset="0"/>
-              </a:rPr>
-              <a:t>DNS</a:t>
-            </a:r>
-            <a:r>
-              <a:rPr lang="he-IL" sz="1800" dirty="0">
-                <a:effectLst/>
-                <a:latin typeface="Arial" panose="020B0604020202020204" pitchFamily="34" charset="0"/>
-                <a:ea typeface="Arial" panose="020B0604020202020204" pitchFamily="34" charset="0"/>
-              </a:rPr>
-              <a:t> שולח תשובה חזרה שהגיעה מה-</a:t>
-            </a:r>
-            <a:r>
-              <a:rPr lang="en-US" sz="1800" dirty="0">
-                <a:effectLst/>
-                <a:latin typeface="Arial" panose="020B0604020202020204" pitchFamily="34" charset="0"/>
-                <a:ea typeface="Arial" panose="020B0604020202020204" pitchFamily="34" charset="0"/>
-              </a:rPr>
-              <a:t>cache</a:t>
-            </a:r>
-            <a:r>
-              <a:rPr lang="he-IL" sz="1800" dirty="0">
-                <a:effectLst/>
-                <a:latin typeface="Arial" panose="020B0604020202020204" pitchFamily="34" charset="0"/>
-                <a:ea typeface="Arial" panose="020B0604020202020204" pitchFamily="34" charset="0"/>
-              </a:rPr>
-              <a:t>, יש שדה נוסף בעל ערך </a:t>
-            </a:r>
-            <a:r>
-              <a:rPr lang="en-US" sz="1800" dirty="0">
-                <a:effectLst/>
-                <a:latin typeface="Arial" panose="020B0604020202020204" pitchFamily="34" charset="0"/>
-                <a:ea typeface="Arial" panose="020B0604020202020204" pitchFamily="34" charset="0"/>
-              </a:rPr>
-              <a:t>TTL</a:t>
-            </a:r>
-            <a:r>
-              <a:rPr lang="he-IL" sz="1800" dirty="0">
-                <a:effectLst/>
-                <a:latin typeface="Arial" panose="020B0604020202020204" pitchFamily="34" charset="0"/>
-                <a:ea typeface="Arial" panose="020B0604020202020204" pitchFamily="34" charset="0"/>
-              </a:rPr>
-              <a:t> המציין מתי הרשומה תפוג (יש לשים לב לשוני בין ה-</a:t>
-            </a:r>
-            <a:r>
-              <a:rPr lang="en-US" sz="1800" dirty="0">
-                <a:effectLst/>
-                <a:latin typeface="Arial" panose="020B0604020202020204" pitchFamily="34" charset="0"/>
-                <a:ea typeface="Arial" panose="020B0604020202020204" pitchFamily="34" charset="0"/>
-              </a:rPr>
-              <a:t>TTL</a:t>
-            </a:r>
-            <a:r>
-              <a:rPr lang="he-IL" sz="1800" dirty="0">
-                <a:effectLst/>
-                <a:latin typeface="Arial" panose="020B0604020202020204" pitchFamily="34" charset="0"/>
-                <a:ea typeface="Arial" panose="020B0604020202020204" pitchFamily="34" charset="0"/>
-              </a:rPr>
-              <a:t> של </a:t>
-            </a:r>
-            <a:r>
-              <a:rPr lang="he-IL" sz="1800" dirty="0" err="1">
-                <a:effectLst/>
-                <a:latin typeface="Arial" panose="020B0604020202020204" pitchFamily="34" charset="0"/>
-                <a:ea typeface="Arial" panose="020B0604020202020204" pitchFamily="34" charset="0"/>
-              </a:rPr>
-              <a:t>הפקטה</a:t>
-            </a:r>
-            <a:r>
-              <a:rPr lang="he-IL" sz="1800" dirty="0">
-                <a:effectLst/>
-                <a:latin typeface="Arial" panose="020B0604020202020204" pitchFamily="34" charset="0"/>
-                <a:ea typeface="Arial" panose="020B0604020202020204" pitchFamily="34" charset="0"/>
-              </a:rPr>
-              <a:t> לבין זה של תוקף התשובה ב-</a:t>
-            </a:r>
-            <a:r>
-              <a:rPr lang="en-US" sz="1800" dirty="0">
-                <a:effectLst/>
-                <a:latin typeface="Arial" panose="020B0604020202020204" pitchFamily="34" charset="0"/>
-                <a:ea typeface="Arial" panose="020B0604020202020204" pitchFamily="34" charset="0"/>
-              </a:rPr>
-              <a:t>DNS</a:t>
-            </a:r>
-            <a:r>
-              <a:rPr lang="he-IL" sz="1800" dirty="0">
-                <a:effectLst/>
-                <a:latin typeface="Arial" panose="020B0604020202020204" pitchFamily="34" charset="0"/>
-                <a:ea typeface="Arial" panose="020B0604020202020204" pitchFamily="34" charset="0"/>
-              </a:rPr>
-              <a:t>), כלומר בתום הזמן הזה, הרשומה תמחק מן </a:t>
-            </a:r>
-            <a:r>
-              <a:rPr lang="he-IL" sz="1800" dirty="0" err="1">
-                <a:effectLst/>
-                <a:latin typeface="Arial" panose="020B0604020202020204" pitchFamily="34" charset="0"/>
-                <a:ea typeface="Arial" panose="020B0604020202020204" pitchFamily="34" charset="0"/>
-              </a:rPr>
-              <a:t>זכרון</a:t>
-            </a:r>
-            <a:r>
-              <a:rPr lang="he-IL" sz="1800" dirty="0">
-                <a:effectLst/>
-                <a:latin typeface="Arial" panose="020B0604020202020204" pitchFamily="34" charset="0"/>
-                <a:ea typeface="Arial" panose="020B0604020202020204" pitchFamily="34" charset="0"/>
-              </a:rPr>
-              <a:t> המטמון.</a:t>
-            </a:r>
-          </a:p>
-          <a:p>
-            <a:r>
-              <a:rPr lang="he-IL" sz="1800" dirty="0">
-                <a:effectLst/>
-                <a:latin typeface="Arial" panose="020B0604020202020204" pitchFamily="34" charset="0"/>
-                <a:ea typeface="Arial" panose="020B0604020202020204" pitchFamily="34" charset="0"/>
-              </a:rPr>
-              <a:t>אם ערך </a:t>
-            </a:r>
-            <a:r>
-              <a:rPr lang="en-US" sz="1800" dirty="0">
-                <a:effectLst/>
-                <a:latin typeface="Arial" panose="020B0604020202020204" pitchFamily="34" charset="0"/>
-                <a:ea typeface="Arial" panose="020B0604020202020204" pitchFamily="34" charset="0"/>
-              </a:rPr>
-              <a:t>TTL</a:t>
-            </a:r>
-            <a:r>
-              <a:rPr lang="he-IL" sz="1800" dirty="0">
-                <a:effectLst/>
-                <a:latin typeface="Arial" panose="020B0604020202020204" pitchFamily="34" charset="0"/>
-                <a:ea typeface="Arial" panose="020B0604020202020204" pitchFamily="34" charset="0"/>
-              </a:rPr>
-              <a:t> המוחזר נמוך ממה שנקבע מראש סביר שנעשה חיפוש קודם של אותה כתובת על ידי משתמש אחר לאחרונה.</a:t>
-            </a:r>
-          </a:p>
-          <a:p>
-            <a:r>
-              <a:rPr lang="he-IL" sz="1800" dirty="0">
-                <a:effectLst/>
-                <a:latin typeface="Arial" panose="020B0604020202020204" pitchFamily="34" charset="0"/>
-                <a:ea typeface="Arial" panose="020B0604020202020204" pitchFamily="34" charset="0"/>
-              </a:rPr>
-              <a:t>בעזרת שיטה זו ניתן לעקוב אחר קשרים של </a:t>
-            </a:r>
-            <a:r>
-              <a:rPr lang="en-US" sz="1800" dirty="0">
-                <a:effectLst/>
-                <a:latin typeface="Arial" panose="020B0604020202020204" pitchFamily="34" charset="0"/>
-                <a:ea typeface="Arial" panose="020B0604020202020204" pitchFamily="34" charset="0"/>
-              </a:rPr>
-              <a:t>hosts</a:t>
-            </a:r>
-            <a:r>
-              <a:rPr lang="he-IL" sz="1800" dirty="0">
-                <a:effectLst/>
-                <a:latin typeface="Arial" panose="020B0604020202020204" pitchFamily="34" charset="0"/>
-                <a:ea typeface="Arial" panose="020B0604020202020204" pitchFamily="34" charset="0"/>
-              </a:rPr>
-              <a:t> לשרתים שונים לפי בקשות </a:t>
-            </a:r>
-            <a:r>
-              <a:rPr lang="en-US" sz="1800" dirty="0">
-                <a:effectLst/>
-                <a:latin typeface="Arial" panose="020B0604020202020204" pitchFamily="34" charset="0"/>
-                <a:ea typeface="Arial" panose="020B0604020202020204" pitchFamily="34" charset="0"/>
-              </a:rPr>
-              <a:t>DNS</a:t>
-            </a:r>
-            <a:r>
-              <a:rPr lang="he-IL" sz="1800" dirty="0">
-                <a:effectLst/>
-                <a:latin typeface="Arial" panose="020B0604020202020204" pitchFamily="34" charset="0"/>
-                <a:ea typeface="Arial" panose="020B0604020202020204" pitchFamily="34" charset="0"/>
-              </a:rPr>
-              <a:t> ומסלול ה </a:t>
-            </a:r>
-            <a:r>
-              <a:rPr lang="en-US" sz="1800" dirty="0">
-                <a:effectLst/>
-                <a:latin typeface="Arial" panose="020B0604020202020204" pitchFamily="34" charset="0"/>
-                <a:ea typeface="Arial" panose="020B0604020202020204" pitchFamily="34" charset="0"/>
-              </a:rPr>
-              <a:t>query</a:t>
-            </a:r>
-            <a:r>
-              <a:rPr lang="he-IL" sz="1800" dirty="0">
-                <a:effectLst/>
-                <a:latin typeface="Arial" panose="020B0604020202020204" pitchFamily="34" charset="0"/>
-                <a:ea typeface="Arial" panose="020B0604020202020204" pitchFamily="34" charset="0"/>
-              </a:rPr>
-              <a:t> והתשובות שחוזרות אולי מרמות שונות של שרתי </a:t>
-            </a:r>
-            <a:r>
-              <a:rPr lang="en-US" sz="1800" dirty="0">
-                <a:effectLst/>
-                <a:latin typeface="Arial" panose="020B0604020202020204" pitchFamily="34" charset="0"/>
-                <a:ea typeface="Arial" panose="020B0604020202020204" pitchFamily="34" charset="0"/>
-              </a:rPr>
-              <a:t>DNS</a:t>
-            </a:r>
-            <a:r>
-              <a:rPr lang="he-IL" sz="1800" dirty="0">
-                <a:effectLst/>
-                <a:latin typeface="Arial" panose="020B0604020202020204" pitchFamily="34" charset="0"/>
-                <a:ea typeface="Arial" panose="020B0604020202020204" pitchFamily="34" charset="0"/>
-              </a:rPr>
-              <a:t>. (בגלל קיום רשומה קודמת - יש </a:t>
-            </a:r>
-            <a:r>
-              <a:rPr lang="en-US" sz="1800" dirty="0">
-                <a:effectLst/>
-                <a:latin typeface="Arial" panose="020B0604020202020204" pitchFamily="34" charset="0"/>
-                <a:ea typeface="Arial" panose="020B0604020202020204" pitchFamily="34" charset="0"/>
-              </a:rPr>
-              <a:t>host</a:t>
-            </a:r>
-            <a:r>
-              <a:rPr lang="he-IL" sz="1800" dirty="0">
-                <a:effectLst/>
-                <a:latin typeface="Arial" panose="020B0604020202020204" pitchFamily="34" charset="0"/>
-                <a:ea typeface="Arial" panose="020B0604020202020204" pitchFamily="34" charset="0"/>
-              </a:rPr>
-              <a:t> שרוצה ליצור קשר עם כתובת מסוימת).</a:t>
-            </a:r>
-          </a:p>
-          <a:p>
-            <a:r>
-              <a:rPr lang="he-IL" sz="1800" dirty="0">
-                <a:latin typeface="Arial" panose="020B0604020202020204" pitchFamily="34" charset="0"/>
-                <a:ea typeface="Arial" panose="020B0604020202020204" pitchFamily="34" charset="0"/>
-              </a:rPr>
-              <a:t>חשוב לציין – אין בהכרח שה-</a:t>
-            </a:r>
-            <a:r>
-              <a:rPr lang="en-US" sz="1800" dirty="0">
-                <a:latin typeface="Arial" panose="020B0604020202020204" pitchFamily="34" charset="0"/>
-                <a:ea typeface="Arial" panose="020B0604020202020204" pitchFamily="34" charset="0"/>
-              </a:rPr>
-              <a:t>TTL</a:t>
-            </a:r>
-            <a:r>
-              <a:rPr lang="he-IL" sz="1800" dirty="0">
-                <a:latin typeface="Arial" panose="020B0604020202020204" pitchFamily="34" charset="0"/>
-                <a:ea typeface="Arial" panose="020B0604020202020204" pitchFamily="34" charset="0"/>
-              </a:rPr>
-              <a:t> ששרת ה-</a:t>
-            </a:r>
-            <a:r>
-              <a:rPr lang="en-US" sz="1800" dirty="0">
-                <a:latin typeface="Arial" panose="020B0604020202020204" pitchFamily="34" charset="0"/>
-                <a:ea typeface="Arial" panose="020B0604020202020204" pitchFamily="34" charset="0"/>
-              </a:rPr>
-              <a:t>DNS</a:t>
-            </a:r>
-            <a:r>
-              <a:rPr lang="he-IL" sz="1800" dirty="0">
-                <a:latin typeface="Arial" panose="020B0604020202020204" pitchFamily="34" charset="0"/>
-                <a:ea typeface="Arial" panose="020B0604020202020204" pitchFamily="34" charset="0"/>
-              </a:rPr>
-              <a:t> יחזיר למשתמש הוא ה-</a:t>
-            </a:r>
-            <a:r>
-              <a:rPr lang="en-US" sz="1800" dirty="0">
-                <a:latin typeface="Arial" panose="020B0604020202020204" pitchFamily="34" charset="0"/>
-                <a:ea typeface="Arial" panose="020B0604020202020204" pitchFamily="34" charset="0"/>
-              </a:rPr>
-              <a:t>TTL</a:t>
-            </a:r>
-            <a:r>
-              <a:rPr lang="he-IL" sz="1800" dirty="0">
-                <a:latin typeface="Arial" panose="020B0604020202020204" pitchFamily="34" charset="0"/>
-                <a:ea typeface="Arial" panose="020B0604020202020204" pitchFamily="34" charset="0"/>
-              </a:rPr>
-              <a:t> ה-"אמיתי" הדבר כמובן תלוי במימוש המתכנת וסדרת הצפייה בדברים הללו יכולה לנו להבין את ההתנהגות של ה-</a:t>
-            </a:r>
-            <a:r>
-              <a:rPr lang="en-US" sz="1800" dirty="0">
-                <a:latin typeface="Arial" panose="020B0604020202020204" pitchFamily="34" charset="0"/>
-                <a:ea typeface="Arial" panose="020B0604020202020204" pitchFamily="34" charset="0"/>
-              </a:rPr>
-              <a:t>DNS</a:t>
-            </a:r>
-            <a:r>
-              <a:rPr lang="he-IL" sz="1800" dirty="0">
-                <a:latin typeface="Arial" panose="020B0604020202020204" pitchFamily="34" charset="0"/>
-                <a:ea typeface="Arial" panose="020B0604020202020204" pitchFamily="34" charset="0"/>
-              </a:rPr>
-              <a:t> והמטמון שלו.</a:t>
-            </a:r>
-            <a:endParaRPr lang="en-US" sz="1800" dirty="0">
-              <a:effectLst/>
-              <a:latin typeface="Arial" panose="020B0604020202020204" pitchFamily="34" charset="0"/>
-              <a:ea typeface="Arial" panose="020B0604020202020204" pitchFamily="34" charset="0"/>
-            </a:endParaRPr>
-          </a:p>
-          <a:p>
-            <a:endParaRPr lang="he-IL" dirty="0"/>
+              <a:rPr lang="he-IL" dirty="0"/>
+              <a:t>החלק התיאורטי</a:t>
+            </a:r>
           </a:p>
         </p:txBody>
       </p:sp>
     </p:spTree>
     <p:extLst>
       <p:ext uri="{BB962C8B-B14F-4D97-AF65-F5344CB8AC3E}">
-        <p14:creationId xmlns:p14="http://schemas.microsoft.com/office/powerpoint/2010/main" val="661234589"/>
+        <p14:creationId xmlns:p14="http://schemas.microsoft.com/office/powerpoint/2010/main" val="4234470024"/>
       </p:ext>
     </p:extLst>
   </p:cSld>
@@ -6216,8 +11487,8 @@
           <a:lstStyle/>
           <a:p>
             <a:r>
-              <a:rPr lang="he-IL" dirty="0" err="1"/>
-              <a:t>פגסוס</a:t>
+              <a:rPr lang="en-US" dirty="0"/>
+              <a:t>DNS Cache Probing</a:t>
             </a:r>
             <a:endParaRPr lang="he-IL" dirty="0"/>
           </a:p>
@@ -6239,11 +11510,14 @@
             <p:ph idx="1"/>
           </p:nvPr>
         </p:nvSpPr>
-        <p:spPr/>
+        <p:spPr>
+          <a:xfrm>
+            <a:off x="838200" y="1825625"/>
+            <a:ext cx="10515600" cy="4667250"/>
+          </a:xfrm>
+        </p:spPr>
         <p:txBody>
-          <a:bodyPr>
-            <a:normAutofit/>
-          </a:bodyPr>
+          <a:bodyPr/>
           <a:lstStyle/>
           <a:p>
             <a:r>
@@ -6252,7 +11526,7 @@
                 <a:latin typeface="Arial" panose="020B0604020202020204" pitchFamily="34" charset="0"/>
                 <a:ea typeface="Arial" panose="020B0604020202020204" pitchFamily="34" charset="0"/>
               </a:rPr>
-              <a:t>לפי מסמכים שהתפרסמו קבוצת </a:t>
+              <a:t>שליחת בקשות לשרת </a:t>
             </a:r>
             <a:r>
               <a:rPr lang="en-US" sz="1800" dirty="0">
@@ -6260,15 +11534,237 @@
                 <a:latin typeface="Arial" panose="020B0604020202020204" pitchFamily="34" charset="0"/>
                 <a:ea typeface="Arial" panose="020B0604020202020204" pitchFamily="34" charset="0"/>
               </a:rPr>
-              <a:t>NSO</a:t>
-            </a:r>
-            <a:r>
-              <a:rPr lang="he-IL" sz="1800" dirty="0">
-                <a:effectLst/>
-                <a:latin typeface="Arial" panose="020B0604020202020204" pitchFamily="34" charset="0"/>
-                <a:ea typeface="Arial" panose="020B0604020202020204" pitchFamily="34" charset="0"/>
-              </a:rPr>
-              <a:t> מציעה שני </a:t>
+              <a:t>DNS</a:t>
+            </a:r>
+            <a:r>
+              <a:rPr lang="he-IL" sz="1800" dirty="0">
+                <a:effectLst/>
+                <a:latin typeface="Arial" panose="020B0604020202020204" pitchFamily="34" charset="0"/>
+                <a:ea typeface="Arial" panose="020B0604020202020204" pitchFamily="34" charset="0"/>
+              </a:rPr>
+              <a:t> כדי לצפות בערך </a:t>
+            </a:r>
+            <a:r>
+              <a:rPr lang="en-US" sz="1800" dirty="0">
+                <a:effectLst/>
+                <a:latin typeface="Arial" panose="020B0604020202020204" pitchFamily="34" charset="0"/>
+                <a:ea typeface="Arial" panose="020B0604020202020204" pitchFamily="34" charset="0"/>
+              </a:rPr>
+              <a:t>TTL</a:t>
+            </a:r>
+            <a:r>
+              <a:rPr lang="he-IL" sz="1800" dirty="0">
+                <a:effectLst/>
+                <a:latin typeface="Arial" panose="020B0604020202020204" pitchFamily="34" charset="0"/>
+                <a:ea typeface="Arial" panose="020B0604020202020204" pitchFamily="34" charset="0"/>
+              </a:rPr>
+              <a:t> נקראת </a:t>
+            </a:r>
+            <a:r>
+              <a:rPr lang="en-US" sz="1800" dirty="0">
+                <a:effectLst/>
+                <a:latin typeface="Arial" panose="020B0604020202020204" pitchFamily="34" charset="0"/>
+                <a:ea typeface="Arial" panose="020B0604020202020204" pitchFamily="34" charset="0"/>
+              </a:rPr>
+              <a:t>DNS cache probing</a:t>
+            </a:r>
+            <a:r>
+              <a:rPr lang="he-IL" sz="1800" dirty="0">
+                <a:effectLst/>
+                <a:latin typeface="Arial" panose="020B0604020202020204" pitchFamily="34" charset="0"/>
+                <a:ea typeface="Arial" panose="020B0604020202020204" pitchFamily="34" charset="0"/>
+              </a:rPr>
+              <a:t>.</a:t>
+            </a:r>
+          </a:p>
+          <a:p>
+            <a:r>
+              <a:rPr lang="he-IL" sz="1800" dirty="0">
+                <a:effectLst/>
+                <a:latin typeface="Arial" panose="020B0604020202020204" pitchFamily="34" charset="0"/>
+                <a:ea typeface="Arial" panose="020B0604020202020204" pitchFamily="34" charset="0"/>
+              </a:rPr>
+              <a:t>ב-</a:t>
+            </a:r>
+            <a:r>
+              <a:rPr lang="en-US" sz="1800" dirty="0">
+                <a:effectLst/>
+                <a:latin typeface="Arial" panose="020B0604020202020204" pitchFamily="34" charset="0"/>
+                <a:ea typeface="Arial" panose="020B0604020202020204" pitchFamily="34" charset="0"/>
+              </a:rPr>
+              <a:t>cache</a:t>
+            </a:r>
+            <a:r>
+              <a:rPr lang="he-IL" sz="1800" dirty="0">
+                <a:effectLst/>
+                <a:latin typeface="Arial" panose="020B0604020202020204" pitchFamily="34" charset="0"/>
+                <a:ea typeface="Arial" panose="020B0604020202020204" pitchFamily="34" charset="0"/>
+              </a:rPr>
+              <a:t> של שרתי </a:t>
+            </a:r>
+            <a:r>
+              <a:rPr lang="en-US" sz="1800" dirty="0">
+                <a:effectLst/>
+                <a:latin typeface="Arial" panose="020B0604020202020204" pitchFamily="34" charset="0"/>
+                <a:ea typeface="Arial" panose="020B0604020202020204" pitchFamily="34" charset="0"/>
+              </a:rPr>
+              <a:t>DNS</a:t>
+            </a:r>
+            <a:r>
+              <a:rPr lang="he-IL" sz="1800" dirty="0">
+                <a:effectLst/>
+                <a:latin typeface="Arial" panose="020B0604020202020204" pitchFamily="34" charset="0"/>
+                <a:ea typeface="Arial" panose="020B0604020202020204" pitchFamily="34" charset="0"/>
+              </a:rPr>
+              <a:t> ישנו מיפוי כתובות </a:t>
+            </a:r>
+            <a:r>
+              <a:rPr lang="en-US" sz="1800" dirty="0">
+                <a:effectLst/>
+                <a:latin typeface="Arial" panose="020B0604020202020204" pitchFamily="34" charset="0"/>
+                <a:ea typeface="Arial" panose="020B0604020202020204" pitchFamily="34" charset="0"/>
+              </a:rPr>
+              <a:t>IP</a:t>
+            </a:r>
+            <a:r>
+              <a:rPr lang="he-IL" sz="1800" dirty="0">
+                <a:effectLst/>
+                <a:latin typeface="Arial" panose="020B0604020202020204" pitchFamily="34" charset="0"/>
+                <a:ea typeface="Arial" panose="020B0604020202020204" pitchFamily="34" charset="0"/>
+              </a:rPr>
+              <a:t> לשמות דומיין באופן זמני, למשך זמן שהוגדר מראש (לרוב על ידי בעל הדומיין – מוגדר מראש בעת הפעלת השרת). </a:t>
+            </a:r>
+          </a:p>
+          <a:p>
+            <a:r>
+              <a:rPr lang="he-IL" sz="1800" dirty="0">
+                <a:effectLst/>
+                <a:latin typeface="Arial" panose="020B0604020202020204" pitchFamily="34" charset="0"/>
+                <a:ea typeface="Arial" panose="020B0604020202020204" pitchFamily="34" charset="0"/>
+              </a:rPr>
+              <a:t>כאשר ה</a:t>
+            </a:r>
+            <a:r>
+              <a:rPr lang="en-US" sz="1800" dirty="0">
+                <a:effectLst/>
+                <a:latin typeface="Arial" panose="020B0604020202020204" pitchFamily="34" charset="0"/>
+                <a:ea typeface="Arial" panose="020B0604020202020204" pitchFamily="34" charset="0"/>
+              </a:rPr>
+              <a:t>host-</a:t>
+            </a:r>
+            <a:r>
+              <a:rPr lang="he-IL" sz="1800" dirty="0">
+                <a:effectLst/>
+                <a:latin typeface="Arial" panose="020B0604020202020204" pitchFamily="34" charset="0"/>
+                <a:ea typeface="Arial" panose="020B0604020202020204" pitchFamily="34" charset="0"/>
+              </a:rPr>
+              <a:t> פונה לשרת </a:t>
+            </a:r>
+            <a:r>
+              <a:rPr lang="en-US" sz="1800" dirty="0">
+                <a:effectLst/>
+                <a:latin typeface="Arial" panose="020B0604020202020204" pitchFamily="34" charset="0"/>
+                <a:ea typeface="Arial" panose="020B0604020202020204" pitchFamily="34" charset="0"/>
+              </a:rPr>
+              <a:t>DNS</a:t>
+            </a:r>
+            <a:r>
+              <a:rPr lang="he-IL" sz="1800" dirty="0">
+                <a:effectLst/>
+                <a:latin typeface="Arial" panose="020B0604020202020204" pitchFamily="34" charset="0"/>
+                <a:ea typeface="Arial" panose="020B0604020202020204" pitchFamily="34" charset="0"/>
+              </a:rPr>
+              <a:t> לכתובת מסוימת, השרת בודק ב-</a:t>
+            </a:r>
+            <a:r>
+              <a:rPr lang="en-US" sz="1800" dirty="0">
+                <a:effectLst/>
+                <a:latin typeface="Arial" panose="020B0604020202020204" pitchFamily="34" charset="0"/>
+                <a:ea typeface="Arial" panose="020B0604020202020204" pitchFamily="34" charset="0"/>
+              </a:rPr>
+              <a:t>cache</a:t>
+            </a:r>
+            <a:r>
+              <a:rPr lang="he-IL" sz="1800" dirty="0">
+                <a:effectLst/>
+                <a:latin typeface="Arial" panose="020B0604020202020204" pitchFamily="34" charset="0"/>
+                <a:ea typeface="Arial" panose="020B0604020202020204" pitchFamily="34" charset="0"/>
+              </a:rPr>
+              <a:t> שלו אם רשומה קיימת ושולח תשובה.</a:t>
+            </a:r>
+          </a:p>
+          <a:p>
+            <a:r>
+              <a:rPr lang="he-IL" sz="1800" dirty="0">
+                <a:effectLst/>
+                <a:latin typeface="Arial" panose="020B0604020202020204" pitchFamily="34" charset="0"/>
+                <a:ea typeface="Arial" panose="020B0604020202020204" pitchFamily="34" charset="0"/>
+              </a:rPr>
+              <a:t>אם ה-</a:t>
+            </a:r>
+            <a:r>
+              <a:rPr lang="en-US" sz="1800" dirty="0">
+                <a:effectLst/>
+                <a:latin typeface="Arial" panose="020B0604020202020204" pitchFamily="34" charset="0"/>
+                <a:ea typeface="Arial" panose="020B0604020202020204" pitchFamily="34" charset="0"/>
+              </a:rPr>
+              <a:t>DNS</a:t>
+            </a:r>
+            <a:r>
+              <a:rPr lang="he-IL" sz="1800" dirty="0">
+                <a:effectLst/>
+                <a:latin typeface="Arial" panose="020B0604020202020204" pitchFamily="34" charset="0"/>
+                <a:ea typeface="Arial" panose="020B0604020202020204" pitchFamily="34" charset="0"/>
+              </a:rPr>
+              <a:t> שולח תשובה חזרה שהגיעה מה-</a:t>
+            </a:r>
+            <a:r>
+              <a:rPr lang="en-US" sz="1800" dirty="0">
+                <a:effectLst/>
+                <a:latin typeface="Arial" panose="020B0604020202020204" pitchFamily="34" charset="0"/>
+                <a:ea typeface="Arial" panose="020B0604020202020204" pitchFamily="34" charset="0"/>
+              </a:rPr>
+              <a:t>cache</a:t>
+            </a:r>
+            <a:r>
+              <a:rPr lang="he-IL" sz="1800" dirty="0">
+                <a:effectLst/>
+                <a:latin typeface="Arial" panose="020B0604020202020204" pitchFamily="34" charset="0"/>
+                <a:ea typeface="Arial" panose="020B0604020202020204" pitchFamily="34" charset="0"/>
+              </a:rPr>
+              <a:t>, יש שדה נוסף בעל ערך </a:t>
+            </a:r>
+            <a:r>
+              <a:rPr lang="en-US" sz="1800" dirty="0">
+                <a:effectLst/>
+                <a:latin typeface="Arial" panose="020B0604020202020204" pitchFamily="34" charset="0"/>
+                <a:ea typeface="Arial" panose="020B0604020202020204" pitchFamily="34" charset="0"/>
+              </a:rPr>
+              <a:t>TTL</a:t>
+            </a:r>
+            <a:r>
+              <a:rPr lang="he-IL" sz="1800" dirty="0">
+                <a:effectLst/>
+                <a:latin typeface="Arial" panose="020B0604020202020204" pitchFamily="34" charset="0"/>
+                <a:ea typeface="Arial" panose="020B0604020202020204" pitchFamily="34" charset="0"/>
+              </a:rPr>
+              <a:t> המציין מתי הרשומה תפוג (יש לשים לב לשוני בין ה-</a:t>
+            </a:r>
+            <a:r>
+              <a:rPr lang="en-US" sz="1800" dirty="0">
+                <a:effectLst/>
+                <a:latin typeface="Arial" panose="020B0604020202020204" pitchFamily="34" charset="0"/>
+                <a:ea typeface="Arial" panose="020B0604020202020204" pitchFamily="34" charset="0"/>
+              </a:rPr>
+              <a:t>TTL</a:t>
+            </a:r>
+            <a:r>
+              <a:rPr lang="he-IL" sz="1800" dirty="0">
+                <a:effectLst/>
+                <a:latin typeface="Arial" panose="020B0604020202020204" pitchFamily="34" charset="0"/>
+                <a:ea typeface="Arial" panose="020B0604020202020204" pitchFamily="34" charset="0"/>
+              </a:rPr>
+              <a:t> של </a:t>
             </a:r>
             <a:r>
               <a:rPr lang="he-IL" sz="1800" dirty="0" err="1">
@@ -6276,15 +11772,31 @@
                 <a:latin typeface="Arial" panose="020B0604020202020204" pitchFamily="34" charset="0"/>
                 <a:ea typeface="Arial" panose="020B0604020202020204" pitchFamily="34" charset="0"/>
               </a:rPr>
-              <a:t>וקטורי</a:t>
-            </a:r>
-            <a:r>
-              <a:rPr lang="he-IL" sz="1800" dirty="0">
-                <a:effectLst/>
-                <a:latin typeface="Arial" panose="020B0604020202020204" pitchFamily="34" charset="0"/>
-                <a:ea typeface="Arial" panose="020B0604020202020204" pitchFamily="34" charset="0"/>
-              </a:rPr>
-              <a:t> התקפה עם </a:t>
+              <a:t>הפקטה</a:t>
+            </a:r>
+            <a:r>
+              <a:rPr lang="he-IL" sz="1800" dirty="0">
+                <a:effectLst/>
+                <a:latin typeface="Arial" panose="020B0604020202020204" pitchFamily="34" charset="0"/>
+                <a:ea typeface="Arial" panose="020B0604020202020204" pitchFamily="34" charset="0"/>
+              </a:rPr>
+              <a:t> לבין זה של תוקף התשובה ב-</a:t>
+            </a:r>
+            <a:r>
+              <a:rPr lang="en-US" sz="1800" dirty="0">
+                <a:effectLst/>
+                <a:latin typeface="Arial" panose="020B0604020202020204" pitchFamily="34" charset="0"/>
+                <a:ea typeface="Arial" panose="020B0604020202020204" pitchFamily="34" charset="0"/>
+              </a:rPr>
+              <a:t>DNS</a:t>
+            </a:r>
+            <a:r>
+              <a:rPr lang="he-IL" sz="1800" dirty="0">
+                <a:effectLst/>
+                <a:latin typeface="Arial" panose="020B0604020202020204" pitchFamily="34" charset="0"/>
+                <a:ea typeface="Arial" panose="020B0604020202020204" pitchFamily="34" charset="0"/>
+              </a:rPr>
+              <a:t>), כלומר בתום הזמן הזה, הרשומה תמחק מן </a:t>
             </a:r>
             <a:r>
               <a:rPr lang="he-IL" sz="1800" dirty="0" err="1">
@@ -6292,67 +11804,67 @@
                 <a:latin typeface="Arial" panose="020B0604020202020204" pitchFamily="34" charset="0"/>
                 <a:ea typeface="Arial" panose="020B0604020202020204" pitchFamily="34" charset="0"/>
               </a:rPr>
-              <a:t>פגסוס</a:t>
-            </a:r>
-            <a:r>
-              <a:rPr lang="he-IL" sz="1800" dirty="0">
-                <a:effectLst/>
-                <a:latin typeface="Arial" panose="020B0604020202020204" pitchFamily="34" charset="0"/>
-                <a:ea typeface="Arial" panose="020B0604020202020204" pitchFamily="34" charset="0"/>
-              </a:rPr>
-              <a:t>.</a:t>
-            </a:r>
-          </a:p>
-          <a:p>
+              <a:t>זכרון</a:t>
+            </a:r>
+            <a:r>
+              <a:rPr lang="he-IL" sz="1800" dirty="0">
+                <a:effectLst/>
+                <a:latin typeface="Arial" panose="020B0604020202020204" pitchFamily="34" charset="0"/>
+                <a:ea typeface="Arial" panose="020B0604020202020204" pitchFamily="34" charset="0"/>
+              </a:rPr>
+              <a:t> המטמון.</a:t>
+            </a:r>
+          </a:p>
+          <a:p>
+            <a:r>
+              <a:rPr lang="he-IL" sz="1800" dirty="0">
+                <a:effectLst/>
+                <a:latin typeface="Arial" panose="020B0604020202020204" pitchFamily="34" charset="0"/>
+                <a:ea typeface="Arial" panose="020B0604020202020204" pitchFamily="34" charset="0"/>
+              </a:rPr>
+              <a:t>אם ערך </a:t>
+            </a:r>
             <a:r>
               <a:rPr lang="en-US" sz="1800" dirty="0">
                 <a:effectLst/>
                 <a:latin typeface="Arial" panose="020B0604020202020204" pitchFamily="34" charset="0"/>
                 <a:ea typeface="Arial" panose="020B0604020202020204" pitchFamily="34" charset="0"/>
               </a:rPr>
-              <a:t>One-click vector</a:t>
-            </a:r>
-            <a:r>
-              <a:rPr lang="he-IL" sz="1800" dirty="0">
-                <a:effectLst/>
-                <a:latin typeface="Arial" panose="020B0604020202020204" pitchFamily="34" charset="0"/>
-                <a:ea typeface="Arial" panose="020B0604020202020204" pitchFamily="34" charset="0"/>
-              </a:rPr>
-              <a:t> - המטרה צריכה ללחוץ על הלינק בהודעה על מנת שישלחו החולשות והתקנת </a:t>
-            </a:r>
-            <a:r>
-              <a:rPr lang="he-IL" sz="1800" dirty="0" err="1">
-                <a:effectLst/>
-                <a:latin typeface="Arial" panose="020B0604020202020204" pitchFamily="34" charset="0"/>
-                <a:ea typeface="Arial" panose="020B0604020202020204" pitchFamily="34" charset="0"/>
-              </a:rPr>
-              <a:t>פגסוס</a:t>
-            </a:r>
-            <a:r>
-              <a:rPr lang="he-IL" sz="1800" dirty="0">
-                <a:effectLst/>
-                <a:latin typeface="Arial" panose="020B0604020202020204" pitchFamily="34" charset="0"/>
-                <a:ea typeface="Arial" panose="020B0604020202020204" pitchFamily="34" charset="0"/>
-              </a:rPr>
-              <a:t>.</a:t>
-            </a:r>
-          </a:p>
-          <a:p>
+              <a:t>TTL</a:t>
+            </a:r>
+            <a:r>
+              <a:rPr lang="he-IL" sz="1800" dirty="0">
+                <a:effectLst/>
+                <a:latin typeface="Arial" panose="020B0604020202020204" pitchFamily="34" charset="0"/>
+                <a:ea typeface="Arial" panose="020B0604020202020204" pitchFamily="34" charset="0"/>
+              </a:rPr>
+              <a:t> המוחזר נמוך ממה שנקבע מראש סביר שנעשה חיפוש קודם של אותה כתובת על ידי משתמש אחר לאחרונה.</a:t>
+            </a:r>
+          </a:p>
+          <a:p>
+            <a:r>
+              <a:rPr lang="he-IL" sz="1800" dirty="0">
+                <a:effectLst/>
+                <a:latin typeface="Arial" panose="020B0604020202020204" pitchFamily="34" charset="0"/>
+                <a:ea typeface="Arial" panose="020B0604020202020204" pitchFamily="34" charset="0"/>
+              </a:rPr>
+              <a:t>בעזרת שיטה זו ניתן לעקוב אחר קשרים של </a:t>
+            </a:r>
             <a:r>
               <a:rPr lang="en-US" sz="1800" dirty="0">
                 <a:effectLst/>
                 <a:latin typeface="Arial" panose="020B0604020202020204" pitchFamily="34" charset="0"/>
                 <a:ea typeface="Arial" panose="020B0604020202020204" pitchFamily="34" charset="0"/>
               </a:rPr>
-              <a:t>Zero-click vector</a:t>
-            </a:r>
-            <a:r>
-              <a:rPr lang="he-IL" sz="1800" dirty="0">
-                <a:effectLst/>
-                <a:latin typeface="Arial" panose="020B0604020202020204" pitchFamily="34" charset="0"/>
-                <a:ea typeface="Arial" panose="020B0604020202020204" pitchFamily="34" charset="0"/>
-              </a:rPr>
-              <a:t> – לא דרושה לחיצה והתערבות של המטרה, אלא המפעיל שולח הודעה עם לינק דרך סוג מיוחד של הודעת </a:t>
+              <a:t>hosts</a:t>
+            </a:r>
+            <a:r>
+              <a:rPr lang="he-IL" sz="1800" dirty="0">
+                <a:effectLst/>
+                <a:latin typeface="Arial" panose="020B0604020202020204" pitchFamily="34" charset="0"/>
+                <a:ea typeface="Arial" panose="020B0604020202020204" pitchFamily="34" charset="0"/>
+              </a:rPr>
+              <a:t> לשרתים שונים לפי בקשות </a:t>
             </a:r>
             <a:r>
               <a:rPr lang="en-US" sz="1800" dirty="0">
@@ -6360,65 +11872,144 @@
                 <a:latin typeface="Arial" panose="020B0604020202020204" pitchFamily="34" charset="0"/>
                 <a:ea typeface="Arial" panose="020B0604020202020204" pitchFamily="34" charset="0"/>
               </a:rPr>
-              <a:t>SMS</a:t>
-            </a:r>
-            <a:r>
-              <a:rPr lang="he-IL" sz="1800" dirty="0">
-                <a:effectLst/>
-                <a:latin typeface="Arial" panose="020B0604020202020204" pitchFamily="34" charset="0"/>
-                <a:ea typeface="Arial" panose="020B0604020202020204" pitchFamily="34" charset="0"/>
-              </a:rPr>
-              <a:t> שגורמת לטלפון לפתוח באופן אוטומטי את הלינק.</a:t>
-            </a:r>
-          </a:p>
-          <a:p>
-            <a:r>
-              <a:rPr lang="he-IL" sz="1800" dirty="0">
-                <a:effectLst/>
-                <a:latin typeface="Arial" panose="020B0604020202020204" pitchFamily="34" charset="0"/>
-                <a:ea typeface="Arial" panose="020B0604020202020204" pitchFamily="34" charset="0"/>
-              </a:rPr>
-              <a:t>בשתי הדרכים </a:t>
-            </a:r>
-            <a:r>
-              <a:rPr lang="he-IL" sz="1800" dirty="0" err="1">
-                <a:effectLst/>
-                <a:latin typeface="Arial" panose="020B0604020202020204" pitchFamily="34" charset="0"/>
-                <a:ea typeface="Arial" panose="020B0604020202020204" pitchFamily="34" charset="0"/>
-              </a:rPr>
-              <a:t>הנוזקות</a:t>
-            </a:r>
-            <a:r>
-              <a:rPr lang="he-IL" sz="1800" dirty="0">
-                <a:effectLst/>
-                <a:latin typeface="Arial" panose="020B0604020202020204" pitchFamily="34" charset="0"/>
-                <a:ea typeface="Arial" panose="020B0604020202020204" pitchFamily="34" charset="0"/>
-              </a:rPr>
-              <a:t> חודרות למחשב </a:t>
-            </a:r>
-            <a:r>
-              <a:rPr lang="he-IL" sz="1800" dirty="0" err="1">
-                <a:effectLst/>
-                <a:latin typeface="Arial" panose="020B0604020202020204" pitchFamily="34" charset="0"/>
-                <a:ea typeface="Arial" panose="020B0604020202020204" pitchFamily="34" charset="0"/>
-              </a:rPr>
-              <a:t>ופגסוס</a:t>
-            </a:r>
-            <a:r>
-              <a:rPr lang="he-IL" sz="1800" dirty="0">
-                <a:effectLst/>
-                <a:latin typeface="Arial" panose="020B0604020202020204" pitchFamily="34" charset="0"/>
-                <a:ea typeface="Arial" panose="020B0604020202020204" pitchFamily="34" charset="0"/>
-              </a:rPr>
-              <a:t> מותקנת על הטלפון ללא ידיעה או אישור של בעל המכשיר.</a:t>
-            </a:r>
+              <a:t>DNS</a:t>
+            </a:r>
+            <a:r>
+              <a:rPr lang="he-IL" sz="1800" dirty="0">
+                <a:effectLst/>
+                <a:latin typeface="Arial" panose="020B0604020202020204" pitchFamily="34" charset="0"/>
+                <a:ea typeface="Arial" panose="020B0604020202020204" pitchFamily="34" charset="0"/>
+              </a:rPr>
+              <a:t> ומסלול ה </a:t>
+            </a:r>
+            <a:r>
+              <a:rPr lang="en-US" sz="1800" dirty="0">
+                <a:effectLst/>
+                <a:latin typeface="Arial" panose="020B0604020202020204" pitchFamily="34" charset="0"/>
+                <a:ea typeface="Arial" panose="020B0604020202020204" pitchFamily="34" charset="0"/>
+              </a:rPr>
+              <a:t>query</a:t>
+            </a:r>
+            <a:r>
+              <a:rPr lang="he-IL" sz="1800" dirty="0">
+                <a:effectLst/>
+                <a:latin typeface="Arial" panose="020B0604020202020204" pitchFamily="34" charset="0"/>
+                <a:ea typeface="Arial" panose="020B0604020202020204" pitchFamily="34" charset="0"/>
+              </a:rPr>
+              <a:t> והתשובות שחוזרות אולי מרמות שונות של שרתי </a:t>
+            </a:r>
+            <a:r>
+              <a:rPr lang="en-US" sz="1800" dirty="0">
+                <a:effectLst/>
+                <a:latin typeface="Arial" panose="020B0604020202020204" pitchFamily="34" charset="0"/>
+                <a:ea typeface="Arial" panose="020B0604020202020204" pitchFamily="34" charset="0"/>
+              </a:rPr>
+              <a:t>DNS</a:t>
+            </a:r>
+            <a:r>
+              <a:rPr lang="he-IL" sz="1800" dirty="0">
+                <a:effectLst/>
+                <a:latin typeface="Arial" panose="020B0604020202020204" pitchFamily="34" charset="0"/>
+                <a:ea typeface="Arial" panose="020B0604020202020204" pitchFamily="34" charset="0"/>
+              </a:rPr>
+              <a:t>. (בגלל קיום רשומה קודמת - יש </a:t>
+            </a:r>
+            <a:r>
+              <a:rPr lang="en-US" sz="1800" dirty="0">
+                <a:effectLst/>
+                <a:latin typeface="Arial" panose="020B0604020202020204" pitchFamily="34" charset="0"/>
+                <a:ea typeface="Arial" panose="020B0604020202020204" pitchFamily="34" charset="0"/>
+              </a:rPr>
+              <a:t>host</a:t>
+            </a:r>
+            <a:r>
+              <a:rPr lang="he-IL" sz="1800" dirty="0">
+                <a:effectLst/>
+                <a:latin typeface="Arial" panose="020B0604020202020204" pitchFamily="34" charset="0"/>
+                <a:ea typeface="Arial" panose="020B0604020202020204" pitchFamily="34" charset="0"/>
+              </a:rPr>
+              <a:t> שרוצה ליצור קשר עם כתובת מסוימת).</a:t>
+            </a:r>
+          </a:p>
+          <a:p>
+            <a:r>
+              <a:rPr lang="he-IL" sz="1800" dirty="0">
+                <a:latin typeface="Arial" panose="020B0604020202020204" pitchFamily="34" charset="0"/>
+                <a:ea typeface="Arial" panose="020B0604020202020204" pitchFamily="34" charset="0"/>
+              </a:rPr>
+              <a:t>חשוב לציין – אין בהכרח שה-</a:t>
+            </a:r>
+            <a:r>
+              <a:rPr lang="en-US" sz="1800" dirty="0">
+                <a:latin typeface="Arial" panose="020B0604020202020204" pitchFamily="34" charset="0"/>
+                <a:ea typeface="Arial" panose="020B0604020202020204" pitchFamily="34" charset="0"/>
+              </a:rPr>
+              <a:t>TTL</a:t>
+            </a:r>
+            <a:r>
+              <a:rPr lang="he-IL" sz="1800" dirty="0">
+                <a:latin typeface="Arial" panose="020B0604020202020204" pitchFamily="34" charset="0"/>
+                <a:ea typeface="Arial" panose="020B0604020202020204" pitchFamily="34" charset="0"/>
+              </a:rPr>
+              <a:t> ששרת ה-</a:t>
+            </a:r>
+            <a:r>
+              <a:rPr lang="en-US" sz="1800" dirty="0">
+                <a:latin typeface="Arial" panose="020B0604020202020204" pitchFamily="34" charset="0"/>
+                <a:ea typeface="Arial" panose="020B0604020202020204" pitchFamily="34" charset="0"/>
+              </a:rPr>
+              <a:t>DNS</a:t>
+            </a:r>
+            <a:r>
+              <a:rPr lang="he-IL" sz="1800" dirty="0">
+                <a:latin typeface="Arial" panose="020B0604020202020204" pitchFamily="34" charset="0"/>
+                <a:ea typeface="Arial" panose="020B0604020202020204" pitchFamily="34" charset="0"/>
+              </a:rPr>
+              <a:t> יחזיר למשתמש הוא ה-</a:t>
+            </a:r>
+            <a:r>
+              <a:rPr lang="en-US" sz="1800" dirty="0">
+                <a:latin typeface="Arial" panose="020B0604020202020204" pitchFamily="34" charset="0"/>
+                <a:ea typeface="Arial" panose="020B0604020202020204" pitchFamily="34" charset="0"/>
+              </a:rPr>
+              <a:t>TTL</a:t>
+            </a:r>
+            <a:r>
+              <a:rPr lang="he-IL" sz="1800" dirty="0">
+                <a:latin typeface="Arial" panose="020B0604020202020204" pitchFamily="34" charset="0"/>
+                <a:ea typeface="Arial" panose="020B0604020202020204" pitchFamily="34" charset="0"/>
+              </a:rPr>
+              <a:t> ה-"אמיתי" הדבר כמובן תלוי במימוש המתכנת וסדרת הצפייה בדברים הללו יכולה לנו להבין את ההתנהגות של ה-</a:t>
+            </a:r>
+            <a:r>
+              <a:rPr lang="en-US" sz="1800" dirty="0">
+                <a:latin typeface="Arial" panose="020B0604020202020204" pitchFamily="34" charset="0"/>
+                <a:ea typeface="Arial" panose="020B0604020202020204" pitchFamily="34" charset="0"/>
+              </a:rPr>
+              <a:t>DNS</a:t>
+            </a:r>
+            <a:r>
+              <a:rPr lang="he-IL" sz="1800" dirty="0">
+                <a:latin typeface="Arial" panose="020B0604020202020204" pitchFamily="34" charset="0"/>
+                <a:ea typeface="Arial" panose="020B0604020202020204" pitchFamily="34" charset="0"/>
+              </a:rPr>
+              <a:t> והמטמון שלו.</a:t>
+            </a:r>
+            <a:endParaRPr lang="en-US" sz="1800" dirty="0">
+              <a:effectLst/>
+              <a:latin typeface="Arial" panose="020B0604020202020204" pitchFamily="34" charset="0"/>
+              <a:ea typeface="Arial" panose="020B0604020202020204" pitchFamily="34" charset="0"/>
+            </a:endParaRPr>
+          </a:p>
+          <a:p>
+            <a:endParaRPr lang="he-IL" dirty="0"/>
           </a:p>
         </p:txBody>
       </p:sp>
     </p:spTree>
     <p:extLst>
       <p:ext uri="{BB962C8B-B14F-4D97-AF65-F5344CB8AC3E}">
-        <p14:creationId xmlns:p14="http://schemas.microsoft.com/office/powerpoint/2010/main" val="1401059322"/>
+        <p14:creationId xmlns:p14="http://schemas.microsoft.com/office/powerpoint/2010/main" val="661234589"/>
       </p:ext>
     </p:extLst>
   </p:cSld>
@@ -6492,7 +12083,9 @@
         </p:nvSpPr>
         <p:spPr/>
         <p:txBody>
-          <a:bodyPr/>
+          <a:bodyPr>
+            <a:normAutofit/>
+          </a:bodyPr>
           <a:lstStyle/>
           <a:p>
             <a:r>
@@ -6501,7 +12094,23 @@
                 <a:latin typeface="Arial" panose="020B0604020202020204" pitchFamily="34" charset="0"/>
                 <a:ea typeface="Arial" panose="020B0604020202020204" pitchFamily="34" charset="0"/>
               </a:rPr>
-              <a:t>קישורי </a:t>
+              <a:t>לפי מסמכים שהתפרסמו קבוצת </a:t>
+            </a:r>
+            <a:r>
+              <a:rPr lang="en-US" sz="1800" dirty="0">
+                <a:effectLst/>
+                <a:latin typeface="Arial" panose="020B0604020202020204" pitchFamily="34" charset="0"/>
+                <a:ea typeface="Arial" panose="020B0604020202020204" pitchFamily="34" charset="0"/>
+              </a:rPr>
+              <a:t>NSO</a:t>
+            </a:r>
+            <a:r>
+              <a:rPr lang="he-IL" sz="1800" dirty="0">
+                <a:effectLst/>
+                <a:latin typeface="Arial" panose="020B0604020202020204" pitchFamily="34" charset="0"/>
+                <a:ea typeface="Arial" panose="020B0604020202020204" pitchFamily="34" charset="0"/>
+              </a:rPr>
+              <a:t> מציעה שני </a:t>
             </a:r>
             <a:r>
               <a:rPr lang="he-IL" sz="1800" dirty="0" err="1">
@@ -6509,6 +12118,116 @@
                 <a:latin typeface="Arial" panose="020B0604020202020204" pitchFamily="34" charset="0"/>
                 <a:ea typeface="Arial" panose="020B0604020202020204" pitchFamily="34" charset="0"/>
               </a:rPr>
+              <a:t>וקטורי</a:t>
+            </a:r>
+            <a:r>
+              <a:rPr lang="he-IL" sz="1800" dirty="0">
+                <a:effectLst/>
+                <a:latin typeface="Arial" panose="020B0604020202020204" pitchFamily="34" charset="0"/>
+                <a:ea typeface="Arial" panose="020B0604020202020204" pitchFamily="34" charset="0"/>
+              </a:rPr>
+              <a:t> התקפה עם </a:t>
+            </a:r>
+            <a:r>
+              <a:rPr lang="he-IL" sz="1800" dirty="0" err="1">
+                <a:effectLst/>
+                <a:latin typeface="Arial" panose="020B0604020202020204" pitchFamily="34" charset="0"/>
+                <a:ea typeface="Arial" panose="020B0604020202020204" pitchFamily="34" charset="0"/>
+              </a:rPr>
+              <a:t>פגסוס</a:t>
+            </a:r>
+            <a:r>
+              <a:rPr lang="he-IL" sz="1800" dirty="0">
+                <a:effectLst/>
+                <a:latin typeface="Arial" panose="020B0604020202020204" pitchFamily="34" charset="0"/>
+                <a:ea typeface="Arial" panose="020B0604020202020204" pitchFamily="34" charset="0"/>
+              </a:rPr>
+              <a:t>.</a:t>
+            </a:r>
+          </a:p>
+          <a:p>
+            <a:r>
+              <a:rPr lang="en-US" sz="1800" dirty="0">
+                <a:effectLst/>
+                <a:latin typeface="Arial" panose="020B0604020202020204" pitchFamily="34" charset="0"/>
+                <a:ea typeface="Arial" panose="020B0604020202020204" pitchFamily="34" charset="0"/>
+              </a:rPr>
+              <a:t>One-click vector</a:t>
+            </a:r>
+            <a:r>
+              <a:rPr lang="he-IL" sz="1800" dirty="0">
+                <a:effectLst/>
+                <a:latin typeface="Arial" panose="020B0604020202020204" pitchFamily="34" charset="0"/>
+                <a:ea typeface="Arial" panose="020B0604020202020204" pitchFamily="34" charset="0"/>
+              </a:rPr>
+              <a:t> - המטרה צריכה ללחוץ על הלינק בהודעה על מנת שישלחו החולשות והתקנת </a:t>
+            </a:r>
+            <a:r>
+              <a:rPr lang="he-IL" sz="1800" dirty="0" err="1">
+                <a:effectLst/>
+                <a:latin typeface="Arial" panose="020B0604020202020204" pitchFamily="34" charset="0"/>
+                <a:ea typeface="Arial" panose="020B0604020202020204" pitchFamily="34" charset="0"/>
+              </a:rPr>
+              <a:t>פגסוס</a:t>
+            </a:r>
+            <a:r>
+              <a:rPr lang="he-IL" sz="1800" dirty="0">
+                <a:effectLst/>
+                <a:latin typeface="Arial" panose="020B0604020202020204" pitchFamily="34" charset="0"/>
+                <a:ea typeface="Arial" panose="020B0604020202020204" pitchFamily="34" charset="0"/>
+              </a:rPr>
+              <a:t>.</a:t>
+            </a:r>
+          </a:p>
+          <a:p>
+            <a:r>
+              <a:rPr lang="en-US" sz="1800" dirty="0">
+                <a:effectLst/>
+                <a:latin typeface="Arial" panose="020B0604020202020204" pitchFamily="34" charset="0"/>
+                <a:ea typeface="Arial" panose="020B0604020202020204" pitchFamily="34" charset="0"/>
+              </a:rPr>
+              <a:t>Zero-click vector</a:t>
+            </a:r>
+            <a:r>
+              <a:rPr lang="he-IL" sz="1800" dirty="0">
+                <a:effectLst/>
+                <a:latin typeface="Arial" panose="020B0604020202020204" pitchFamily="34" charset="0"/>
+                <a:ea typeface="Arial" panose="020B0604020202020204" pitchFamily="34" charset="0"/>
+              </a:rPr>
+              <a:t> – לא דרושה לחיצה והתערבות של המטרה, אלא המפעיל שולח הודעה עם לינק דרך סוג מיוחד של הודעת </a:t>
+            </a:r>
+            <a:r>
+              <a:rPr lang="en-US" sz="1800" dirty="0">
+                <a:effectLst/>
+                <a:latin typeface="Arial" panose="020B0604020202020204" pitchFamily="34" charset="0"/>
+                <a:ea typeface="Arial" panose="020B0604020202020204" pitchFamily="34" charset="0"/>
+              </a:rPr>
+              <a:t>SMS</a:t>
+            </a:r>
+            <a:r>
+              <a:rPr lang="he-IL" sz="1800" dirty="0">
+                <a:effectLst/>
+                <a:latin typeface="Arial" panose="020B0604020202020204" pitchFamily="34" charset="0"/>
+                <a:ea typeface="Arial" panose="020B0604020202020204" pitchFamily="34" charset="0"/>
+              </a:rPr>
+              <a:t> שגורמת לטלפון לפתוח באופן אוטומטי את הלינק.</a:t>
+            </a:r>
+          </a:p>
+          <a:p>
+            <a:r>
+              <a:rPr lang="he-IL" sz="1800" dirty="0">
+                <a:effectLst/>
+                <a:latin typeface="Arial" panose="020B0604020202020204" pitchFamily="34" charset="0"/>
+                <a:ea typeface="Arial" panose="020B0604020202020204" pitchFamily="34" charset="0"/>
+              </a:rPr>
+              <a:t>בשתי הדרכים </a:t>
+            </a:r>
+            <a:r>
+              <a:rPr lang="he-IL" sz="1800" dirty="0" err="1">
+                <a:effectLst/>
+                <a:latin typeface="Arial" panose="020B0604020202020204" pitchFamily="34" charset="0"/>
+                <a:ea typeface="Arial" panose="020B0604020202020204" pitchFamily="34" charset="0"/>
+              </a:rPr>
               <a:t>הנוזקות</a:t>
             </a:r>
             <a:r>
@@ -6517,43 +12236,7 @@
                 <a:latin typeface="Arial" panose="020B0604020202020204" pitchFamily="34" charset="0"/>
                 <a:ea typeface="Arial" panose="020B0604020202020204" pitchFamily="34" charset="0"/>
               </a:rPr>
-              <a:t> ושרתי המפעיל משתמשים בפרוטוקול </a:t>
-            </a:r>
-            <a:r>
-              <a:rPr lang="en-US" sz="1800" dirty="0">
-                <a:effectLst/>
-                <a:latin typeface="Arial" panose="020B0604020202020204" pitchFamily="34" charset="0"/>
-                <a:ea typeface="Arial" panose="020B0604020202020204" pitchFamily="34" charset="0"/>
-              </a:rPr>
-              <a:t>HTTPS</a:t>
-            </a:r>
-            <a:r>
-              <a:rPr lang="he-IL" sz="1800" dirty="0">
-                <a:effectLst/>
-                <a:latin typeface="Arial" panose="020B0604020202020204" pitchFamily="34" charset="0"/>
-                <a:ea typeface="Arial" panose="020B0604020202020204" pitchFamily="34" charset="0"/>
-              </a:rPr>
-              <a:t> לכן המפעיל מחויב ברישום דומיין ואחזקתו.</a:t>
-            </a:r>
-          </a:p>
-          <a:p>
-            <a:r>
-              <a:rPr lang="he-IL" sz="1800" dirty="0">
-                <a:effectLst/>
-                <a:latin typeface="Arial" panose="020B0604020202020204" pitchFamily="34" charset="0"/>
-                <a:ea typeface="Arial" panose="020B0604020202020204" pitchFamily="34" charset="0"/>
-              </a:rPr>
-              <a:t>הדומיין מתחזה לאתר שנראה בטוח לשימוש כמו אתרי בנק, ספקי תקשורת ושירותי נוספים.</a:t>
-            </a:r>
-          </a:p>
-          <a:p>
-            <a:r>
-              <a:rPr lang="he-IL" sz="1800" dirty="0">
-                <a:effectLst/>
-                <a:latin typeface="Arial" panose="020B0604020202020204" pitchFamily="34" charset="0"/>
-                <a:ea typeface="Arial" panose="020B0604020202020204" pitchFamily="34" charset="0"/>
-              </a:rPr>
-              <a:t>לרוב שרתי הדומיין מובילים לשרתי ענן </a:t>
+              <a:t> חודרות למחשב </a:t>
             </a:r>
             <a:r>
               <a:rPr lang="he-IL" sz="1800" dirty="0" err="1">
@@ -6561,108 +12244,23 @@
                 <a:latin typeface="Arial" panose="020B0604020202020204" pitchFamily="34" charset="0"/>
                 <a:ea typeface="Arial" panose="020B0604020202020204" pitchFamily="34" charset="0"/>
               </a:rPr>
-              <a:t>וירטואלים</a:t>
-            </a:r>
-            <a:r>
-              <a:rPr lang="he-IL" sz="1800" dirty="0">
-                <a:effectLst/>
-                <a:latin typeface="Arial" panose="020B0604020202020204" pitchFamily="34" charset="0"/>
-                <a:ea typeface="Arial" panose="020B0604020202020204" pitchFamily="34" charset="0"/>
-              </a:rPr>
-              <a:t> פרטיים המושכרים על ידי קבוצות </a:t>
-            </a:r>
-            <a:r>
-              <a:rPr lang="en-US" sz="1800" dirty="0">
-                <a:effectLst/>
-                <a:latin typeface="Arial" panose="020B0604020202020204" pitchFamily="34" charset="0"/>
-                <a:ea typeface="Arial" panose="020B0604020202020204" pitchFamily="34" charset="0"/>
-              </a:rPr>
-              <a:t>NSO</a:t>
-            </a:r>
-            <a:r>
-              <a:rPr lang="he-IL" sz="1800" dirty="0">
-                <a:effectLst/>
-                <a:latin typeface="Arial" panose="020B0604020202020204" pitchFamily="34" charset="0"/>
-                <a:ea typeface="Arial" panose="020B0604020202020204" pitchFamily="34" charset="0"/>
-              </a:rPr>
-              <a:t> או המפעיל והם נקראים </a:t>
-            </a:r>
-            <a:r>
-              <a:rPr lang="en-US" sz="1800" dirty="0">
-                <a:effectLst/>
-                <a:latin typeface="Arial" panose="020B0604020202020204" pitchFamily="34" charset="0"/>
-                <a:ea typeface="Arial" panose="020B0604020202020204" pitchFamily="34" charset="0"/>
-              </a:rPr>
-              <a:t>front end servers</a:t>
-            </a:r>
-            <a:r>
-              <a:rPr lang="he-IL" sz="1800" dirty="0">
-                <a:effectLst/>
-                <a:latin typeface="Arial" panose="020B0604020202020204" pitchFamily="34" charset="0"/>
-                <a:ea typeface="Arial" panose="020B0604020202020204" pitchFamily="34" charset="0"/>
-              </a:rPr>
-              <a:t>.</a:t>
-            </a:r>
-          </a:p>
-          <a:p>
-            <a:r>
-              <a:rPr lang="he-IL" sz="1800" dirty="0">
-                <a:effectLst/>
-                <a:latin typeface="Arial" panose="020B0604020202020204" pitchFamily="34" charset="0"/>
-                <a:ea typeface="Arial" panose="020B0604020202020204" pitchFamily="34" charset="0"/>
-              </a:rPr>
-              <a:t>שרתי </a:t>
-            </a:r>
-            <a:r>
-              <a:rPr lang="en-US" sz="1800" dirty="0">
-                <a:effectLst/>
-                <a:latin typeface="Arial" panose="020B0604020202020204" pitchFamily="34" charset="0"/>
-                <a:ea typeface="Arial" panose="020B0604020202020204" pitchFamily="34" charset="0"/>
-              </a:rPr>
-              <a:t>front end</a:t>
-            </a:r>
-            <a:r>
-              <a:rPr lang="he-IL" sz="1800" dirty="0">
-                <a:effectLst/>
-                <a:latin typeface="Arial" panose="020B0604020202020204" pitchFamily="34" charset="0"/>
-                <a:ea typeface="Arial" panose="020B0604020202020204" pitchFamily="34" charset="0"/>
-              </a:rPr>
-              <a:t> מעבירים תעבורה דרך שרשרת של שרתים עד לשרתים במיקום המפעיל - </a:t>
-            </a:r>
-            <a:r>
-              <a:rPr lang="en-US" sz="1800" dirty="0">
-                <a:effectLst/>
-                <a:latin typeface="Arial" panose="020B0604020202020204" pitchFamily="34" charset="0"/>
-                <a:ea typeface="Arial" panose="020B0604020202020204" pitchFamily="34" charset="0"/>
-              </a:rPr>
-              <a:t>back end servers</a:t>
-            </a:r>
-            <a:r>
-              <a:rPr lang="he-IL" sz="1800" dirty="0">
-                <a:effectLst/>
-                <a:latin typeface="Arial" panose="020B0604020202020204" pitchFamily="34" charset="0"/>
-                <a:ea typeface="Arial" panose="020B0604020202020204" pitchFamily="34" charset="0"/>
-              </a:rPr>
-              <a:t>.</a:t>
-            </a:r>
-            <a:endParaRPr lang="en-US" sz="1800" dirty="0">
-              <a:effectLst/>
-              <a:latin typeface="Arial" panose="020B0604020202020204" pitchFamily="34" charset="0"/>
-              <a:ea typeface="Arial" panose="020B0604020202020204" pitchFamily="34" charset="0"/>
-            </a:endParaRPr>
-          </a:p>
-          <a:p>
-            <a:pPr marL="0" indent="0">
-              <a:buNone/>
-            </a:pPr>
-            <a:endParaRPr lang="he-IL" dirty="0"/>
+              <a:t>ופגסוס</a:t>
+            </a:r>
+            <a:r>
+              <a:rPr lang="he-IL" sz="1800" dirty="0">
+                <a:effectLst/>
+                <a:latin typeface="Arial" panose="020B0604020202020204" pitchFamily="34" charset="0"/>
+                <a:ea typeface="Arial" panose="020B0604020202020204" pitchFamily="34" charset="0"/>
+              </a:rPr>
+              <a:t> מותקנת על הטלפון ללא ידיעה או אישור של בעל המכשיר.</a:t>
+            </a:r>
           </a:p>
         </p:txBody>
       </p:sp>
     </p:spTree>
     <p:extLst>
       <p:ext uri="{BB962C8B-B14F-4D97-AF65-F5344CB8AC3E}">
-        <p14:creationId xmlns:p14="http://schemas.microsoft.com/office/powerpoint/2010/main" val="83099386"/>
+        <p14:creationId xmlns:p14="http://schemas.microsoft.com/office/powerpoint/2010/main" val="1401059322"/>
       </p:ext>
     </p:extLst>
   </p:cSld>
@@ -6707,18 +12305,12 @@
         </p:nvSpPr>
         <p:spPr/>
         <p:txBody>
-          <a:bodyPr>
-            <a:normAutofit/>
-          </a:bodyPr>
+          <a:bodyPr/>
           <a:lstStyle/>
           <a:p>
             <a:r>
-              <a:rPr lang="en-US" b="1" dirty="0">
-                <a:effectLst/>
-                <a:latin typeface="Arial" panose="020B0604020202020204" pitchFamily="34" charset="0"/>
-                <a:ea typeface="Arial" panose="020B0604020202020204" pitchFamily="34" charset="0"/>
-              </a:rPr>
-              <a:t>The Citizen Lab</a:t>
+              <a:rPr lang="he-IL" dirty="0" err="1"/>
+              <a:t>פגסוס</a:t>
             </a:r>
             <a:endParaRPr lang="he-IL" dirty="0"/>
           </a:p>
@@ -6746,129 +12338,165 @@
           <a:lstStyle/>
           <a:p>
             <a:r>
+              <a:rPr lang="he-IL" sz="1800" dirty="0">
+                <a:effectLst/>
+                <a:latin typeface="Arial" panose="020B0604020202020204" pitchFamily="34" charset="0"/>
+                <a:ea typeface="Arial" panose="020B0604020202020204" pitchFamily="34" charset="0"/>
+              </a:rPr>
+              <a:t>קישורי </a:t>
+            </a:r>
+            <a:r>
+              <a:rPr lang="he-IL" sz="1800" dirty="0" err="1">
+                <a:effectLst/>
+                <a:latin typeface="Arial" panose="020B0604020202020204" pitchFamily="34" charset="0"/>
+                <a:ea typeface="Arial" panose="020B0604020202020204" pitchFamily="34" charset="0"/>
+              </a:rPr>
+              <a:t>הנוזקות</a:t>
+            </a:r>
+            <a:r>
+              <a:rPr lang="he-IL" sz="1800" dirty="0">
+                <a:effectLst/>
+                <a:latin typeface="Arial" panose="020B0604020202020204" pitchFamily="34" charset="0"/>
+                <a:ea typeface="Arial" panose="020B0604020202020204" pitchFamily="34" charset="0"/>
+              </a:rPr>
+              <a:t> ושרתי המפעיל משתמשים בפרוטוקול </a:t>
+            </a:r>
+            <a:r>
               <a:rPr lang="en-US" sz="1800" dirty="0">
-                <a:latin typeface="Arial" panose="020B0604020202020204" pitchFamily="34" charset="0"/>
-                <a:ea typeface="Arial" panose="020B0604020202020204" pitchFamily="34" charset="0"/>
-              </a:rPr>
-              <a:t>The Citizen Lab</a:t>
-            </a:r>
-            <a:r>
-              <a:rPr lang="he-IL" sz="1800" dirty="0">
-                <a:latin typeface="Arial" panose="020B0604020202020204" pitchFamily="34" charset="0"/>
-                <a:ea typeface="Arial" panose="020B0604020202020204" pitchFamily="34" charset="0"/>
-              </a:rPr>
-              <a:t> (</a:t>
+                <a:effectLst/>
+                <a:latin typeface="Arial" panose="020B0604020202020204" pitchFamily="34" charset="0"/>
+                <a:ea typeface="Arial" panose="020B0604020202020204" pitchFamily="34" charset="0"/>
+              </a:rPr>
+              <a:t>HTTPS</a:t>
+            </a:r>
+            <a:r>
+              <a:rPr lang="he-IL" sz="1800" dirty="0">
+                <a:effectLst/>
+                <a:latin typeface="Arial" panose="020B0604020202020204" pitchFamily="34" charset="0"/>
+                <a:ea typeface="Arial" panose="020B0604020202020204" pitchFamily="34" charset="0"/>
+              </a:rPr>
+              <a:t> לכן המפעיל מחויב ברישום דומיין ואחזקתו.</a:t>
+            </a:r>
+          </a:p>
+          <a:p>
+            <a:r>
+              <a:rPr lang="he-IL" sz="1800" dirty="0">
+                <a:effectLst/>
+                <a:latin typeface="Arial" panose="020B0604020202020204" pitchFamily="34" charset="0"/>
+                <a:ea typeface="Arial" panose="020B0604020202020204" pitchFamily="34" charset="0"/>
+              </a:rPr>
+              <a:t>הדומיין מתחזה לאתר שנראה בטוח לשימוש כמו אתרי בנק, ספקי תקשורת ושירותי נוספים.</a:t>
+            </a:r>
+          </a:p>
+          <a:p>
+            <a:r>
+              <a:rPr lang="he-IL" sz="1800" dirty="0">
+                <a:effectLst/>
+                <a:latin typeface="Arial" panose="020B0604020202020204" pitchFamily="34" charset="0"/>
+                <a:ea typeface="Arial" panose="020B0604020202020204" pitchFamily="34" charset="0"/>
+              </a:rPr>
+              <a:t>לרוב שרתי הדומיין מובילים לשרתי ענן </a:t>
+            </a:r>
+            <a:r>
+              <a:rPr lang="he-IL" sz="1800" dirty="0" err="1">
+                <a:effectLst/>
+                <a:latin typeface="Arial" panose="020B0604020202020204" pitchFamily="34" charset="0"/>
+                <a:ea typeface="Arial" panose="020B0604020202020204" pitchFamily="34" charset="0"/>
+              </a:rPr>
+              <a:t>וירטואלים</a:t>
+            </a:r>
+            <a:r>
+              <a:rPr lang="he-IL" sz="1800" dirty="0">
+                <a:effectLst/>
+                <a:latin typeface="Arial" panose="020B0604020202020204" pitchFamily="34" charset="0"/>
+                <a:ea typeface="Arial" panose="020B0604020202020204" pitchFamily="34" charset="0"/>
+              </a:rPr>
+              <a:t> פרטיים המושכרים על ידי קבוצות </a:t>
             </a:r>
             <a:r>
               <a:rPr lang="en-US" sz="1800" dirty="0">
-                <a:latin typeface="Arial" panose="020B0604020202020204" pitchFamily="34" charset="0"/>
-                <a:ea typeface="Arial" panose="020B0604020202020204" pitchFamily="34" charset="0"/>
-              </a:rPr>
-              <a:t>TCL</a:t>
-            </a:r>
-            <a:r>
-              <a:rPr lang="he-IL" sz="1800" dirty="0">
-                <a:latin typeface="Arial" panose="020B0604020202020204" pitchFamily="34" charset="0"/>
-                <a:ea typeface="Arial" panose="020B0604020202020204" pitchFamily="34" charset="0"/>
-              </a:rPr>
-              <a:t>) </a:t>
-            </a:r>
-            <a:r>
-              <a:rPr lang="he-IL" sz="1800" dirty="0">
-                <a:effectLst/>
-                <a:latin typeface="Arial" panose="020B0604020202020204" pitchFamily="34" charset="0"/>
-                <a:ea typeface="Arial" panose="020B0604020202020204" pitchFamily="34" charset="0"/>
-              </a:rPr>
-              <a:t>היא מעבדה בינתחומית הפועלת באוניברסיטת טורונטו ומתמקדת במחקר, פיתוח, במדיניות אסטרטגיה ויישום חוקי של טכנולוגיות מידע ותקשורת, זכויות אדם וביטחון גלובלי.</a:t>
-            </a:r>
-          </a:p>
-          <a:p>
-            <a:r>
-              <a:rPr lang="he-IL" sz="1800" dirty="0">
-                <a:effectLst/>
-                <a:latin typeface="Arial" panose="020B0604020202020204" pitchFamily="34" charset="0"/>
-                <a:ea typeface="Arial" panose="020B0604020202020204" pitchFamily="34" charset="0"/>
-              </a:rPr>
-              <a:t>המעבדה המשתמשת בטכניקות משולבות של מדעי המדינה וחוק ומדעי המחשב.</a:t>
-            </a:r>
-          </a:p>
-          <a:p>
-            <a:r>
-              <a:rPr lang="he-IL" sz="1800" dirty="0">
-                <a:latin typeface="Arial" panose="020B0604020202020204" pitchFamily="34" charset="0"/>
-                <a:ea typeface="Arial" panose="020B0604020202020204" pitchFamily="34" charset="0"/>
-              </a:rPr>
-              <a:t>תחום </a:t>
-            </a:r>
-            <a:r>
-              <a:rPr lang="he-IL" sz="1800" dirty="0">
-                <a:effectLst/>
-                <a:latin typeface="Arial" panose="020B0604020202020204" pitchFamily="34" charset="0"/>
-                <a:ea typeface="Arial" panose="020B0604020202020204" pitchFamily="34" charset="0"/>
-              </a:rPr>
-              <a:t>המחקר שלה כולל חקירה של ריגול דיגיטלי נגד אוכלוסיית העולם ושיטות שונות המשפיעות על חופש הביטוי ברשתות.</a:t>
-            </a:r>
-          </a:p>
-          <a:p>
-            <a:r>
-              <a:rPr lang="he-IL" sz="1800" dirty="0">
-                <a:effectLst/>
-                <a:latin typeface="Arial" panose="020B0604020202020204" pitchFamily="34" charset="0"/>
-                <a:ea typeface="Arial" panose="020B0604020202020204" pitchFamily="34" charset="0"/>
-              </a:rPr>
-              <a:t>בנוסף מנתחת ובוחנת:</a:t>
-            </a:r>
-          </a:p>
-          <a:p>
-            <a:pPr lvl="1"/>
-            <a:r>
-              <a:rPr lang="he-IL" sz="1600" dirty="0">
-                <a:effectLst/>
-                <a:latin typeface="Arial" panose="020B0604020202020204" pitchFamily="34" charset="0"/>
-                <a:ea typeface="Arial" panose="020B0604020202020204" pitchFamily="34" charset="0"/>
-              </a:rPr>
-              <a:t>מדיניות של פרטיות</a:t>
-            </a:r>
-          </a:p>
-          <a:p>
-            <a:pPr lvl="1"/>
-            <a:r>
-              <a:rPr lang="he-IL" sz="1600" dirty="0">
-                <a:effectLst/>
-                <a:latin typeface="Arial" panose="020B0604020202020204" pitchFamily="34" charset="0"/>
-                <a:ea typeface="Arial" panose="020B0604020202020204" pitchFamily="34" charset="0"/>
-              </a:rPr>
-              <a:t>ביטחון ומידע של אפליקציות פופולריות</a:t>
-            </a:r>
-          </a:p>
-          <a:p>
-            <a:pPr lvl="1"/>
-            <a:r>
-              <a:rPr lang="he-IL" sz="1600" dirty="0">
-                <a:effectLst/>
-                <a:latin typeface="Arial" panose="020B0604020202020204" pitchFamily="34" charset="0"/>
-                <a:ea typeface="Arial" panose="020B0604020202020204" pitchFamily="34" charset="0"/>
-              </a:rPr>
-              <a:t>שקיפות ואחריות של מוסדות וסוכנויות על מידע פרטי</a:t>
-            </a:r>
-          </a:p>
-          <a:p>
-            <a:pPr lvl="1"/>
-            <a:r>
-              <a:rPr lang="he-IL" sz="1600" dirty="0">
-                <a:effectLst/>
-                <a:latin typeface="Arial" panose="020B0604020202020204" pitchFamily="34" charset="0"/>
-                <a:ea typeface="Arial" panose="020B0604020202020204" pitchFamily="34" charset="0"/>
-              </a:rPr>
-              <a:t>פעולות ניטור אחרות. </a:t>
-            </a:r>
-            <a:endParaRPr lang="en-US" sz="1600" dirty="0">
+                <a:effectLst/>
+                <a:latin typeface="Arial" panose="020B0604020202020204" pitchFamily="34" charset="0"/>
+                <a:ea typeface="Arial" panose="020B0604020202020204" pitchFamily="34" charset="0"/>
+              </a:rPr>
+              <a:t>NSO</a:t>
+            </a:r>
+            <a:r>
+              <a:rPr lang="he-IL" sz="1800" dirty="0">
+                <a:effectLst/>
+                <a:latin typeface="Arial" panose="020B0604020202020204" pitchFamily="34" charset="0"/>
+                <a:ea typeface="Arial" panose="020B0604020202020204" pitchFamily="34" charset="0"/>
+              </a:rPr>
+              <a:t> או המפעיל והם נקראים </a:t>
+            </a:r>
+            <a:r>
+              <a:rPr lang="en-US" sz="1800" dirty="0">
+                <a:effectLst/>
+                <a:latin typeface="Arial" panose="020B0604020202020204" pitchFamily="34" charset="0"/>
+                <a:ea typeface="Arial" panose="020B0604020202020204" pitchFamily="34" charset="0"/>
+              </a:rPr>
+              <a:t>front end servers</a:t>
+            </a:r>
+            <a:r>
+              <a:rPr lang="he-IL" sz="1800" dirty="0">
+                <a:effectLst/>
+                <a:latin typeface="Arial" panose="020B0604020202020204" pitchFamily="34" charset="0"/>
+                <a:ea typeface="Arial" panose="020B0604020202020204" pitchFamily="34" charset="0"/>
+              </a:rPr>
+              <a:t>.</a:t>
+            </a:r>
+          </a:p>
+          <a:p>
+            <a:r>
+              <a:rPr lang="he-IL" sz="1800" dirty="0">
+                <a:effectLst/>
+                <a:latin typeface="Arial" panose="020B0604020202020204" pitchFamily="34" charset="0"/>
+                <a:ea typeface="Arial" panose="020B0604020202020204" pitchFamily="34" charset="0"/>
+              </a:rPr>
+              <a:t>שרתי </a:t>
+            </a:r>
+            <a:r>
+              <a:rPr lang="en-US" sz="1800" dirty="0">
+                <a:effectLst/>
+                <a:latin typeface="Arial" panose="020B0604020202020204" pitchFamily="34" charset="0"/>
+                <a:ea typeface="Arial" panose="020B0604020202020204" pitchFamily="34" charset="0"/>
+              </a:rPr>
+              <a:t>front end</a:t>
+            </a:r>
+            <a:r>
+              <a:rPr lang="he-IL" sz="1800" dirty="0">
+                <a:effectLst/>
+                <a:latin typeface="Arial" panose="020B0604020202020204" pitchFamily="34" charset="0"/>
+                <a:ea typeface="Arial" panose="020B0604020202020204" pitchFamily="34" charset="0"/>
+              </a:rPr>
+              <a:t> מעבירים תעבורה דרך שרשרת של שרתים עד לשרתים במיקום המפעיל - </a:t>
+            </a:r>
+            <a:r>
+              <a:rPr lang="en-US" sz="1800" dirty="0">
+                <a:effectLst/>
+                <a:latin typeface="Arial" panose="020B0604020202020204" pitchFamily="34" charset="0"/>
+                <a:ea typeface="Arial" panose="020B0604020202020204" pitchFamily="34" charset="0"/>
+              </a:rPr>
+              <a:t>back end servers</a:t>
+            </a:r>
+            <a:r>
+              <a:rPr lang="he-IL" sz="1800" dirty="0">
+                <a:effectLst/>
+                <a:latin typeface="Arial" panose="020B0604020202020204" pitchFamily="34" charset="0"/>
+                <a:ea typeface="Arial" panose="020B0604020202020204" pitchFamily="34" charset="0"/>
+              </a:rPr>
+              <a:t>.</a:t>
+            </a:r>
+            <a:endParaRPr lang="en-US" sz="1800" dirty="0">
               <a:effectLst/>
               <a:latin typeface="Arial" panose="020B0604020202020204" pitchFamily="34" charset="0"/>
               <a:ea typeface="Arial" panose="020B0604020202020204" pitchFamily="34" charset="0"/>
             </a:endParaRPr>
           </a:p>
           <a:p>
+            <a:pPr marL="0" indent="0">
+              <a:buNone/>
+            </a:pPr>
             <a:endParaRPr lang="he-IL" dirty="0"/>
           </a:p>
         </p:txBody>
@@ -6876,7 +12504,7 @@
     </p:spTree>
     <p:extLst>
       <p:ext uri="{BB962C8B-B14F-4D97-AF65-F5344CB8AC3E}">
-        <p14:creationId xmlns:p14="http://schemas.microsoft.com/office/powerpoint/2010/main" val="3123825172"/>
+        <p14:creationId xmlns:p14="http://schemas.microsoft.com/office/powerpoint/2010/main" val="83099386"/>
       </p:ext>
     </p:extLst>
   </p:cSld>
@@ -6921,17 +12549,18 @@
         </p:nvSpPr>
         <p:spPr/>
         <p:txBody>
-          <a:bodyPr/>
+          <a:bodyPr>
+            <a:normAutofit/>
+          </a:bodyPr>
           <a:lstStyle/>
           <a:p>
-            <a:pPr algn="ctr"/>
             <a:r>
               <a:rPr lang="en-US" b="1" dirty="0">
                 <a:effectLst/>
                 <a:latin typeface="Arial" panose="020B0604020202020204" pitchFamily="34" charset="0"/>
                 <a:ea typeface="Arial" panose="020B0604020202020204" pitchFamily="34" charset="0"/>
               </a:rPr>
-              <a:t>The Citizen Lab vs. Pegasus</a:t>
+              <a:t>The Citizen Lab</a:t>
             </a:r>
             <a:endParaRPr lang="he-IL" dirty="0"/>
           </a:p>
@@ -6955,372 +12584,141 @@
         </p:nvSpPr>
         <p:spPr/>
         <p:txBody>
-          <a:bodyPr>
-            <a:normAutofit/>
-          </a:bodyPr>
+          <a:bodyPr/>
           <a:lstStyle/>
           <a:p>
             <a:r>
-              <a:rPr lang="he-IL" sz="1800" dirty="0">
-                <a:effectLst/>
-                <a:latin typeface="Arial" panose="020B0604020202020204" pitchFamily="34" charset="0"/>
-                <a:ea typeface="Arial" panose="020B0604020202020204" pitchFamily="34" charset="0"/>
-              </a:rPr>
-              <a:t>מעקב המעבדה אחרי מבנה </a:t>
-            </a:r>
-            <a:r>
-              <a:rPr lang="he-IL" sz="1800" dirty="0" err="1">
-                <a:effectLst/>
-                <a:latin typeface="Arial" panose="020B0604020202020204" pitchFamily="34" charset="0"/>
-                <a:ea typeface="Arial" panose="020B0604020202020204" pitchFamily="34" charset="0"/>
-              </a:rPr>
-              <a:t>הפגסוס</a:t>
-            </a:r>
-            <a:r>
-              <a:rPr lang="he-IL" sz="1800" dirty="0">
-                <a:effectLst/>
-                <a:latin typeface="Arial" panose="020B0604020202020204" pitchFamily="34" charset="0"/>
-                <a:ea typeface="Arial" panose="020B0604020202020204" pitchFamily="34" charset="0"/>
-              </a:rPr>
-              <a:t> של </a:t>
-            </a:r>
-            <a:r>
               <a:rPr lang="en-US" sz="1800" dirty="0">
-                <a:effectLst/>
-                <a:latin typeface="Arial" panose="020B0604020202020204" pitchFamily="34" charset="0"/>
-                <a:ea typeface="Arial" panose="020B0604020202020204" pitchFamily="34" charset="0"/>
-              </a:rPr>
-              <a:t>NSO</a:t>
-            </a:r>
-            <a:r>
-              <a:rPr lang="he-IL" sz="1800" dirty="0">
-                <a:effectLst/>
-                <a:latin typeface="Arial" panose="020B0604020202020204" pitchFamily="34" charset="0"/>
-                <a:ea typeface="Arial" panose="020B0604020202020204" pitchFamily="34" charset="0"/>
-              </a:rPr>
-              <a:t> התחיל מקישור שנעשה כאשר חקרו פעיל סייבר (</a:t>
+                <a:latin typeface="Arial" panose="020B0604020202020204" pitchFamily="34" charset="0"/>
+                <a:ea typeface="Arial" panose="020B0604020202020204" pitchFamily="34" charset="0"/>
+              </a:rPr>
+              <a:t>The Citizen Lab</a:t>
+            </a:r>
+            <a:r>
+              <a:rPr lang="he-IL" sz="1800" dirty="0">
+                <a:latin typeface="Arial" panose="020B0604020202020204" pitchFamily="34" charset="0"/>
+                <a:ea typeface="Arial" panose="020B0604020202020204" pitchFamily="34" charset="0"/>
+              </a:rPr>
+              <a:t> (</a:t>
             </a:r>
             <a:r>
               <a:rPr lang="en-US" sz="1800" dirty="0">
-                <a:effectLst/>
-                <a:latin typeface="Arial" panose="020B0604020202020204" pitchFamily="34" charset="0"/>
-                <a:ea typeface="Arial" panose="020B0604020202020204" pitchFamily="34" charset="0"/>
-              </a:rPr>
-              <a:t>Threat actor</a:t>
-            </a:r>
-            <a:r>
-              <a:rPr lang="he-IL" sz="1800" dirty="0">
-                <a:effectLst/>
-                <a:latin typeface="Arial" panose="020B0604020202020204" pitchFamily="34" charset="0"/>
-                <a:ea typeface="Arial" panose="020B0604020202020204" pitchFamily="34" charset="0"/>
-              </a:rPr>
-              <a:t>) של איחוד האמירויות בשם </a:t>
-            </a:r>
-            <a:r>
-              <a:rPr lang="en-US" sz="1800" dirty="0">
-                <a:effectLst/>
-                <a:latin typeface="Arial" panose="020B0604020202020204" pitchFamily="34" charset="0"/>
-                <a:ea typeface="Arial" panose="020B0604020202020204" pitchFamily="34" charset="0"/>
-              </a:rPr>
-              <a:t>Stealth Falcon</a:t>
-            </a:r>
-            <a:r>
-              <a:rPr lang="he-IL" sz="1800" dirty="0">
-                <a:effectLst/>
-                <a:latin typeface="Arial" panose="020B0604020202020204" pitchFamily="34" charset="0"/>
-                <a:ea typeface="Arial" panose="020B0604020202020204" pitchFamily="34" charset="0"/>
-              </a:rPr>
-              <a:t>.</a:t>
-            </a:r>
-            <a:endParaRPr lang="en-US" sz="1800" dirty="0">
+                <a:latin typeface="Arial" panose="020B0604020202020204" pitchFamily="34" charset="0"/>
+                <a:ea typeface="Arial" panose="020B0604020202020204" pitchFamily="34" charset="0"/>
+              </a:rPr>
+              <a:t>TCL</a:t>
+            </a:r>
+            <a:r>
+              <a:rPr lang="he-IL" sz="1800" dirty="0">
+                <a:latin typeface="Arial" panose="020B0604020202020204" pitchFamily="34" charset="0"/>
+                <a:ea typeface="Arial" panose="020B0604020202020204" pitchFamily="34" charset="0"/>
+              </a:rPr>
+              <a:t>) </a:t>
+            </a:r>
+            <a:r>
+              <a:rPr lang="he-IL" sz="1800" dirty="0">
+                <a:effectLst/>
+                <a:latin typeface="Arial" panose="020B0604020202020204" pitchFamily="34" charset="0"/>
+                <a:ea typeface="Arial" panose="020B0604020202020204" pitchFamily="34" charset="0"/>
+              </a:rPr>
+              <a:t>היא מעבדה בינתחומית הפועלת באוניברסיטת טורונטו ומתמקדת במחקר, פיתוח, במדיניות אסטרטגיה ויישום חוקי של טכנולוגיות מידע ותקשורת, זכויות אדם וביטחון גלובלי.</a:t>
+            </a:r>
+          </a:p>
+          <a:p>
+            <a:r>
+              <a:rPr lang="he-IL" sz="1800" dirty="0">
+                <a:effectLst/>
+                <a:latin typeface="Arial" panose="020B0604020202020204" pitchFamily="34" charset="0"/>
+                <a:ea typeface="Arial" panose="020B0604020202020204" pitchFamily="34" charset="0"/>
+              </a:rPr>
+              <a:t>המעבדה המשתמשת בטכניקות משולבות של מדעי המדינה וחוק ומדעי המחשב.</a:t>
+            </a:r>
+          </a:p>
+          <a:p>
+            <a:r>
+              <a:rPr lang="he-IL" sz="1800" dirty="0">
+                <a:latin typeface="Arial" panose="020B0604020202020204" pitchFamily="34" charset="0"/>
+                <a:ea typeface="Arial" panose="020B0604020202020204" pitchFamily="34" charset="0"/>
+              </a:rPr>
+              <a:t>תחום </a:t>
+            </a:r>
+            <a:r>
+              <a:rPr lang="he-IL" sz="1800" dirty="0">
+                <a:effectLst/>
+                <a:latin typeface="Arial" panose="020B0604020202020204" pitchFamily="34" charset="0"/>
+                <a:ea typeface="Arial" panose="020B0604020202020204" pitchFamily="34" charset="0"/>
+              </a:rPr>
+              <a:t>המחקר שלה כולל חקירה של ריגול דיגיטלי נגד אוכלוסיית העולם ושיטות שונות המשפיעות על חופש הביטוי ברשתות.</a:t>
+            </a:r>
+          </a:p>
+          <a:p>
+            <a:r>
+              <a:rPr lang="he-IL" sz="1800" dirty="0">
+                <a:effectLst/>
+                <a:latin typeface="Arial" panose="020B0604020202020204" pitchFamily="34" charset="0"/>
+                <a:ea typeface="Arial" panose="020B0604020202020204" pitchFamily="34" charset="0"/>
+              </a:rPr>
+              <a:t>בנוסף מנתחת ובוחנת:</a:t>
+            </a:r>
+          </a:p>
+          <a:p>
+            <a:pPr lvl="1"/>
+            <a:r>
+              <a:rPr lang="he-IL" sz="1600" dirty="0">
+                <a:effectLst/>
+                <a:latin typeface="Arial" panose="020B0604020202020204" pitchFamily="34" charset="0"/>
+                <a:ea typeface="Arial" panose="020B0604020202020204" pitchFamily="34" charset="0"/>
+              </a:rPr>
+              <a:t>מדיניות של פרטיות</a:t>
+            </a:r>
+          </a:p>
+          <a:p>
+            <a:pPr lvl="1"/>
+            <a:r>
+              <a:rPr lang="he-IL" sz="1600" dirty="0">
+                <a:effectLst/>
+                <a:latin typeface="Arial" panose="020B0604020202020204" pitchFamily="34" charset="0"/>
+                <a:ea typeface="Arial" panose="020B0604020202020204" pitchFamily="34" charset="0"/>
+              </a:rPr>
+              <a:t>ביטחון ומידע של אפליקציות פופולריות</a:t>
+            </a:r>
+          </a:p>
+          <a:p>
+            <a:pPr lvl="1"/>
+            <a:r>
+              <a:rPr lang="he-IL" sz="1600" dirty="0">
+                <a:effectLst/>
+                <a:latin typeface="Arial" panose="020B0604020202020204" pitchFamily="34" charset="0"/>
+                <a:ea typeface="Arial" panose="020B0604020202020204" pitchFamily="34" charset="0"/>
+              </a:rPr>
+              <a:t>שקיפות ואחריות של מוסדות וסוכנויות על מידע פרטי</a:t>
+            </a:r>
+          </a:p>
+          <a:p>
+            <a:pPr lvl="1"/>
+            <a:r>
+              <a:rPr lang="he-IL" sz="1600" dirty="0">
+                <a:effectLst/>
+                <a:latin typeface="Arial" panose="020B0604020202020204" pitchFamily="34" charset="0"/>
+                <a:ea typeface="Arial" panose="020B0604020202020204" pitchFamily="34" charset="0"/>
+              </a:rPr>
+              <a:t>פעולות ניטור אחרות. </a:t>
+            </a:r>
+            <a:endParaRPr lang="en-US" sz="1600" dirty="0">
+              <a:effectLst/>
               <a:latin typeface="Arial" panose="020B0604020202020204" pitchFamily="34" charset="0"/>
               <a:ea typeface="Arial" panose="020B0604020202020204" pitchFamily="34" charset="0"/>
             </a:endParaRPr>
           </a:p>
           <a:p>
-            <a:r>
-              <a:rPr lang="he-IL" sz="1800" dirty="0">
-                <a:effectLst/>
-                <a:latin typeface="Arial" panose="020B0604020202020204" pitchFamily="34" charset="0"/>
-                <a:ea typeface="Arial" panose="020B0604020202020204" pitchFamily="34" charset="0"/>
-              </a:rPr>
-              <a:t>הוא רשם שם דומיין שעמוד הבית שלו הכיל לינק של </a:t>
-            </a:r>
-            <a:r>
-              <a:rPr lang="he-IL" sz="1800" dirty="0" err="1">
-                <a:effectLst/>
-                <a:latin typeface="Arial" panose="020B0604020202020204" pitchFamily="34" charset="0"/>
-                <a:ea typeface="Arial" panose="020B0604020202020204" pitchFamily="34" charset="0"/>
-              </a:rPr>
-              <a:t>פגסוס</a:t>
-            </a:r>
-            <a:r>
-              <a:rPr lang="he-IL" sz="1800" dirty="0">
-                <a:effectLst/>
-                <a:latin typeface="Arial" panose="020B0604020202020204" pitchFamily="34" charset="0"/>
-                <a:ea typeface="Arial" panose="020B0604020202020204" pitchFamily="34" charset="0"/>
-              </a:rPr>
-              <a:t>, ושם הדומיין </a:t>
-            </a:r>
-            <a:r>
-              <a:rPr lang="he-IL" sz="1800" dirty="0" err="1">
-                <a:effectLst/>
-                <a:latin typeface="Arial" panose="020B0604020202020204" pitchFamily="34" charset="0"/>
-                <a:ea typeface="Arial" panose="020B0604020202020204" pitchFamily="34" charset="0"/>
-              </a:rPr>
-              <a:t>שומש</a:t>
-            </a:r>
-            <a:r>
-              <a:rPr lang="he-IL" sz="1800" dirty="0">
-                <a:effectLst/>
-                <a:latin typeface="Arial" panose="020B0604020202020204" pitchFamily="34" charset="0"/>
-                <a:ea typeface="Arial" panose="020B0604020202020204" pitchFamily="34" charset="0"/>
-              </a:rPr>
-              <a:t> לשמות של כתובות אימייל עבור מוצרי ריגול אחרים הידועים למעבדה.</a:t>
-            </a:r>
-          </a:p>
-          <a:p>
-            <a:r>
-              <a:rPr lang="he-IL" sz="1800" dirty="0">
-                <a:effectLst/>
-                <a:latin typeface="Arial" panose="020B0604020202020204" pitchFamily="34" charset="0"/>
-                <a:ea typeface="Arial" panose="020B0604020202020204" pitchFamily="34" charset="0"/>
-              </a:rPr>
-              <a:t>באמצעות מאפיינים שונים שנאספו של קישורים וכתובות הקשורות </a:t>
-            </a:r>
-            <a:r>
-              <a:rPr lang="he-IL" sz="1800" dirty="0" err="1">
-                <a:latin typeface="Arial" panose="020B0604020202020204" pitchFamily="34" charset="0"/>
-                <a:ea typeface="Arial" panose="020B0604020202020204" pitchFamily="34" charset="0"/>
-              </a:rPr>
-              <a:t>ב</a:t>
-            </a:r>
-            <a:r>
-              <a:rPr lang="he-IL" sz="1800" dirty="0" err="1">
-                <a:effectLst/>
-                <a:latin typeface="Arial" panose="020B0604020202020204" pitchFamily="34" charset="0"/>
-                <a:ea typeface="Arial" panose="020B0604020202020204" pitchFamily="34" charset="0"/>
-              </a:rPr>
-              <a:t>פגסוס</a:t>
-            </a:r>
-            <a:r>
-              <a:rPr lang="he-IL" sz="1800" dirty="0">
-                <a:effectLst/>
-                <a:latin typeface="Arial" panose="020B0604020202020204" pitchFamily="34" charset="0"/>
-                <a:ea typeface="Arial" panose="020B0604020202020204" pitchFamily="34" charset="0"/>
-              </a:rPr>
-              <a:t>, </a:t>
-            </a:r>
-            <a:r>
-              <a:rPr lang="en-US" sz="1800" dirty="0">
-                <a:effectLst/>
-                <a:latin typeface="Arial" panose="020B0604020202020204" pitchFamily="34" charset="0"/>
-                <a:ea typeface="Arial" panose="020B0604020202020204" pitchFamily="34" charset="0"/>
-              </a:rPr>
-              <a:t>TCL</a:t>
-            </a:r>
-            <a:r>
-              <a:rPr lang="he-IL" sz="1800" dirty="0">
-                <a:effectLst/>
-                <a:latin typeface="Arial" panose="020B0604020202020204" pitchFamily="34" charset="0"/>
-                <a:ea typeface="Arial" panose="020B0604020202020204" pitchFamily="34" charset="0"/>
-              </a:rPr>
-              <a:t> סרקו כתובות למציאת שרתים בעלי מאפיינים דומים כדי לגלות את המבנה של תוכנת </a:t>
-            </a:r>
-            <a:r>
-              <a:rPr lang="he-IL" sz="1800" dirty="0" err="1">
-                <a:effectLst/>
-                <a:latin typeface="Arial" panose="020B0604020202020204" pitchFamily="34" charset="0"/>
-                <a:ea typeface="Arial" panose="020B0604020202020204" pitchFamily="34" charset="0"/>
-              </a:rPr>
-              <a:t>הפגסוס</a:t>
-            </a:r>
-            <a:r>
-              <a:rPr lang="he-IL" sz="1800" dirty="0">
-                <a:effectLst/>
-                <a:latin typeface="Arial" panose="020B0604020202020204" pitchFamily="34" charset="0"/>
-                <a:ea typeface="Arial" panose="020B0604020202020204" pitchFamily="34" charset="0"/>
-              </a:rPr>
-              <a:t>.</a:t>
-            </a:r>
-          </a:p>
-          <a:p>
-            <a:r>
-              <a:rPr lang="he-IL" sz="1800" dirty="0">
-                <a:effectLst/>
-                <a:latin typeface="Arial" panose="020B0604020202020204" pitchFamily="34" charset="0"/>
-                <a:ea typeface="Arial" panose="020B0604020202020204" pitchFamily="34" charset="0"/>
-              </a:rPr>
-              <a:t>באוגוסט 2016 קיבל אחמד </a:t>
-            </a:r>
-            <a:r>
-              <a:rPr lang="he-IL" sz="1800" dirty="0" err="1">
-                <a:effectLst/>
-                <a:latin typeface="Arial" panose="020B0604020202020204" pitchFamily="34" charset="0"/>
-                <a:ea typeface="Arial" panose="020B0604020202020204" pitchFamily="34" charset="0"/>
-              </a:rPr>
-              <a:t>מנסור</a:t>
-            </a:r>
-            <a:r>
-              <a:rPr lang="he-IL" sz="1800" dirty="0">
-                <a:effectLst/>
-                <a:latin typeface="Arial" panose="020B0604020202020204" pitchFamily="34" charset="0"/>
-                <a:ea typeface="Arial" panose="020B0604020202020204" pitchFamily="34" charset="0"/>
-              </a:rPr>
-              <a:t> (פעיל זכויות אדם באמירויות) הודעות המכילות לינק עם "הבטחה לקבלת סודות".</a:t>
-            </a:r>
-          </a:p>
-          <a:p>
-            <a:r>
-              <a:rPr lang="he-IL" sz="1800" dirty="0">
-                <a:effectLst/>
-                <a:latin typeface="Arial" panose="020B0604020202020204" pitchFamily="34" charset="0"/>
-                <a:ea typeface="Arial" panose="020B0604020202020204" pitchFamily="34" charset="0"/>
-              </a:rPr>
-              <a:t>אחמד </a:t>
-            </a:r>
-            <a:r>
-              <a:rPr lang="he-IL" sz="1800" dirty="0" err="1">
-                <a:effectLst/>
-                <a:latin typeface="Arial" panose="020B0604020202020204" pitchFamily="34" charset="0"/>
-                <a:ea typeface="Arial" panose="020B0604020202020204" pitchFamily="34" charset="0"/>
-              </a:rPr>
-              <a:t>מנסור</a:t>
-            </a:r>
-            <a:r>
-              <a:rPr lang="he-IL" sz="1800" dirty="0">
-                <a:latin typeface="Arial" panose="020B0604020202020204" pitchFamily="34" charset="0"/>
-                <a:ea typeface="Arial" panose="020B0604020202020204" pitchFamily="34" charset="0"/>
-              </a:rPr>
-              <a:t> </a:t>
-            </a:r>
-            <a:r>
-              <a:rPr lang="he-IL" sz="1800" dirty="0">
-                <a:effectLst/>
-                <a:latin typeface="Arial" panose="020B0604020202020204" pitchFamily="34" charset="0"/>
-                <a:ea typeface="Arial" panose="020B0604020202020204" pitchFamily="34" charset="0"/>
-              </a:rPr>
-              <a:t>נהפך למטרה </a:t>
-            </a:r>
-            <a:r>
-              <a:rPr lang="he-IL" sz="1800" dirty="0">
-                <a:latin typeface="Arial" panose="020B0604020202020204" pitchFamily="34" charset="0"/>
-                <a:ea typeface="Arial" panose="020B0604020202020204" pitchFamily="34" charset="0"/>
-              </a:rPr>
-              <a:t>נחשקת ומבוקשת </a:t>
-            </a:r>
-            <a:r>
-              <a:rPr lang="he-IL" sz="1800" dirty="0">
-                <a:effectLst/>
-                <a:latin typeface="Arial" panose="020B0604020202020204" pitchFamily="34" charset="0"/>
-                <a:ea typeface="Arial" panose="020B0604020202020204" pitchFamily="34" charset="0"/>
-              </a:rPr>
-              <a:t>לריגול, וניסיונות התקיפה העיקריים דרכו היו שליחת לינקים לאימייל שלו </a:t>
-            </a:r>
-            <a:r>
-              <a:rPr lang="he-IL" sz="1800" dirty="0">
-                <a:latin typeface="Arial" panose="020B0604020202020204" pitchFamily="34" charset="0"/>
-                <a:ea typeface="Arial" panose="020B0604020202020204" pitchFamily="34" charset="0"/>
-              </a:rPr>
-              <a:t>(</a:t>
-            </a:r>
-            <a:r>
-              <a:rPr lang="he-IL" sz="1800" dirty="0" err="1">
-                <a:latin typeface="Arial" panose="020B0604020202020204" pitchFamily="34" charset="0"/>
-                <a:ea typeface="Arial" panose="020B0604020202020204" pitchFamily="34" charset="0"/>
-              </a:rPr>
-              <a:t>פישינג</a:t>
-            </a:r>
-            <a:r>
-              <a:rPr lang="he-IL" sz="1800" dirty="0">
-                <a:latin typeface="Arial" panose="020B0604020202020204" pitchFamily="34" charset="0"/>
-                <a:ea typeface="Arial" panose="020B0604020202020204" pitchFamily="34" charset="0"/>
-              </a:rPr>
-              <a:t>)</a:t>
-            </a:r>
-            <a:r>
-              <a:rPr lang="he-IL" sz="1800" dirty="0">
-                <a:effectLst/>
-                <a:latin typeface="Arial" panose="020B0604020202020204" pitchFamily="34" charset="0"/>
-                <a:ea typeface="Arial" panose="020B0604020202020204" pitchFamily="34" charset="0"/>
-              </a:rPr>
-              <a:t>.</a:t>
-            </a:r>
-          </a:p>
-          <a:p>
-            <a:r>
-              <a:rPr lang="he-IL" sz="1800" dirty="0">
-                <a:effectLst/>
-                <a:latin typeface="Arial" panose="020B0604020202020204" pitchFamily="34" charset="0"/>
-                <a:ea typeface="Arial" panose="020B0604020202020204" pitchFamily="34" charset="0"/>
-              </a:rPr>
-              <a:t>המעבדה קיבלה ממנו את ההודעה והקישור שנשלח בה. הם לחצו על הקישור וקיבלו 3 </a:t>
-            </a:r>
-            <a:r>
-              <a:rPr lang="en-US" sz="1800" dirty="0">
-                <a:effectLst/>
-                <a:latin typeface="Arial" panose="020B0604020202020204" pitchFamily="34" charset="0"/>
-                <a:ea typeface="Arial" panose="020B0604020202020204" pitchFamily="34" charset="0"/>
-              </a:rPr>
-              <a:t>zero days exploits</a:t>
-            </a:r>
-            <a:r>
-              <a:rPr lang="he-IL" sz="1800" dirty="0">
-                <a:effectLst/>
-                <a:latin typeface="Arial" panose="020B0604020202020204" pitchFamily="34" charset="0"/>
-                <a:ea typeface="Arial" panose="020B0604020202020204" pitchFamily="34" charset="0"/>
-              </a:rPr>
-              <a:t> והתקנה של תוכנת </a:t>
-            </a:r>
-            <a:r>
-              <a:rPr lang="he-IL" sz="1800" dirty="0" err="1">
-                <a:effectLst/>
-                <a:latin typeface="Arial" panose="020B0604020202020204" pitchFamily="34" charset="0"/>
-                <a:ea typeface="Arial" panose="020B0604020202020204" pitchFamily="34" charset="0"/>
-              </a:rPr>
-              <a:t>פגסוס</a:t>
-            </a:r>
-            <a:r>
-              <a:rPr lang="he-IL" sz="1800" dirty="0">
-                <a:effectLst/>
-                <a:latin typeface="Arial" panose="020B0604020202020204" pitchFamily="34" charset="0"/>
-                <a:ea typeface="Arial" panose="020B0604020202020204" pitchFamily="34" charset="0"/>
-              </a:rPr>
-              <a:t>.</a:t>
-            </a:r>
-          </a:p>
-          <a:p>
-            <a:r>
-              <a:rPr lang="he-IL" sz="1800" dirty="0">
-                <a:effectLst/>
-                <a:latin typeface="Arial" panose="020B0604020202020204" pitchFamily="34" charset="0"/>
-                <a:ea typeface="Arial" panose="020B0604020202020204" pitchFamily="34" charset="0"/>
-              </a:rPr>
-              <a:t>מהלינק שקיבלו הם בנו טביעות אצבע למתקפה, וסרקו את הרשת לשרתי </a:t>
-            </a:r>
-            <a:r>
-              <a:rPr lang="en-US" sz="1800" dirty="0">
-                <a:effectLst/>
-                <a:latin typeface="Arial" panose="020B0604020202020204" pitchFamily="34" charset="0"/>
-                <a:ea typeface="Arial" panose="020B0604020202020204" pitchFamily="34" charset="0"/>
-              </a:rPr>
-              <a:t> front-end</a:t>
-            </a:r>
-            <a:r>
-              <a:rPr lang="he-IL" sz="1800" dirty="0">
-                <a:effectLst/>
-                <a:latin typeface="Arial" panose="020B0604020202020204" pitchFamily="34" charset="0"/>
-                <a:ea typeface="Arial" panose="020B0604020202020204" pitchFamily="34" charset="0"/>
-              </a:rPr>
-              <a:t>נוספים.</a:t>
-            </a:r>
+            <a:endParaRPr lang="he-IL" dirty="0"/>
           </a:p>
         </p:txBody>
       </p:sp>
     </p:spTree>
     <p:extLst>
       <p:ext uri="{BB962C8B-B14F-4D97-AF65-F5344CB8AC3E}">
-        <p14:creationId xmlns:p14="http://schemas.microsoft.com/office/powerpoint/2010/main" val="3012335611"/>
+        <p14:creationId xmlns:p14="http://schemas.microsoft.com/office/powerpoint/2010/main" val="3123825172"/>
       </p:ext>
     </p:extLst>
   </p:cSld>
@@ -7352,7 +12750,7 @@
           <p:cNvPr id="2" name="כותרת 1">
             <a:extLst>
               <a:ext uri="{FF2B5EF4-FFF2-40B4-BE49-F238E27FC236}">
-                <a16:creationId xmlns:a16="http://schemas.microsoft.com/office/drawing/2014/main" id="{14C49CA8-9717-500B-6A1D-F5869DB65104}"/>
+                <a16:creationId xmlns:a16="http://schemas.microsoft.com/office/drawing/2014/main" id="{4D4D975E-787C-7425-90D1-96E8AA0D365F}"/>
               </a:ext>
             </a:extLst>
           </p:cNvPr>
@@ -7371,13 +12769,13 @@
             <a:pPr algn="ctr"/>
             <a:r>
               <a:rPr lang="en-US" b="1" dirty="0">
-                <a:cs typeface="+mn-cs"/>
-              </a:rPr>
-              <a:t>The beginning of the end</a:t>
-            </a:r>
-            <a:endParaRPr lang="he-IL" b="1" dirty="0">
-              <a:cs typeface="+mn-cs"/>
-            </a:endParaRPr>
+                <a:effectLst/>
+                <a:latin typeface="Arial" panose="020B0604020202020204" pitchFamily="34" charset="0"/>
+                <a:ea typeface="Arial" panose="020B0604020202020204" pitchFamily="34" charset="0"/>
+              </a:rPr>
+              <a:t>The Citizen Lab vs. Pegasus</a:t>
+            </a:r>
+            <a:endParaRPr lang="he-IL" dirty="0"/>
           </a:p>
         </p:txBody>
       </p:sp>
@@ -7386,7 +12784,7 @@
           <p:cNvPr id="3" name="מציין מיקום תוכן 2">
             <a:extLst>
               <a:ext uri="{FF2B5EF4-FFF2-40B4-BE49-F238E27FC236}">
-                <a16:creationId xmlns:a16="http://schemas.microsoft.com/office/drawing/2014/main" id="{DE55059D-668F-3915-2E6C-A24122E17676}"/>
+                <a16:creationId xmlns:a16="http://schemas.microsoft.com/office/drawing/2014/main" id="{C5FA4DB0-C6DB-D10C-20BB-8BAA4967DD33}"/>
               </a:ext>
             </a:extLst>
           </p:cNvPr>
@@ -7400,56 +12798,36 @@
         <p:spPr/>
         <p:txBody>
           <a:bodyPr>
-            <a:normAutofit fontScale="77500" lnSpcReduction="20000"/>
+            <a:normAutofit/>
           </a:bodyPr>
           <a:lstStyle/>
           <a:p>
-            <a:pPr>
-              <a:lnSpc>
-                <a:spcPct val="120000"/>
-              </a:lnSpc>
-            </a:pPr>
-            <a:r>
-              <a:rPr lang="he-IL" sz="2800" dirty="0">
-                <a:effectLst/>
-                <a:latin typeface="Arial" panose="020B0604020202020204" pitchFamily="34" charset="0"/>
-                <a:ea typeface="Arial" panose="020B0604020202020204" pitchFamily="34" charset="0"/>
-              </a:rPr>
-              <a:t>הם נכנסו לקישור תחת סביבה "בטוחה".</a:t>
-            </a:r>
-          </a:p>
-          <a:p>
-            <a:pPr>
-              <a:lnSpc>
-                <a:spcPct val="120000"/>
-              </a:lnSpc>
-            </a:pPr>
-            <a:r>
-              <a:rPr lang="he-IL" sz="2800" dirty="0">
-                <a:effectLst/>
-                <a:latin typeface="Arial" panose="020B0604020202020204" pitchFamily="34" charset="0"/>
-                <a:ea typeface="Arial" panose="020B0604020202020204" pitchFamily="34" charset="0"/>
-              </a:rPr>
-              <a:t>הם סרקו את הרשת ודרכי ההגעה לקישור, והשתמשו ב-</a:t>
-            </a:r>
-            <a:r>
-              <a:rPr lang="en-US" sz="2800" dirty="0">
-                <a:effectLst/>
-                <a:latin typeface="Arial" panose="020B0604020202020204" pitchFamily="34" charset="0"/>
-                <a:ea typeface="Arial" panose="020B0604020202020204" pitchFamily="34" charset="0"/>
-              </a:rPr>
-              <a:t>DNS Probing</a:t>
-            </a:r>
-            <a:r>
-              <a:rPr lang="he-IL" sz="2800" dirty="0">
-                <a:effectLst/>
-                <a:latin typeface="Arial" panose="020B0604020202020204" pitchFamily="34" charset="0"/>
-                <a:ea typeface="Arial" panose="020B0604020202020204" pitchFamily="34" charset="0"/>
-              </a:rPr>
-              <a:t> לאיתור זיהוי שרתים החשודים לאלו של </a:t>
-            </a:r>
-            <a:r>
-              <a:rPr lang="en-US" sz="2800" dirty="0">
+            <a:r>
+              <a:rPr lang="he-IL" sz="1800" dirty="0">
+                <a:effectLst/>
+                <a:latin typeface="Arial" panose="020B0604020202020204" pitchFamily="34" charset="0"/>
+                <a:ea typeface="Arial" panose="020B0604020202020204" pitchFamily="34" charset="0"/>
+              </a:rPr>
+              <a:t>מעקב המעבדה אחרי מבנה </a:t>
+            </a:r>
+            <a:r>
+              <a:rPr lang="he-IL" sz="1800" dirty="0" err="1">
+                <a:effectLst/>
+                <a:latin typeface="Arial" panose="020B0604020202020204" pitchFamily="34" charset="0"/>
+                <a:ea typeface="Arial" panose="020B0604020202020204" pitchFamily="34" charset="0"/>
+              </a:rPr>
+              <a:t>הפגסוס</a:t>
+            </a:r>
+            <a:r>
+              <a:rPr lang="he-IL" sz="1800" dirty="0">
+                <a:effectLst/>
+                <a:latin typeface="Arial" panose="020B0604020202020204" pitchFamily="34" charset="0"/>
+                <a:ea typeface="Arial" panose="020B0604020202020204" pitchFamily="34" charset="0"/>
+              </a:rPr>
+              <a:t> של </a:t>
+            </a:r>
+            <a:r>
+              <a:rPr lang="en-US" sz="1800" dirty="0">
                 <a:effectLst/>
                 <a:latin typeface="Arial" panose="020B0604020202020204" pitchFamily="34" charset="0"/>
                 <a:ea typeface="Arial" panose="020B0604020202020204" pitchFamily="34" charset="0"/>
@@ -7457,169 +12835,334 @@
               <a:t>NSO</a:t>
             </a:r>
             <a:r>
-              <a:rPr lang="he-IL" sz="2800" dirty="0">
-                <a:effectLst/>
-                <a:latin typeface="Arial" panose="020B0604020202020204" pitchFamily="34" charset="0"/>
-                <a:ea typeface="Arial" panose="020B0604020202020204" pitchFamily="34" charset="0"/>
-              </a:rPr>
-              <a:t>, </a:t>
-            </a:r>
-            <a:r>
-              <a:rPr lang="he-IL" sz="2800" dirty="0" err="1">
-                <a:effectLst/>
-                <a:latin typeface="Arial" panose="020B0604020202020204" pitchFamily="34" charset="0"/>
-                <a:ea typeface="Arial" panose="020B0604020202020204" pitchFamily="34" charset="0"/>
-              </a:rPr>
-              <a:t>ובזחלנים</a:t>
-            </a:r>
-            <a:r>
-              <a:rPr lang="he-IL" sz="2800" dirty="0">
-                <a:effectLst/>
-                <a:latin typeface="Arial" panose="020B0604020202020204" pitchFamily="34" charset="0"/>
-                <a:ea typeface="Arial" panose="020B0604020202020204" pitchFamily="34" charset="0"/>
-              </a:rPr>
-              <a:t> (</a:t>
-            </a:r>
-            <a:r>
-              <a:rPr lang="en-US" sz="2800" dirty="0">
-                <a:effectLst/>
-                <a:latin typeface="Arial" panose="020B0604020202020204" pitchFamily="34" charset="0"/>
-                <a:ea typeface="Arial" panose="020B0604020202020204" pitchFamily="34" charset="0"/>
-              </a:rPr>
-              <a:t>crawlers</a:t>
-            </a:r>
-            <a:r>
-              <a:rPr lang="he-IL" sz="2800" dirty="0">
-                <a:effectLst/>
-                <a:latin typeface="Arial" panose="020B0604020202020204" pitchFamily="34" charset="0"/>
-                <a:ea typeface="Arial" panose="020B0604020202020204" pitchFamily="34" charset="0"/>
-              </a:rPr>
-              <a:t>) למציאת דפי </a:t>
-            </a:r>
-            <a:r>
-              <a:rPr lang="en-US" sz="2800" dirty="0">
-                <a:effectLst/>
-                <a:latin typeface="Arial" panose="020B0604020202020204" pitchFamily="34" charset="0"/>
-                <a:ea typeface="Arial" panose="020B0604020202020204" pitchFamily="34" charset="0"/>
-              </a:rPr>
-              <a:t>/redirect.aspx</a:t>
-            </a:r>
-            <a:r>
-              <a:rPr lang="he-IL" sz="2800" dirty="0">
-                <a:effectLst/>
-                <a:latin typeface="Arial" panose="020B0604020202020204" pitchFamily="34" charset="0"/>
-                <a:ea typeface="Arial" panose="020B0604020202020204" pitchFamily="34" charset="0"/>
-              </a:rPr>
-              <a:t> ו- </a:t>
-            </a:r>
-            <a:r>
-              <a:rPr lang="en-US" sz="2800" dirty="0">
-                <a:effectLst/>
-                <a:latin typeface="Arial" panose="020B0604020202020204" pitchFamily="34" charset="0"/>
-                <a:ea typeface="Arial" panose="020B0604020202020204" pitchFamily="34" charset="0"/>
-              </a:rPr>
-              <a:t>/support.aspx</a:t>
-            </a:r>
-            <a:r>
-              <a:rPr lang="he-IL" sz="2800" dirty="0">
-                <a:effectLst/>
-                <a:latin typeface="Arial" panose="020B0604020202020204" pitchFamily="34" charset="0"/>
-                <a:ea typeface="Arial" panose="020B0604020202020204" pitchFamily="34" charset="0"/>
-              </a:rPr>
-              <a:t> .</a:t>
-            </a:r>
-          </a:p>
-          <a:p>
-            <a:pPr>
-              <a:lnSpc>
-                <a:spcPct val="120000"/>
-              </a:lnSpc>
-            </a:pPr>
-            <a:r>
-              <a:rPr lang="he-IL" sz="2800" dirty="0">
-                <a:effectLst/>
-                <a:latin typeface="Arial" panose="020B0604020202020204" pitchFamily="34" charset="0"/>
-                <a:ea typeface="Arial" panose="020B0604020202020204" pitchFamily="34" charset="0"/>
-              </a:rPr>
-              <a:t>בעת כניסה לאותם האתרים עם הסיומות הנ"ל שרתי </a:t>
-            </a:r>
-            <a:r>
-              <a:rPr lang="he-IL" sz="2800" dirty="0" err="1">
-                <a:effectLst/>
-                <a:latin typeface="Arial" panose="020B0604020202020204" pitchFamily="34" charset="0"/>
-                <a:ea typeface="Arial" panose="020B0604020202020204" pitchFamily="34" charset="0"/>
-              </a:rPr>
-              <a:t>פגסוס</a:t>
-            </a:r>
-            <a:r>
-              <a:rPr lang="he-IL" sz="2800" dirty="0">
-                <a:effectLst/>
-                <a:latin typeface="Arial" panose="020B0604020202020204" pitchFamily="34" charset="0"/>
-                <a:ea typeface="Arial" panose="020B0604020202020204" pitchFamily="34" charset="0"/>
-              </a:rPr>
-              <a:t> החזירו דפי פיתיון (</a:t>
-            </a:r>
-            <a:r>
-              <a:rPr lang="en-US" sz="2800" dirty="0">
-                <a:effectLst/>
-                <a:latin typeface="Arial" panose="020B0604020202020204" pitchFamily="34" charset="0"/>
-                <a:ea typeface="Arial" panose="020B0604020202020204" pitchFamily="34" charset="0"/>
-              </a:rPr>
-              <a:t>decoy pages</a:t>
-            </a:r>
-            <a:r>
-              <a:rPr lang="he-IL" sz="2800" dirty="0">
-                <a:effectLst/>
-                <a:latin typeface="Arial" panose="020B0604020202020204" pitchFamily="34" charset="0"/>
-                <a:ea typeface="Arial" panose="020B0604020202020204" pitchFamily="34" charset="0"/>
-              </a:rPr>
-              <a:t>).</a:t>
-            </a:r>
-          </a:p>
-          <a:p>
-            <a:pPr>
-              <a:lnSpc>
-                <a:spcPct val="120000"/>
-              </a:lnSpc>
-            </a:pPr>
-            <a:r>
-              <a:rPr lang="he-IL" sz="2800" dirty="0">
-                <a:effectLst/>
-                <a:latin typeface="Arial" panose="020B0604020202020204" pitchFamily="34" charset="0"/>
-                <a:ea typeface="Arial" panose="020B0604020202020204" pitchFamily="34" charset="0"/>
-              </a:rPr>
-              <a:t>דפי פיתיון אלו הם דפים המוצגים כאשר משתמש שאינו רצוי ניגש לשרת, מוצגים כדפים בטוחים.</a:t>
-            </a:r>
-          </a:p>
-          <a:p>
-            <a:pPr>
-              <a:lnSpc>
-                <a:spcPct val="120000"/>
-              </a:lnSpc>
-            </a:pPr>
-            <a:r>
-              <a:rPr lang="he-IL" sz="2800" dirty="0">
-                <a:effectLst/>
-                <a:latin typeface="Arial" panose="020B0604020202020204" pitchFamily="34" charset="0"/>
-                <a:ea typeface="Arial" panose="020B0604020202020204" pitchFamily="34" charset="0"/>
-              </a:rPr>
-              <a:t>הפעולה של הצגת הדפים האלו נמצאת בקוד של שרת תוכנת הריגול ובחקירת הדפים המעבדה הצליחה להרכיב ולגבש טביעות אצבע של התקיפה, זאת בכדי לזהות שרתים נוספים בתקשורת עם אותו שרת או באם תוכנת הריגול נמצאת בשימוש של כמה מפעילים, למצוא את אותם המפעילים.</a:t>
-            </a:r>
-            <a:endParaRPr lang="en-US" sz="2800" dirty="0">
-              <a:effectLst/>
+              <a:rPr lang="he-IL" sz="1800" dirty="0">
+                <a:effectLst/>
+                <a:latin typeface="Arial" panose="020B0604020202020204" pitchFamily="34" charset="0"/>
+                <a:ea typeface="Arial" panose="020B0604020202020204" pitchFamily="34" charset="0"/>
+              </a:rPr>
+              <a:t> התחיל מקישור שנעשה כאשר חקרו פעיל סייבר (</a:t>
+            </a:r>
+            <a:r>
+              <a:rPr lang="en-US" sz="1800" dirty="0">
+                <a:effectLst/>
+                <a:latin typeface="Arial" panose="020B0604020202020204" pitchFamily="34" charset="0"/>
+                <a:ea typeface="Arial" panose="020B0604020202020204" pitchFamily="34" charset="0"/>
+              </a:rPr>
+              <a:t>Threat actor</a:t>
+            </a:r>
+            <a:r>
+              <a:rPr lang="he-IL" sz="1800" dirty="0">
+                <a:effectLst/>
+                <a:latin typeface="Arial" panose="020B0604020202020204" pitchFamily="34" charset="0"/>
+                <a:ea typeface="Arial" panose="020B0604020202020204" pitchFamily="34" charset="0"/>
+              </a:rPr>
+              <a:t>) של איחוד האמירויות בשם </a:t>
+            </a:r>
+            <a:r>
+              <a:rPr lang="en-US" sz="1800" dirty="0">
+                <a:effectLst/>
+                <a:latin typeface="Arial" panose="020B0604020202020204" pitchFamily="34" charset="0"/>
+                <a:ea typeface="Arial" panose="020B0604020202020204" pitchFamily="34" charset="0"/>
+              </a:rPr>
+              <a:t>Stealth Falcon</a:t>
+            </a:r>
+            <a:r>
+              <a:rPr lang="he-IL" sz="1800" dirty="0">
+                <a:effectLst/>
+                <a:latin typeface="Arial" panose="020B0604020202020204" pitchFamily="34" charset="0"/>
+                <a:ea typeface="Arial" panose="020B0604020202020204" pitchFamily="34" charset="0"/>
+              </a:rPr>
+              <a:t>.</a:t>
+            </a:r>
+            <a:endParaRPr lang="en-US" sz="1800" dirty="0">
               <a:latin typeface="Arial" panose="020B0604020202020204" pitchFamily="34" charset="0"/>
               <a:ea typeface="Arial" panose="020B0604020202020204" pitchFamily="34" charset="0"/>
             </a:endParaRPr>
           </a:p>
           <a:p>
-            <a:endParaRPr lang="he-IL" dirty="0"/>
+            <a:r>
+              <a:rPr lang="he-IL" sz="1800" dirty="0">
+                <a:effectLst/>
+                <a:latin typeface="Arial" panose="020B0604020202020204" pitchFamily="34" charset="0"/>
+                <a:ea typeface="Arial" panose="020B0604020202020204" pitchFamily="34" charset="0"/>
+              </a:rPr>
+              <a:t>הוא רשם שם דומיין שעמוד הבית שלו הכיל לינק של </a:t>
+            </a:r>
+            <a:r>
+              <a:rPr lang="he-IL" sz="1800" dirty="0" err="1">
+                <a:effectLst/>
+                <a:latin typeface="Arial" panose="020B0604020202020204" pitchFamily="34" charset="0"/>
+                <a:ea typeface="Arial" panose="020B0604020202020204" pitchFamily="34" charset="0"/>
+              </a:rPr>
+              <a:t>פגסוס</a:t>
+            </a:r>
+            <a:r>
+              <a:rPr lang="he-IL" sz="1800" dirty="0">
+                <a:effectLst/>
+                <a:latin typeface="Arial" panose="020B0604020202020204" pitchFamily="34" charset="0"/>
+                <a:ea typeface="Arial" panose="020B0604020202020204" pitchFamily="34" charset="0"/>
+              </a:rPr>
+              <a:t>, ושם הדומיין </a:t>
+            </a:r>
+            <a:r>
+              <a:rPr lang="he-IL" sz="1800" dirty="0" err="1">
+                <a:effectLst/>
+                <a:latin typeface="Arial" panose="020B0604020202020204" pitchFamily="34" charset="0"/>
+                <a:ea typeface="Arial" panose="020B0604020202020204" pitchFamily="34" charset="0"/>
+              </a:rPr>
+              <a:t>שומש</a:t>
+            </a:r>
+            <a:r>
+              <a:rPr lang="he-IL" sz="1800" dirty="0">
+                <a:effectLst/>
+                <a:latin typeface="Arial" panose="020B0604020202020204" pitchFamily="34" charset="0"/>
+                <a:ea typeface="Arial" panose="020B0604020202020204" pitchFamily="34" charset="0"/>
+              </a:rPr>
+              <a:t> לשמות של כתובות אימייל עבור מוצרי ריגול אחרים הידועים למעבדה.</a:t>
+            </a:r>
+          </a:p>
+          <a:p>
+            <a:r>
+              <a:rPr lang="he-IL" sz="1800" dirty="0">
+                <a:effectLst/>
+                <a:latin typeface="Arial" panose="020B0604020202020204" pitchFamily="34" charset="0"/>
+                <a:ea typeface="Arial" panose="020B0604020202020204" pitchFamily="34" charset="0"/>
+              </a:rPr>
+              <a:t>באמצעות מאפיינים שונים שנאספו של קישורים וכתובות הקשורות </a:t>
+            </a:r>
+            <a:r>
+              <a:rPr lang="he-IL" sz="1800" dirty="0" err="1">
+                <a:latin typeface="Arial" panose="020B0604020202020204" pitchFamily="34" charset="0"/>
+                <a:ea typeface="Arial" panose="020B0604020202020204" pitchFamily="34" charset="0"/>
+              </a:rPr>
+              <a:t>ב</a:t>
+            </a:r>
+            <a:r>
+              <a:rPr lang="he-IL" sz="1800" dirty="0" err="1">
+                <a:effectLst/>
+                <a:latin typeface="Arial" panose="020B0604020202020204" pitchFamily="34" charset="0"/>
+                <a:ea typeface="Arial" panose="020B0604020202020204" pitchFamily="34" charset="0"/>
+              </a:rPr>
+              <a:t>פגסוס</a:t>
+            </a:r>
+            <a:r>
+              <a:rPr lang="he-IL" sz="1800" dirty="0">
+                <a:effectLst/>
+                <a:latin typeface="Arial" panose="020B0604020202020204" pitchFamily="34" charset="0"/>
+                <a:ea typeface="Arial" panose="020B0604020202020204" pitchFamily="34" charset="0"/>
+              </a:rPr>
+              <a:t>, </a:t>
+            </a:r>
+            <a:r>
+              <a:rPr lang="en-US" sz="1800" dirty="0">
+                <a:effectLst/>
+                <a:latin typeface="Arial" panose="020B0604020202020204" pitchFamily="34" charset="0"/>
+                <a:ea typeface="Arial" panose="020B0604020202020204" pitchFamily="34" charset="0"/>
+              </a:rPr>
+              <a:t>TCL</a:t>
+            </a:r>
+            <a:r>
+              <a:rPr lang="he-IL" sz="1800" dirty="0">
+                <a:effectLst/>
+                <a:latin typeface="Arial" panose="020B0604020202020204" pitchFamily="34" charset="0"/>
+                <a:ea typeface="Arial" panose="020B0604020202020204" pitchFamily="34" charset="0"/>
+              </a:rPr>
+              <a:t> סרקו כתובות למציאת שרתים בעלי מאפיינים דומים כדי לגלות את המבנה של תוכנת </a:t>
+            </a:r>
+            <a:r>
+              <a:rPr lang="he-IL" sz="1800" dirty="0" err="1">
+                <a:effectLst/>
+                <a:latin typeface="Arial" panose="020B0604020202020204" pitchFamily="34" charset="0"/>
+                <a:ea typeface="Arial" panose="020B0604020202020204" pitchFamily="34" charset="0"/>
+              </a:rPr>
+              <a:t>הפגסוס</a:t>
+            </a:r>
+            <a:r>
+              <a:rPr lang="he-IL" sz="1800" dirty="0">
+                <a:effectLst/>
+                <a:latin typeface="Arial" panose="020B0604020202020204" pitchFamily="34" charset="0"/>
+                <a:ea typeface="Arial" panose="020B0604020202020204" pitchFamily="34" charset="0"/>
+              </a:rPr>
+              <a:t>.</a:t>
+            </a:r>
+          </a:p>
+          <a:p>
+            <a:r>
+              <a:rPr lang="he-IL" sz="1800" dirty="0">
+                <a:effectLst/>
+                <a:latin typeface="Arial" panose="020B0604020202020204" pitchFamily="34" charset="0"/>
+                <a:ea typeface="Arial" panose="020B0604020202020204" pitchFamily="34" charset="0"/>
+              </a:rPr>
+              <a:t>באוגוסט 2016 קיבל אחמד </a:t>
+            </a:r>
+            <a:r>
+              <a:rPr lang="he-IL" sz="1800" dirty="0" err="1">
+                <a:effectLst/>
+                <a:latin typeface="Arial" panose="020B0604020202020204" pitchFamily="34" charset="0"/>
+                <a:ea typeface="Arial" panose="020B0604020202020204" pitchFamily="34" charset="0"/>
+              </a:rPr>
+              <a:t>מנסור</a:t>
+            </a:r>
+            <a:r>
+              <a:rPr lang="he-IL" sz="1800" dirty="0">
+                <a:effectLst/>
+                <a:latin typeface="Arial" panose="020B0604020202020204" pitchFamily="34" charset="0"/>
+                <a:ea typeface="Arial" panose="020B0604020202020204" pitchFamily="34" charset="0"/>
+              </a:rPr>
+              <a:t> (פעיל זכויות אדם באמירויות) הודעות המכילות לינק עם "הבטחה לקבלת סודות".</a:t>
+            </a:r>
+          </a:p>
+          <a:p>
+            <a:r>
+              <a:rPr lang="he-IL" sz="1800" dirty="0">
+                <a:effectLst/>
+                <a:latin typeface="Arial" panose="020B0604020202020204" pitchFamily="34" charset="0"/>
+                <a:ea typeface="Arial" panose="020B0604020202020204" pitchFamily="34" charset="0"/>
+              </a:rPr>
+              <a:t>אחמד </a:t>
+            </a:r>
+            <a:r>
+              <a:rPr lang="he-IL" sz="1800" dirty="0" err="1">
+                <a:effectLst/>
+                <a:latin typeface="Arial" panose="020B0604020202020204" pitchFamily="34" charset="0"/>
+                <a:ea typeface="Arial" panose="020B0604020202020204" pitchFamily="34" charset="0"/>
+              </a:rPr>
+              <a:t>מנסור</a:t>
+            </a:r>
+            <a:r>
+              <a:rPr lang="he-IL" sz="1800" dirty="0">
+                <a:latin typeface="Arial" panose="020B0604020202020204" pitchFamily="34" charset="0"/>
+                <a:ea typeface="Arial" panose="020B0604020202020204" pitchFamily="34" charset="0"/>
+              </a:rPr>
+              <a:t> </a:t>
+            </a:r>
+            <a:r>
+              <a:rPr lang="he-IL" sz="1800" dirty="0">
+                <a:effectLst/>
+                <a:latin typeface="Arial" panose="020B0604020202020204" pitchFamily="34" charset="0"/>
+                <a:ea typeface="Arial" panose="020B0604020202020204" pitchFamily="34" charset="0"/>
+              </a:rPr>
+              <a:t>נהפך למטרה </a:t>
+            </a:r>
+            <a:r>
+              <a:rPr lang="he-IL" sz="1800" dirty="0">
+                <a:latin typeface="Arial" panose="020B0604020202020204" pitchFamily="34" charset="0"/>
+                <a:ea typeface="Arial" panose="020B0604020202020204" pitchFamily="34" charset="0"/>
+              </a:rPr>
+              <a:t>נחשקת ומבוקשת </a:t>
+            </a:r>
+            <a:r>
+              <a:rPr lang="he-IL" sz="1800" dirty="0">
+                <a:effectLst/>
+                <a:latin typeface="Arial" panose="020B0604020202020204" pitchFamily="34" charset="0"/>
+                <a:ea typeface="Arial" panose="020B0604020202020204" pitchFamily="34" charset="0"/>
+              </a:rPr>
+              <a:t>לריגול, וניסיונות התקיפה העיקריים דרכו היו שליחת לינקים לאימייל שלו </a:t>
+            </a:r>
+            <a:r>
+              <a:rPr lang="he-IL" sz="1800" dirty="0">
+                <a:latin typeface="Arial" panose="020B0604020202020204" pitchFamily="34" charset="0"/>
+                <a:ea typeface="Arial" panose="020B0604020202020204" pitchFamily="34" charset="0"/>
+              </a:rPr>
+              <a:t>(</a:t>
+            </a:r>
+            <a:r>
+              <a:rPr lang="he-IL" sz="1800" dirty="0" err="1">
+                <a:latin typeface="Arial" panose="020B0604020202020204" pitchFamily="34" charset="0"/>
+                <a:ea typeface="Arial" panose="020B0604020202020204" pitchFamily="34" charset="0"/>
+              </a:rPr>
+              <a:t>פישינג</a:t>
+            </a:r>
+            <a:r>
+              <a:rPr lang="he-IL" sz="1800" dirty="0">
+                <a:latin typeface="Arial" panose="020B0604020202020204" pitchFamily="34" charset="0"/>
+                <a:ea typeface="Arial" panose="020B0604020202020204" pitchFamily="34" charset="0"/>
+              </a:rPr>
+              <a:t>)</a:t>
+            </a:r>
+            <a:r>
+              <a:rPr lang="he-IL" sz="1800" dirty="0">
+                <a:effectLst/>
+                <a:latin typeface="Arial" panose="020B0604020202020204" pitchFamily="34" charset="0"/>
+                <a:ea typeface="Arial" panose="020B0604020202020204" pitchFamily="34" charset="0"/>
+              </a:rPr>
+              <a:t>.</a:t>
+            </a:r>
+          </a:p>
+          <a:p>
+            <a:r>
+              <a:rPr lang="he-IL" sz="1800" dirty="0">
+                <a:effectLst/>
+                <a:latin typeface="Arial" panose="020B0604020202020204" pitchFamily="34" charset="0"/>
+                <a:ea typeface="Arial" panose="020B0604020202020204" pitchFamily="34" charset="0"/>
+              </a:rPr>
+              <a:t>המעבדה קיבלה ממנו את ההודעה והקישור שנשלח בה. הם לחצו על הקישור וקיבלו 3 </a:t>
+            </a:r>
+            <a:r>
+              <a:rPr lang="en-US" sz="1800" dirty="0">
+                <a:effectLst/>
+                <a:latin typeface="Arial" panose="020B0604020202020204" pitchFamily="34" charset="0"/>
+                <a:ea typeface="Arial" panose="020B0604020202020204" pitchFamily="34" charset="0"/>
+              </a:rPr>
+              <a:t>zero days exploits</a:t>
+            </a:r>
+            <a:r>
+              <a:rPr lang="he-IL" sz="1800" dirty="0">
+                <a:effectLst/>
+                <a:latin typeface="Arial" panose="020B0604020202020204" pitchFamily="34" charset="0"/>
+                <a:ea typeface="Arial" panose="020B0604020202020204" pitchFamily="34" charset="0"/>
+              </a:rPr>
+              <a:t> והתקנה של תוכנת </a:t>
+            </a:r>
+            <a:r>
+              <a:rPr lang="he-IL" sz="1800" dirty="0" err="1">
+                <a:effectLst/>
+                <a:latin typeface="Arial" panose="020B0604020202020204" pitchFamily="34" charset="0"/>
+                <a:ea typeface="Arial" panose="020B0604020202020204" pitchFamily="34" charset="0"/>
+              </a:rPr>
+              <a:t>פגסוס</a:t>
+            </a:r>
+            <a:r>
+              <a:rPr lang="he-IL" sz="1800" dirty="0">
+                <a:effectLst/>
+                <a:latin typeface="Arial" panose="020B0604020202020204" pitchFamily="34" charset="0"/>
+                <a:ea typeface="Arial" panose="020B0604020202020204" pitchFamily="34" charset="0"/>
+              </a:rPr>
+              <a:t>.</a:t>
+            </a:r>
+          </a:p>
+          <a:p>
+            <a:r>
+              <a:rPr lang="he-IL" sz="1800" dirty="0">
+                <a:effectLst/>
+                <a:latin typeface="Arial" panose="020B0604020202020204" pitchFamily="34" charset="0"/>
+                <a:ea typeface="Arial" panose="020B0604020202020204" pitchFamily="34" charset="0"/>
+              </a:rPr>
+              <a:t>מהלינק שקיבלו הם בנו טביעות אצבע למתקפה, וסרקו את הרשת לשרתי </a:t>
+            </a:r>
+            <a:r>
+              <a:rPr lang="en-US" sz="1800" dirty="0">
+                <a:effectLst/>
+                <a:latin typeface="Arial" panose="020B0604020202020204" pitchFamily="34" charset="0"/>
+                <a:ea typeface="Arial" panose="020B0604020202020204" pitchFamily="34" charset="0"/>
+              </a:rPr>
+              <a:t> front-end</a:t>
+            </a:r>
+            <a:r>
+              <a:rPr lang="he-IL" sz="1800" dirty="0">
+                <a:effectLst/>
+                <a:latin typeface="Arial" panose="020B0604020202020204" pitchFamily="34" charset="0"/>
+                <a:ea typeface="Arial" panose="020B0604020202020204" pitchFamily="34" charset="0"/>
+              </a:rPr>
+              <a:t>נוספים.</a:t>
+            </a:r>
           </a:p>
         </p:txBody>
       </p:sp>
     </p:spTree>
     <p:extLst>
       <p:ext uri="{BB962C8B-B14F-4D97-AF65-F5344CB8AC3E}">
-        <p14:creationId xmlns:p14="http://schemas.microsoft.com/office/powerpoint/2010/main" val="1760620126"/>
+        <p14:creationId xmlns:p14="http://schemas.microsoft.com/office/powerpoint/2010/main" val="3012335611"/>
       </p:ext>
     </p:extLst>
   </p:cSld>
